--- a/Presentation/Presentation.pptx
+++ b/Presentation/Presentation.pptx
@@ -7,7 +7,7 @@
     <p:sldMasterId id="2147483674" r:id="rId3"/>
   </p:sldMasterIdLst>
   <p:notesMasterIdLst>
-    <p:notesMasterId r:id="rId17"/>
+    <p:notesMasterId r:id="rId18"/>
   </p:notesMasterIdLst>
   <p:sldIdLst>
     <p:sldId id="256" r:id="rId4"/>
@@ -22,7 +22,8 @@
     <p:sldId id="270" r:id="rId13"/>
     <p:sldId id="265" r:id="rId14"/>
     <p:sldId id="268" r:id="rId15"/>
-    <p:sldId id="264" r:id="rId16"/>
+    <p:sldId id="266" r:id="rId16"/>
+    <p:sldId id="264" r:id="rId17"/>
   </p:sldIdLst>
   <p:sldSz cx="10080625" cy="7559675"/>
   <p:notesSz cx="7559675" cy="10691813"/>
@@ -1636,6 +1637,753 @@
 </file>
 
 <file path=ppt/diagrams/colors3.xml><?xml version="1.0" encoding="utf-8"?>
+<dgm:colorsDef xmlns:dgm="http://schemas.openxmlformats.org/drawingml/2006/diagram" xmlns:a="http://schemas.openxmlformats.org/drawingml/2006/main" uniqueId="urn:microsoft.com/office/officeart/2005/8/colors/accent5_2">
+  <dgm:title val=""/>
+  <dgm:desc val=""/>
+  <dgm:catLst>
+    <dgm:cat type="accent5" pri="11200"/>
+  </dgm:catLst>
+  <dgm:styleLbl name="node0">
+    <dgm:fillClrLst meth="repeat">
+      <a:schemeClr val="accent5"/>
+    </dgm:fillClrLst>
+    <dgm:linClrLst meth="repeat">
+      <a:schemeClr val="lt1"/>
+    </dgm:linClrLst>
+    <dgm:effectClrLst/>
+    <dgm:txLinClrLst/>
+    <dgm:txFillClrLst/>
+    <dgm:txEffectClrLst/>
+  </dgm:styleLbl>
+  <dgm:styleLbl name="node1">
+    <dgm:fillClrLst meth="repeat">
+      <a:schemeClr val="accent5"/>
+    </dgm:fillClrLst>
+    <dgm:linClrLst meth="repeat">
+      <a:schemeClr val="lt1"/>
+    </dgm:linClrLst>
+    <dgm:effectClrLst/>
+    <dgm:txLinClrLst/>
+    <dgm:txFillClrLst/>
+    <dgm:txEffectClrLst/>
+  </dgm:styleLbl>
+  <dgm:styleLbl name="alignNode1">
+    <dgm:fillClrLst meth="repeat">
+      <a:schemeClr val="accent5"/>
+    </dgm:fillClrLst>
+    <dgm:linClrLst meth="repeat">
+      <a:schemeClr val="accent5"/>
+    </dgm:linClrLst>
+    <dgm:effectClrLst/>
+    <dgm:txLinClrLst/>
+    <dgm:txFillClrLst/>
+    <dgm:txEffectClrLst/>
+  </dgm:styleLbl>
+  <dgm:styleLbl name="lnNode1">
+    <dgm:fillClrLst meth="repeat">
+      <a:schemeClr val="accent5"/>
+    </dgm:fillClrLst>
+    <dgm:linClrLst meth="repeat">
+      <a:schemeClr val="lt1"/>
+    </dgm:linClrLst>
+    <dgm:effectClrLst/>
+    <dgm:txLinClrLst/>
+    <dgm:txFillClrLst/>
+    <dgm:txEffectClrLst/>
+  </dgm:styleLbl>
+  <dgm:styleLbl name="vennNode1">
+    <dgm:fillClrLst meth="repeat">
+      <a:schemeClr val="accent5">
+        <a:alpha val="50000"/>
+      </a:schemeClr>
+    </dgm:fillClrLst>
+    <dgm:linClrLst meth="repeat">
+      <a:schemeClr val="lt1"/>
+    </dgm:linClrLst>
+    <dgm:effectClrLst/>
+    <dgm:txLinClrLst/>
+    <dgm:txFillClrLst/>
+    <dgm:txEffectClrLst/>
+  </dgm:styleLbl>
+  <dgm:styleLbl name="node2">
+    <dgm:fillClrLst meth="repeat">
+      <a:schemeClr val="accent5"/>
+    </dgm:fillClrLst>
+    <dgm:linClrLst meth="repeat">
+      <a:schemeClr val="lt1"/>
+    </dgm:linClrLst>
+    <dgm:effectClrLst/>
+    <dgm:txLinClrLst/>
+    <dgm:txFillClrLst/>
+    <dgm:txEffectClrLst/>
+  </dgm:styleLbl>
+  <dgm:styleLbl name="node3">
+    <dgm:fillClrLst meth="repeat">
+      <a:schemeClr val="accent5"/>
+    </dgm:fillClrLst>
+    <dgm:linClrLst meth="repeat">
+      <a:schemeClr val="lt1"/>
+    </dgm:linClrLst>
+    <dgm:effectClrLst/>
+    <dgm:txLinClrLst/>
+    <dgm:txFillClrLst/>
+    <dgm:txEffectClrLst/>
+  </dgm:styleLbl>
+  <dgm:styleLbl name="node4">
+    <dgm:fillClrLst meth="repeat">
+      <a:schemeClr val="accent5"/>
+    </dgm:fillClrLst>
+    <dgm:linClrLst meth="repeat">
+      <a:schemeClr val="lt1"/>
+    </dgm:linClrLst>
+    <dgm:effectClrLst/>
+    <dgm:txLinClrLst/>
+    <dgm:txFillClrLst/>
+    <dgm:txEffectClrLst/>
+  </dgm:styleLbl>
+  <dgm:styleLbl name="fgImgPlace1">
+    <dgm:fillClrLst meth="repeat">
+      <a:schemeClr val="accent5">
+        <a:tint val="50000"/>
+      </a:schemeClr>
+    </dgm:fillClrLst>
+    <dgm:linClrLst meth="repeat">
+      <a:schemeClr val="lt1"/>
+    </dgm:linClrLst>
+    <dgm:effectClrLst/>
+    <dgm:txLinClrLst/>
+    <dgm:txFillClrLst meth="repeat">
+      <a:schemeClr val="lt1"/>
+    </dgm:txFillClrLst>
+    <dgm:txEffectClrLst/>
+  </dgm:styleLbl>
+  <dgm:styleLbl name="alignImgPlace1">
+    <dgm:fillClrLst meth="repeat">
+      <a:schemeClr val="accent5">
+        <a:tint val="50000"/>
+      </a:schemeClr>
+    </dgm:fillClrLst>
+    <dgm:linClrLst meth="repeat">
+      <a:schemeClr val="lt1"/>
+    </dgm:linClrLst>
+    <dgm:effectClrLst/>
+    <dgm:txLinClrLst/>
+    <dgm:txFillClrLst meth="repeat">
+      <a:schemeClr val="lt1"/>
+    </dgm:txFillClrLst>
+    <dgm:txEffectClrLst/>
+  </dgm:styleLbl>
+  <dgm:styleLbl name="bgImgPlace1">
+    <dgm:fillClrLst meth="repeat">
+      <a:schemeClr val="accent5">
+        <a:tint val="50000"/>
+      </a:schemeClr>
+    </dgm:fillClrLst>
+    <dgm:linClrLst meth="repeat">
+      <a:schemeClr val="lt1"/>
+    </dgm:linClrLst>
+    <dgm:effectClrLst/>
+    <dgm:txLinClrLst/>
+    <dgm:txFillClrLst meth="repeat">
+      <a:schemeClr val="lt1"/>
+    </dgm:txFillClrLst>
+    <dgm:txEffectClrLst/>
+  </dgm:styleLbl>
+  <dgm:styleLbl name="sibTrans2D1">
+    <dgm:fillClrLst meth="repeat">
+      <a:schemeClr val="accent5">
+        <a:tint val="60000"/>
+      </a:schemeClr>
+    </dgm:fillClrLst>
+    <dgm:linClrLst meth="repeat">
+      <a:schemeClr val="accent5">
+        <a:tint val="60000"/>
+      </a:schemeClr>
+    </dgm:linClrLst>
+    <dgm:effectClrLst/>
+    <dgm:txLinClrLst/>
+    <dgm:txFillClrLst/>
+    <dgm:txEffectClrLst/>
+  </dgm:styleLbl>
+  <dgm:styleLbl name="fgSibTrans2D1">
+    <dgm:fillClrLst meth="repeat">
+      <a:schemeClr val="accent5">
+        <a:tint val="60000"/>
+      </a:schemeClr>
+    </dgm:fillClrLst>
+    <dgm:linClrLst meth="repeat">
+      <a:schemeClr val="accent5">
+        <a:tint val="60000"/>
+      </a:schemeClr>
+    </dgm:linClrLst>
+    <dgm:effectClrLst/>
+    <dgm:txLinClrLst/>
+    <dgm:txFillClrLst/>
+    <dgm:txEffectClrLst/>
+  </dgm:styleLbl>
+  <dgm:styleLbl name="bgSibTrans2D1">
+    <dgm:fillClrLst meth="repeat">
+      <a:schemeClr val="accent5">
+        <a:tint val="60000"/>
+      </a:schemeClr>
+    </dgm:fillClrLst>
+    <dgm:linClrLst meth="repeat">
+      <a:schemeClr val="accent5">
+        <a:tint val="60000"/>
+      </a:schemeClr>
+    </dgm:linClrLst>
+    <dgm:effectClrLst/>
+    <dgm:txLinClrLst/>
+    <dgm:txFillClrLst/>
+    <dgm:txEffectClrLst/>
+  </dgm:styleLbl>
+  <dgm:styleLbl name="sibTrans1D1">
+    <dgm:fillClrLst meth="repeat">
+      <a:schemeClr val="accent5"/>
+    </dgm:fillClrLst>
+    <dgm:linClrLst meth="repeat">
+      <a:schemeClr val="accent5"/>
+    </dgm:linClrLst>
+    <dgm:effectClrLst/>
+    <dgm:txLinClrLst/>
+    <dgm:txFillClrLst meth="repeat">
+      <a:schemeClr val="tx1"/>
+    </dgm:txFillClrLst>
+    <dgm:txEffectClrLst/>
+  </dgm:styleLbl>
+  <dgm:styleLbl name="callout">
+    <dgm:fillClrLst meth="repeat">
+      <a:schemeClr val="accent5"/>
+    </dgm:fillClrLst>
+    <dgm:linClrLst meth="repeat">
+      <a:schemeClr val="accent5">
+        <a:tint val="50000"/>
+      </a:schemeClr>
+    </dgm:linClrLst>
+    <dgm:effectClrLst/>
+    <dgm:txLinClrLst/>
+    <dgm:txFillClrLst meth="repeat">
+      <a:schemeClr val="tx1"/>
+    </dgm:txFillClrLst>
+    <dgm:txEffectClrLst/>
+  </dgm:styleLbl>
+  <dgm:styleLbl name="asst0">
+    <dgm:fillClrLst meth="repeat">
+      <a:schemeClr val="accent5"/>
+    </dgm:fillClrLst>
+    <dgm:linClrLst meth="repeat">
+      <a:schemeClr val="lt1"/>
+    </dgm:linClrLst>
+    <dgm:effectClrLst/>
+    <dgm:txLinClrLst/>
+    <dgm:txFillClrLst/>
+    <dgm:txEffectClrLst/>
+  </dgm:styleLbl>
+  <dgm:styleLbl name="asst1">
+    <dgm:fillClrLst meth="repeat">
+      <a:schemeClr val="accent5"/>
+    </dgm:fillClrLst>
+    <dgm:linClrLst meth="repeat">
+      <a:schemeClr val="lt1"/>
+    </dgm:linClrLst>
+    <dgm:effectClrLst/>
+    <dgm:txLinClrLst/>
+    <dgm:txFillClrLst/>
+    <dgm:txEffectClrLst/>
+  </dgm:styleLbl>
+  <dgm:styleLbl name="asst2">
+    <dgm:fillClrLst meth="repeat">
+      <a:schemeClr val="accent5"/>
+    </dgm:fillClrLst>
+    <dgm:linClrLst meth="repeat">
+      <a:schemeClr val="lt1"/>
+    </dgm:linClrLst>
+    <dgm:effectClrLst/>
+    <dgm:txLinClrLst/>
+    <dgm:txFillClrLst/>
+    <dgm:txEffectClrLst/>
+  </dgm:styleLbl>
+  <dgm:styleLbl name="asst3">
+    <dgm:fillClrLst meth="repeat">
+      <a:schemeClr val="accent5"/>
+    </dgm:fillClrLst>
+    <dgm:linClrLst meth="repeat">
+      <a:schemeClr val="lt1"/>
+    </dgm:linClrLst>
+    <dgm:effectClrLst/>
+    <dgm:txLinClrLst/>
+    <dgm:txFillClrLst/>
+    <dgm:txEffectClrLst/>
+  </dgm:styleLbl>
+  <dgm:styleLbl name="asst4">
+    <dgm:fillClrLst meth="repeat">
+      <a:schemeClr val="accent5"/>
+    </dgm:fillClrLst>
+    <dgm:linClrLst meth="repeat">
+      <a:schemeClr val="lt1"/>
+    </dgm:linClrLst>
+    <dgm:effectClrLst/>
+    <dgm:txLinClrLst/>
+    <dgm:txFillClrLst/>
+    <dgm:txEffectClrLst/>
+  </dgm:styleLbl>
+  <dgm:styleLbl name="parChTrans2D1">
+    <dgm:fillClrLst meth="repeat">
+      <a:schemeClr val="accent5">
+        <a:tint val="60000"/>
+      </a:schemeClr>
+    </dgm:fillClrLst>
+    <dgm:linClrLst meth="repeat">
+      <a:schemeClr val="accent5">
+        <a:tint val="60000"/>
+      </a:schemeClr>
+    </dgm:linClrLst>
+    <dgm:effectClrLst/>
+    <dgm:txLinClrLst/>
+    <dgm:txFillClrLst meth="repeat">
+      <a:schemeClr val="lt1"/>
+    </dgm:txFillClrLst>
+    <dgm:txEffectClrLst/>
+  </dgm:styleLbl>
+  <dgm:styleLbl name="parChTrans2D2">
+    <dgm:fillClrLst meth="repeat">
+      <a:schemeClr val="accent5"/>
+    </dgm:fillClrLst>
+    <dgm:linClrLst meth="repeat">
+      <a:schemeClr val="accent5"/>
+    </dgm:linClrLst>
+    <dgm:effectClrLst/>
+    <dgm:txLinClrLst/>
+    <dgm:txFillClrLst meth="repeat">
+      <a:schemeClr val="lt1"/>
+    </dgm:txFillClrLst>
+    <dgm:txEffectClrLst/>
+  </dgm:styleLbl>
+  <dgm:styleLbl name="parChTrans2D3">
+    <dgm:fillClrLst meth="repeat">
+      <a:schemeClr val="accent5"/>
+    </dgm:fillClrLst>
+    <dgm:linClrLst meth="repeat">
+      <a:schemeClr val="accent5"/>
+    </dgm:linClrLst>
+    <dgm:effectClrLst/>
+    <dgm:txLinClrLst/>
+    <dgm:txFillClrLst meth="repeat">
+      <a:schemeClr val="lt1"/>
+    </dgm:txFillClrLst>
+    <dgm:txEffectClrLst/>
+  </dgm:styleLbl>
+  <dgm:styleLbl name="parChTrans2D4">
+    <dgm:fillClrLst meth="repeat">
+      <a:schemeClr val="accent5"/>
+    </dgm:fillClrLst>
+    <dgm:linClrLst meth="repeat">
+      <a:schemeClr val="accent5"/>
+    </dgm:linClrLst>
+    <dgm:effectClrLst/>
+    <dgm:txLinClrLst/>
+    <dgm:txFillClrLst meth="repeat">
+      <a:schemeClr val="lt1"/>
+    </dgm:txFillClrLst>
+    <dgm:txEffectClrLst/>
+  </dgm:styleLbl>
+  <dgm:styleLbl name="parChTrans1D1">
+    <dgm:fillClrLst meth="repeat">
+      <a:schemeClr val="accent5"/>
+    </dgm:fillClrLst>
+    <dgm:linClrLst meth="repeat">
+      <a:schemeClr val="accent5">
+        <a:shade val="60000"/>
+      </a:schemeClr>
+    </dgm:linClrLst>
+    <dgm:effectClrLst/>
+    <dgm:txLinClrLst/>
+    <dgm:txFillClrLst meth="repeat">
+      <a:schemeClr val="tx1"/>
+    </dgm:txFillClrLst>
+    <dgm:txEffectClrLst/>
+  </dgm:styleLbl>
+  <dgm:styleLbl name="parChTrans1D2">
+    <dgm:fillClrLst meth="repeat">
+      <a:schemeClr val="accent5"/>
+    </dgm:fillClrLst>
+    <dgm:linClrLst meth="repeat">
+      <a:schemeClr val="accent5">
+        <a:shade val="60000"/>
+      </a:schemeClr>
+    </dgm:linClrLst>
+    <dgm:effectClrLst/>
+    <dgm:txLinClrLst/>
+    <dgm:txFillClrLst meth="repeat">
+      <a:schemeClr val="tx1"/>
+    </dgm:txFillClrLst>
+    <dgm:txEffectClrLst/>
+  </dgm:styleLbl>
+  <dgm:styleLbl name="parChTrans1D3">
+    <dgm:fillClrLst meth="repeat">
+      <a:schemeClr val="accent5"/>
+    </dgm:fillClrLst>
+    <dgm:linClrLst meth="repeat">
+      <a:schemeClr val="accent5">
+        <a:shade val="80000"/>
+      </a:schemeClr>
+    </dgm:linClrLst>
+    <dgm:effectClrLst/>
+    <dgm:txLinClrLst/>
+    <dgm:txFillClrLst meth="repeat">
+      <a:schemeClr val="tx1"/>
+    </dgm:txFillClrLst>
+    <dgm:txEffectClrLst/>
+  </dgm:styleLbl>
+  <dgm:styleLbl name="parChTrans1D4">
+    <dgm:fillClrLst meth="repeat">
+      <a:schemeClr val="accent5"/>
+    </dgm:fillClrLst>
+    <dgm:linClrLst meth="repeat">
+      <a:schemeClr val="accent5">
+        <a:shade val="80000"/>
+      </a:schemeClr>
+    </dgm:linClrLst>
+    <dgm:effectClrLst/>
+    <dgm:txLinClrLst/>
+    <dgm:txFillClrLst meth="repeat">
+      <a:schemeClr val="tx1"/>
+    </dgm:txFillClrLst>
+    <dgm:txEffectClrLst/>
+  </dgm:styleLbl>
+  <dgm:styleLbl name="fgAcc1">
+    <dgm:fillClrLst meth="repeat">
+      <a:schemeClr val="lt1">
+        <a:alpha val="90000"/>
+      </a:schemeClr>
+    </dgm:fillClrLst>
+    <dgm:linClrLst meth="repeat">
+      <a:schemeClr val="accent5"/>
+    </dgm:linClrLst>
+    <dgm:effectClrLst/>
+    <dgm:txLinClrLst/>
+    <dgm:txFillClrLst meth="repeat">
+      <a:schemeClr val="dk1"/>
+    </dgm:txFillClrLst>
+    <dgm:txEffectClrLst/>
+  </dgm:styleLbl>
+  <dgm:styleLbl name="conFgAcc1">
+    <dgm:fillClrLst meth="repeat">
+      <a:schemeClr val="lt1">
+        <a:alpha val="90000"/>
+      </a:schemeClr>
+    </dgm:fillClrLst>
+    <dgm:linClrLst meth="repeat">
+      <a:schemeClr val="accent5"/>
+    </dgm:linClrLst>
+    <dgm:effectClrLst/>
+    <dgm:txLinClrLst/>
+    <dgm:txFillClrLst meth="repeat">
+      <a:schemeClr val="dk1"/>
+    </dgm:txFillClrLst>
+    <dgm:txEffectClrLst/>
+  </dgm:styleLbl>
+  <dgm:styleLbl name="alignAcc1">
+    <dgm:fillClrLst meth="repeat">
+      <a:schemeClr val="lt1">
+        <a:alpha val="90000"/>
+      </a:schemeClr>
+    </dgm:fillClrLst>
+    <dgm:linClrLst meth="repeat">
+      <a:schemeClr val="accent5"/>
+    </dgm:linClrLst>
+    <dgm:effectClrLst/>
+    <dgm:txLinClrLst/>
+    <dgm:txFillClrLst meth="repeat">
+      <a:schemeClr val="dk1"/>
+    </dgm:txFillClrLst>
+    <dgm:txEffectClrLst/>
+  </dgm:styleLbl>
+  <dgm:styleLbl name="trAlignAcc1">
+    <dgm:fillClrLst meth="repeat">
+      <a:schemeClr val="lt1">
+        <a:alpha val="40000"/>
+      </a:schemeClr>
+    </dgm:fillClrLst>
+    <dgm:linClrLst meth="repeat">
+      <a:schemeClr val="accent5"/>
+    </dgm:linClrLst>
+    <dgm:effectClrLst/>
+    <dgm:txLinClrLst/>
+    <dgm:txFillClrLst meth="repeat">
+      <a:schemeClr val="dk1"/>
+    </dgm:txFillClrLst>
+    <dgm:txEffectClrLst/>
+  </dgm:styleLbl>
+  <dgm:styleLbl name="bgAcc1">
+    <dgm:fillClrLst meth="repeat">
+      <a:schemeClr val="lt1">
+        <a:alpha val="90000"/>
+      </a:schemeClr>
+    </dgm:fillClrLst>
+    <dgm:linClrLst meth="repeat">
+      <a:schemeClr val="accent5"/>
+    </dgm:linClrLst>
+    <dgm:effectClrLst/>
+    <dgm:txLinClrLst/>
+    <dgm:txFillClrLst meth="repeat">
+      <a:schemeClr val="dk1"/>
+    </dgm:txFillClrLst>
+    <dgm:txEffectClrLst/>
+  </dgm:styleLbl>
+  <dgm:styleLbl name="solidFgAcc1">
+    <dgm:fillClrLst meth="repeat">
+      <a:schemeClr val="lt1"/>
+    </dgm:fillClrLst>
+    <dgm:linClrLst meth="repeat">
+      <a:schemeClr val="accent5"/>
+    </dgm:linClrLst>
+    <dgm:effectClrLst/>
+    <dgm:txLinClrLst/>
+    <dgm:txFillClrLst meth="repeat">
+      <a:schemeClr val="dk1"/>
+    </dgm:txFillClrLst>
+    <dgm:txEffectClrLst/>
+  </dgm:styleLbl>
+  <dgm:styleLbl name="solidAlignAcc1">
+    <dgm:fillClrLst meth="repeat">
+      <a:schemeClr val="lt1"/>
+    </dgm:fillClrLst>
+    <dgm:linClrLst meth="repeat">
+      <a:schemeClr val="accent5"/>
+    </dgm:linClrLst>
+    <dgm:effectClrLst/>
+    <dgm:txLinClrLst/>
+    <dgm:txFillClrLst meth="repeat">
+      <a:schemeClr val="dk1"/>
+    </dgm:txFillClrLst>
+    <dgm:txEffectClrLst/>
+  </dgm:styleLbl>
+  <dgm:styleLbl name="solidBgAcc1">
+    <dgm:fillClrLst meth="repeat">
+      <a:schemeClr val="lt1"/>
+    </dgm:fillClrLst>
+    <dgm:linClrLst meth="repeat">
+      <a:schemeClr val="accent5"/>
+    </dgm:linClrLst>
+    <dgm:effectClrLst/>
+    <dgm:txLinClrLst/>
+    <dgm:txFillClrLst meth="repeat">
+      <a:schemeClr val="dk1"/>
+    </dgm:txFillClrLst>
+    <dgm:txEffectClrLst/>
+  </dgm:styleLbl>
+  <dgm:styleLbl name="fgAccFollowNode1">
+    <dgm:fillClrLst meth="repeat">
+      <a:schemeClr val="accent5">
+        <a:alpha val="90000"/>
+        <a:tint val="40000"/>
+      </a:schemeClr>
+    </dgm:fillClrLst>
+    <dgm:linClrLst meth="repeat">
+      <a:schemeClr val="accent5">
+        <a:alpha val="90000"/>
+        <a:tint val="40000"/>
+      </a:schemeClr>
+    </dgm:linClrLst>
+    <dgm:effectClrLst/>
+    <dgm:txLinClrLst/>
+    <dgm:txFillClrLst meth="repeat">
+      <a:schemeClr val="dk1"/>
+    </dgm:txFillClrLst>
+    <dgm:txEffectClrLst/>
+  </dgm:styleLbl>
+  <dgm:styleLbl name="alignAccFollowNode1">
+    <dgm:fillClrLst meth="repeat">
+      <a:schemeClr val="accent5">
+        <a:alpha val="90000"/>
+        <a:tint val="40000"/>
+      </a:schemeClr>
+    </dgm:fillClrLst>
+    <dgm:linClrLst meth="repeat">
+      <a:schemeClr val="accent5">
+        <a:alpha val="90000"/>
+        <a:tint val="40000"/>
+      </a:schemeClr>
+    </dgm:linClrLst>
+    <dgm:effectClrLst/>
+    <dgm:txLinClrLst/>
+    <dgm:txFillClrLst meth="repeat">
+      <a:schemeClr val="dk1"/>
+    </dgm:txFillClrLst>
+    <dgm:txEffectClrLst/>
+  </dgm:styleLbl>
+  <dgm:styleLbl name="bgAccFollowNode1">
+    <dgm:fillClrLst meth="repeat">
+      <a:schemeClr val="accent5">
+        <a:alpha val="90000"/>
+        <a:tint val="40000"/>
+      </a:schemeClr>
+    </dgm:fillClrLst>
+    <dgm:linClrLst meth="repeat">
+      <a:schemeClr val="accent5">
+        <a:alpha val="90000"/>
+        <a:tint val="40000"/>
+      </a:schemeClr>
+    </dgm:linClrLst>
+    <dgm:effectClrLst/>
+    <dgm:txLinClrLst/>
+    <dgm:txFillClrLst meth="repeat">
+      <a:schemeClr val="dk1"/>
+    </dgm:txFillClrLst>
+    <dgm:txEffectClrLst/>
+  </dgm:styleLbl>
+  <dgm:styleLbl name="fgAcc0">
+    <dgm:fillClrLst meth="repeat">
+      <a:schemeClr val="lt1">
+        <a:alpha val="90000"/>
+      </a:schemeClr>
+    </dgm:fillClrLst>
+    <dgm:linClrLst meth="repeat">
+      <a:schemeClr val="accent5"/>
+    </dgm:linClrLst>
+    <dgm:effectClrLst/>
+    <dgm:txLinClrLst/>
+    <dgm:txFillClrLst meth="repeat">
+      <a:schemeClr val="dk1"/>
+    </dgm:txFillClrLst>
+    <dgm:txEffectClrLst/>
+  </dgm:styleLbl>
+  <dgm:styleLbl name="fgAcc2">
+    <dgm:fillClrLst meth="repeat">
+      <a:schemeClr val="lt1">
+        <a:alpha val="90000"/>
+      </a:schemeClr>
+    </dgm:fillClrLst>
+    <dgm:linClrLst meth="repeat">
+      <a:schemeClr val="accent5"/>
+    </dgm:linClrLst>
+    <dgm:effectClrLst/>
+    <dgm:txLinClrLst/>
+    <dgm:txFillClrLst meth="repeat">
+      <a:schemeClr val="dk1"/>
+    </dgm:txFillClrLst>
+    <dgm:txEffectClrLst/>
+  </dgm:styleLbl>
+  <dgm:styleLbl name="fgAcc3">
+    <dgm:fillClrLst meth="repeat">
+      <a:schemeClr val="lt1">
+        <a:alpha val="90000"/>
+      </a:schemeClr>
+    </dgm:fillClrLst>
+    <dgm:linClrLst meth="repeat">
+      <a:schemeClr val="accent5"/>
+    </dgm:linClrLst>
+    <dgm:effectClrLst/>
+    <dgm:txLinClrLst/>
+    <dgm:txFillClrLst meth="repeat">
+      <a:schemeClr val="dk1"/>
+    </dgm:txFillClrLst>
+    <dgm:txEffectClrLst/>
+  </dgm:styleLbl>
+  <dgm:styleLbl name="fgAcc4">
+    <dgm:fillClrLst meth="repeat">
+      <a:schemeClr val="lt1">
+        <a:alpha val="90000"/>
+      </a:schemeClr>
+    </dgm:fillClrLst>
+    <dgm:linClrLst meth="repeat">
+      <a:schemeClr val="accent5"/>
+    </dgm:linClrLst>
+    <dgm:effectClrLst/>
+    <dgm:txLinClrLst/>
+    <dgm:txFillClrLst meth="repeat">
+      <a:schemeClr val="dk1"/>
+    </dgm:txFillClrLst>
+    <dgm:txEffectClrLst/>
+  </dgm:styleLbl>
+  <dgm:styleLbl name="bgShp">
+    <dgm:fillClrLst meth="repeat">
+      <a:schemeClr val="accent5">
+        <a:tint val="40000"/>
+      </a:schemeClr>
+    </dgm:fillClrLst>
+    <dgm:linClrLst meth="repeat">
+      <a:schemeClr val="accent5"/>
+    </dgm:linClrLst>
+    <dgm:effectClrLst/>
+    <dgm:txLinClrLst/>
+    <dgm:txFillClrLst meth="repeat">
+      <a:schemeClr val="dk1"/>
+    </dgm:txFillClrLst>
+    <dgm:txEffectClrLst/>
+  </dgm:styleLbl>
+  <dgm:styleLbl name="dkBgShp">
+    <dgm:fillClrLst meth="repeat">
+      <a:schemeClr val="accent5">
+        <a:shade val="80000"/>
+      </a:schemeClr>
+    </dgm:fillClrLst>
+    <dgm:linClrLst meth="repeat">
+      <a:schemeClr val="accent5"/>
+    </dgm:linClrLst>
+    <dgm:effectClrLst/>
+    <dgm:txLinClrLst/>
+    <dgm:txFillClrLst meth="repeat">
+      <a:schemeClr val="lt1"/>
+    </dgm:txFillClrLst>
+    <dgm:txEffectClrLst/>
+  </dgm:styleLbl>
+  <dgm:styleLbl name="trBgShp">
+    <dgm:fillClrLst meth="repeat">
+      <a:schemeClr val="accent5">
+        <a:tint val="50000"/>
+        <a:alpha val="40000"/>
+      </a:schemeClr>
+    </dgm:fillClrLst>
+    <dgm:linClrLst meth="repeat">
+      <a:schemeClr val="accent5"/>
+    </dgm:linClrLst>
+    <dgm:effectClrLst/>
+    <dgm:txLinClrLst/>
+    <dgm:txFillClrLst meth="repeat">
+      <a:schemeClr val="lt1"/>
+    </dgm:txFillClrLst>
+    <dgm:txEffectClrLst/>
+  </dgm:styleLbl>
+  <dgm:styleLbl name="fgShp">
+    <dgm:fillClrLst meth="repeat">
+      <a:schemeClr val="accent5">
+        <a:tint val="60000"/>
+      </a:schemeClr>
+    </dgm:fillClrLst>
+    <dgm:linClrLst meth="repeat">
+      <a:schemeClr val="lt1"/>
+    </dgm:linClrLst>
+    <dgm:effectClrLst/>
+    <dgm:txLinClrLst/>
+    <dgm:txFillClrLst meth="repeat">
+      <a:schemeClr val="dk1"/>
+    </dgm:txFillClrLst>
+    <dgm:txEffectClrLst/>
+  </dgm:styleLbl>
+  <dgm:styleLbl name="revTx">
+    <dgm:fillClrLst meth="repeat">
+      <a:schemeClr val="lt1">
+        <a:alpha val="0"/>
+      </a:schemeClr>
+    </dgm:fillClrLst>
+    <dgm:linClrLst meth="repeat">
+      <a:schemeClr val="dk1">
+        <a:alpha val="0"/>
+      </a:schemeClr>
+    </dgm:linClrLst>
+    <dgm:effectClrLst/>
+    <dgm:txLinClrLst/>
+    <dgm:txFillClrLst meth="repeat">
+      <a:schemeClr val="tx1"/>
+    </dgm:txFillClrLst>
+    <dgm:txEffectClrLst/>
+  </dgm:styleLbl>
+</dgm:colorsDef>
+</file>
+
+<file path=ppt/diagrams/colors4.xml><?xml version="1.0" encoding="utf-8"?>
 <dgm:colorsDef xmlns:dgm="http://schemas.openxmlformats.org/drawingml/2006/diagram" xmlns:a="http://schemas.openxmlformats.org/drawingml/2006/main" uniqueId="urn:microsoft.com/office/officeart/2005/8/colors/accent5_2">
   <dgm:title val=""/>
   <dgm:desc val=""/>
@@ -3302,6 +4050,251 @@
     <dgm:cxn modelId="{20C8BD41-1B22-4916-963F-63DAE1F51A36}" type="presParOf" srcId="{072093CA-5D1E-4B94-8AAB-FF1A85DF74C3}" destId="{7B1CA89A-4E2B-4647-8BF1-66F678720538}" srcOrd="1" destOrd="0" presId="urn:microsoft.com/office/officeart/2005/8/layout/list1"/>
     <dgm:cxn modelId="{02D40C6C-7C81-443A-8396-32DFE714B7CC}" type="presParOf" srcId="{8B3F9475-6282-469E-BEDA-116921A94B8E}" destId="{B278260F-E2D8-4B63-975E-D028CF824E27}" srcOrd="13" destOrd="0" presId="urn:microsoft.com/office/officeart/2005/8/layout/list1"/>
     <dgm:cxn modelId="{DE5C6FF8-563E-406C-92D3-1AD224FEED0D}" type="presParOf" srcId="{8B3F9475-6282-469E-BEDA-116921A94B8E}" destId="{4DD8C201-6214-47E0-92B8-D6FF64E3513C}" srcOrd="14" destOrd="0" presId="urn:microsoft.com/office/officeart/2005/8/layout/list1"/>
+  </dgm:cxnLst>
+  <dgm:bg/>
+  <dgm:whole/>
+  <dgm:extLst>
+    <a:ext uri="http://schemas.microsoft.com/office/drawing/2008/diagram">
+      <dsp:dataModelExt xmlns:dsp="http://schemas.microsoft.com/office/drawing/2008/diagram" relId="rId6" minVer="http://schemas.openxmlformats.org/drawingml/2006/diagram"/>
+    </a:ext>
+  </dgm:extLst>
+</dgm:dataModel>
+</file>
+
+<file path=ppt/diagrams/data4.xml><?xml version="1.0" encoding="utf-8"?>
+<dgm:dataModel xmlns:dgm="http://schemas.openxmlformats.org/drawingml/2006/diagram" xmlns:a="http://schemas.openxmlformats.org/drawingml/2006/main">
+  <dgm:ptLst>
+    <dgm:pt modelId="{4931F217-40CB-4BF6-8010-8DD9FDA5DCC3}" type="doc">
+      <dgm:prSet loTypeId="urn:microsoft.com/office/officeart/2008/layout/VerticalCurvedList" loCatId="list" qsTypeId="urn:microsoft.com/office/officeart/2005/8/quickstyle/3d2" qsCatId="3D" csTypeId="urn:microsoft.com/office/officeart/2005/8/colors/accent5_2" csCatId="accent5" phldr="1"/>
+      <dgm:spPr/>
+      <dgm:t>
+        <a:bodyPr/>
+        <a:lstStyle/>
+        <a:p>
+          <a:endParaRPr lang="en-US"/>
+        </a:p>
+      </dgm:t>
+    </dgm:pt>
+    <dgm:pt modelId="{0855DB69-0FC4-4564-B924-06704F819632}">
+      <dgm:prSet/>
+      <dgm:spPr/>
+      <dgm:t>
+        <a:bodyPr/>
+        <a:lstStyle/>
+        <a:p>
+          <a:r>
+            <a:rPr lang="en-US" b="1" dirty="0"/>
+            <a:t>Mobile/web application.</a:t>
+          </a:r>
+        </a:p>
+        <a:p>
+          <a:endParaRPr lang="en-US" dirty="0"/>
+        </a:p>
+      </dgm:t>
+    </dgm:pt>
+    <dgm:pt modelId="{1E05B3B6-9C71-40F1-9D4F-BE20EFF2C0A8}" type="parTrans" cxnId="{D3B58A46-F7D5-470D-A09A-FEE89BBCC95E}">
+      <dgm:prSet/>
+      <dgm:spPr/>
+      <dgm:t>
+        <a:bodyPr/>
+        <a:lstStyle/>
+        <a:p>
+          <a:endParaRPr lang="en-US"/>
+        </a:p>
+      </dgm:t>
+    </dgm:pt>
+    <dgm:pt modelId="{18E6F4B5-FA80-47D1-86FD-7717400A823F}" type="sibTrans" cxnId="{D3B58A46-F7D5-470D-A09A-FEE89BBCC95E}">
+      <dgm:prSet/>
+      <dgm:spPr/>
+      <dgm:t>
+        <a:bodyPr/>
+        <a:lstStyle/>
+        <a:p>
+          <a:endParaRPr lang="en-US"/>
+        </a:p>
+      </dgm:t>
+    </dgm:pt>
+    <dgm:pt modelId="{EC2CA2E2-C2D7-4F9A-ADD3-E6FF01734418}">
+      <dgm:prSet/>
+      <dgm:spPr/>
+      <dgm:t>
+        <a:bodyPr/>
+        <a:lstStyle/>
+        <a:p>
+          <a:r>
+            <a:rPr lang="en-US" b="1"/>
+            <a:t>Transferring money easily.</a:t>
+          </a:r>
+          <a:endParaRPr lang="en-US"/>
+        </a:p>
+      </dgm:t>
+    </dgm:pt>
+    <dgm:pt modelId="{423E0B5B-13A3-45F9-9190-574047DF30D9}" type="parTrans" cxnId="{16AEDE48-0A76-4B4C-9C91-71E485F25DB4}">
+      <dgm:prSet/>
+      <dgm:spPr/>
+      <dgm:t>
+        <a:bodyPr/>
+        <a:lstStyle/>
+        <a:p>
+          <a:endParaRPr lang="en-US"/>
+        </a:p>
+      </dgm:t>
+    </dgm:pt>
+    <dgm:pt modelId="{214AC8F8-563C-4C49-A3CB-2EFCE18FFF2B}" type="sibTrans" cxnId="{16AEDE48-0A76-4B4C-9C91-71E485F25DB4}">
+      <dgm:prSet/>
+      <dgm:spPr/>
+      <dgm:t>
+        <a:bodyPr/>
+        <a:lstStyle/>
+        <a:p>
+          <a:endParaRPr lang="en-US"/>
+        </a:p>
+      </dgm:t>
+    </dgm:pt>
+    <dgm:pt modelId="{7D10D501-F560-447E-B5E0-8F6332D47932}">
+      <dgm:prSet/>
+      <dgm:spPr/>
+      <dgm:t>
+        <a:bodyPr/>
+        <a:lstStyle/>
+        <a:p>
+          <a:r>
+            <a:rPr lang="en-US" b="1" dirty="0"/>
+            <a:t>Making sure if user A and user C transferred money to user B at the same time, User be must revive the transferred amount correctly. This will be done by provider and consumer. </a:t>
+          </a:r>
+          <a:endParaRPr lang="en-US" dirty="0"/>
+        </a:p>
+      </dgm:t>
+    </dgm:pt>
+    <dgm:pt modelId="{BB13FE6A-F6BB-4846-AC0F-C55E84C8B6D9}" type="parTrans" cxnId="{AC15A39A-4CE8-4229-B622-38A317A1C888}">
+      <dgm:prSet/>
+      <dgm:spPr/>
+      <dgm:t>
+        <a:bodyPr/>
+        <a:lstStyle/>
+        <a:p>
+          <a:endParaRPr lang="en-US"/>
+        </a:p>
+      </dgm:t>
+    </dgm:pt>
+    <dgm:pt modelId="{7CB72829-DD73-415E-89F1-8BE50592F7B7}" type="sibTrans" cxnId="{AC15A39A-4CE8-4229-B622-38A317A1C888}">
+      <dgm:prSet/>
+      <dgm:spPr/>
+      <dgm:t>
+        <a:bodyPr/>
+        <a:lstStyle/>
+        <a:p>
+          <a:endParaRPr lang="en-US"/>
+        </a:p>
+      </dgm:t>
+    </dgm:pt>
+    <dgm:pt modelId="{E4C95E0D-9305-4E72-9FCF-BB2C54962C04}" type="pres">
+      <dgm:prSet presAssocID="{4931F217-40CB-4BF6-8010-8DD9FDA5DCC3}" presName="Name0" presStyleCnt="0">
+        <dgm:presLayoutVars>
+          <dgm:chMax val="7"/>
+          <dgm:chPref val="7"/>
+          <dgm:dir/>
+        </dgm:presLayoutVars>
+      </dgm:prSet>
+      <dgm:spPr/>
+    </dgm:pt>
+    <dgm:pt modelId="{92CE816A-8F9F-4269-A370-686D9B3EF1B4}" type="pres">
+      <dgm:prSet presAssocID="{4931F217-40CB-4BF6-8010-8DD9FDA5DCC3}" presName="Name1" presStyleCnt="0"/>
+      <dgm:spPr/>
+    </dgm:pt>
+    <dgm:pt modelId="{0961B9A3-738E-4570-BB5B-AE7ED608A2AE}" type="pres">
+      <dgm:prSet presAssocID="{4931F217-40CB-4BF6-8010-8DD9FDA5DCC3}" presName="cycle" presStyleCnt="0"/>
+      <dgm:spPr/>
+    </dgm:pt>
+    <dgm:pt modelId="{D854D04D-D3A4-4DF1-A9D3-D197D55B0FDC}" type="pres">
+      <dgm:prSet presAssocID="{4931F217-40CB-4BF6-8010-8DD9FDA5DCC3}" presName="srcNode" presStyleLbl="node1" presStyleIdx="0" presStyleCnt="3"/>
+      <dgm:spPr/>
+    </dgm:pt>
+    <dgm:pt modelId="{088CF301-09D6-4A16-B32D-91F11EB7C62E}" type="pres">
+      <dgm:prSet presAssocID="{4931F217-40CB-4BF6-8010-8DD9FDA5DCC3}" presName="conn" presStyleLbl="parChTrans1D2" presStyleIdx="0" presStyleCnt="1"/>
+      <dgm:spPr/>
+    </dgm:pt>
+    <dgm:pt modelId="{DFB003D9-E3E7-47EA-AB14-0CCE09B0801E}" type="pres">
+      <dgm:prSet presAssocID="{4931F217-40CB-4BF6-8010-8DD9FDA5DCC3}" presName="extraNode" presStyleLbl="node1" presStyleIdx="0" presStyleCnt="3"/>
+      <dgm:spPr/>
+    </dgm:pt>
+    <dgm:pt modelId="{7DBEB0CB-6B4B-4058-BB62-367836C342EA}" type="pres">
+      <dgm:prSet presAssocID="{4931F217-40CB-4BF6-8010-8DD9FDA5DCC3}" presName="dstNode" presStyleLbl="node1" presStyleIdx="0" presStyleCnt="3"/>
+      <dgm:spPr/>
+    </dgm:pt>
+    <dgm:pt modelId="{7099B0B8-7C9E-4767-A00A-681A7F58FFC1}" type="pres">
+      <dgm:prSet presAssocID="{0855DB69-0FC4-4564-B924-06704F819632}" presName="text_1" presStyleLbl="node1" presStyleIdx="0" presStyleCnt="3" custLinFactNeighborX="527">
+        <dgm:presLayoutVars>
+          <dgm:bulletEnabled val="1"/>
+        </dgm:presLayoutVars>
+      </dgm:prSet>
+      <dgm:spPr/>
+    </dgm:pt>
+    <dgm:pt modelId="{135900D0-221A-45BA-A506-FD0A3779B05A}" type="pres">
+      <dgm:prSet presAssocID="{0855DB69-0FC4-4564-B924-06704F819632}" presName="accent_1" presStyleCnt="0"/>
+      <dgm:spPr/>
+    </dgm:pt>
+    <dgm:pt modelId="{6C794A1B-1AFD-4DE2-9578-15A8D475010D}" type="pres">
+      <dgm:prSet presAssocID="{0855DB69-0FC4-4564-B924-06704F819632}" presName="accentRepeatNode" presStyleLbl="solidFgAcc1" presStyleIdx="0" presStyleCnt="3"/>
+      <dgm:spPr/>
+    </dgm:pt>
+    <dgm:pt modelId="{FB5DA472-AD7A-4FB2-B136-E7A14D258EA8}" type="pres">
+      <dgm:prSet presAssocID="{EC2CA2E2-C2D7-4F9A-ADD3-E6FF01734418}" presName="text_2" presStyleLbl="node1" presStyleIdx="1" presStyleCnt="3">
+        <dgm:presLayoutVars>
+          <dgm:bulletEnabled val="1"/>
+        </dgm:presLayoutVars>
+      </dgm:prSet>
+      <dgm:spPr/>
+    </dgm:pt>
+    <dgm:pt modelId="{B3D98978-26EC-4498-898D-8F3BB7A290E9}" type="pres">
+      <dgm:prSet presAssocID="{EC2CA2E2-C2D7-4F9A-ADD3-E6FF01734418}" presName="accent_2" presStyleCnt="0"/>
+      <dgm:spPr/>
+    </dgm:pt>
+    <dgm:pt modelId="{244E4A11-E9CB-415A-BBD4-50DBE4F193C3}" type="pres">
+      <dgm:prSet presAssocID="{EC2CA2E2-C2D7-4F9A-ADD3-E6FF01734418}" presName="accentRepeatNode" presStyleLbl="solidFgAcc1" presStyleIdx="1" presStyleCnt="3"/>
+      <dgm:spPr/>
+    </dgm:pt>
+    <dgm:pt modelId="{1B679761-16F9-4F95-B739-C7C4989B1A87}" type="pres">
+      <dgm:prSet presAssocID="{7D10D501-F560-447E-B5E0-8F6332D47932}" presName="text_3" presStyleLbl="node1" presStyleIdx="2" presStyleCnt="3" custLinFactNeighborX="2287" custLinFactNeighborY="0">
+        <dgm:presLayoutVars>
+          <dgm:bulletEnabled val="1"/>
+        </dgm:presLayoutVars>
+      </dgm:prSet>
+      <dgm:spPr/>
+    </dgm:pt>
+    <dgm:pt modelId="{0C0EFDD9-0B2E-40F8-94AA-974053A4E9FD}" type="pres">
+      <dgm:prSet presAssocID="{7D10D501-F560-447E-B5E0-8F6332D47932}" presName="accent_3" presStyleCnt="0"/>
+      <dgm:spPr/>
+    </dgm:pt>
+    <dgm:pt modelId="{649FBD9E-2486-47A7-9FC4-48B945AE165A}" type="pres">
+      <dgm:prSet presAssocID="{7D10D501-F560-447E-B5E0-8F6332D47932}" presName="accentRepeatNode" presStyleLbl="solidFgAcc1" presStyleIdx="2" presStyleCnt="3"/>
+      <dgm:spPr/>
+    </dgm:pt>
+  </dgm:ptLst>
+  <dgm:cxnLst>
+    <dgm:cxn modelId="{08CCDA12-5DD1-40C0-B480-AF57DAEB1DA5}" type="presOf" srcId="{EC2CA2E2-C2D7-4F9A-ADD3-E6FF01734418}" destId="{FB5DA472-AD7A-4FB2-B136-E7A14D258EA8}" srcOrd="0" destOrd="0" presId="urn:microsoft.com/office/officeart/2008/layout/VerticalCurvedList"/>
+    <dgm:cxn modelId="{EDB06916-3389-4CB6-9502-74D9AFAEBFDB}" type="presOf" srcId="{0855DB69-0FC4-4564-B924-06704F819632}" destId="{7099B0B8-7C9E-4767-A00A-681A7F58FFC1}" srcOrd="0" destOrd="0" presId="urn:microsoft.com/office/officeart/2008/layout/VerticalCurvedList"/>
+    <dgm:cxn modelId="{D3B58A46-F7D5-470D-A09A-FEE89BBCC95E}" srcId="{4931F217-40CB-4BF6-8010-8DD9FDA5DCC3}" destId="{0855DB69-0FC4-4564-B924-06704F819632}" srcOrd="0" destOrd="0" parTransId="{1E05B3B6-9C71-40F1-9D4F-BE20EFF2C0A8}" sibTransId="{18E6F4B5-FA80-47D1-86FD-7717400A823F}"/>
+    <dgm:cxn modelId="{16AEDE48-0A76-4B4C-9C91-71E485F25DB4}" srcId="{4931F217-40CB-4BF6-8010-8DD9FDA5DCC3}" destId="{EC2CA2E2-C2D7-4F9A-ADD3-E6FF01734418}" srcOrd="1" destOrd="0" parTransId="{423E0B5B-13A3-45F9-9190-574047DF30D9}" sibTransId="{214AC8F8-563C-4C49-A3CB-2EFCE18FFF2B}"/>
+    <dgm:cxn modelId="{304A7E6D-56C4-4615-9242-041AA3331425}" type="presOf" srcId="{7D10D501-F560-447E-B5E0-8F6332D47932}" destId="{1B679761-16F9-4F95-B739-C7C4989B1A87}" srcOrd="0" destOrd="0" presId="urn:microsoft.com/office/officeart/2008/layout/VerticalCurvedList"/>
+    <dgm:cxn modelId="{CA90037C-FB18-4D54-8BAC-5978D983B1A6}" type="presOf" srcId="{18E6F4B5-FA80-47D1-86FD-7717400A823F}" destId="{088CF301-09D6-4A16-B32D-91F11EB7C62E}" srcOrd="0" destOrd="0" presId="urn:microsoft.com/office/officeart/2008/layout/VerticalCurvedList"/>
+    <dgm:cxn modelId="{262AF995-7C87-44F3-AEFA-2E537C5B03E3}" type="presOf" srcId="{4931F217-40CB-4BF6-8010-8DD9FDA5DCC3}" destId="{E4C95E0D-9305-4E72-9FCF-BB2C54962C04}" srcOrd="0" destOrd="0" presId="urn:microsoft.com/office/officeart/2008/layout/VerticalCurvedList"/>
+    <dgm:cxn modelId="{AC15A39A-4CE8-4229-B622-38A317A1C888}" srcId="{4931F217-40CB-4BF6-8010-8DD9FDA5DCC3}" destId="{7D10D501-F560-447E-B5E0-8F6332D47932}" srcOrd="2" destOrd="0" parTransId="{BB13FE6A-F6BB-4846-AC0F-C55E84C8B6D9}" sibTransId="{7CB72829-DD73-415E-89F1-8BE50592F7B7}"/>
+    <dgm:cxn modelId="{AD97C22B-6213-4B6F-8EB2-1A7FADFBF713}" type="presParOf" srcId="{E4C95E0D-9305-4E72-9FCF-BB2C54962C04}" destId="{92CE816A-8F9F-4269-A370-686D9B3EF1B4}" srcOrd="0" destOrd="0" presId="urn:microsoft.com/office/officeart/2008/layout/VerticalCurvedList"/>
+    <dgm:cxn modelId="{602BE288-9000-4CD8-BB6E-FB672B8B9245}" type="presParOf" srcId="{92CE816A-8F9F-4269-A370-686D9B3EF1B4}" destId="{0961B9A3-738E-4570-BB5B-AE7ED608A2AE}" srcOrd="0" destOrd="0" presId="urn:microsoft.com/office/officeart/2008/layout/VerticalCurvedList"/>
+    <dgm:cxn modelId="{BEEEE5B6-5B0D-41BD-95B9-DDE0BA8C5F04}" type="presParOf" srcId="{0961B9A3-738E-4570-BB5B-AE7ED608A2AE}" destId="{D854D04D-D3A4-4DF1-A9D3-D197D55B0FDC}" srcOrd="0" destOrd="0" presId="urn:microsoft.com/office/officeart/2008/layout/VerticalCurvedList"/>
+    <dgm:cxn modelId="{AFC599CD-F770-4A65-8D9B-042E41E802C3}" type="presParOf" srcId="{0961B9A3-738E-4570-BB5B-AE7ED608A2AE}" destId="{088CF301-09D6-4A16-B32D-91F11EB7C62E}" srcOrd="1" destOrd="0" presId="urn:microsoft.com/office/officeart/2008/layout/VerticalCurvedList"/>
+    <dgm:cxn modelId="{20E3985D-B611-4975-8974-DECB729E3A70}" type="presParOf" srcId="{0961B9A3-738E-4570-BB5B-AE7ED608A2AE}" destId="{DFB003D9-E3E7-47EA-AB14-0CCE09B0801E}" srcOrd="2" destOrd="0" presId="urn:microsoft.com/office/officeart/2008/layout/VerticalCurvedList"/>
+    <dgm:cxn modelId="{F6AA6F4C-3617-44FC-9B82-5F93B8B7DFF2}" type="presParOf" srcId="{0961B9A3-738E-4570-BB5B-AE7ED608A2AE}" destId="{7DBEB0CB-6B4B-4058-BB62-367836C342EA}" srcOrd="3" destOrd="0" presId="urn:microsoft.com/office/officeart/2008/layout/VerticalCurvedList"/>
+    <dgm:cxn modelId="{62BA1B1B-DDA1-4BA4-8160-AFA001A55072}" type="presParOf" srcId="{92CE816A-8F9F-4269-A370-686D9B3EF1B4}" destId="{7099B0B8-7C9E-4767-A00A-681A7F58FFC1}" srcOrd="1" destOrd="0" presId="urn:microsoft.com/office/officeart/2008/layout/VerticalCurvedList"/>
+    <dgm:cxn modelId="{B3057D8A-5E29-4DFF-8B80-8919C62C53A1}" type="presParOf" srcId="{92CE816A-8F9F-4269-A370-686D9B3EF1B4}" destId="{135900D0-221A-45BA-A506-FD0A3779B05A}" srcOrd="2" destOrd="0" presId="urn:microsoft.com/office/officeart/2008/layout/VerticalCurvedList"/>
+    <dgm:cxn modelId="{1147FB96-6C7A-4EF4-96F5-452747FFADC2}" type="presParOf" srcId="{135900D0-221A-45BA-A506-FD0A3779B05A}" destId="{6C794A1B-1AFD-4DE2-9578-15A8D475010D}" srcOrd="0" destOrd="0" presId="urn:microsoft.com/office/officeart/2008/layout/VerticalCurvedList"/>
+    <dgm:cxn modelId="{FE2AFCF4-69B7-4923-88D3-4239AAE45F08}" type="presParOf" srcId="{92CE816A-8F9F-4269-A370-686D9B3EF1B4}" destId="{FB5DA472-AD7A-4FB2-B136-E7A14D258EA8}" srcOrd="3" destOrd="0" presId="urn:microsoft.com/office/officeart/2008/layout/VerticalCurvedList"/>
+    <dgm:cxn modelId="{4EA8173A-EB44-430D-B26A-0ABCC1040E83}" type="presParOf" srcId="{92CE816A-8F9F-4269-A370-686D9B3EF1B4}" destId="{B3D98978-26EC-4498-898D-8F3BB7A290E9}" srcOrd="4" destOrd="0" presId="urn:microsoft.com/office/officeart/2008/layout/VerticalCurvedList"/>
+    <dgm:cxn modelId="{9B79B61B-076F-4716-B5F3-023806156705}" type="presParOf" srcId="{B3D98978-26EC-4498-898D-8F3BB7A290E9}" destId="{244E4A11-E9CB-415A-BBD4-50DBE4F193C3}" srcOrd="0" destOrd="0" presId="urn:microsoft.com/office/officeart/2008/layout/VerticalCurvedList"/>
+    <dgm:cxn modelId="{78E57838-022E-4B72-BC4F-A8B585C20D2D}" type="presParOf" srcId="{92CE816A-8F9F-4269-A370-686D9B3EF1B4}" destId="{1B679761-16F9-4F95-B739-C7C4989B1A87}" srcOrd="5" destOrd="0" presId="urn:microsoft.com/office/officeart/2008/layout/VerticalCurvedList"/>
+    <dgm:cxn modelId="{6C43E19F-51A8-4172-AB22-95261D79FC95}" type="presParOf" srcId="{92CE816A-8F9F-4269-A370-686D9B3EF1B4}" destId="{0C0EFDD9-0B2E-40F8-94AA-974053A4E9FD}" srcOrd="6" destOrd="0" presId="urn:microsoft.com/office/officeart/2008/layout/VerticalCurvedList"/>
+    <dgm:cxn modelId="{B5411685-FA67-419E-B5E8-649B64B65964}" type="presParOf" srcId="{0C0EFDD9-0B2E-40F8-94AA-974053A4E9FD}" destId="{649FBD9E-2486-47A7-9FC4-48B945AE165A}" srcOrd="0" destOrd="0" presId="urn:microsoft.com/office/officeart/2008/layout/VerticalCurvedList"/>
   </dgm:cxnLst>
   <dgm:bg/>
   <dgm:whole/>
@@ -5202,6 +6195,619 @@
 </dsp:drawing>
 </file>
 
+<file path=ppt/diagrams/drawing4.xml><?xml version="1.0" encoding="utf-8"?>
+<dsp:drawing xmlns:dgm="http://schemas.openxmlformats.org/drawingml/2006/diagram" xmlns:dsp="http://schemas.microsoft.com/office/drawing/2008/diagram" xmlns:a="http://schemas.openxmlformats.org/drawingml/2006/main">
+  <dsp:spTree>
+    <dsp:nvGrpSpPr>
+      <dsp:cNvPr id="0" name=""/>
+      <dsp:cNvGrpSpPr/>
+    </dsp:nvGrpSpPr>
+    <dsp:grpSpPr/>
+    <dsp:sp modelId="{088CF301-09D6-4A16-B32D-91F11EB7C62E}">
+      <dsp:nvSpPr>
+        <dsp:cNvPr id="0" name=""/>
+        <dsp:cNvSpPr/>
+      </dsp:nvSpPr>
+      <dsp:spPr>
+        <a:xfrm>
+          <a:off x="-5697514" y="-872280"/>
+          <a:ext cx="6784560" cy="6784560"/>
+        </a:xfrm>
+        <a:prstGeom prst="blockArc">
+          <a:avLst>
+            <a:gd name="adj1" fmla="val 18900000"/>
+            <a:gd name="adj2" fmla="val 2700000"/>
+            <a:gd name="adj3" fmla="val 318"/>
+          </a:avLst>
+        </a:prstGeom>
+        <a:noFill/>
+        <a:ln w="25400" cap="flat" cmpd="sng" algn="ctr">
+          <a:solidFill>
+            <a:schemeClr val="accent5">
+              <a:shade val="60000"/>
+              <a:hueOff val="0"/>
+              <a:satOff val="0"/>
+              <a:lumOff val="0"/>
+              <a:alphaOff val="0"/>
+            </a:schemeClr>
+          </a:solidFill>
+          <a:prstDash val="solid"/>
+          <a:miter/>
+        </a:ln>
+        <a:effectLst/>
+        <a:scene3d>
+          <a:camera prst="orthographicFront"/>
+          <a:lightRig rig="threePt" dir="t">
+            <a:rot lat="0" lon="0" rev="7500000"/>
+          </a:lightRig>
+        </a:scene3d>
+        <a:sp3d z="-40000" prstMaterial="matte"/>
+      </dsp:spPr>
+      <dsp:style>
+        <a:lnRef idx="2">
+          <a:scrgbClr r="0" g="0" b="0"/>
+        </a:lnRef>
+        <a:fillRef idx="0">
+          <a:scrgbClr r="0" g="0" b="0"/>
+        </a:fillRef>
+        <a:effectRef idx="0">
+          <a:scrgbClr r="0" g="0" b="0"/>
+        </a:effectRef>
+        <a:fontRef idx="minor"/>
+      </dsp:style>
+    </dsp:sp>
+    <dsp:sp modelId="{7099B0B8-7C9E-4767-A00A-681A7F58FFC1}">
+      <dsp:nvSpPr>
+        <dsp:cNvPr id="0" name=""/>
+        <dsp:cNvSpPr/>
+      </dsp:nvSpPr>
+      <dsp:spPr>
+        <a:xfrm>
+          <a:off x="744826" y="504000"/>
+          <a:ext cx="8590896" cy="1008000"/>
+        </a:xfrm>
+        <a:prstGeom prst="rect">
+          <a:avLst/>
+        </a:prstGeom>
+        <a:gradFill rotWithShape="0">
+          <a:gsLst>
+            <a:gs pos="0">
+              <a:schemeClr val="accent5">
+                <a:hueOff val="0"/>
+                <a:satOff val="0"/>
+                <a:lumOff val="0"/>
+                <a:alphaOff val="0"/>
+                <a:shade val="51000"/>
+                <a:satMod val="130000"/>
+              </a:schemeClr>
+            </a:gs>
+            <a:gs pos="80000">
+              <a:schemeClr val="accent5">
+                <a:hueOff val="0"/>
+                <a:satOff val="0"/>
+                <a:lumOff val="0"/>
+                <a:alphaOff val="0"/>
+                <a:shade val="93000"/>
+                <a:satMod val="130000"/>
+              </a:schemeClr>
+            </a:gs>
+            <a:gs pos="100000">
+              <a:schemeClr val="accent5">
+                <a:hueOff val="0"/>
+                <a:satOff val="0"/>
+                <a:lumOff val="0"/>
+                <a:alphaOff val="0"/>
+                <a:shade val="94000"/>
+                <a:satMod val="135000"/>
+              </a:schemeClr>
+            </a:gs>
+          </a:gsLst>
+          <a:lin ang="16200000" scaled="0"/>
+        </a:gradFill>
+        <a:ln>
+          <a:noFill/>
+        </a:ln>
+        <a:effectLst>
+          <a:outerShdw blurRad="40000" dist="23000" dir="5400000" rotWithShape="0">
+            <a:srgbClr val="000000">
+              <a:alpha val="35000"/>
+            </a:srgbClr>
+          </a:outerShdw>
+        </a:effectLst>
+        <a:scene3d>
+          <a:camera prst="orthographicFront"/>
+          <a:lightRig rig="threePt" dir="t">
+            <a:rot lat="0" lon="0" rev="7500000"/>
+          </a:lightRig>
+        </a:scene3d>
+        <a:sp3d prstMaterial="plastic">
+          <a:bevelT w="127000" h="25400" prst="relaxedInset"/>
+        </a:sp3d>
+      </dsp:spPr>
+      <dsp:style>
+        <a:lnRef idx="0">
+          <a:scrgbClr r="0" g="0" b="0"/>
+        </a:lnRef>
+        <a:fillRef idx="3">
+          <a:scrgbClr r="0" g="0" b="0"/>
+        </a:fillRef>
+        <a:effectRef idx="2">
+          <a:scrgbClr r="0" g="0" b="0"/>
+        </a:effectRef>
+        <a:fontRef idx="minor">
+          <a:schemeClr val="lt1"/>
+        </a:fontRef>
+      </dsp:style>
+      <dsp:txBody>
+        <a:bodyPr spcFirstLastPara="0" vert="horz" wrap="square" lIns="800100" tIns="50800" rIns="50800" bIns="50800" numCol="1" spcCol="1270" anchor="ctr" anchorCtr="0">
+          <a:noAutofit/>
+        </a:bodyPr>
+        <a:lstStyle/>
+        <a:p>
+          <a:pPr marL="0" lvl="0" indent="0" algn="l" defTabSz="889000">
+            <a:lnSpc>
+              <a:spcPct val="90000"/>
+            </a:lnSpc>
+            <a:spcBef>
+              <a:spcPct val="0"/>
+            </a:spcBef>
+            <a:spcAft>
+              <a:spcPct val="35000"/>
+            </a:spcAft>
+            <a:buNone/>
+          </a:pPr>
+          <a:r>
+            <a:rPr lang="en-US" sz="2000" b="1" kern="1200" dirty="0"/>
+            <a:t>Mobile/web application.</a:t>
+          </a:r>
+        </a:p>
+        <a:p>
+          <a:pPr marL="0" lvl="0" indent="0" algn="l" defTabSz="889000">
+            <a:lnSpc>
+              <a:spcPct val="90000"/>
+            </a:lnSpc>
+            <a:spcBef>
+              <a:spcPct val="0"/>
+            </a:spcBef>
+            <a:spcAft>
+              <a:spcPct val="35000"/>
+            </a:spcAft>
+            <a:buNone/>
+          </a:pPr>
+          <a:endParaRPr lang="en-US" sz="2000" kern="1200" dirty="0"/>
+        </a:p>
+      </dsp:txBody>
+      <dsp:txXfrm>
+        <a:off x="744826" y="504000"/>
+        <a:ext cx="8590896" cy="1008000"/>
+      </dsp:txXfrm>
+    </dsp:sp>
+    <dsp:sp modelId="{6C794A1B-1AFD-4DE2-9578-15A8D475010D}">
+      <dsp:nvSpPr>
+        <dsp:cNvPr id="0" name=""/>
+        <dsp:cNvSpPr/>
+      </dsp:nvSpPr>
+      <dsp:spPr>
+        <a:xfrm>
+          <a:off x="69551" y="378000"/>
+          <a:ext cx="1260000" cy="1260000"/>
+        </a:xfrm>
+        <a:prstGeom prst="ellipse">
+          <a:avLst/>
+        </a:prstGeom>
+        <a:solidFill>
+          <a:schemeClr val="lt1">
+            <a:hueOff val="0"/>
+            <a:satOff val="0"/>
+            <a:lumOff val="0"/>
+            <a:alphaOff val="0"/>
+          </a:schemeClr>
+        </a:solidFill>
+        <a:ln w="9525" cap="flat" cmpd="sng" algn="ctr">
+          <a:solidFill>
+            <a:schemeClr val="accent5">
+              <a:hueOff val="0"/>
+              <a:satOff val="0"/>
+              <a:lumOff val="0"/>
+              <a:alphaOff val="0"/>
+            </a:schemeClr>
+          </a:solidFill>
+          <a:prstDash val="solid"/>
+          <a:miter/>
+        </a:ln>
+        <a:effectLst>
+          <a:outerShdw blurRad="40000" dist="23000" dir="5400000" rotWithShape="0">
+            <a:srgbClr val="000000">
+              <a:alpha val="35000"/>
+            </a:srgbClr>
+          </a:outerShdw>
+        </a:effectLst>
+        <a:scene3d>
+          <a:camera prst="orthographicFront"/>
+          <a:lightRig rig="threePt" dir="t">
+            <a:rot lat="0" lon="0" rev="7500000"/>
+          </a:lightRig>
+        </a:scene3d>
+        <a:sp3d z="152400" extrusionH="63500" prstMaterial="dkEdge">
+          <a:bevelT w="120800" h="19050" prst="relaxedInset"/>
+          <a:contourClr>
+            <a:schemeClr val="bg1"/>
+          </a:contourClr>
+        </a:sp3d>
+      </dsp:spPr>
+      <dsp:style>
+        <a:lnRef idx="1">
+          <a:scrgbClr r="0" g="0" b="0"/>
+        </a:lnRef>
+        <a:fillRef idx="1">
+          <a:scrgbClr r="0" g="0" b="0"/>
+        </a:fillRef>
+        <a:effectRef idx="2">
+          <a:scrgbClr r="0" g="0" b="0"/>
+        </a:effectRef>
+        <a:fontRef idx="minor"/>
+      </dsp:style>
+    </dsp:sp>
+    <dsp:sp modelId="{FB5DA472-AD7A-4FB2-B136-E7A14D258EA8}">
+      <dsp:nvSpPr>
+        <dsp:cNvPr id="0" name=""/>
+        <dsp:cNvSpPr/>
+      </dsp:nvSpPr>
+      <dsp:spPr>
+        <a:xfrm>
+          <a:off x="1065959" y="2016000"/>
+          <a:ext cx="8224488" cy="1008000"/>
+        </a:xfrm>
+        <a:prstGeom prst="rect">
+          <a:avLst/>
+        </a:prstGeom>
+        <a:gradFill rotWithShape="0">
+          <a:gsLst>
+            <a:gs pos="0">
+              <a:schemeClr val="accent5">
+                <a:hueOff val="0"/>
+                <a:satOff val="0"/>
+                <a:lumOff val="0"/>
+                <a:alphaOff val="0"/>
+                <a:shade val="51000"/>
+                <a:satMod val="130000"/>
+              </a:schemeClr>
+            </a:gs>
+            <a:gs pos="80000">
+              <a:schemeClr val="accent5">
+                <a:hueOff val="0"/>
+                <a:satOff val="0"/>
+                <a:lumOff val="0"/>
+                <a:alphaOff val="0"/>
+                <a:shade val="93000"/>
+                <a:satMod val="130000"/>
+              </a:schemeClr>
+            </a:gs>
+            <a:gs pos="100000">
+              <a:schemeClr val="accent5">
+                <a:hueOff val="0"/>
+                <a:satOff val="0"/>
+                <a:lumOff val="0"/>
+                <a:alphaOff val="0"/>
+                <a:shade val="94000"/>
+                <a:satMod val="135000"/>
+              </a:schemeClr>
+            </a:gs>
+          </a:gsLst>
+          <a:lin ang="16200000" scaled="0"/>
+        </a:gradFill>
+        <a:ln>
+          <a:noFill/>
+        </a:ln>
+        <a:effectLst>
+          <a:outerShdw blurRad="40000" dist="23000" dir="5400000" rotWithShape="0">
+            <a:srgbClr val="000000">
+              <a:alpha val="35000"/>
+            </a:srgbClr>
+          </a:outerShdw>
+        </a:effectLst>
+        <a:scene3d>
+          <a:camera prst="orthographicFront"/>
+          <a:lightRig rig="threePt" dir="t">
+            <a:rot lat="0" lon="0" rev="7500000"/>
+          </a:lightRig>
+        </a:scene3d>
+        <a:sp3d prstMaterial="plastic">
+          <a:bevelT w="127000" h="25400" prst="relaxedInset"/>
+        </a:sp3d>
+      </dsp:spPr>
+      <dsp:style>
+        <a:lnRef idx="0">
+          <a:scrgbClr r="0" g="0" b="0"/>
+        </a:lnRef>
+        <a:fillRef idx="3">
+          <a:scrgbClr r="0" g="0" b="0"/>
+        </a:fillRef>
+        <a:effectRef idx="2">
+          <a:scrgbClr r="0" g="0" b="0"/>
+        </a:effectRef>
+        <a:fontRef idx="minor">
+          <a:schemeClr val="lt1"/>
+        </a:fontRef>
+      </dsp:style>
+      <dsp:txBody>
+        <a:bodyPr spcFirstLastPara="0" vert="horz" wrap="square" lIns="800100" tIns="50800" rIns="50800" bIns="50800" numCol="1" spcCol="1270" anchor="ctr" anchorCtr="0">
+          <a:noAutofit/>
+        </a:bodyPr>
+        <a:lstStyle/>
+        <a:p>
+          <a:pPr marL="0" lvl="0" indent="0" algn="l" defTabSz="889000">
+            <a:lnSpc>
+              <a:spcPct val="90000"/>
+            </a:lnSpc>
+            <a:spcBef>
+              <a:spcPct val="0"/>
+            </a:spcBef>
+            <a:spcAft>
+              <a:spcPct val="35000"/>
+            </a:spcAft>
+            <a:buNone/>
+          </a:pPr>
+          <a:r>
+            <a:rPr lang="en-US" sz="2000" b="1" kern="1200"/>
+            <a:t>Transferring money easily.</a:t>
+          </a:r>
+          <a:endParaRPr lang="en-US" sz="2000" kern="1200"/>
+        </a:p>
+      </dsp:txBody>
+      <dsp:txXfrm>
+        <a:off x="1065959" y="2016000"/>
+        <a:ext cx="8224488" cy="1008000"/>
+      </dsp:txXfrm>
+    </dsp:sp>
+    <dsp:sp modelId="{244E4A11-E9CB-415A-BBD4-50DBE4F193C3}">
+      <dsp:nvSpPr>
+        <dsp:cNvPr id="0" name=""/>
+        <dsp:cNvSpPr/>
+      </dsp:nvSpPr>
+      <dsp:spPr>
+        <a:xfrm>
+          <a:off x="435959" y="1890000"/>
+          <a:ext cx="1260000" cy="1260000"/>
+        </a:xfrm>
+        <a:prstGeom prst="ellipse">
+          <a:avLst/>
+        </a:prstGeom>
+        <a:solidFill>
+          <a:schemeClr val="lt1">
+            <a:hueOff val="0"/>
+            <a:satOff val="0"/>
+            <a:lumOff val="0"/>
+            <a:alphaOff val="0"/>
+          </a:schemeClr>
+        </a:solidFill>
+        <a:ln w="9525" cap="flat" cmpd="sng" algn="ctr">
+          <a:solidFill>
+            <a:schemeClr val="accent5">
+              <a:hueOff val="0"/>
+              <a:satOff val="0"/>
+              <a:lumOff val="0"/>
+              <a:alphaOff val="0"/>
+            </a:schemeClr>
+          </a:solidFill>
+          <a:prstDash val="solid"/>
+          <a:miter/>
+        </a:ln>
+        <a:effectLst>
+          <a:outerShdw blurRad="40000" dist="23000" dir="5400000" rotWithShape="0">
+            <a:srgbClr val="000000">
+              <a:alpha val="35000"/>
+            </a:srgbClr>
+          </a:outerShdw>
+        </a:effectLst>
+        <a:scene3d>
+          <a:camera prst="orthographicFront"/>
+          <a:lightRig rig="threePt" dir="t">
+            <a:rot lat="0" lon="0" rev="7500000"/>
+          </a:lightRig>
+        </a:scene3d>
+        <a:sp3d z="152400" extrusionH="63500" prstMaterial="dkEdge">
+          <a:bevelT w="120800" h="19050" prst="relaxedInset"/>
+          <a:contourClr>
+            <a:schemeClr val="bg1"/>
+          </a:contourClr>
+        </a:sp3d>
+      </dsp:spPr>
+      <dsp:style>
+        <a:lnRef idx="1">
+          <a:scrgbClr r="0" g="0" b="0"/>
+        </a:lnRef>
+        <a:fillRef idx="1">
+          <a:scrgbClr r="0" g="0" b="0"/>
+        </a:fillRef>
+        <a:effectRef idx="2">
+          <a:scrgbClr r="0" g="0" b="0"/>
+        </a:effectRef>
+        <a:fontRef idx="minor"/>
+      </dsp:style>
+    </dsp:sp>
+    <dsp:sp modelId="{1B679761-16F9-4F95-B739-C7C4989B1A87}">
+      <dsp:nvSpPr>
+        <dsp:cNvPr id="0" name=""/>
+        <dsp:cNvSpPr/>
+      </dsp:nvSpPr>
+      <dsp:spPr>
+        <a:xfrm>
+          <a:off x="769104" y="3528000"/>
+          <a:ext cx="8590896" cy="1008000"/>
+        </a:xfrm>
+        <a:prstGeom prst="rect">
+          <a:avLst/>
+        </a:prstGeom>
+        <a:gradFill rotWithShape="0">
+          <a:gsLst>
+            <a:gs pos="0">
+              <a:schemeClr val="accent5">
+                <a:hueOff val="0"/>
+                <a:satOff val="0"/>
+                <a:lumOff val="0"/>
+                <a:alphaOff val="0"/>
+                <a:shade val="51000"/>
+                <a:satMod val="130000"/>
+              </a:schemeClr>
+            </a:gs>
+            <a:gs pos="80000">
+              <a:schemeClr val="accent5">
+                <a:hueOff val="0"/>
+                <a:satOff val="0"/>
+                <a:lumOff val="0"/>
+                <a:alphaOff val="0"/>
+                <a:shade val="93000"/>
+                <a:satMod val="130000"/>
+              </a:schemeClr>
+            </a:gs>
+            <a:gs pos="100000">
+              <a:schemeClr val="accent5">
+                <a:hueOff val="0"/>
+                <a:satOff val="0"/>
+                <a:lumOff val="0"/>
+                <a:alphaOff val="0"/>
+                <a:shade val="94000"/>
+                <a:satMod val="135000"/>
+              </a:schemeClr>
+            </a:gs>
+          </a:gsLst>
+          <a:lin ang="16200000" scaled="0"/>
+        </a:gradFill>
+        <a:ln>
+          <a:noFill/>
+        </a:ln>
+        <a:effectLst>
+          <a:outerShdw blurRad="40000" dist="23000" dir="5400000" rotWithShape="0">
+            <a:srgbClr val="000000">
+              <a:alpha val="35000"/>
+            </a:srgbClr>
+          </a:outerShdw>
+        </a:effectLst>
+        <a:scene3d>
+          <a:camera prst="orthographicFront"/>
+          <a:lightRig rig="threePt" dir="t">
+            <a:rot lat="0" lon="0" rev="7500000"/>
+          </a:lightRig>
+        </a:scene3d>
+        <a:sp3d prstMaterial="plastic">
+          <a:bevelT w="127000" h="25400" prst="relaxedInset"/>
+        </a:sp3d>
+      </dsp:spPr>
+      <dsp:style>
+        <a:lnRef idx="0">
+          <a:scrgbClr r="0" g="0" b="0"/>
+        </a:lnRef>
+        <a:fillRef idx="3">
+          <a:scrgbClr r="0" g="0" b="0"/>
+        </a:fillRef>
+        <a:effectRef idx="2">
+          <a:scrgbClr r="0" g="0" b="0"/>
+        </a:effectRef>
+        <a:fontRef idx="minor">
+          <a:schemeClr val="lt1"/>
+        </a:fontRef>
+      </dsp:style>
+      <dsp:txBody>
+        <a:bodyPr spcFirstLastPara="0" vert="horz" wrap="square" lIns="800100" tIns="50800" rIns="50800" bIns="50800" numCol="1" spcCol="1270" anchor="ctr" anchorCtr="0">
+          <a:noAutofit/>
+        </a:bodyPr>
+        <a:lstStyle/>
+        <a:p>
+          <a:pPr marL="0" lvl="0" indent="0" algn="l" defTabSz="889000">
+            <a:lnSpc>
+              <a:spcPct val="90000"/>
+            </a:lnSpc>
+            <a:spcBef>
+              <a:spcPct val="0"/>
+            </a:spcBef>
+            <a:spcAft>
+              <a:spcPct val="35000"/>
+            </a:spcAft>
+            <a:buNone/>
+          </a:pPr>
+          <a:r>
+            <a:rPr lang="en-US" sz="2000" b="1" kern="1200" dirty="0"/>
+            <a:t>Making sure if user A and user C transferred money to user B at the same time, User be must revive the transferred amount correctly. This will be done by provider and consumer. </a:t>
+          </a:r>
+          <a:endParaRPr lang="en-US" sz="2000" kern="1200" dirty="0"/>
+        </a:p>
+      </dsp:txBody>
+      <dsp:txXfrm>
+        <a:off x="769104" y="3528000"/>
+        <a:ext cx="8590896" cy="1008000"/>
+      </dsp:txXfrm>
+    </dsp:sp>
+    <dsp:sp modelId="{649FBD9E-2486-47A7-9FC4-48B945AE165A}">
+      <dsp:nvSpPr>
+        <dsp:cNvPr id="0" name=""/>
+        <dsp:cNvSpPr/>
+      </dsp:nvSpPr>
+      <dsp:spPr>
+        <a:xfrm>
+          <a:off x="69551" y="3402000"/>
+          <a:ext cx="1260000" cy="1260000"/>
+        </a:xfrm>
+        <a:prstGeom prst="ellipse">
+          <a:avLst/>
+        </a:prstGeom>
+        <a:solidFill>
+          <a:schemeClr val="lt1">
+            <a:hueOff val="0"/>
+            <a:satOff val="0"/>
+            <a:lumOff val="0"/>
+            <a:alphaOff val="0"/>
+          </a:schemeClr>
+        </a:solidFill>
+        <a:ln w="9525" cap="flat" cmpd="sng" algn="ctr">
+          <a:solidFill>
+            <a:schemeClr val="accent5">
+              <a:hueOff val="0"/>
+              <a:satOff val="0"/>
+              <a:lumOff val="0"/>
+              <a:alphaOff val="0"/>
+            </a:schemeClr>
+          </a:solidFill>
+          <a:prstDash val="solid"/>
+          <a:miter/>
+        </a:ln>
+        <a:effectLst>
+          <a:outerShdw blurRad="40000" dist="23000" dir="5400000" rotWithShape="0">
+            <a:srgbClr val="000000">
+              <a:alpha val="35000"/>
+            </a:srgbClr>
+          </a:outerShdw>
+        </a:effectLst>
+        <a:scene3d>
+          <a:camera prst="orthographicFront"/>
+          <a:lightRig rig="threePt" dir="t">
+            <a:rot lat="0" lon="0" rev="7500000"/>
+          </a:lightRig>
+        </a:scene3d>
+        <a:sp3d z="152400" extrusionH="63500" prstMaterial="dkEdge">
+          <a:bevelT w="120800" h="19050" prst="relaxedInset"/>
+          <a:contourClr>
+            <a:schemeClr val="bg1"/>
+          </a:contourClr>
+        </a:sp3d>
+      </dsp:spPr>
+      <dsp:style>
+        <a:lnRef idx="1">
+          <a:scrgbClr r="0" g="0" b="0"/>
+        </a:lnRef>
+        <a:fillRef idx="1">
+          <a:scrgbClr r="0" g="0" b="0"/>
+        </a:fillRef>
+        <a:effectRef idx="2">
+          <a:scrgbClr r="0" g="0" b="0"/>
+        </a:effectRef>
+        <a:fontRef idx="minor"/>
+      </dsp:style>
+    </dsp:sp>
+  </dsp:spTree>
+</dsp:drawing>
+</file>
+
 <file path=ppt/diagrams/layout1.xml><?xml version="1.0" encoding="utf-8"?>
 <dgm:layoutDef xmlns:dgm="http://schemas.openxmlformats.org/drawingml/2006/diagram" xmlns:a="http://schemas.openxmlformats.org/drawingml/2006/main" uniqueId="urn:microsoft.com/office/officeart/2008/layout/VerticalCurvedList">
   <dgm:title val=""/>
@@ -6930,6 +8536,1284 @@
 </dgm:layoutDef>
 </file>
 
+<file path=ppt/diagrams/layout4.xml><?xml version="1.0" encoding="utf-8"?>
+<dgm:layoutDef xmlns:dgm="http://schemas.openxmlformats.org/drawingml/2006/diagram" xmlns:a="http://schemas.openxmlformats.org/drawingml/2006/main" uniqueId="urn:microsoft.com/office/officeart/2008/layout/VerticalCurvedList">
+  <dgm:title val=""/>
+  <dgm:desc val=""/>
+  <dgm:catLst>
+    <dgm:cat type="list" pri="20000"/>
+  </dgm:catLst>
+  <dgm:sampData>
+    <dgm:dataModel>
+      <dgm:ptLst>
+        <dgm:pt modelId="0" type="doc"/>
+        <dgm:pt modelId="1">
+          <dgm:prSet phldr="1"/>
+        </dgm:pt>
+        <dgm:pt modelId="2">
+          <dgm:prSet phldr="1"/>
+        </dgm:pt>
+        <dgm:pt modelId="3">
+          <dgm:prSet phldr="1"/>
+        </dgm:pt>
+      </dgm:ptLst>
+      <dgm:cxnLst>
+        <dgm:cxn modelId="4" srcId="0" destId="1" srcOrd="0" destOrd="0"/>
+        <dgm:cxn modelId="5" srcId="0" destId="2" srcOrd="1" destOrd="0"/>
+        <dgm:cxn modelId="6" srcId="0" destId="3" srcOrd="2" destOrd="0"/>
+      </dgm:cxnLst>
+      <dgm:bg/>
+      <dgm:whole/>
+    </dgm:dataModel>
+  </dgm:sampData>
+  <dgm:styleData>
+    <dgm:dataModel>
+      <dgm:ptLst>
+        <dgm:pt modelId="0" type="doc"/>
+        <dgm:pt modelId="1">
+          <dgm:prSet phldr="1"/>
+        </dgm:pt>
+        <dgm:pt modelId="2">
+          <dgm:prSet phldr="1"/>
+        </dgm:pt>
+      </dgm:ptLst>
+      <dgm:cxnLst>
+        <dgm:cxn modelId="3" srcId="0" destId="1" srcOrd="0" destOrd="0"/>
+        <dgm:cxn modelId="4" srcId="0" destId="2" srcOrd="1" destOrd="0"/>
+      </dgm:cxnLst>
+      <dgm:bg/>
+      <dgm:whole/>
+    </dgm:dataModel>
+  </dgm:styleData>
+  <dgm:clrData>
+    <dgm:dataModel>
+      <dgm:ptLst>
+        <dgm:pt modelId="0" type="doc"/>
+        <dgm:pt modelId="1">
+          <dgm:prSet phldr="1"/>
+        </dgm:pt>
+        <dgm:pt modelId="2">
+          <dgm:prSet phldr="1"/>
+        </dgm:pt>
+        <dgm:pt modelId="3">
+          <dgm:prSet phldr="1"/>
+        </dgm:pt>
+        <dgm:pt modelId="4">
+          <dgm:prSet phldr="1"/>
+        </dgm:pt>
+      </dgm:ptLst>
+      <dgm:cxnLst>
+        <dgm:cxn modelId="5" srcId="0" destId="1" srcOrd="0" destOrd="0"/>
+        <dgm:cxn modelId="6" srcId="0" destId="2" srcOrd="1" destOrd="0"/>
+        <dgm:cxn modelId="7" srcId="0" destId="3" srcOrd="2" destOrd="0"/>
+        <dgm:cxn modelId="8" srcId="0" destId="4" srcOrd="3" destOrd="0"/>
+      </dgm:cxnLst>
+      <dgm:bg/>
+      <dgm:whole/>
+    </dgm:dataModel>
+  </dgm:clrData>
+  <dgm:layoutNode name="Name0">
+    <dgm:varLst>
+      <dgm:chMax val="7"/>
+      <dgm:chPref val="7"/>
+      <dgm:dir/>
+    </dgm:varLst>
+    <dgm:alg type="composite"/>
+    <dgm:shape xmlns:r="http://schemas.openxmlformats.org/officeDocument/2006/relationships" r:blip="">
+      <dgm:adjLst/>
+    </dgm:shape>
+    <dgm:constrLst>
+      <dgm:constr type="w" for="ch" refType="h" refFor="ch" op="gte" fact="0.8"/>
+    </dgm:constrLst>
+    <dgm:layoutNode name="Name1">
+      <dgm:alg type="composite"/>
+      <dgm:shape xmlns:r="http://schemas.openxmlformats.org/officeDocument/2006/relationships" r:blip="">
+        <dgm:adjLst/>
+      </dgm:shape>
+      <dgm:choose name="Name2">
+        <dgm:if name="Name3" func="var" arg="dir" op="equ" val="norm">
+          <dgm:choose name="Name4">
+            <dgm:if name="Name5" axis="ch" ptType="node" func="cnt" op="equ" val="1">
+              <dgm:constrLst>
+                <dgm:constr type="h" for="ch" forName="cycle" refType="h"/>
+                <dgm:constr type="w" for="ch" forName="cycle" refType="h" refFor="ch" refForName="cycle" fact="0.26"/>
+                <dgm:constr type="l" for="ch" forName="cycle"/>
+                <dgm:constr type="ctrY" for="ch" forName="cycle" refType="h" fact="0.5"/>
+                <dgm:constr type="diam" for="ch" forName="cycle" refType="h" fact="1.344"/>
+                <dgm:constr type="h" for="ch" forName="accent_1" refType="h" fact="0.625"/>
+                <dgm:constr type="w" for="ch" forName="accent_1" refType="h" refFor="ch" refForName="accent_1" op="equ"/>
+                <dgm:constr type="ctrY" for="ch" forName="accent_1" refType="h" fact="0.5"/>
+                <dgm:constr type="ctrX" for="ch" forName="accent_1" refType="h" fact="0.2253"/>
+                <dgm:constr type="l" for="ch" forName="text_1" refType="ctrX" refFor="ch" refForName="accent_1"/>
+                <dgm:constr type="r" for="ch" forName="text_1" refType="w"/>
+                <dgm:constr type="w" for="ch" forName="text_1" refType="h" refFor="ch" refForName="text_1" op="gte"/>
+                <dgm:constr type="h" for="ch" forName="text_1" refType="h" refFor="ch" refForName="accent_1" fact="0.8"/>
+                <dgm:constr type="ctrY" for="ch" forName="text_1" refType="ctrY" refFor="ch" refForName="accent_1"/>
+                <dgm:constr type="lMarg" for="ch" forName="text_1" refType="w" refFor="ch" refForName="accent_1" fact="1.8"/>
+                <dgm:constr type="primFontSz" for="ch" ptType="node" op="equ" val="65"/>
+              </dgm:constrLst>
+            </dgm:if>
+            <dgm:if name="Name6" axis="ch" ptType="node" func="cnt" op="equ" val="2">
+              <dgm:constrLst>
+                <dgm:constr type="h" for="ch" forName="cycle" refType="h"/>
+                <dgm:constr type="w" for="ch" forName="cycle" refType="h" refFor="ch" refForName="cycle" fact="0.26"/>
+                <dgm:constr type="l" for="ch" forName="cycle"/>
+                <dgm:constr type="ctrY" for="ch" forName="cycle" refType="h" fact="0.5"/>
+                <dgm:constr type="diam" for="ch" forName="cycle" refType="h" fact="1.344"/>
+                <dgm:constr type="h" for="ch" forName="accent_1" refType="h" fact="0.3571"/>
+                <dgm:constr type="w" for="ch" forName="accent_1" refType="h" refFor="ch" refForName="accent_1" op="equ"/>
+                <dgm:constr type="ctrY" for="ch" forName="accent_1" refType="h" fact="0.2857"/>
+                <dgm:constr type="ctrX" for="ch" forName="accent_1" refType="h" fact="0.1891"/>
+                <dgm:constr type="l" for="ch" forName="text_1" refType="ctrX" refFor="ch" refForName="accent_1"/>
+                <dgm:constr type="r" for="ch" forName="text_1" refType="w"/>
+                <dgm:constr type="w" for="ch" forName="text_1" refType="h" refFor="ch" refForName="text_1" op="gte"/>
+                <dgm:constr type="h" for="ch" forName="text_1" refType="h" refFor="ch" refForName="accent_1" fact="0.8"/>
+                <dgm:constr type="ctrY" for="ch" forName="text_1" refType="ctrY" refFor="ch" refForName="accent_1"/>
+                <dgm:constr type="lMarg" for="ch" forName="text_1" refType="w" refFor="ch" refForName="accent_1" fact="1.8"/>
+                <dgm:constr type="h" for="ch" forName="accent_2" refType="h" fact="0.3571"/>
+                <dgm:constr type="w" for="ch" forName="accent_2" refType="h" refFor="ch" refForName="accent_2" op="equ"/>
+                <dgm:constr type="ctrY" for="ch" forName="accent_2" refType="h" fact="0.7143"/>
+                <dgm:constr type="ctrX" for="ch" forName="accent_2" refType="h" fact="0.1891"/>
+                <dgm:constr type="l" for="ch" forName="text_2" refType="ctrX" refFor="ch" refForName="accent_2"/>
+                <dgm:constr type="r" for="ch" forName="text_2" refType="w"/>
+                <dgm:constr type="w" for="ch" forName="text_2" refType="h" refFor="ch" refForName="text_2" op="gte"/>
+                <dgm:constr type="h" for="ch" forName="text_2" refType="h" refFor="ch" refForName="accent_2" fact="0.8"/>
+                <dgm:constr type="ctrY" for="ch" forName="text_2" refType="ctrY" refFor="ch" refForName="accent_2"/>
+                <dgm:constr type="lMarg" for="ch" forName="text_2" refType="w" refFor="ch" refForName="accent_2" fact="1.8"/>
+                <dgm:constr type="primFontSz" for="ch" ptType="node" op="equ" val="65"/>
+              </dgm:constrLst>
+            </dgm:if>
+            <dgm:if name="Name7" axis="ch" ptType="node" func="cnt" op="equ" val="3">
+              <dgm:constrLst>
+                <dgm:constr type="h" for="ch" forName="cycle" refType="h"/>
+                <dgm:constr type="w" for="ch" forName="cycle" refType="h" refFor="ch" refForName="cycle" fact="0.26"/>
+                <dgm:constr type="l" for="ch" forName="cycle"/>
+                <dgm:constr type="ctrY" for="ch" forName="cycle" refType="h" fact="0.5"/>
+                <dgm:constr type="diam" for="ch" forName="cycle" refType="h" fact="1.344"/>
+                <dgm:constr type="h" for="ch" forName="accent_1" refType="h" fact="0.25"/>
+                <dgm:constr type="w" for="ch" forName="accent_1" refType="h" refFor="ch" refForName="accent_1" op="equ"/>
+                <dgm:constr type="ctrY" for="ch" forName="accent_1" refType="h" fact="0.2"/>
+                <dgm:constr type="ctrX" for="ch" forName="accent_1" refType="h" fact="0.1526"/>
+                <dgm:constr type="l" for="ch" forName="text_1" refType="ctrX" refFor="ch" refForName="accent_1"/>
+                <dgm:constr type="r" for="ch" forName="text_1" refType="w"/>
+                <dgm:constr type="w" for="ch" forName="text_1" refType="h" refFor="ch" refForName="text_1" op="gte"/>
+                <dgm:constr type="h" for="ch" forName="text_1" refType="h" refFor="ch" refForName="accent_1" fact="0.8"/>
+                <dgm:constr type="ctrY" for="ch" forName="text_1" refType="ctrY" refFor="ch" refForName="accent_1"/>
+                <dgm:constr type="lMarg" for="ch" forName="text_1" refType="w" refFor="ch" refForName="accent_1" fact="1.8"/>
+                <dgm:constr type="h" for="ch" forName="accent_2" refType="h" fact="0.25"/>
+                <dgm:constr type="w" for="ch" forName="accent_2" refType="h" refFor="ch" refForName="accent_2" op="equ"/>
+                <dgm:constr type="ctrY" for="ch" forName="accent_2" refType="h" fact="0.5"/>
+                <dgm:constr type="ctrX" for="ch" forName="accent_2" refType="h" fact="0.2253"/>
+                <dgm:constr type="l" for="ch" forName="text_2" refType="ctrX" refFor="ch" refForName="accent_2"/>
+                <dgm:constr type="r" for="ch" forName="text_2" refType="w"/>
+                <dgm:constr type="w" for="ch" forName="text_2" refType="h" refFor="ch" refForName="text_2" op="gte"/>
+                <dgm:constr type="h" for="ch" forName="text_2" refType="h" refFor="ch" refForName="accent_2" fact="0.8"/>
+                <dgm:constr type="ctrY" for="ch" forName="text_2" refType="ctrY" refFor="ch" refForName="accent_2"/>
+                <dgm:constr type="lMarg" for="ch" forName="text_2" refType="w" refFor="ch" refForName="accent_2" fact="1.8"/>
+                <dgm:constr type="h" for="ch" forName="accent_3" refType="h" fact="0.25"/>
+                <dgm:constr type="w" for="ch" forName="accent_3" refType="h" refFor="ch" refForName="accent_3" op="equ"/>
+                <dgm:constr type="ctrY" for="ch" forName="accent_3" refType="h" fact="0.8"/>
+                <dgm:constr type="ctrX" for="ch" forName="accent_3" refType="h" fact="0.1526"/>
+                <dgm:constr type="l" for="ch" forName="text_3" refType="ctrX" refFor="ch" refForName="accent_3"/>
+                <dgm:constr type="r" for="ch" forName="text_3" refType="w"/>
+                <dgm:constr type="w" for="ch" forName="text_3" refType="h" refFor="ch" refForName="text_3" op="gte"/>
+                <dgm:constr type="h" for="ch" forName="text_3" refType="h" refFor="ch" refForName="accent_3" fact="0.8"/>
+                <dgm:constr type="ctrY" for="ch" forName="text_3" refType="ctrY" refFor="ch" refForName="accent_3"/>
+                <dgm:constr type="lMarg" for="ch" forName="text_3" refType="w" refFor="ch" refForName="accent_3" fact="1.8"/>
+                <dgm:constr type="primFontSz" for="ch" ptType="node" op="equ" val="65"/>
+              </dgm:constrLst>
+            </dgm:if>
+            <dgm:if name="Name8" axis="ch" ptType="node" func="cnt" op="equ" val="4">
+              <dgm:constrLst>
+                <dgm:constr type="h" for="ch" forName="cycle" refType="h"/>
+                <dgm:constr type="w" for="ch" forName="cycle" refType="h" refFor="ch" refForName="cycle" fact="0.26"/>
+                <dgm:constr type="l" for="ch" forName="cycle"/>
+                <dgm:constr type="ctrY" for="ch" forName="cycle" refType="h" fact="0.5"/>
+                <dgm:constr type="diam" for="ch" forName="cycle" refType="h" fact="1.344"/>
+                <dgm:constr type="h" for="ch" forName="accent_1" refType="h" fact="0.1923"/>
+                <dgm:constr type="w" for="ch" forName="accent_1" refType="h" refFor="ch" refForName="accent_1" op="equ"/>
+                <dgm:constr type="ctrY" for="ch" forName="accent_1" refType="h" fact="0.1538"/>
+                <dgm:constr type="ctrX" for="ch" forName="accent_1" refType="h" fact="0.1268"/>
+                <dgm:constr type="l" for="ch" forName="text_1" refType="ctrX" refFor="ch" refForName="accent_1"/>
+                <dgm:constr type="r" for="ch" forName="text_1" refType="w"/>
+                <dgm:constr type="w" for="ch" forName="text_1" refType="h" refFor="ch" refForName="text_1" op="gte"/>
+                <dgm:constr type="h" for="ch" forName="text_1" refType="h" refFor="ch" refForName="accent_1" fact="0.8"/>
+                <dgm:constr type="ctrY" for="ch" forName="text_1" refType="ctrY" refFor="ch" refForName="accent_1"/>
+                <dgm:constr type="lMarg" for="ch" forName="text_1" refType="w" refFor="ch" refForName="accent_1" fact="1.8"/>
+                <dgm:constr type="h" for="ch" forName="accent_2" refType="h" fact="0.1923"/>
+                <dgm:constr type="w" for="ch" forName="accent_2" refType="h" refFor="ch" refForName="accent_2" op="equ"/>
+                <dgm:constr type="ctrY" for="ch" forName="accent_2" refType="h" fact="0.3846"/>
+                <dgm:constr type="ctrX" for="ch" forName="accent_2" refType="h" fact="0.215"/>
+                <dgm:constr type="l" for="ch" forName="text_2" refType="ctrX" refFor="ch" refForName="accent_2"/>
+                <dgm:constr type="r" for="ch" forName="text_2" refType="w"/>
+                <dgm:constr type="w" for="ch" forName="text_2" refType="h" refFor="ch" refForName="text_2" op="gte"/>
+                <dgm:constr type="h" for="ch" forName="text_2" refType="h" refFor="ch" refForName="accent_2" fact="0.8"/>
+                <dgm:constr type="ctrY" for="ch" forName="text_2" refType="ctrY" refFor="ch" refForName="accent_2"/>
+                <dgm:constr type="lMarg" for="ch" forName="text_2" refType="w" refFor="ch" refForName="accent_2" fact="1.8"/>
+                <dgm:constr type="h" for="ch" forName="accent_3" refType="h" fact="0.1923"/>
+                <dgm:constr type="w" for="ch" forName="accent_3" refType="h" refFor="ch" refForName="accent_3" op="equ"/>
+                <dgm:constr type="ctrY" for="ch" forName="accent_3" refType="h" fact="0.6154"/>
+                <dgm:constr type="ctrX" for="ch" forName="accent_3" refType="h" fact="0.215"/>
+                <dgm:constr type="l" for="ch" forName="text_3" refType="ctrX" refFor="ch" refForName="accent_3"/>
+                <dgm:constr type="r" for="ch" forName="text_3" refType="w"/>
+                <dgm:constr type="w" for="ch" forName="text_3" refType="h" refFor="ch" refForName="text_3" op="gte"/>
+                <dgm:constr type="h" for="ch" forName="text_3" refType="h" refFor="ch" refForName="accent_3" fact="0.8"/>
+                <dgm:constr type="ctrY" for="ch" forName="text_3" refType="ctrY" refFor="ch" refForName="accent_3"/>
+                <dgm:constr type="lMarg" for="ch" forName="text_3" refType="w" refFor="ch" refForName="accent_3" fact="1.8"/>
+                <dgm:constr type="h" for="ch" forName="accent_4" refType="h" fact="0.1923"/>
+                <dgm:constr type="w" for="ch" forName="accent_4" refType="h" refFor="ch" refForName="accent_4" op="equ"/>
+                <dgm:constr type="ctrY" for="ch" forName="accent_4" refType="h" fact="0.8462"/>
+                <dgm:constr type="ctrX" for="ch" forName="accent_4" refType="h" fact="0.1268"/>
+                <dgm:constr type="l" for="ch" forName="text_4" refType="ctrX" refFor="ch" refForName="accent_4"/>
+                <dgm:constr type="r" for="ch" forName="text_4" refType="w"/>
+                <dgm:constr type="w" for="ch" forName="text_4" refType="h" refFor="ch" refForName="text_4" op="gte"/>
+                <dgm:constr type="h" for="ch" forName="text_4" refType="h" refFor="ch" refForName="accent_4" fact="0.8"/>
+                <dgm:constr type="ctrY" for="ch" forName="text_4" refType="ctrY" refFor="ch" refForName="accent_4"/>
+                <dgm:constr type="lMarg" for="ch" forName="text_4" refType="w" refFor="ch" refForName="accent_4" fact="1.8"/>
+                <dgm:constr type="primFontSz" for="ch" ptType="node" op="equ" val="65"/>
+              </dgm:constrLst>
+            </dgm:if>
+            <dgm:if name="Name9" axis="ch" ptType="node" func="cnt" op="equ" val="5">
+              <dgm:constrLst>
+                <dgm:constr type="h" for="ch" forName="cycle" refType="h"/>
+                <dgm:constr type="w" for="ch" forName="cycle" refType="h" refFor="ch" refForName="cycle" fact="0.26"/>
+                <dgm:constr type="l" for="ch" forName="cycle"/>
+                <dgm:constr type="ctrY" for="ch" forName="cycle" refType="h" fact="0.5"/>
+                <dgm:constr type="diam" for="ch" forName="cycle" refType="h" fact="1.344"/>
+                <dgm:constr type="h" for="ch" forName="accent_1" refType="h" fact="0.1563"/>
+                <dgm:constr type="w" for="ch" forName="accent_1" refType="h" refFor="ch" refForName="accent_1" op="equ"/>
+                <dgm:constr type="ctrY" for="ch" forName="accent_1" refType="h" fact="0.125"/>
+                <dgm:constr type="ctrX" for="ch" forName="accent_1" refType="h" fact="0.1082"/>
+                <dgm:constr type="l" for="ch" forName="text_1" refType="ctrX" refFor="ch" refForName="accent_1"/>
+                <dgm:constr type="r" for="ch" forName="text_1" refType="w"/>
+                <dgm:constr type="w" for="ch" forName="text_1" refType="h" refFor="ch" refForName="text_1" op="gte"/>
+                <dgm:constr type="h" for="ch" forName="text_1" refType="h" refFor="ch" refForName="accent_1" fact="0.8"/>
+                <dgm:constr type="ctrY" for="ch" forName="text_1" refType="ctrY" refFor="ch" refForName="accent_1"/>
+                <dgm:constr type="lMarg" for="ch" forName="text_1" refType="w" refFor="ch" refForName="accent_1" fact="1.8"/>
+                <dgm:constr type="h" for="ch" forName="accent_2" refType="h" fact="0.1563"/>
+                <dgm:constr type="w" for="ch" forName="accent_2" refType="h" refFor="ch" refForName="accent_2" op="equ"/>
+                <dgm:constr type="ctrY" for="ch" forName="accent_2" refType="h" fact="0.3125"/>
+                <dgm:constr type="ctrX" for="ch" forName="accent_2" refType="h" fact="0.1978"/>
+                <dgm:constr type="l" for="ch" forName="text_2" refType="ctrX" refFor="ch" refForName="accent_2"/>
+                <dgm:constr type="r" for="ch" forName="text_2" refType="w"/>
+                <dgm:constr type="w" for="ch" forName="text_2" refType="h" refFor="ch" refForName="text_2" op="gte"/>
+                <dgm:constr type="h" for="ch" forName="text_2" refType="h" refFor="ch" refForName="accent_2" fact="0.8"/>
+                <dgm:constr type="ctrY" for="ch" forName="text_2" refType="ctrY" refFor="ch" refForName="accent_2"/>
+                <dgm:constr type="lMarg" for="ch" forName="text_2" refType="w" refFor="ch" refForName="accent_2" fact="1.8"/>
+                <dgm:constr type="h" for="ch" forName="accent_3" refType="h" fact="0.1563"/>
+                <dgm:constr type="w" for="ch" forName="accent_3" refType="h" refFor="ch" refForName="accent_3" op="equ"/>
+                <dgm:constr type="ctrY" for="ch" forName="accent_3" refType="h" fact="0.5"/>
+                <dgm:constr type="ctrX" for="ch" forName="accent_3" refType="h" fact="0.2253"/>
+                <dgm:constr type="l" for="ch" forName="text_3" refType="ctrX" refFor="ch" refForName="accent_3"/>
+                <dgm:constr type="r" for="ch" forName="text_3" refType="w"/>
+                <dgm:constr type="w" for="ch" forName="text_3" refType="h" refFor="ch" refForName="text_3" op="gte"/>
+                <dgm:constr type="h" for="ch" forName="text_3" refType="h" refFor="ch" refForName="accent_3" fact="0.8"/>
+                <dgm:constr type="ctrY" for="ch" forName="text_3" refType="ctrY" refFor="ch" refForName="accent_3"/>
+                <dgm:constr type="lMarg" for="ch" forName="text_3" refType="w" refFor="ch" refForName="accent_3" fact="1.8"/>
+                <dgm:constr type="h" for="ch" forName="accent_4" refType="h" fact="0.1563"/>
+                <dgm:constr type="w" for="ch" forName="accent_4" refType="h" refFor="ch" refForName="accent_4" op="equ"/>
+                <dgm:constr type="ctrY" for="ch" forName="accent_4" refType="h" fact="0.6875"/>
+                <dgm:constr type="ctrX" for="ch" forName="accent_4" refType="h" fact="0.1978"/>
+                <dgm:constr type="l" for="ch" forName="text_4" refType="ctrX" refFor="ch" refForName="accent_4"/>
+                <dgm:constr type="r" for="ch" forName="text_4" refType="w"/>
+                <dgm:constr type="w" for="ch" forName="text_4" refType="h" refFor="ch" refForName="text_4" op="gte"/>
+                <dgm:constr type="h" for="ch" forName="text_4" refType="h" refFor="ch" refForName="accent_4" fact="0.8"/>
+                <dgm:constr type="ctrY" for="ch" forName="text_4" refType="ctrY" refFor="ch" refForName="accent_4"/>
+                <dgm:constr type="lMarg" for="ch" forName="text_4" refType="w" refFor="ch" refForName="accent_4" fact="1.8"/>
+                <dgm:constr type="h" for="ch" forName="accent_5" refType="h" fact="0.1563"/>
+                <dgm:constr type="w" for="ch" forName="accent_5" refType="h" refFor="ch" refForName="accent_5" op="equ"/>
+                <dgm:constr type="ctrY" for="ch" forName="accent_5" refType="h" fact="0.875"/>
+                <dgm:constr type="ctrX" for="ch" forName="accent_5" refType="h" fact="0.1082"/>
+                <dgm:constr type="l" for="ch" forName="text_5" refType="ctrX" refFor="ch" refForName="accent_5"/>
+                <dgm:constr type="r" for="ch" forName="text_5" refType="w"/>
+                <dgm:constr type="w" for="ch" forName="text_5" refType="h" refFor="ch" refForName="text_5" op="gte"/>
+                <dgm:constr type="h" for="ch" forName="text_5" refType="h" refFor="ch" refForName="accent_5" fact="0.8"/>
+                <dgm:constr type="ctrY" for="ch" forName="text_5" refType="ctrY" refFor="ch" refForName="accent_5"/>
+                <dgm:constr type="lMarg" for="ch" forName="text_5" refType="w" refFor="ch" refForName="accent_5" fact="1.8"/>
+                <dgm:constr type="primFontSz" for="ch" ptType="node" op="equ" val="65"/>
+              </dgm:constrLst>
+            </dgm:if>
+            <dgm:if name="Name10" axis="ch" ptType="node" func="cnt" op="equ" val="6">
+              <dgm:constrLst>
+                <dgm:constr type="h" for="ch" forName="cycle" refType="h"/>
+                <dgm:constr type="w" for="ch" forName="cycle" refType="h" refFor="ch" refForName="cycle" fact="0.26"/>
+                <dgm:constr type="l" for="ch" forName="cycle"/>
+                <dgm:constr type="ctrY" for="ch" forName="cycle" refType="h" fact="0.5"/>
+                <dgm:constr type="diam" for="ch" forName="cycle" refType="h" fact="1.344"/>
+                <dgm:constr type="h" for="ch" forName="accent_1" refType="h" fact="0.1316"/>
+                <dgm:constr type="w" for="ch" forName="accent_1" refType="h" refFor="ch" refForName="accent_1" op="equ"/>
+                <dgm:constr type="ctrY" for="ch" forName="accent_1" refType="h" fact="0.1053"/>
+                <dgm:constr type="ctrX" for="ch" forName="accent_1" refType="h" fact="0.0943"/>
+                <dgm:constr type="l" for="ch" forName="text_1" refType="ctrX" refFor="ch" refForName="accent_1"/>
+                <dgm:constr type="r" for="ch" forName="text_1" refType="w"/>
+                <dgm:constr type="w" for="ch" forName="text_1" refType="h" refFor="ch" refForName="text_1" op="gte"/>
+                <dgm:constr type="h" for="ch" forName="text_1" refType="h" refFor="ch" refForName="accent_1" fact="0.8"/>
+                <dgm:constr type="ctrY" for="ch" forName="text_1" refType="ctrY" refFor="ch" refForName="accent_1"/>
+                <dgm:constr type="lMarg" for="ch" forName="text_1" refType="w" refFor="ch" refForName="accent_1" fact="1.8"/>
+                <dgm:constr type="h" for="ch" forName="accent_2" refType="h" fact="0.1316"/>
+                <dgm:constr type="w" for="ch" forName="accent_2" refType="h" refFor="ch" refForName="accent_2" op="equ"/>
+                <dgm:constr type="ctrY" for="ch" forName="accent_2" refType="h" fact="0.2632"/>
+                <dgm:constr type="ctrX" for="ch" forName="accent_2" refType="h" fact="0.1809"/>
+                <dgm:constr type="l" for="ch" forName="text_2" refType="ctrX" refFor="ch" refForName="accent_2"/>
+                <dgm:constr type="r" for="ch" forName="text_2" refType="w"/>
+                <dgm:constr type="w" for="ch" forName="text_2" refType="h" refFor="ch" refForName="text_2" op="gte"/>
+                <dgm:constr type="h" for="ch" forName="text_2" refType="h" refFor="ch" refForName="accent_2" fact="0.8"/>
+                <dgm:constr type="ctrY" for="ch" forName="text_2" refType="ctrY" refFor="ch" refForName="accent_2"/>
+                <dgm:constr type="lMarg" for="ch" forName="text_2" refType="w" refFor="ch" refForName="accent_2" fact="1.8"/>
+                <dgm:constr type="h" for="ch" forName="accent_3" refType="h" fact="0.1316"/>
+                <dgm:constr type="w" for="ch" forName="accent_3" refType="h" refFor="ch" refForName="accent_3" op="equ"/>
+                <dgm:constr type="ctrY" for="ch" forName="accent_3" refType="h" fact="0.4211"/>
+                <dgm:constr type="ctrX" for="ch" forName="accent_3" refType="h" fact="0.2205"/>
+                <dgm:constr type="l" for="ch" forName="text_3" refType="ctrX" refFor="ch" refForName="accent_3"/>
+                <dgm:constr type="r" for="ch" forName="text_3" refType="w"/>
+                <dgm:constr type="w" for="ch" forName="text_3" refType="h" refFor="ch" refForName="text_3" op="gte"/>
+                <dgm:constr type="h" for="ch" forName="text_3" refType="h" refFor="ch" refForName="accent_3" fact="0.8"/>
+                <dgm:constr type="ctrY" for="ch" forName="text_3" refType="ctrY" refFor="ch" refForName="accent_3"/>
+                <dgm:constr type="lMarg" for="ch" forName="text_3" refType="w" refFor="ch" refForName="accent_3" fact="1.8"/>
+                <dgm:constr type="h" for="ch" forName="accent_4" refType="h" fact="0.1316"/>
+                <dgm:constr type="w" for="ch" forName="accent_4" refType="h" refFor="ch" refForName="accent_4" op="equ"/>
+                <dgm:constr type="ctrY" for="ch" forName="accent_4" refType="h" fact="0.5789"/>
+                <dgm:constr type="ctrX" for="ch" forName="accent_4" refType="h" fact="0.2205"/>
+                <dgm:constr type="l" for="ch" forName="text_4" refType="ctrX" refFor="ch" refForName="accent_4"/>
+                <dgm:constr type="r" for="ch" forName="text_4" refType="w"/>
+                <dgm:constr type="w" for="ch" forName="text_4" refType="h" refFor="ch" refForName="text_4" op="gte"/>
+                <dgm:constr type="h" for="ch" forName="text_4" refType="h" refFor="ch" refForName="accent_4" fact="0.8"/>
+                <dgm:constr type="ctrY" for="ch" forName="text_4" refType="ctrY" refFor="ch" refForName="accent_4"/>
+                <dgm:constr type="lMarg" for="ch" forName="text_4" refType="w" refFor="ch" refForName="accent_4" fact="1.8"/>
+                <dgm:constr type="h" for="ch" forName="accent_5" refType="h" fact="0.1316"/>
+                <dgm:constr type="w" for="ch" forName="accent_5" refType="h" refFor="ch" refForName="accent_5" op="equ"/>
+                <dgm:constr type="ctrY" for="ch" forName="accent_5" refType="h" fact="0.7368"/>
+                <dgm:constr type="ctrX" for="ch" forName="accent_5" refType="h" fact="0.1809"/>
+                <dgm:constr type="l" for="ch" forName="text_5" refType="ctrX" refFor="ch" refForName="accent_5"/>
+                <dgm:constr type="r" for="ch" forName="text_5" refType="w"/>
+                <dgm:constr type="w" for="ch" forName="text_5" refType="h" refFor="ch" refForName="text_5" op="gte"/>
+                <dgm:constr type="h" for="ch" forName="text_5" refType="h" refFor="ch" refForName="accent_5" fact="0.8"/>
+                <dgm:constr type="ctrY" for="ch" forName="text_5" refType="ctrY" refFor="ch" refForName="accent_5"/>
+                <dgm:constr type="lMarg" for="ch" forName="text_5" refType="w" refFor="ch" refForName="accent_5" fact="1.8"/>
+                <dgm:constr type="h" for="ch" forName="accent_6" refType="h" fact="0.1316"/>
+                <dgm:constr type="w" for="ch" forName="accent_6" refType="h" refFor="ch" refForName="accent_6" op="equ"/>
+                <dgm:constr type="ctrY" for="ch" forName="accent_6" refType="h" fact="0.8947"/>
+                <dgm:constr type="ctrX" for="ch" forName="accent_6" refType="h" fact="0.0943"/>
+                <dgm:constr type="l" for="ch" forName="text_6" refType="ctrX" refFor="ch" refForName="accent_6"/>
+                <dgm:constr type="r" for="ch" forName="text_6" refType="w"/>
+                <dgm:constr type="w" for="ch" forName="text_6" refType="h" refFor="ch" refForName="text_6" op="gte"/>
+                <dgm:constr type="h" for="ch" forName="text_6" refType="h" refFor="ch" refForName="accent_6" fact="0.8"/>
+                <dgm:constr type="ctrY" for="ch" forName="text_6" refType="ctrY" refFor="ch" refForName="accent_6"/>
+                <dgm:constr type="lMarg" for="ch" forName="text_6" refType="w" refFor="ch" refForName="accent_6" fact="1.8"/>
+                <dgm:constr type="primFontSz" for="ch" ptType="node" op="equ" val="65"/>
+              </dgm:constrLst>
+            </dgm:if>
+            <dgm:else name="Name11">
+              <dgm:constrLst>
+                <dgm:constr type="h" for="ch" forName="cycle" refType="h"/>
+                <dgm:constr type="w" for="ch" forName="cycle" refType="h" refFor="ch" refForName="cycle" fact="0.26"/>
+                <dgm:constr type="l" for="ch" forName="cycle"/>
+                <dgm:constr type="ctrY" for="ch" forName="cycle" refType="h" fact="0.5"/>
+                <dgm:constr type="diam" for="ch" forName="cycle" refType="h" fact="1.344"/>
+                <dgm:constr type="h" for="ch" forName="accent_1" refType="h" fact="0.1136"/>
+                <dgm:constr type="w" for="ch" forName="accent_1" refType="h" refFor="ch" refForName="accent_1" op="equ"/>
+                <dgm:constr type="ctrY" for="ch" forName="accent_1" refType="h" fact="0.0909"/>
+                <dgm:constr type="ctrX" for="ch" forName="accent_1" refType="h" fact="0.0835"/>
+                <dgm:constr type="l" for="ch" forName="text_1" refType="ctrX" refFor="ch" refForName="accent_1"/>
+                <dgm:constr type="r" for="ch" forName="text_1" refType="w"/>
+                <dgm:constr type="w" for="ch" forName="text_1" refType="h" refFor="ch" refForName="text_1" op="gte"/>
+                <dgm:constr type="h" for="ch" forName="text_1" refType="h" refFor="ch" refForName="accent_1" fact="0.8"/>
+                <dgm:constr type="ctrY" for="ch" forName="text_1" refType="ctrY" refFor="ch" refForName="accent_1"/>
+                <dgm:constr type="lMarg" for="ch" forName="text_1" refType="w" refFor="ch" refForName="accent_1" fact="1.8"/>
+                <dgm:constr type="h" for="ch" forName="accent_2" refType="h" fact="0.1136"/>
+                <dgm:constr type="w" for="ch" forName="accent_2" refType="h" refFor="ch" refForName="accent_2" op="equ"/>
+                <dgm:constr type="ctrY" for="ch" forName="accent_2" refType="h" fact="0.2273"/>
+                <dgm:constr type="ctrX" for="ch" forName="accent_2" refType="h" fact="0.1658"/>
+                <dgm:constr type="l" for="ch" forName="text_2" refType="ctrX" refFor="ch" refForName="accent_2"/>
+                <dgm:constr type="r" for="ch" forName="text_2" refType="w"/>
+                <dgm:constr type="w" for="ch" forName="text_2" refType="h" refFor="ch" refForName="text_2" op="gte"/>
+                <dgm:constr type="h" for="ch" forName="text_2" refType="h" refFor="ch" refForName="accent_2" fact="0.8"/>
+                <dgm:constr type="ctrY" for="ch" forName="text_2" refType="ctrY" refFor="ch" refForName="accent_2"/>
+                <dgm:constr type="lMarg" for="ch" forName="text_2" refType="w" refFor="ch" refForName="accent_2" fact="1.8"/>
+                <dgm:constr type="h" for="ch" forName="accent_3" refType="h" fact="0.1136"/>
+                <dgm:constr type="w" for="ch" forName="accent_3" refType="h" refFor="ch" refForName="accent_3" op="equ"/>
+                <dgm:constr type="ctrY" for="ch" forName="accent_3" refType="h" fact="0.3636"/>
+                <dgm:constr type="ctrX" for="ch" forName="accent_3" refType="h" fact="0.2109"/>
+                <dgm:constr type="l" for="ch" forName="text_3" refType="ctrX" refFor="ch" refForName="accent_3"/>
+                <dgm:constr type="r" for="ch" forName="text_3" refType="w"/>
+                <dgm:constr type="w" for="ch" forName="text_3" refType="h" refFor="ch" refForName="text_3" op="gte"/>
+                <dgm:constr type="h" for="ch" forName="text_3" refType="h" refFor="ch" refForName="accent_3" fact="0.8"/>
+                <dgm:constr type="ctrY" for="ch" forName="text_3" refType="ctrY" refFor="ch" refForName="accent_3"/>
+                <dgm:constr type="lMarg" for="ch" forName="text_3" refType="w" refFor="ch" refForName="accent_3" fact="1.8"/>
+                <dgm:constr type="h" for="ch" forName="accent_4" refType="h" fact="0.1136"/>
+                <dgm:constr type="w" for="ch" forName="accent_4" refType="h" refFor="ch" refForName="accent_4" op="equ"/>
+                <dgm:constr type="ctrY" for="ch" forName="accent_4" refType="h" fact="0.5"/>
+                <dgm:constr type="ctrX" for="ch" forName="accent_4" refType="h" fact="0.2253"/>
+                <dgm:constr type="l" for="ch" forName="text_4" refType="ctrX" refFor="ch" refForName="accent_4"/>
+                <dgm:constr type="r" for="ch" forName="text_4" refType="w"/>
+                <dgm:constr type="w" for="ch" forName="text_4" refType="h" refFor="ch" refForName="text_4" op="gte"/>
+                <dgm:constr type="h" for="ch" forName="text_4" refType="h" refFor="ch" refForName="accent_4" fact="0.8"/>
+                <dgm:constr type="ctrY" for="ch" forName="text_4" refType="ctrY" refFor="ch" refForName="accent_4"/>
+                <dgm:constr type="lMarg" for="ch" forName="text_4" refType="w" refFor="ch" refForName="accent_4" fact="1.8"/>
+                <dgm:constr type="h" for="ch" forName="accent_5" refType="h" fact="0.1136"/>
+                <dgm:constr type="w" for="ch" forName="accent_5" refType="h" refFor="ch" refForName="accent_5" op="equ"/>
+                <dgm:constr type="ctrY" for="ch" forName="accent_5" refType="h" fact="0.6364"/>
+                <dgm:constr type="ctrX" for="ch" forName="accent_5" refType="h" fact="0.2109"/>
+                <dgm:constr type="l" for="ch" forName="text_5" refType="ctrX" refFor="ch" refForName="accent_5"/>
+                <dgm:constr type="r" for="ch" forName="text_5" refType="w"/>
+                <dgm:constr type="w" for="ch" forName="text_5" refType="h" refFor="ch" refForName="text_5" op="gte"/>
+                <dgm:constr type="h" for="ch" forName="text_5" refType="h" refFor="ch" refForName="accent_5" fact="0.8"/>
+                <dgm:constr type="ctrY" for="ch" forName="text_5" refType="ctrY" refFor="ch" refForName="accent_5"/>
+                <dgm:constr type="lMarg" for="ch" forName="text_5" refType="w" refFor="ch" refForName="accent_5" fact="1.8"/>
+                <dgm:constr type="h" for="ch" forName="accent_6" refType="h" fact="0.1136"/>
+                <dgm:constr type="w" for="ch" forName="accent_6" refType="h" refFor="ch" refForName="accent_6" op="equ"/>
+                <dgm:constr type="ctrY" for="ch" forName="accent_6" refType="h" fact="0.7727"/>
+                <dgm:constr type="ctrX" for="ch" forName="accent_6" refType="h" fact="0.1658"/>
+                <dgm:constr type="l" for="ch" forName="text_6" refType="ctrX" refFor="ch" refForName="accent_6"/>
+                <dgm:constr type="r" for="ch" forName="text_6" refType="w"/>
+                <dgm:constr type="w" for="ch" forName="text_6" refType="h" refFor="ch" refForName="text_6" op="gte"/>
+                <dgm:constr type="h" for="ch" forName="text_6" refType="h" refFor="ch" refForName="accent_6" fact="0.8"/>
+                <dgm:constr type="ctrY" for="ch" forName="text_6" refType="ctrY" refFor="ch" refForName="accent_6"/>
+                <dgm:constr type="lMarg" for="ch" forName="text_6" refType="w" refFor="ch" refForName="accent_6" fact="1.8"/>
+                <dgm:constr type="h" for="ch" forName="accent_7" refType="h" fact="0.1136"/>
+                <dgm:constr type="w" for="ch" forName="accent_7" refType="h" refFor="ch" refForName="accent_7" op="equ"/>
+                <dgm:constr type="ctrY" for="ch" forName="accent_7" refType="h" fact="0.9091"/>
+                <dgm:constr type="ctrX" for="ch" forName="accent_7" refType="h" fact="0.0835"/>
+                <dgm:constr type="l" for="ch" forName="text_7" refType="ctrX" refFor="ch" refForName="accent_7"/>
+                <dgm:constr type="r" for="ch" forName="text_7" refType="w"/>
+                <dgm:constr type="w" for="ch" forName="text_7" refType="h" refFor="ch" refForName="text_7" op="gte"/>
+                <dgm:constr type="h" for="ch" forName="text_7" refType="h" refFor="ch" refForName="accent_7" fact="0.8"/>
+                <dgm:constr type="ctrY" for="ch" forName="text_7" refType="ctrY" refFor="ch" refForName="accent_7"/>
+                <dgm:constr type="lMarg" for="ch" forName="text_7" refType="w" refFor="ch" refForName="accent_7" fact="1.8"/>
+                <dgm:constr type="primFontSz" for="ch" ptType="node" op="equ" val="65"/>
+              </dgm:constrLst>
+            </dgm:else>
+          </dgm:choose>
+        </dgm:if>
+        <dgm:else name="Name12">
+          <dgm:choose name="Name13">
+            <dgm:if name="Name14" axis="ch" ptType="node" func="cnt" op="equ" val="1">
+              <dgm:constrLst>
+                <dgm:constr type="h" for="ch" forName="cycle" refType="h"/>
+                <dgm:constr type="w" for="ch" forName="cycle" refType="h" refFor="ch" refForName="cycle" fact="0.26"/>
+                <dgm:constr type="r" for="ch" forName="cycle" refType="w"/>
+                <dgm:constr type="ctrY" for="ch" forName="cycle" refType="h" fact="0.5"/>
+                <dgm:constr type="diam" for="ch" forName="cycle" refType="h" fact="1.344"/>
+                <dgm:constr type="h" for="ch" forName="accent_1" refType="h" fact="0.625"/>
+                <dgm:constr type="w" for="ch" forName="accent_1" refType="h" refFor="ch" refForName="accent_1" op="equ"/>
+                <dgm:constr type="ctrY" for="ch" forName="accent_1" refType="h" fact="0.5"/>
+                <dgm:constr type="ctrX" for="ch" forName="accent_1" refType="w"/>
+                <dgm:constr type="ctrXOff" for="ch" forName="accent_1" refType="h" fact="-0.2253"/>
+                <dgm:constr type="r" for="ch" forName="text_1" refType="ctrX" refFor="ch" refForName="accent_1"/>
+                <dgm:constr type="rOff" for="ch" forName="text_1" refType="ctrXOff" refFor="ch" refForName="accent_1"/>
+                <dgm:constr type="l" for="ch" forName="text_1"/>
+                <dgm:constr type="w" for="ch" forName="text_1" refType="h" refFor="ch" refForName="text_1" op="gte"/>
+                <dgm:constr type="h" for="ch" forName="text_1" refType="h" refFor="ch" refForName="accent_1" fact="0.8"/>
+                <dgm:constr type="ctrY" for="ch" forName="text_1" refType="ctrY" refFor="ch" refForName="accent_1"/>
+                <dgm:constr type="rMarg" for="ch" forName="text_1" refType="w" refFor="ch" refForName="accent_1" fact="1.8"/>
+                <dgm:constr type="primFontSz" for="ch" ptType="node" op="equ" val="65"/>
+              </dgm:constrLst>
+            </dgm:if>
+            <dgm:if name="Name15" axis="ch" ptType="node" func="cnt" op="equ" val="2">
+              <dgm:constrLst>
+                <dgm:constr type="h" for="ch" forName="cycle" refType="h"/>
+                <dgm:constr type="w" for="ch" forName="cycle" refType="h" refFor="ch" refForName="cycle" fact="0.26"/>
+                <dgm:constr type="r" for="ch" forName="cycle" refType="w"/>
+                <dgm:constr type="ctrY" for="ch" forName="cycle" refType="h" fact="0.5"/>
+                <dgm:constr type="diam" for="ch" forName="cycle" refType="h" fact="1.344"/>
+                <dgm:constr type="h" for="ch" forName="accent_1" refType="h" fact="0.3571"/>
+                <dgm:constr type="w" for="ch" forName="accent_1" refType="h" refFor="ch" refForName="accent_1" op="equ"/>
+                <dgm:constr type="ctrY" for="ch" forName="accent_1" refType="h" fact="0.2857"/>
+                <dgm:constr type="ctrX" for="ch" forName="accent_1" refType="w"/>
+                <dgm:constr type="ctrXOff" for="ch" forName="accent_1" refType="h" fact="-0.1891"/>
+                <dgm:constr type="r" for="ch" forName="text_1" refType="ctrX" refFor="ch" refForName="accent_1"/>
+                <dgm:constr type="rOff" for="ch" forName="text_1" refType="ctrXOff" refFor="ch" refForName="accent_1"/>
+                <dgm:constr type="l" for="ch" forName="text_1"/>
+                <dgm:constr type="w" for="ch" forName="text_1" refType="h" refFor="ch" refForName="text_1" op="gte"/>
+                <dgm:constr type="h" for="ch" forName="text_1" refType="h" refFor="ch" refForName="accent_1" fact="0.8"/>
+                <dgm:constr type="ctrY" for="ch" forName="text_1" refType="ctrY" refFor="ch" refForName="accent_1"/>
+                <dgm:constr type="rMarg" for="ch" forName="text_1" refType="w" refFor="ch" refForName="accent_1" fact="1.8"/>
+                <dgm:constr type="h" for="ch" forName="accent_2" refType="h" fact="0.3571"/>
+                <dgm:constr type="w" for="ch" forName="accent_2" refType="h" refFor="ch" refForName="accent_2" op="equ"/>
+                <dgm:constr type="ctrY" for="ch" forName="accent_2" refType="h" fact="0.7143"/>
+                <dgm:constr type="ctrX" for="ch" forName="accent_2" refType="w"/>
+                <dgm:constr type="ctrXOff" for="ch" forName="accent_2" refType="h" fact="-0.1891"/>
+                <dgm:constr type="r" for="ch" forName="text_2" refType="ctrX" refFor="ch" refForName="accent_2"/>
+                <dgm:constr type="rOff" for="ch" forName="text_2" refType="ctrXOff" refFor="ch" refForName="accent_2"/>
+                <dgm:constr type="l" for="ch" forName="text_2"/>
+                <dgm:constr type="w" for="ch" forName="text_2" refType="h" refFor="ch" refForName="text_2" op="gte"/>
+                <dgm:constr type="h" for="ch" forName="text_2" refType="h" refFor="ch" refForName="accent_2" fact="0.8"/>
+                <dgm:constr type="ctrY" for="ch" forName="text_2" refType="ctrY" refFor="ch" refForName="accent_2"/>
+                <dgm:constr type="rMarg" for="ch" forName="text_2" refType="w" refFor="ch" refForName="accent_2" fact="1.8"/>
+                <dgm:constr type="primFontSz" for="ch" ptType="node" op="equ" val="65"/>
+              </dgm:constrLst>
+            </dgm:if>
+            <dgm:if name="Name16" axis="ch" ptType="node" func="cnt" op="equ" val="3">
+              <dgm:constrLst>
+                <dgm:constr type="h" for="ch" forName="cycle" refType="h"/>
+                <dgm:constr type="w" for="ch" forName="cycle" refType="h" refFor="ch" refForName="cycle" fact="0.26"/>
+                <dgm:constr type="r" for="ch" forName="cycle" refType="w"/>
+                <dgm:constr type="ctrY" for="ch" forName="cycle" refType="h" fact="0.5"/>
+                <dgm:constr type="diam" for="ch" forName="cycle" refType="h" fact="1.344"/>
+                <dgm:constr type="h" for="ch" forName="accent_1" refType="h" fact="0.25"/>
+                <dgm:constr type="w" for="ch" forName="accent_1" refType="h" refFor="ch" refForName="accent_1" op="equ"/>
+                <dgm:constr type="ctrY" for="ch" forName="accent_1" refType="h" fact="0.2"/>
+                <dgm:constr type="ctrX" for="ch" forName="accent_1" refType="w"/>
+                <dgm:constr type="ctrXOff" for="ch" forName="accent_1" refType="h" fact="-0.1526"/>
+                <dgm:constr type="r" for="ch" forName="text_1" refType="ctrX" refFor="ch" refForName="accent_1"/>
+                <dgm:constr type="rOff" for="ch" forName="text_1" refType="ctrXOff" refFor="ch" refForName="accent_1"/>
+                <dgm:constr type="l" for="ch" forName="text_1"/>
+                <dgm:constr type="w" for="ch" forName="text_1" refType="h" refFor="ch" refForName="text_1" op="gte"/>
+                <dgm:constr type="h" for="ch" forName="text_1" refType="h" refFor="ch" refForName="accent_1" fact="0.8"/>
+                <dgm:constr type="ctrY" for="ch" forName="text_1" refType="ctrY" refFor="ch" refForName="accent_1"/>
+                <dgm:constr type="rMarg" for="ch" forName="text_1" refType="w" refFor="ch" refForName="accent_1" fact="1.8"/>
+                <dgm:constr type="h" for="ch" forName="accent_2" refType="h" fact="0.25"/>
+                <dgm:constr type="w" for="ch" forName="accent_2" refType="h" refFor="ch" refForName="accent_2" op="equ"/>
+                <dgm:constr type="ctrY" for="ch" forName="accent_2" refType="h" fact="0.5"/>
+                <dgm:constr type="ctrX" for="ch" forName="accent_2" refType="w"/>
+                <dgm:constr type="ctrXOff" for="ch" forName="accent_2" refType="h" fact="-0.2253"/>
+                <dgm:constr type="r" for="ch" forName="text_2" refType="ctrX" refFor="ch" refForName="accent_2"/>
+                <dgm:constr type="rOff" for="ch" forName="text_2" refType="ctrXOff" refFor="ch" refForName="accent_2"/>
+                <dgm:constr type="l" for="ch" forName="text_2"/>
+                <dgm:constr type="w" for="ch" forName="text_2" refType="h" refFor="ch" refForName="text_2" op="gte"/>
+                <dgm:constr type="h" for="ch" forName="text_2" refType="h" refFor="ch" refForName="accent_2" fact="0.8"/>
+                <dgm:constr type="ctrY" for="ch" forName="text_2" refType="ctrY" refFor="ch" refForName="accent_2"/>
+                <dgm:constr type="rMarg" for="ch" forName="text_2" refType="w" refFor="ch" refForName="accent_2" fact="1.8"/>
+                <dgm:constr type="h" for="ch" forName="accent_3" refType="h" fact="0.25"/>
+                <dgm:constr type="w" for="ch" forName="accent_3" refType="h" refFor="ch" refForName="accent_3" op="equ"/>
+                <dgm:constr type="ctrY" for="ch" forName="accent_3" refType="h" fact="0.8"/>
+                <dgm:constr type="ctrX" for="ch" forName="accent_3" refType="w"/>
+                <dgm:constr type="ctrXOff" for="ch" forName="accent_3" refType="h" fact="-0.1526"/>
+                <dgm:constr type="r" for="ch" forName="text_3" refType="ctrX" refFor="ch" refForName="accent_3"/>
+                <dgm:constr type="rOff" for="ch" forName="text_3" refType="ctrXOff" refFor="ch" refForName="accent_3"/>
+                <dgm:constr type="l" for="ch" forName="text_3"/>
+                <dgm:constr type="w" for="ch" forName="text_3" refType="h" refFor="ch" refForName="text_3" op="gte"/>
+                <dgm:constr type="h" for="ch" forName="text_3" refType="h" refFor="ch" refForName="accent_3" fact="0.8"/>
+                <dgm:constr type="ctrY" for="ch" forName="text_3" refType="ctrY" refFor="ch" refForName="accent_3"/>
+                <dgm:constr type="rMarg" for="ch" forName="text_3" refType="w" refFor="ch" refForName="accent_3" fact="1.8"/>
+                <dgm:constr type="primFontSz" for="ch" ptType="node" op="equ" val="65"/>
+              </dgm:constrLst>
+            </dgm:if>
+            <dgm:if name="Name17" axis="ch" ptType="node" func="cnt" op="equ" val="4">
+              <dgm:constrLst>
+                <dgm:constr type="h" for="ch" forName="cycle" refType="h"/>
+                <dgm:constr type="w" for="ch" forName="cycle" refType="h" refFor="ch" refForName="cycle" fact="0.26"/>
+                <dgm:constr type="r" for="ch" forName="cycle" refType="w"/>
+                <dgm:constr type="ctrY" for="ch" forName="cycle" refType="h" fact="0.5"/>
+                <dgm:constr type="diam" for="ch" forName="cycle" refType="h" fact="1.344"/>
+                <dgm:constr type="h" for="ch" forName="accent_1" refType="h" fact="0.1923"/>
+                <dgm:constr type="w" for="ch" forName="accent_1" refType="h" refFor="ch" refForName="accent_1" op="equ"/>
+                <dgm:constr type="ctrY" for="ch" forName="accent_1" refType="h" fact="0.1538"/>
+                <dgm:constr type="ctrX" for="ch" forName="accent_1" refType="w"/>
+                <dgm:constr type="ctrXOff" for="ch" forName="accent_1" refType="h" fact="-0.1268"/>
+                <dgm:constr type="r" for="ch" forName="text_1" refType="ctrX" refFor="ch" refForName="accent_1"/>
+                <dgm:constr type="rOff" for="ch" forName="text_1" refType="ctrXOff" refFor="ch" refForName="accent_1"/>
+                <dgm:constr type="l" for="ch" forName="text_1"/>
+                <dgm:constr type="w" for="ch" forName="text_1" refType="h" refFor="ch" refForName="text_1" op="gte"/>
+                <dgm:constr type="h" for="ch" forName="text_1" refType="h" refFor="ch" refForName="accent_1" fact="0.8"/>
+                <dgm:constr type="ctrY" for="ch" forName="text_1" refType="ctrY" refFor="ch" refForName="accent_1"/>
+                <dgm:constr type="rMarg" for="ch" forName="text_1" refType="w" refFor="ch" refForName="accent_1" fact="1.8"/>
+                <dgm:constr type="h" for="ch" forName="accent_2" refType="h" fact="0.1923"/>
+                <dgm:constr type="w" for="ch" forName="accent_2" refType="h" refFor="ch" refForName="accent_2" op="equ"/>
+                <dgm:constr type="ctrY" for="ch" forName="accent_2" refType="h" fact="0.3846"/>
+                <dgm:constr type="ctrX" for="ch" forName="accent_2" refType="w"/>
+                <dgm:constr type="ctrXOff" for="ch" forName="accent_2" refType="h" fact="-0.215"/>
+                <dgm:constr type="r" for="ch" forName="text_2" refType="ctrX" refFor="ch" refForName="accent_2"/>
+                <dgm:constr type="rOff" for="ch" forName="text_2" refType="ctrXOff" refFor="ch" refForName="accent_2"/>
+                <dgm:constr type="l" for="ch" forName="text_2"/>
+                <dgm:constr type="w" for="ch" forName="text_2" refType="h" refFor="ch" refForName="text_2" op="gte"/>
+                <dgm:constr type="h" for="ch" forName="text_2" refType="h" refFor="ch" refForName="accent_2" fact="0.8"/>
+                <dgm:constr type="ctrY" for="ch" forName="text_2" refType="ctrY" refFor="ch" refForName="accent_2"/>
+                <dgm:constr type="rMarg" for="ch" forName="text_2" refType="w" refFor="ch" refForName="accent_2" fact="1.8"/>
+                <dgm:constr type="h" for="ch" forName="accent_3" refType="h" fact="0.1923"/>
+                <dgm:constr type="w" for="ch" forName="accent_3" refType="h" refFor="ch" refForName="accent_3" op="equ"/>
+                <dgm:constr type="ctrY" for="ch" forName="accent_3" refType="h" fact="0.6154"/>
+                <dgm:constr type="ctrX" for="ch" forName="accent_3" refType="w"/>
+                <dgm:constr type="ctrXOff" for="ch" forName="accent_3" refType="h" fact="-0.215"/>
+                <dgm:constr type="r" for="ch" forName="text_3" refType="ctrX" refFor="ch" refForName="accent_3"/>
+                <dgm:constr type="rOff" for="ch" forName="text_3" refType="ctrXOff" refFor="ch" refForName="accent_3"/>
+                <dgm:constr type="l" for="ch" forName="text_3"/>
+                <dgm:constr type="w" for="ch" forName="text_3" refType="h" refFor="ch" refForName="text_3" op="gte"/>
+                <dgm:constr type="h" for="ch" forName="text_3" refType="h" refFor="ch" refForName="accent_3" fact="0.8"/>
+                <dgm:constr type="ctrY" for="ch" forName="text_3" refType="ctrY" refFor="ch" refForName="accent_3"/>
+                <dgm:constr type="rMarg" for="ch" forName="text_3" refType="w" refFor="ch" refForName="accent_3" fact="1.8"/>
+                <dgm:constr type="h" for="ch" forName="accent_4" refType="h" fact="0.1923"/>
+                <dgm:constr type="w" for="ch" forName="accent_4" refType="h" refFor="ch" refForName="accent_4" op="equ"/>
+                <dgm:constr type="ctrY" for="ch" forName="accent_4" refType="h" fact="0.8462"/>
+                <dgm:constr type="ctrX" for="ch" forName="accent_4" refType="w"/>
+                <dgm:constr type="ctrXOff" for="ch" forName="accent_4" refType="h" fact="-0.1268"/>
+                <dgm:constr type="r" for="ch" forName="text_4" refType="ctrX" refFor="ch" refForName="accent_4"/>
+                <dgm:constr type="rOff" for="ch" forName="text_4" refType="ctrXOff" refFor="ch" refForName="accent_4"/>
+                <dgm:constr type="l" for="ch" forName="text_4"/>
+                <dgm:constr type="w" for="ch" forName="text_4" refType="h" refFor="ch" refForName="text_4" op="gte"/>
+                <dgm:constr type="h" for="ch" forName="text_4" refType="h" refFor="ch" refForName="accent_4" fact="0.8"/>
+                <dgm:constr type="ctrY" for="ch" forName="text_4" refType="ctrY" refFor="ch" refForName="accent_4"/>
+                <dgm:constr type="rMarg" for="ch" forName="text_4" refType="w" refFor="ch" refForName="accent_4" fact="1.8"/>
+                <dgm:constr type="primFontSz" for="ch" ptType="node" op="equ" val="65"/>
+              </dgm:constrLst>
+            </dgm:if>
+            <dgm:if name="Name18" axis="ch" ptType="node" func="cnt" op="equ" val="5">
+              <dgm:constrLst>
+                <dgm:constr type="h" for="ch" forName="cycle" refType="h"/>
+                <dgm:constr type="w" for="ch" forName="cycle" refType="h" refFor="ch" refForName="cycle" fact="0.26"/>
+                <dgm:constr type="r" for="ch" forName="cycle" refType="w"/>
+                <dgm:constr type="ctrY" for="ch" forName="cycle" refType="h" fact="0.5"/>
+                <dgm:constr type="diam" for="ch" forName="cycle" refType="h" fact="1.344"/>
+                <dgm:constr type="h" for="ch" forName="accent_1" refType="h" fact="0.1563"/>
+                <dgm:constr type="w" for="ch" forName="accent_1" refType="h" refFor="ch" refForName="accent_1" op="equ"/>
+                <dgm:constr type="ctrY" for="ch" forName="accent_1" refType="h" fact="0.125"/>
+                <dgm:constr type="ctrX" for="ch" forName="accent_1" refType="w"/>
+                <dgm:constr type="ctrXOff" for="ch" forName="accent_1" refType="h" fact="-0.1082"/>
+                <dgm:constr type="r" for="ch" forName="text_1" refType="ctrX" refFor="ch" refForName="accent_1"/>
+                <dgm:constr type="rOff" for="ch" forName="text_1" refType="ctrXOff" refFor="ch" refForName="accent_1"/>
+                <dgm:constr type="l" for="ch" forName="text_1"/>
+                <dgm:constr type="w" for="ch" forName="text_1" refType="h" refFor="ch" refForName="text_1" op="gte"/>
+                <dgm:constr type="h" for="ch" forName="text_1" refType="h" refFor="ch" refForName="accent_1" fact="0.8"/>
+                <dgm:constr type="ctrY" for="ch" forName="text_1" refType="ctrY" refFor="ch" refForName="accent_1"/>
+                <dgm:constr type="rMarg" for="ch" forName="text_1" refType="w" refFor="ch" refForName="accent_1" fact="1.8"/>
+                <dgm:constr type="h" for="ch" forName="accent_2" refType="h" fact="0.1563"/>
+                <dgm:constr type="w" for="ch" forName="accent_2" refType="h" refFor="ch" refForName="accent_2" op="equ"/>
+                <dgm:constr type="ctrY" for="ch" forName="accent_2" refType="h" fact="0.3125"/>
+                <dgm:constr type="ctrX" for="ch" forName="accent_2" refType="w"/>
+                <dgm:constr type="ctrXOff" for="ch" forName="accent_2" refType="h" fact="-0.1978"/>
+                <dgm:constr type="r" for="ch" forName="text_2" refType="ctrX" refFor="ch" refForName="accent_2"/>
+                <dgm:constr type="rOff" for="ch" forName="text_2" refType="ctrXOff" refFor="ch" refForName="accent_2"/>
+                <dgm:constr type="l" for="ch" forName="text_2"/>
+                <dgm:constr type="w" for="ch" forName="text_2" refType="h" refFor="ch" refForName="text_2" op="gte"/>
+                <dgm:constr type="h" for="ch" forName="text_2" refType="h" refFor="ch" refForName="accent_2" fact="0.8"/>
+                <dgm:constr type="ctrY" for="ch" forName="text_2" refType="ctrY" refFor="ch" refForName="accent_2"/>
+                <dgm:constr type="rMarg" for="ch" forName="text_2" refType="w" refFor="ch" refForName="accent_2" fact="1.8"/>
+                <dgm:constr type="h" for="ch" forName="accent_3" refType="h" fact="0.1563"/>
+                <dgm:constr type="w" for="ch" forName="accent_3" refType="h" refFor="ch" refForName="accent_3" op="equ"/>
+                <dgm:constr type="ctrY" for="ch" forName="accent_3" refType="h" fact="0.5"/>
+                <dgm:constr type="ctrX" for="ch" forName="accent_3" refType="w"/>
+                <dgm:constr type="ctrXOff" for="ch" forName="accent_3" refType="h" fact="-0.2253"/>
+                <dgm:constr type="r" for="ch" forName="text_3" refType="ctrX" refFor="ch" refForName="accent_3"/>
+                <dgm:constr type="rOff" for="ch" forName="text_3" refType="ctrXOff" refFor="ch" refForName="accent_3"/>
+                <dgm:constr type="l" for="ch" forName="text_3"/>
+                <dgm:constr type="w" for="ch" forName="text_3" refType="h" refFor="ch" refForName="text_3" op="gte"/>
+                <dgm:constr type="h" for="ch" forName="text_3" refType="h" refFor="ch" refForName="accent_3" fact="0.8"/>
+                <dgm:constr type="ctrY" for="ch" forName="text_3" refType="ctrY" refFor="ch" refForName="accent_3"/>
+                <dgm:constr type="rMarg" for="ch" forName="text_3" refType="w" refFor="ch" refForName="accent_3" fact="1.8"/>
+                <dgm:constr type="h" for="ch" forName="accent_4" refType="h" fact="0.1563"/>
+                <dgm:constr type="w" for="ch" forName="accent_4" refType="h" refFor="ch" refForName="accent_4" op="equ"/>
+                <dgm:constr type="ctrY" for="ch" forName="accent_4" refType="h" fact="0.6875"/>
+                <dgm:constr type="ctrX" for="ch" forName="accent_4" refType="w"/>
+                <dgm:constr type="ctrXOff" for="ch" forName="accent_4" refType="h" fact="-0.1978"/>
+                <dgm:constr type="r" for="ch" forName="text_4" refType="ctrX" refFor="ch" refForName="accent_4"/>
+                <dgm:constr type="rOff" for="ch" forName="text_4" refType="ctrXOff" refFor="ch" refForName="accent_4"/>
+                <dgm:constr type="l" for="ch" forName="text_4"/>
+                <dgm:constr type="w" for="ch" forName="text_4" refType="h" refFor="ch" refForName="text_4" op="gte"/>
+                <dgm:constr type="h" for="ch" forName="text_4" refType="h" refFor="ch" refForName="accent_4" fact="0.8"/>
+                <dgm:constr type="ctrY" for="ch" forName="text_4" refType="ctrY" refFor="ch" refForName="accent_4"/>
+                <dgm:constr type="rMarg" for="ch" forName="text_4" refType="w" refFor="ch" refForName="accent_4" fact="1.8"/>
+                <dgm:constr type="h" for="ch" forName="accent_5" refType="h" fact="0.1563"/>
+                <dgm:constr type="w" for="ch" forName="accent_5" refType="h" refFor="ch" refForName="accent_5" op="equ"/>
+                <dgm:constr type="ctrY" for="ch" forName="accent_5" refType="h" fact="0.875"/>
+                <dgm:constr type="ctrX" for="ch" forName="accent_5" refType="w"/>
+                <dgm:constr type="ctrXOff" for="ch" forName="accent_5" refType="h" fact="-0.1082"/>
+                <dgm:constr type="r" for="ch" forName="text_5" refType="ctrX" refFor="ch" refForName="accent_5"/>
+                <dgm:constr type="rOff" for="ch" forName="text_5" refType="ctrXOff" refFor="ch" refForName="accent_5"/>
+                <dgm:constr type="l" for="ch" forName="text_5"/>
+                <dgm:constr type="w" for="ch" forName="text_5" refType="h" refFor="ch" refForName="text_5" op="gte"/>
+                <dgm:constr type="h" for="ch" forName="text_5" refType="h" refFor="ch" refForName="accent_5" fact="0.8"/>
+                <dgm:constr type="ctrY" for="ch" forName="text_5" refType="ctrY" refFor="ch" refForName="accent_5"/>
+                <dgm:constr type="rMarg" for="ch" forName="text_5" refType="w" refFor="ch" refForName="accent_5" fact="1.8"/>
+                <dgm:constr type="primFontSz" for="ch" ptType="node" op="equ" val="65"/>
+              </dgm:constrLst>
+            </dgm:if>
+            <dgm:if name="Name19" axis="ch" ptType="node" func="cnt" op="equ" val="6">
+              <dgm:constrLst>
+                <dgm:constr type="h" for="ch" forName="cycle" refType="h"/>
+                <dgm:constr type="w" for="ch" forName="cycle" refType="h" refFor="ch" refForName="cycle" fact="0.26"/>
+                <dgm:constr type="r" for="ch" forName="cycle" refType="w"/>
+                <dgm:constr type="ctrY" for="ch" forName="cycle" refType="h" fact="0.5"/>
+                <dgm:constr type="diam" for="ch" forName="cycle" refType="h" fact="1.344"/>
+                <dgm:constr type="h" for="ch" forName="accent_1" refType="h" fact="0.1316"/>
+                <dgm:constr type="w" for="ch" forName="accent_1" refType="h" refFor="ch" refForName="accent_1" op="equ"/>
+                <dgm:constr type="ctrY" for="ch" forName="accent_1" refType="h" fact="0.1053"/>
+                <dgm:constr type="ctrX" for="ch" forName="accent_1" refType="w"/>
+                <dgm:constr type="ctrXOff" for="ch" forName="accent_1" refType="h" fact="-0.0943"/>
+                <dgm:constr type="r" for="ch" forName="text_1" refType="ctrX" refFor="ch" refForName="accent_1"/>
+                <dgm:constr type="rOff" for="ch" forName="text_1" refType="ctrXOff" refFor="ch" refForName="accent_1"/>
+                <dgm:constr type="l" for="ch" forName="text_1"/>
+                <dgm:constr type="w" for="ch" forName="text_1" refType="h" refFor="ch" refForName="text_1" op="gte"/>
+                <dgm:constr type="h" for="ch" forName="text_1" refType="h" refFor="ch" refForName="accent_1" fact="0.8"/>
+                <dgm:constr type="ctrY" for="ch" forName="text_1" refType="ctrY" refFor="ch" refForName="accent_1"/>
+                <dgm:constr type="rMarg" for="ch" forName="text_1" refType="w" refFor="ch" refForName="accent_1" fact="1.8"/>
+                <dgm:constr type="h" for="ch" forName="accent_2" refType="h" fact="0.1316"/>
+                <dgm:constr type="w" for="ch" forName="accent_2" refType="h" refFor="ch" refForName="accent_2" op="equ"/>
+                <dgm:constr type="ctrY" for="ch" forName="accent_2" refType="h" fact="0.2632"/>
+                <dgm:constr type="ctrX" for="ch" forName="accent_2" refType="w"/>
+                <dgm:constr type="ctrXOff" for="ch" forName="accent_2" refType="h" fact="-0.1809"/>
+                <dgm:constr type="r" for="ch" forName="text_2" refType="ctrX" refFor="ch" refForName="accent_2"/>
+                <dgm:constr type="rOff" for="ch" forName="text_2" refType="ctrXOff" refFor="ch" refForName="accent_2"/>
+                <dgm:constr type="l" for="ch" forName="text_2"/>
+                <dgm:constr type="w" for="ch" forName="text_2" refType="h" refFor="ch" refForName="text_2" op="gte"/>
+                <dgm:constr type="h" for="ch" forName="text_2" refType="h" refFor="ch" refForName="accent_2" fact="0.8"/>
+                <dgm:constr type="ctrY" for="ch" forName="text_2" refType="ctrY" refFor="ch" refForName="accent_2"/>
+                <dgm:constr type="rMarg" for="ch" forName="text_2" refType="w" refFor="ch" refForName="accent_2" fact="1.8"/>
+                <dgm:constr type="h" for="ch" forName="accent_3" refType="h" fact="0.1316"/>
+                <dgm:constr type="w" for="ch" forName="accent_3" refType="h" refFor="ch" refForName="accent_3" op="equ"/>
+                <dgm:constr type="ctrY" for="ch" forName="accent_3" refType="h" fact="0.4211"/>
+                <dgm:constr type="ctrX" for="ch" forName="accent_3" refType="w"/>
+                <dgm:constr type="ctrXOff" for="ch" forName="accent_3" refType="h" fact="-0.2205"/>
+                <dgm:constr type="r" for="ch" forName="text_3" refType="ctrX" refFor="ch" refForName="accent_3"/>
+                <dgm:constr type="rOff" for="ch" forName="text_3" refType="ctrXOff" refFor="ch" refForName="accent_3"/>
+                <dgm:constr type="l" for="ch" forName="text_3"/>
+                <dgm:constr type="w" for="ch" forName="text_3" refType="h" refFor="ch" refForName="text_3" op="gte"/>
+                <dgm:constr type="h" for="ch" forName="text_3" refType="h" refFor="ch" refForName="accent_3" fact="0.8"/>
+                <dgm:constr type="ctrY" for="ch" forName="text_3" refType="ctrY" refFor="ch" refForName="accent_3"/>
+                <dgm:constr type="rMarg" for="ch" forName="text_3" refType="w" refFor="ch" refForName="accent_3" fact="1.8"/>
+                <dgm:constr type="h" for="ch" forName="accent_4" refType="h" fact="0.1316"/>
+                <dgm:constr type="w" for="ch" forName="accent_4" refType="h" refFor="ch" refForName="accent_4" op="equ"/>
+                <dgm:constr type="ctrY" for="ch" forName="accent_4" refType="h" fact="0.5789"/>
+                <dgm:constr type="ctrX" for="ch" forName="accent_4" refType="w"/>
+                <dgm:constr type="ctrXOff" for="ch" forName="accent_4" refType="h" fact="-0.2205"/>
+                <dgm:constr type="r" for="ch" forName="text_4" refType="ctrX" refFor="ch" refForName="accent_4"/>
+                <dgm:constr type="rOff" for="ch" forName="text_4" refType="ctrXOff" refFor="ch" refForName="accent_4"/>
+                <dgm:constr type="l" for="ch" forName="text_4"/>
+                <dgm:constr type="w" for="ch" forName="text_4" refType="h" refFor="ch" refForName="text_4" op="gte"/>
+                <dgm:constr type="h" for="ch" forName="text_4" refType="h" refFor="ch" refForName="accent_4" fact="0.8"/>
+                <dgm:constr type="ctrY" for="ch" forName="text_4" refType="ctrY" refFor="ch" refForName="accent_4"/>
+                <dgm:constr type="rMarg" for="ch" forName="text_4" refType="w" refFor="ch" refForName="accent_4" fact="1.8"/>
+                <dgm:constr type="h" for="ch" forName="accent_5" refType="h" fact="0.1316"/>
+                <dgm:constr type="w" for="ch" forName="accent_5" refType="h" refFor="ch" refForName="accent_5" op="equ"/>
+                <dgm:constr type="ctrY" for="ch" forName="accent_5" refType="h" fact="0.7368"/>
+                <dgm:constr type="ctrX" for="ch" forName="accent_5" refType="w"/>
+                <dgm:constr type="ctrXOff" for="ch" forName="accent_5" refType="h" fact="-0.1809"/>
+                <dgm:constr type="r" for="ch" forName="text_5" refType="ctrX" refFor="ch" refForName="accent_5"/>
+                <dgm:constr type="rOff" for="ch" forName="text_5" refType="ctrXOff" refFor="ch" refForName="accent_5"/>
+                <dgm:constr type="l" for="ch" forName="text_5"/>
+                <dgm:constr type="w" for="ch" forName="text_5" refType="h" refFor="ch" refForName="text_5" op="gte"/>
+                <dgm:constr type="h" for="ch" forName="text_5" refType="h" refFor="ch" refForName="accent_5" fact="0.8"/>
+                <dgm:constr type="ctrY" for="ch" forName="text_5" refType="ctrY" refFor="ch" refForName="accent_5"/>
+                <dgm:constr type="rMarg" for="ch" forName="text_5" refType="w" refFor="ch" refForName="accent_5" fact="1.8"/>
+                <dgm:constr type="h" for="ch" forName="accent_6" refType="h" fact="0.1316"/>
+                <dgm:constr type="w" for="ch" forName="accent_6" refType="h" refFor="ch" refForName="accent_6" op="equ"/>
+                <dgm:constr type="ctrY" for="ch" forName="accent_6" refType="h" fact="0.8947"/>
+                <dgm:constr type="ctrX" for="ch" forName="accent_6" refType="w"/>
+                <dgm:constr type="ctrXOff" for="ch" forName="accent_6" refType="h" fact="-0.0943"/>
+                <dgm:constr type="r" for="ch" forName="text_6" refType="ctrX" refFor="ch" refForName="accent_6"/>
+                <dgm:constr type="rOff" for="ch" forName="text_6" refType="ctrXOff" refFor="ch" refForName="accent_6"/>
+                <dgm:constr type="l" for="ch" forName="text_6"/>
+                <dgm:constr type="w" for="ch" forName="text_6" refType="h" refFor="ch" refForName="text_6" op="gte"/>
+                <dgm:constr type="h" for="ch" forName="text_6" refType="h" refFor="ch" refForName="accent_6" fact="0.8"/>
+                <dgm:constr type="ctrY" for="ch" forName="text_6" refType="ctrY" refFor="ch" refForName="accent_6"/>
+                <dgm:constr type="rMarg" for="ch" forName="text_6" refType="w" refFor="ch" refForName="accent_6" fact="1.8"/>
+                <dgm:constr type="primFontSz" for="ch" ptType="node" op="equ" val="65"/>
+              </dgm:constrLst>
+            </dgm:if>
+            <dgm:else name="Name20">
+              <dgm:constrLst>
+                <dgm:constr type="h" for="ch" forName="cycle" refType="h"/>
+                <dgm:constr type="w" for="ch" forName="cycle" refType="h" refFor="ch" refForName="cycle" fact="0.26"/>
+                <dgm:constr type="r" for="ch" forName="cycle" refType="w"/>
+                <dgm:constr type="ctrY" for="ch" forName="cycle" refType="h" fact="0.5"/>
+                <dgm:constr type="diam" for="ch" forName="cycle" refType="h" fact="1.344"/>
+                <dgm:constr type="h" for="ch" forName="accent_1" refType="h" fact="0.1136"/>
+                <dgm:constr type="w" for="ch" forName="accent_1" refType="h" refFor="ch" refForName="accent_1" op="equ"/>
+                <dgm:constr type="ctrY" for="ch" forName="accent_1" refType="h" fact="0.0909"/>
+                <dgm:constr type="ctrX" for="ch" forName="accent_1" refType="w"/>
+                <dgm:constr type="ctrXOff" for="ch" forName="accent_1" refType="h" fact="-0.0835"/>
+                <dgm:constr type="r" for="ch" forName="text_1" refType="ctrX" refFor="ch" refForName="accent_1"/>
+                <dgm:constr type="rOff" for="ch" forName="text_1" refType="ctrXOff" refFor="ch" refForName="accent_1"/>
+                <dgm:constr type="l" for="ch" forName="text_1"/>
+                <dgm:constr type="w" for="ch" forName="text_1" refType="h" refFor="ch" refForName="text_1" op="gte"/>
+                <dgm:constr type="h" for="ch" forName="text_1" refType="h" refFor="ch" refForName="accent_1" fact="0.8"/>
+                <dgm:constr type="ctrY" for="ch" forName="text_1" refType="ctrY" refFor="ch" refForName="accent_1"/>
+                <dgm:constr type="rMarg" for="ch" forName="text_1" refType="w" refFor="ch" refForName="accent_1" fact="1.8"/>
+                <dgm:constr type="h" for="ch" forName="accent_2" refType="h" fact="0.1136"/>
+                <dgm:constr type="w" for="ch" forName="accent_2" refType="h" refFor="ch" refForName="accent_2" op="equ"/>
+                <dgm:constr type="ctrY" for="ch" forName="accent_2" refType="h" fact="0.2273"/>
+                <dgm:constr type="ctrX" for="ch" forName="accent_2" refType="w"/>
+                <dgm:constr type="ctrXOff" for="ch" forName="accent_2" refType="h" fact="-0.1658"/>
+                <dgm:constr type="r" for="ch" forName="text_2" refType="ctrX" refFor="ch" refForName="accent_2"/>
+                <dgm:constr type="rOff" for="ch" forName="text_2" refType="ctrXOff" refFor="ch" refForName="accent_2"/>
+                <dgm:constr type="l" for="ch" forName="text_2"/>
+                <dgm:constr type="w" for="ch" forName="text_2" refType="h" refFor="ch" refForName="text_2" op="gte"/>
+                <dgm:constr type="h" for="ch" forName="text_2" refType="h" refFor="ch" refForName="accent_2" fact="0.8"/>
+                <dgm:constr type="ctrY" for="ch" forName="text_2" refType="ctrY" refFor="ch" refForName="accent_2"/>
+                <dgm:constr type="rMarg" for="ch" forName="text_2" refType="w" refFor="ch" refForName="accent_2" fact="1.8"/>
+                <dgm:constr type="h" for="ch" forName="accent_3" refType="h" fact="0.1136"/>
+                <dgm:constr type="w" for="ch" forName="accent_3" refType="h" refFor="ch" refForName="accent_3" op="equ"/>
+                <dgm:constr type="ctrY" for="ch" forName="accent_3" refType="h" fact="0.3636"/>
+                <dgm:constr type="ctrX" for="ch" forName="accent_3" refType="w"/>
+                <dgm:constr type="ctrXOff" for="ch" forName="accent_3" refType="h" fact="-0.2109"/>
+                <dgm:constr type="r" for="ch" forName="text_3" refType="ctrX" refFor="ch" refForName="accent_3"/>
+                <dgm:constr type="rOff" for="ch" forName="text_3" refType="ctrXOff" refFor="ch" refForName="accent_3"/>
+                <dgm:constr type="l" for="ch" forName="text_3"/>
+                <dgm:constr type="w" for="ch" forName="text_3" refType="h" refFor="ch" refForName="text_3" op="gte"/>
+                <dgm:constr type="h" for="ch" forName="text_3" refType="h" refFor="ch" refForName="accent_3" fact="0.8"/>
+                <dgm:constr type="ctrY" for="ch" forName="text_3" refType="ctrY" refFor="ch" refForName="accent_3"/>
+                <dgm:constr type="rMarg" for="ch" forName="text_3" refType="w" refFor="ch" refForName="accent_3" fact="1.8"/>
+                <dgm:constr type="h" for="ch" forName="accent_4" refType="h" fact="0.1136"/>
+                <dgm:constr type="w" for="ch" forName="accent_4" refType="h" refFor="ch" refForName="accent_4" op="equ"/>
+                <dgm:constr type="ctrY" for="ch" forName="accent_4" refType="h" fact="0.5"/>
+                <dgm:constr type="ctrX" for="ch" forName="accent_4" refType="w"/>
+                <dgm:constr type="ctrXOff" for="ch" forName="accent_4" refType="h" fact="-0.2253"/>
+                <dgm:constr type="r" for="ch" forName="text_4" refType="ctrX" refFor="ch" refForName="accent_4"/>
+                <dgm:constr type="rOff" for="ch" forName="text_4" refType="ctrXOff" refFor="ch" refForName="accent_4"/>
+                <dgm:constr type="l" for="ch" forName="text_4"/>
+                <dgm:constr type="w" for="ch" forName="text_4" refType="h" refFor="ch" refForName="text_4" op="gte"/>
+                <dgm:constr type="h" for="ch" forName="text_4" refType="h" refFor="ch" refForName="accent_4" fact="0.8"/>
+                <dgm:constr type="ctrY" for="ch" forName="text_4" refType="ctrY" refFor="ch" refForName="accent_4"/>
+                <dgm:constr type="rMarg" for="ch" forName="text_4" refType="w" refFor="ch" refForName="accent_4" fact="1.8"/>
+                <dgm:constr type="h" for="ch" forName="accent_5" refType="h" fact="0.1136"/>
+                <dgm:constr type="w" for="ch" forName="accent_5" refType="h" refFor="ch" refForName="accent_5" op="equ"/>
+                <dgm:constr type="ctrY" for="ch" forName="accent_5" refType="h" fact="0.6364"/>
+                <dgm:constr type="ctrX" for="ch" forName="accent_5" refType="w"/>
+                <dgm:constr type="ctrXOff" for="ch" forName="accent_5" refType="h" fact="-0.2109"/>
+                <dgm:constr type="r" for="ch" forName="text_5" refType="ctrX" refFor="ch" refForName="accent_5"/>
+                <dgm:constr type="rOff" for="ch" forName="text_5" refType="ctrXOff" refFor="ch" refForName="accent_5"/>
+                <dgm:constr type="l" for="ch" forName="text_5"/>
+                <dgm:constr type="w" for="ch" forName="text_5" refType="h" refFor="ch" refForName="text_5" op="gte"/>
+                <dgm:constr type="h" for="ch" forName="text_5" refType="h" refFor="ch" refForName="accent_5" fact="0.8"/>
+                <dgm:constr type="ctrY" for="ch" forName="text_5" refType="ctrY" refFor="ch" refForName="accent_5"/>
+                <dgm:constr type="rMarg" for="ch" forName="text_5" refType="w" refFor="ch" refForName="accent_5" fact="1.8"/>
+                <dgm:constr type="h" for="ch" forName="accent_6" refType="h" fact="0.1136"/>
+                <dgm:constr type="w" for="ch" forName="accent_6" refType="h" refFor="ch" refForName="accent_6" op="equ"/>
+                <dgm:constr type="ctrY" for="ch" forName="accent_6" refType="h" fact="0.7727"/>
+                <dgm:constr type="ctrX" for="ch" forName="accent_6" refType="w"/>
+                <dgm:constr type="ctrXOff" for="ch" forName="accent_6" refType="h" fact="-0.1658"/>
+                <dgm:constr type="r" for="ch" forName="text_6" refType="ctrX" refFor="ch" refForName="accent_6"/>
+                <dgm:constr type="rOff" for="ch" forName="text_6" refType="ctrXOff" refFor="ch" refForName="accent_6"/>
+                <dgm:constr type="l" for="ch" forName="text_6"/>
+                <dgm:constr type="w" for="ch" forName="text_6" refType="h" refFor="ch" refForName="text_6" op="gte"/>
+                <dgm:constr type="h" for="ch" forName="text_6" refType="h" refFor="ch" refForName="accent_6" fact="0.8"/>
+                <dgm:constr type="ctrY" for="ch" forName="text_6" refType="ctrY" refFor="ch" refForName="accent_6"/>
+                <dgm:constr type="rMarg" for="ch" forName="text_6" refType="w" refFor="ch" refForName="accent_6" fact="1.8"/>
+                <dgm:constr type="h" for="ch" forName="accent_7" refType="h" fact="0.1136"/>
+                <dgm:constr type="w" for="ch" forName="accent_7" refType="h" refFor="ch" refForName="accent_7" op="equ"/>
+                <dgm:constr type="ctrY" for="ch" forName="accent_7" refType="h" fact="0.9091"/>
+                <dgm:constr type="ctrX" for="ch" forName="accent_7" refType="w"/>
+                <dgm:constr type="ctrXOff" for="ch" forName="accent_7" refType="h" fact="-0.0835"/>
+                <dgm:constr type="r" for="ch" forName="text_7" refType="ctrX" refFor="ch" refForName="accent_7"/>
+                <dgm:constr type="rOff" for="ch" forName="text_7" refType="ctrXOff" refFor="ch" refForName="accent_7"/>
+                <dgm:constr type="l" for="ch" forName="text_7"/>
+                <dgm:constr type="w" for="ch" forName="text_7" refType="h" refFor="ch" refForName="text_7" op="gte"/>
+                <dgm:constr type="h" for="ch" forName="text_7" refType="h" refFor="ch" refForName="accent_7" fact="0.8"/>
+                <dgm:constr type="ctrY" for="ch" forName="text_7" refType="ctrY" refFor="ch" refForName="accent_7"/>
+                <dgm:constr type="rMarg" for="ch" forName="text_7" refType="w" refFor="ch" refForName="accent_7" fact="1.8"/>
+                <dgm:constr type="primFontSz" for="ch" ptType="node" op="equ" val="65"/>
+              </dgm:constrLst>
+            </dgm:else>
+          </dgm:choose>
+        </dgm:else>
+      </dgm:choose>
+      <dgm:layoutNode name="cycle">
+        <dgm:choose name="Name21">
+          <dgm:if name="Name22" func="var" arg="dir" op="equ" val="norm">
+            <dgm:alg type="cycle">
+              <dgm:param type="stAng" val="45"/>
+              <dgm:param type="spanAng" val="90"/>
+            </dgm:alg>
+          </dgm:if>
+          <dgm:else name="Name23">
+            <dgm:alg type="cycle">
+              <dgm:param type="stAng" val="225"/>
+              <dgm:param type="spanAng" val="90"/>
+            </dgm:alg>
+          </dgm:else>
+        </dgm:choose>
+        <dgm:shape xmlns:r="http://schemas.openxmlformats.org/officeDocument/2006/relationships" r:blip="">
+          <dgm:adjLst/>
+        </dgm:shape>
+        <dgm:presOf/>
+        <dgm:constrLst>
+          <dgm:constr type="w" for="ch" val="1"/>
+          <dgm:constr type="h" for="ch" val="1"/>
+          <dgm:constr type="diam" for="ch" forName="conn" refType="diam"/>
+        </dgm:constrLst>
+        <dgm:layoutNode name="srcNode">
+          <dgm:alg type="sp"/>
+          <dgm:shape xmlns:r="http://schemas.openxmlformats.org/officeDocument/2006/relationships" type="rect" r:blip="" hideGeom="1">
+            <dgm:adjLst/>
+          </dgm:shape>
+          <dgm:presOf/>
+        </dgm:layoutNode>
+        <dgm:layoutNode name="conn" styleLbl="parChTrans1D2">
+          <dgm:alg type="conn">
+            <dgm:param type="connRout" val="curve"/>
+            <dgm:param type="srcNode" val="srcNode"/>
+            <dgm:param type="dstNode" val="dstNode"/>
+            <dgm:param type="begPts" val="ctr"/>
+            <dgm:param type="endPts" val="ctr"/>
+            <dgm:param type="endSty" val="noArr"/>
+          </dgm:alg>
+          <dgm:shape xmlns:r="http://schemas.openxmlformats.org/officeDocument/2006/relationships" type="conn" r:blip="">
+            <dgm:adjLst/>
+          </dgm:shape>
+          <dgm:presOf axis="desOrSelf" ptType="sibTrans" hideLastTrans="0" st="0" cnt="1"/>
+          <dgm:constrLst>
+            <dgm:constr type="begPad"/>
+            <dgm:constr type="endPad"/>
+          </dgm:constrLst>
+        </dgm:layoutNode>
+        <dgm:layoutNode name="extraNode">
+          <dgm:alg type="sp"/>
+          <dgm:shape xmlns:r="http://schemas.openxmlformats.org/officeDocument/2006/relationships" type="rect" r:blip="" hideGeom="1">
+            <dgm:adjLst/>
+          </dgm:shape>
+          <dgm:presOf/>
+        </dgm:layoutNode>
+        <dgm:layoutNode name="dstNode">
+          <dgm:alg type="sp"/>
+          <dgm:shape xmlns:r="http://schemas.openxmlformats.org/officeDocument/2006/relationships" type="rect" r:blip="" hideGeom="1">
+            <dgm:adjLst/>
+          </dgm:shape>
+          <dgm:presOf/>
+        </dgm:layoutNode>
+      </dgm:layoutNode>
+      <dgm:forEach name="wrapper" axis="self" ptType="parTrans">
+        <dgm:forEach name="wrapper2" axis="self" ptType="sibTrans" st="2">
+          <dgm:forEach name="accentRepeat" axis="self">
+            <dgm:layoutNode name="accentRepeatNode" styleLbl="solidFgAcc1">
+              <dgm:alg type="sp"/>
+              <dgm:shape xmlns:r="http://schemas.openxmlformats.org/officeDocument/2006/relationships" type="ellipse" r:blip="">
+                <dgm:adjLst/>
+              </dgm:shape>
+              <dgm:presOf/>
+            </dgm:layoutNode>
+          </dgm:forEach>
+        </dgm:forEach>
+      </dgm:forEach>
+      <dgm:forEach name="Name24" axis="ch" ptType="node" cnt="1">
+        <dgm:layoutNode name="text_1" styleLbl="node1">
+          <dgm:varLst>
+            <dgm:bulletEnabled val="1"/>
+          </dgm:varLst>
+          <dgm:choose name="Name25">
+            <dgm:if name="Name26" func="var" arg="dir" op="equ" val="norm">
+              <dgm:alg type="tx">
+                <dgm:param type="parTxLTRAlign" val="l"/>
+                <dgm:param type="shpTxLTRAlignCh" val="l"/>
+                <dgm:param type="parTxRTLAlign" val="l"/>
+                <dgm:param type="shpTxRTLAlignCh" val="l"/>
+              </dgm:alg>
+            </dgm:if>
+            <dgm:else name="Name27">
+              <dgm:alg type="tx">
+                <dgm:param type="parTxLTRAlign" val="r"/>
+                <dgm:param type="shpTxLTRAlignCh" val="r"/>
+                <dgm:param type="parTxRTLAlign" val="r"/>
+                <dgm:param type="shpTxRTLAlignCh" val="r"/>
+              </dgm:alg>
+            </dgm:else>
+          </dgm:choose>
+          <dgm:shape xmlns:r="http://schemas.openxmlformats.org/officeDocument/2006/relationships" type="rect" r:blip="">
+            <dgm:adjLst/>
+          </dgm:shape>
+          <dgm:presOf axis="desOrSelf" ptType="node"/>
+          <dgm:constrLst>
+            <dgm:constr type="primFontSz" val="65"/>
+            <dgm:constr type="lMarg" refType="primFontSz" fact="0.2"/>
+            <dgm:constr type="rMarg" refType="primFontSz" fact="0.2"/>
+            <dgm:constr type="tMarg" refType="primFontSz" fact="0.2"/>
+            <dgm:constr type="bMarg" refType="primFontSz" fact="0.2"/>
+          </dgm:constrLst>
+          <dgm:ruleLst>
+            <dgm:rule type="primFontSz" val="5" fact="NaN" max="NaN"/>
+          </dgm:ruleLst>
+        </dgm:layoutNode>
+        <dgm:layoutNode name="accent_1">
+          <dgm:alg type="sp"/>
+          <dgm:shape xmlns:r="http://schemas.openxmlformats.org/officeDocument/2006/relationships" r:blip="">
+            <dgm:adjLst/>
+          </dgm:shape>
+          <dgm:presOf/>
+          <dgm:constrLst/>
+          <dgm:forEach name="Name28" ref="accentRepeat"/>
+        </dgm:layoutNode>
+      </dgm:forEach>
+      <dgm:forEach name="Name29" axis="ch" ptType="node" st="2" cnt="1">
+        <dgm:layoutNode name="text_2" styleLbl="node1">
+          <dgm:varLst>
+            <dgm:bulletEnabled val="1"/>
+          </dgm:varLst>
+          <dgm:choose name="Name30">
+            <dgm:if name="Name31" func="var" arg="dir" op="equ" val="norm">
+              <dgm:alg type="tx">
+                <dgm:param type="parTxLTRAlign" val="l"/>
+                <dgm:param type="shpTxLTRAlignCh" val="l"/>
+                <dgm:param type="parTxRTLAlign" val="l"/>
+                <dgm:param type="shpTxRTLAlignCh" val="l"/>
+              </dgm:alg>
+            </dgm:if>
+            <dgm:else name="Name32">
+              <dgm:alg type="tx">
+                <dgm:param type="parTxLTRAlign" val="r"/>
+                <dgm:param type="shpTxLTRAlignCh" val="r"/>
+                <dgm:param type="parTxRTLAlign" val="r"/>
+                <dgm:param type="shpTxRTLAlignCh" val="r"/>
+              </dgm:alg>
+            </dgm:else>
+          </dgm:choose>
+          <dgm:shape xmlns:r="http://schemas.openxmlformats.org/officeDocument/2006/relationships" type="rect" r:blip="">
+            <dgm:adjLst/>
+          </dgm:shape>
+          <dgm:presOf axis="desOrSelf" ptType="node"/>
+          <dgm:constrLst>
+            <dgm:constr type="primFontSz" val="65"/>
+            <dgm:constr type="lMarg" refType="primFontSz" fact="0.2"/>
+            <dgm:constr type="rMarg" refType="primFontSz" fact="0.2"/>
+            <dgm:constr type="tMarg" refType="primFontSz" fact="0.2"/>
+            <dgm:constr type="bMarg" refType="primFontSz" fact="0.2"/>
+          </dgm:constrLst>
+          <dgm:ruleLst>
+            <dgm:rule type="primFontSz" val="5" fact="NaN" max="NaN"/>
+          </dgm:ruleLst>
+        </dgm:layoutNode>
+        <dgm:layoutNode name="accent_2">
+          <dgm:alg type="sp"/>
+          <dgm:shape xmlns:r="http://schemas.openxmlformats.org/officeDocument/2006/relationships" r:blip="">
+            <dgm:adjLst/>
+          </dgm:shape>
+          <dgm:presOf/>
+          <dgm:constrLst/>
+          <dgm:forEach name="Name33" ref="accentRepeat"/>
+        </dgm:layoutNode>
+      </dgm:forEach>
+      <dgm:forEach name="Name34" axis="ch" ptType="node" st="3" cnt="1">
+        <dgm:layoutNode name="text_3" styleLbl="node1">
+          <dgm:varLst>
+            <dgm:bulletEnabled val="1"/>
+          </dgm:varLst>
+          <dgm:choose name="Name35">
+            <dgm:if name="Name36" func="var" arg="dir" op="equ" val="norm">
+              <dgm:alg type="tx">
+                <dgm:param type="parTxLTRAlign" val="l"/>
+                <dgm:param type="shpTxLTRAlignCh" val="l"/>
+                <dgm:param type="parTxRTLAlign" val="l"/>
+                <dgm:param type="shpTxRTLAlignCh" val="l"/>
+              </dgm:alg>
+            </dgm:if>
+            <dgm:else name="Name37">
+              <dgm:alg type="tx">
+                <dgm:param type="parTxLTRAlign" val="r"/>
+                <dgm:param type="shpTxLTRAlignCh" val="r"/>
+                <dgm:param type="parTxRTLAlign" val="r"/>
+                <dgm:param type="shpTxRTLAlignCh" val="r"/>
+              </dgm:alg>
+            </dgm:else>
+          </dgm:choose>
+          <dgm:shape xmlns:r="http://schemas.openxmlformats.org/officeDocument/2006/relationships" type="rect" r:blip="">
+            <dgm:adjLst/>
+          </dgm:shape>
+          <dgm:presOf axis="desOrSelf" ptType="node"/>
+          <dgm:constrLst>
+            <dgm:constr type="primFontSz" val="65"/>
+            <dgm:constr type="lMarg" refType="primFontSz" fact="0.2"/>
+            <dgm:constr type="rMarg" refType="primFontSz" fact="0.2"/>
+            <dgm:constr type="tMarg" refType="primFontSz" fact="0.2"/>
+            <dgm:constr type="bMarg" refType="primFontSz" fact="0.2"/>
+          </dgm:constrLst>
+          <dgm:ruleLst>
+            <dgm:rule type="primFontSz" val="5" fact="NaN" max="NaN"/>
+          </dgm:ruleLst>
+        </dgm:layoutNode>
+        <dgm:layoutNode name="accent_3">
+          <dgm:alg type="sp"/>
+          <dgm:shape xmlns:r="http://schemas.openxmlformats.org/officeDocument/2006/relationships" r:blip="">
+            <dgm:adjLst/>
+          </dgm:shape>
+          <dgm:presOf/>
+          <dgm:constrLst/>
+          <dgm:forEach name="Name38" ref="accentRepeat"/>
+        </dgm:layoutNode>
+      </dgm:forEach>
+      <dgm:forEach name="Name39" axis="ch" ptType="node" st="4" cnt="1">
+        <dgm:layoutNode name="text_4" styleLbl="node1">
+          <dgm:varLst>
+            <dgm:bulletEnabled val="1"/>
+          </dgm:varLst>
+          <dgm:choose name="Name40">
+            <dgm:if name="Name41" func="var" arg="dir" op="equ" val="norm">
+              <dgm:alg type="tx">
+                <dgm:param type="parTxLTRAlign" val="l"/>
+                <dgm:param type="shpTxLTRAlignCh" val="l"/>
+                <dgm:param type="parTxRTLAlign" val="l"/>
+                <dgm:param type="shpTxRTLAlignCh" val="l"/>
+              </dgm:alg>
+            </dgm:if>
+            <dgm:else name="Name42">
+              <dgm:alg type="tx">
+                <dgm:param type="parTxLTRAlign" val="r"/>
+                <dgm:param type="shpTxLTRAlignCh" val="r"/>
+                <dgm:param type="parTxRTLAlign" val="r"/>
+                <dgm:param type="shpTxRTLAlignCh" val="r"/>
+              </dgm:alg>
+            </dgm:else>
+          </dgm:choose>
+          <dgm:shape xmlns:r="http://schemas.openxmlformats.org/officeDocument/2006/relationships" type="rect" r:blip="">
+            <dgm:adjLst/>
+          </dgm:shape>
+          <dgm:presOf axis="desOrSelf" ptType="node"/>
+          <dgm:constrLst>
+            <dgm:constr type="primFontSz" val="65"/>
+            <dgm:constr type="lMarg" refType="primFontSz" fact="0.2"/>
+            <dgm:constr type="rMarg" refType="primFontSz" fact="0.2"/>
+            <dgm:constr type="tMarg" refType="primFontSz" fact="0.2"/>
+            <dgm:constr type="bMarg" refType="primFontSz" fact="0.2"/>
+          </dgm:constrLst>
+          <dgm:ruleLst>
+            <dgm:rule type="primFontSz" val="5" fact="NaN" max="NaN"/>
+          </dgm:ruleLst>
+        </dgm:layoutNode>
+        <dgm:layoutNode name="accent_4">
+          <dgm:alg type="sp"/>
+          <dgm:shape xmlns:r="http://schemas.openxmlformats.org/officeDocument/2006/relationships" r:blip="">
+            <dgm:adjLst/>
+          </dgm:shape>
+          <dgm:presOf/>
+          <dgm:constrLst/>
+          <dgm:forEach name="Name43" ref="accentRepeat"/>
+        </dgm:layoutNode>
+      </dgm:forEach>
+      <dgm:forEach name="Name44" axis="ch" ptType="node" st="5" cnt="1">
+        <dgm:layoutNode name="text_5" styleLbl="node1">
+          <dgm:varLst>
+            <dgm:bulletEnabled val="1"/>
+          </dgm:varLst>
+          <dgm:choose name="Name45">
+            <dgm:if name="Name46" func="var" arg="dir" op="equ" val="norm">
+              <dgm:alg type="tx">
+                <dgm:param type="parTxLTRAlign" val="l"/>
+                <dgm:param type="shpTxLTRAlignCh" val="l"/>
+                <dgm:param type="parTxRTLAlign" val="l"/>
+                <dgm:param type="shpTxRTLAlignCh" val="l"/>
+              </dgm:alg>
+            </dgm:if>
+            <dgm:else name="Name47">
+              <dgm:alg type="tx">
+                <dgm:param type="parTxLTRAlign" val="r"/>
+                <dgm:param type="shpTxLTRAlignCh" val="r"/>
+                <dgm:param type="parTxRTLAlign" val="r"/>
+                <dgm:param type="shpTxRTLAlignCh" val="r"/>
+              </dgm:alg>
+            </dgm:else>
+          </dgm:choose>
+          <dgm:shape xmlns:r="http://schemas.openxmlformats.org/officeDocument/2006/relationships" type="rect" r:blip="">
+            <dgm:adjLst/>
+          </dgm:shape>
+          <dgm:presOf axis="desOrSelf" ptType="node"/>
+          <dgm:constrLst>
+            <dgm:constr type="primFontSz" val="65"/>
+            <dgm:constr type="lMarg" refType="primFontSz" fact="0.2"/>
+            <dgm:constr type="rMarg" refType="primFontSz" fact="0.2"/>
+            <dgm:constr type="tMarg" refType="primFontSz" fact="0.2"/>
+            <dgm:constr type="bMarg" refType="primFontSz" fact="0.2"/>
+          </dgm:constrLst>
+          <dgm:ruleLst>
+            <dgm:rule type="primFontSz" val="5" fact="NaN" max="NaN"/>
+          </dgm:ruleLst>
+        </dgm:layoutNode>
+        <dgm:layoutNode name="accent_5">
+          <dgm:alg type="sp"/>
+          <dgm:shape xmlns:r="http://schemas.openxmlformats.org/officeDocument/2006/relationships" r:blip="">
+            <dgm:adjLst/>
+          </dgm:shape>
+          <dgm:presOf/>
+          <dgm:constrLst/>
+          <dgm:forEach name="Name48" ref="accentRepeat"/>
+        </dgm:layoutNode>
+      </dgm:forEach>
+      <dgm:forEach name="Name49" axis="ch" ptType="node" st="6" cnt="1">
+        <dgm:layoutNode name="text_6" styleLbl="node1">
+          <dgm:varLst>
+            <dgm:bulletEnabled val="1"/>
+          </dgm:varLst>
+          <dgm:choose name="Name50">
+            <dgm:if name="Name51" func="var" arg="dir" op="equ" val="norm">
+              <dgm:alg type="tx">
+                <dgm:param type="parTxLTRAlign" val="l"/>
+                <dgm:param type="shpTxLTRAlignCh" val="l"/>
+                <dgm:param type="parTxRTLAlign" val="l"/>
+                <dgm:param type="shpTxRTLAlignCh" val="l"/>
+              </dgm:alg>
+            </dgm:if>
+            <dgm:else name="Name52">
+              <dgm:alg type="tx">
+                <dgm:param type="parTxLTRAlign" val="r"/>
+                <dgm:param type="shpTxLTRAlignCh" val="r"/>
+                <dgm:param type="parTxRTLAlign" val="r"/>
+                <dgm:param type="shpTxRTLAlignCh" val="r"/>
+              </dgm:alg>
+            </dgm:else>
+          </dgm:choose>
+          <dgm:shape xmlns:r="http://schemas.openxmlformats.org/officeDocument/2006/relationships" type="rect" r:blip="">
+            <dgm:adjLst/>
+          </dgm:shape>
+          <dgm:presOf axis="desOrSelf" ptType="node"/>
+          <dgm:constrLst>
+            <dgm:constr type="primFontSz" val="65"/>
+            <dgm:constr type="lMarg" refType="primFontSz" fact="0.2"/>
+            <dgm:constr type="rMarg" refType="primFontSz" fact="0.2"/>
+            <dgm:constr type="tMarg" refType="primFontSz" fact="0.2"/>
+            <dgm:constr type="bMarg" refType="primFontSz" fact="0.2"/>
+          </dgm:constrLst>
+          <dgm:ruleLst>
+            <dgm:rule type="primFontSz" val="5" fact="NaN" max="NaN"/>
+          </dgm:ruleLst>
+        </dgm:layoutNode>
+        <dgm:layoutNode name="accent_6">
+          <dgm:alg type="sp"/>
+          <dgm:shape xmlns:r="http://schemas.openxmlformats.org/officeDocument/2006/relationships" r:blip="">
+            <dgm:adjLst/>
+          </dgm:shape>
+          <dgm:presOf/>
+          <dgm:constrLst/>
+          <dgm:forEach name="Name53" ref="accentRepeat"/>
+        </dgm:layoutNode>
+      </dgm:forEach>
+      <dgm:forEach name="Name54" axis="ch" ptType="node" st="7" cnt="1">
+        <dgm:layoutNode name="text_7" styleLbl="node1">
+          <dgm:varLst>
+            <dgm:bulletEnabled val="1"/>
+          </dgm:varLst>
+          <dgm:choose name="Name55">
+            <dgm:if name="Name56" func="var" arg="dir" op="equ" val="norm">
+              <dgm:alg type="tx">
+                <dgm:param type="parTxLTRAlign" val="l"/>
+                <dgm:param type="shpTxLTRAlignCh" val="l"/>
+                <dgm:param type="parTxRTLAlign" val="l"/>
+                <dgm:param type="shpTxRTLAlignCh" val="l"/>
+              </dgm:alg>
+            </dgm:if>
+            <dgm:else name="Name57">
+              <dgm:alg type="tx">
+                <dgm:param type="parTxLTRAlign" val="r"/>
+                <dgm:param type="shpTxLTRAlignCh" val="r"/>
+                <dgm:param type="parTxRTLAlign" val="r"/>
+                <dgm:param type="shpTxRTLAlignCh" val="r"/>
+              </dgm:alg>
+            </dgm:else>
+          </dgm:choose>
+          <dgm:shape xmlns:r="http://schemas.openxmlformats.org/officeDocument/2006/relationships" type="rect" r:blip="">
+            <dgm:adjLst/>
+          </dgm:shape>
+          <dgm:presOf axis="desOrSelf" ptType="node"/>
+          <dgm:constrLst>
+            <dgm:constr type="primFontSz" val="65"/>
+            <dgm:constr type="lMarg" refType="primFontSz" fact="0.2"/>
+            <dgm:constr type="rMarg" refType="primFontSz" fact="0.2"/>
+            <dgm:constr type="tMarg" refType="primFontSz" fact="0.2"/>
+            <dgm:constr type="bMarg" refType="primFontSz" fact="0.2"/>
+          </dgm:constrLst>
+          <dgm:ruleLst>
+            <dgm:rule type="primFontSz" val="5" fact="NaN" max="NaN"/>
+          </dgm:ruleLst>
+        </dgm:layoutNode>
+        <dgm:layoutNode name="accent_7">
+          <dgm:alg type="sp"/>
+          <dgm:shape xmlns:r="http://schemas.openxmlformats.org/officeDocument/2006/relationships" r:blip="">
+            <dgm:adjLst/>
+          </dgm:shape>
+          <dgm:presOf/>
+          <dgm:constrLst/>
+          <dgm:forEach name="Name58" ref="accentRepeat"/>
+        </dgm:layoutNode>
+      </dgm:forEach>
+    </dgm:layoutNode>
+  </dgm:layoutNode>
+</dgm:layoutDef>
+</file>
+
 <file path=ppt/diagrams/quickStyle1.xml><?xml version="1.0" encoding="utf-8"?>
 <dgm:styleDef xmlns:dgm="http://schemas.openxmlformats.org/drawingml/2006/diagram" xmlns:a="http://schemas.openxmlformats.org/drawingml/2006/main" uniqueId="urn:microsoft.com/office/officeart/2005/8/quickstyle/3d2">
   <dgm:title val=""/>
@@ -9523,6 +12407,1268 @@
 </file>
 
 <file path=ppt/diagrams/quickStyle3.xml><?xml version="1.0" encoding="utf-8"?>
+<dgm:styleDef xmlns:dgm="http://schemas.openxmlformats.org/drawingml/2006/diagram" xmlns:a="http://schemas.openxmlformats.org/drawingml/2006/main" uniqueId="urn:microsoft.com/office/officeart/2005/8/quickstyle/3d2">
+  <dgm:title val=""/>
+  <dgm:desc val=""/>
+  <dgm:catLst>
+    <dgm:cat type="3D" pri="11200"/>
+  </dgm:catLst>
+  <dgm:scene3d>
+    <a:camera prst="orthographicFront"/>
+    <a:lightRig rig="threePt" dir="t"/>
+  </dgm:scene3d>
+  <dgm:styleLbl name="node0">
+    <dgm:scene3d>
+      <a:camera prst="orthographicFront"/>
+      <a:lightRig rig="threePt" dir="t">
+        <a:rot lat="0" lon="0" rev="7500000"/>
+      </a:lightRig>
+    </dgm:scene3d>
+    <dgm:sp3d prstMaterial="plastic">
+      <a:bevelT w="127000" h="25400" prst="relaxedInset"/>
+    </dgm:sp3d>
+    <dgm:txPr/>
+    <dgm:style>
+      <a:lnRef idx="0">
+        <a:scrgbClr r="0" g="0" b="0"/>
+      </a:lnRef>
+      <a:fillRef idx="3">
+        <a:scrgbClr r="0" g="0" b="0"/>
+      </a:fillRef>
+      <a:effectRef idx="2">
+        <a:scrgbClr r="0" g="0" b="0"/>
+      </a:effectRef>
+      <a:fontRef idx="minor">
+        <a:schemeClr val="lt1"/>
+      </a:fontRef>
+    </dgm:style>
+  </dgm:styleLbl>
+  <dgm:styleLbl name="lnNode1">
+    <dgm:scene3d>
+      <a:camera prst="orthographicFront"/>
+      <a:lightRig rig="threePt" dir="t">
+        <a:rot lat="0" lon="0" rev="7500000"/>
+      </a:lightRig>
+    </dgm:scene3d>
+    <dgm:sp3d prstMaterial="plastic">
+      <a:bevelT w="127000" h="25400" prst="relaxedInset"/>
+    </dgm:sp3d>
+    <dgm:txPr/>
+    <dgm:style>
+      <a:lnRef idx="1">
+        <a:scrgbClr r="0" g="0" b="0"/>
+      </a:lnRef>
+      <a:fillRef idx="3">
+        <a:scrgbClr r="0" g="0" b="0"/>
+      </a:fillRef>
+      <a:effectRef idx="2">
+        <a:scrgbClr r="0" g="0" b="0"/>
+      </a:effectRef>
+      <a:fontRef idx="minor">
+        <a:schemeClr val="lt1"/>
+      </a:fontRef>
+    </dgm:style>
+  </dgm:styleLbl>
+  <dgm:styleLbl name="vennNode1">
+    <dgm:scene3d>
+      <a:camera prst="orthographicFront"/>
+      <a:lightRig rig="threePt" dir="t">
+        <a:rot lat="0" lon="0" rev="7500000"/>
+      </a:lightRig>
+    </dgm:scene3d>
+    <dgm:sp3d prstMaterial="plastic">
+      <a:bevelT w="127000" h="25400" prst="relaxedInset"/>
+    </dgm:sp3d>
+    <dgm:txPr/>
+    <dgm:style>
+      <a:lnRef idx="0">
+        <a:scrgbClr r="0" g="0" b="0"/>
+      </a:lnRef>
+      <a:fillRef idx="3">
+        <a:scrgbClr r="0" g="0" b="0"/>
+      </a:fillRef>
+      <a:effectRef idx="2">
+        <a:scrgbClr r="0" g="0" b="0"/>
+      </a:effectRef>
+      <a:fontRef idx="minor">
+        <a:schemeClr val="tx1"/>
+      </a:fontRef>
+    </dgm:style>
+  </dgm:styleLbl>
+  <dgm:styleLbl name="alingNode1">
+    <dgm:scene3d>
+      <a:camera prst="orthographicFront"/>
+      <a:lightRig rig="threePt" dir="t">
+        <a:rot lat="0" lon="0" rev="7500000"/>
+      </a:lightRig>
+    </dgm:scene3d>
+    <dgm:sp3d prstMaterial="plastic">
+      <a:bevelT w="127000" h="25400" prst="relaxedInset"/>
+    </dgm:sp3d>
+    <dgm:txPr/>
+    <dgm:style>
+      <a:lnRef idx="0">
+        <a:scrgbClr r="0" g="0" b="0"/>
+      </a:lnRef>
+      <a:fillRef idx="3">
+        <a:scrgbClr r="0" g="0" b="0"/>
+      </a:fillRef>
+      <a:effectRef idx="2">
+        <a:scrgbClr r="0" g="0" b="0"/>
+      </a:effectRef>
+      <a:fontRef idx="minor">
+        <a:schemeClr val="lt1"/>
+      </a:fontRef>
+    </dgm:style>
+  </dgm:styleLbl>
+  <dgm:styleLbl name="node1">
+    <dgm:scene3d>
+      <a:camera prst="orthographicFront"/>
+      <a:lightRig rig="threePt" dir="t">
+        <a:rot lat="0" lon="0" rev="7500000"/>
+      </a:lightRig>
+    </dgm:scene3d>
+    <dgm:sp3d prstMaterial="plastic">
+      <a:bevelT w="127000" h="25400" prst="relaxedInset"/>
+    </dgm:sp3d>
+    <dgm:txPr/>
+    <dgm:style>
+      <a:lnRef idx="0">
+        <a:scrgbClr r="0" g="0" b="0"/>
+      </a:lnRef>
+      <a:fillRef idx="3">
+        <a:scrgbClr r="0" g="0" b="0"/>
+      </a:fillRef>
+      <a:effectRef idx="2">
+        <a:scrgbClr r="0" g="0" b="0"/>
+      </a:effectRef>
+      <a:fontRef idx="minor">
+        <a:schemeClr val="lt1"/>
+      </a:fontRef>
+    </dgm:style>
+  </dgm:styleLbl>
+  <dgm:styleLbl name="node2">
+    <dgm:scene3d>
+      <a:camera prst="orthographicFront"/>
+      <a:lightRig rig="threePt" dir="t">
+        <a:rot lat="0" lon="0" rev="7500000"/>
+      </a:lightRig>
+    </dgm:scene3d>
+    <dgm:sp3d prstMaterial="plastic">
+      <a:bevelT w="127000" h="25400" prst="relaxedInset"/>
+    </dgm:sp3d>
+    <dgm:txPr/>
+    <dgm:style>
+      <a:lnRef idx="0">
+        <a:scrgbClr r="0" g="0" b="0"/>
+      </a:lnRef>
+      <a:fillRef idx="3">
+        <a:scrgbClr r="0" g="0" b="0"/>
+      </a:fillRef>
+      <a:effectRef idx="2">
+        <a:scrgbClr r="0" g="0" b="0"/>
+      </a:effectRef>
+      <a:fontRef idx="minor">
+        <a:schemeClr val="lt1"/>
+      </a:fontRef>
+    </dgm:style>
+  </dgm:styleLbl>
+  <dgm:styleLbl name="node3">
+    <dgm:scene3d>
+      <a:camera prst="orthographicFront"/>
+      <a:lightRig rig="threePt" dir="t">
+        <a:rot lat="0" lon="0" rev="7500000"/>
+      </a:lightRig>
+    </dgm:scene3d>
+    <dgm:sp3d prstMaterial="plastic">
+      <a:bevelT w="127000" h="25400" prst="relaxedInset"/>
+    </dgm:sp3d>
+    <dgm:txPr/>
+    <dgm:style>
+      <a:lnRef idx="0">
+        <a:scrgbClr r="0" g="0" b="0"/>
+      </a:lnRef>
+      <a:fillRef idx="3">
+        <a:scrgbClr r="0" g="0" b="0"/>
+      </a:fillRef>
+      <a:effectRef idx="2">
+        <a:scrgbClr r="0" g="0" b="0"/>
+      </a:effectRef>
+      <a:fontRef idx="minor">
+        <a:schemeClr val="lt1"/>
+      </a:fontRef>
+    </dgm:style>
+  </dgm:styleLbl>
+  <dgm:styleLbl name="node4">
+    <dgm:scene3d>
+      <a:camera prst="orthographicFront"/>
+      <a:lightRig rig="threePt" dir="t">
+        <a:rot lat="0" lon="0" rev="7500000"/>
+      </a:lightRig>
+    </dgm:scene3d>
+    <dgm:sp3d prstMaterial="plastic">
+      <a:bevelT w="127000" h="25400" prst="relaxedInset"/>
+    </dgm:sp3d>
+    <dgm:txPr/>
+    <dgm:style>
+      <a:lnRef idx="0">
+        <a:scrgbClr r="0" g="0" b="0"/>
+      </a:lnRef>
+      <a:fillRef idx="3">
+        <a:scrgbClr r="0" g="0" b="0"/>
+      </a:fillRef>
+      <a:effectRef idx="2">
+        <a:scrgbClr r="0" g="0" b="0"/>
+      </a:effectRef>
+      <a:fontRef idx="minor">
+        <a:schemeClr val="lt1"/>
+      </a:fontRef>
+    </dgm:style>
+  </dgm:styleLbl>
+  <dgm:styleLbl name="fgImgPlace1">
+    <dgm:scene3d>
+      <a:camera prst="orthographicFront"/>
+      <a:lightRig rig="threePt" dir="t">
+        <a:rot lat="0" lon="0" rev="7500000"/>
+      </a:lightRig>
+    </dgm:scene3d>
+    <dgm:sp3d z="152400" extrusionH="63500" prstMaterial="matte">
+      <a:bevelT w="50800" h="19050" prst="relaxedInset"/>
+      <a:contourClr>
+        <a:schemeClr val="bg1"/>
+      </a:contourClr>
+    </dgm:sp3d>
+    <dgm:txPr/>
+    <dgm:style>
+      <a:lnRef idx="0">
+        <a:scrgbClr r="0" g="0" b="0"/>
+      </a:lnRef>
+      <a:fillRef idx="1">
+        <a:scrgbClr r="0" g="0" b="0"/>
+      </a:fillRef>
+      <a:effectRef idx="0">
+        <a:scrgbClr r="0" g="0" b="0"/>
+      </a:effectRef>
+      <a:fontRef idx="minor"/>
+    </dgm:style>
+  </dgm:styleLbl>
+  <dgm:styleLbl name="alignImgPlace1">
+    <dgm:scene3d>
+      <a:camera prst="orthographicFront"/>
+      <a:lightRig rig="threePt" dir="t">
+        <a:rot lat="0" lon="0" rev="7500000"/>
+      </a:lightRig>
+    </dgm:scene3d>
+    <dgm:sp3d z="254000" extrusionH="63500" contourW="12700" prstMaterial="matte">
+      <a:contourClr>
+        <a:schemeClr val="lt1"/>
+      </a:contourClr>
+    </dgm:sp3d>
+    <dgm:txPr/>
+    <dgm:style>
+      <a:lnRef idx="0">
+        <a:scrgbClr r="0" g="0" b="0"/>
+      </a:lnRef>
+      <a:fillRef idx="1">
+        <a:scrgbClr r="0" g="0" b="0"/>
+      </a:fillRef>
+      <a:effectRef idx="0">
+        <a:scrgbClr r="0" g="0" b="0"/>
+      </a:effectRef>
+      <a:fontRef idx="minor"/>
+    </dgm:style>
+  </dgm:styleLbl>
+  <dgm:styleLbl name="bgImgPlace1">
+    <dgm:scene3d>
+      <a:camera prst="orthographicFront"/>
+      <a:lightRig rig="threePt" dir="t">
+        <a:rot lat="0" lon="0" rev="7500000"/>
+      </a:lightRig>
+    </dgm:scene3d>
+    <dgm:sp3d z="-152400" extrusionH="63500" contourW="12700" prstMaterial="matte">
+      <a:contourClr>
+        <a:schemeClr val="lt1"/>
+      </a:contourClr>
+    </dgm:sp3d>
+    <dgm:txPr/>
+    <dgm:style>
+      <a:lnRef idx="0">
+        <a:scrgbClr r="0" g="0" b="0"/>
+      </a:lnRef>
+      <a:fillRef idx="1">
+        <a:scrgbClr r="0" g="0" b="0"/>
+      </a:fillRef>
+      <a:effectRef idx="0">
+        <a:scrgbClr r="0" g="0" b="0"/>
+      </a:effectRef>
+      <a:fontRef idx="minor"/>
+    </dgm:style>
+  </dgm:styleLbl>
+  <dgm:styleLbl name="sibTrans2D1">
+    <dgm:scene3d>
+      <a:camera prst="orthographicFront"/>
+      <a:lightRig rig="threePt" dir="t">
+        <a:rot lat="0" lon="0" rev="7500000"/>
+      </a:lightRig>
+    </dgm:scene3d>
+    <dgm:sp3d z="-70000" extrusionH="63500" prstMaterial="matte">
+      <a:bevelT w="25400" h="6350" prst="relaxedInset"/>
+      <a:contourClr>
+        <a:schemeClr val="bg1"/>
+      </a:contourClr>
+    </dgm:sp3d>
+    <dgm:txPr/>
+    <dgm:style>
+      <a:lnRef idx="0">
+        <a:scrgbClr r="0" g="0" b="0"/>
+      </a:lnRef>
+      <a:fillRef idx="1">
+        <a:scrgbClr r="0" g="0" b="0"/>
+      </a:fillRef>
+      <a:effectRef idx="2">
+        <a:scrgbClr r="0" g="0" b="0"/>
+      </a:effectRef>
+      <a:fontRef idx="minor">
+        <a:schemeClr val="lt1"/>
+      </a:fontRef>
+    </dgm:style>
+  </dgm:styleLbl>
+  <dgm:styleLbl name="fgSibTrans2D1">
+    <dgm:scene3d>
+      <a:camera prst="orthographicFront"/>
+      <a:lightRig rig="threePt" dir="t">
+        <a:rot lat="0" lon="0" rev="7500000"/>
+      </a:lightRig>
+    </dgm:scene3d>
+    <dgm:sp3d z="152400" extrusionH="63500" prstMaterial="matte">
+      <a:bevelT w="25400" h="6350" prst="relaxedInset"/>
+      <a:contourClr>
+        <a:schemeClr val="bg1"/>
+      </a:contourClr>
+    </dgm:sp3d>
+    <dgm:txPr/>
+    <dgm:style>
+      <a:lnRef idx="0">
+        <a:scrgbClr r="0" g="0" b="0"/>
+      </a:lnRef>
+      <a:fillRef idx="1">
+        <a:scrgbClr r="0" g="0" b="0"/>
+      </a:fillRef>
+      <a:effectRef idx="2">
+        <a:scrgbClr r="0" g="0" b="0"/>
+      </a:effectRef>
+      <a:fontRef idx="minor">
+        <a:schemeClr val="lt1"/>
+      </a:fontRef>
+    </dgm:style>
+  </dgm:styleLbl>
+  <dgm:styleLbl name="bgSibTrans2D1">
+    <dgm:scene3d>
+      <a:camera prst="orthographicFront"/>
+      <a:lightRig rig="threePt" dir="t">
+        <a:rot lat="0" lon="0" rev="7500000"/>
+      </a:lightRig>
+    </dgm:scene3d>
+    <dgm:sp3d z="-152400" extrusionH="63500" prstMaterial="matte">
+      <a:bevelT w="25400" h="6350" prst="relaxedInset"/>
+      <a:contourClr>
+        <a:schemeClr val="bg1"/>
+      </a:contourClr>
+    </dgm:sp3d>
+    <dgm:txPr/>
+    <dgm:style>
+      <a:lnRef idx="0">
+        <a:scrgbClr r="0" g="0" b="0"/>
+      </a:lnRef>
+      <a:fillRef idx="1">
+        <a:scrgbClr r="0" g="0" b="0"/>
+      </a:fillRef>
+      <a:effectRef idx="2">
+        <a:scrgbClr r="0" g="0" b="0"/>
+      </a:effectRef>
+      <a:fontRef idx="minor">
+        <a:schemeClr val="lt1"/>
+      </a:fontRef>
+    </dgm:style>
+  </dgm:styleLbl>
+  <dgm:styleLbl name="sibTrans1D1">
+    <dgm:scene3d>
+      <a:camera prst="orthographicFront"/>
+      <a:lightRig rig="threePt" dir="t">
+        <a:rot lat="0" lon="0" rev="7500000"/>
+      </a:lightRig>
+    </dgm:scene3d>
+    <dgm:sp3d z="-40000" prstMaterial="matte"/>
+    <dgm:txPr/>
+    <dgm:style>
+      <a:lnRef idx="1">
+        <a:scrgbClr r="0" g="0" b="0"/>
+      </a:lnRef>
+      <a:fillRef idx="0">
+        <a:scrgbClr r="0" g="0" b="0"/>
+      </a:fillRef>
+      <a:effectRef idx="0">
+        <a:scrgbClr r="0" g="0" b="0"/>
+      </a:effectRef>
+      <a:fontRef idx="minor"/>
+    </dgm:style>
+  </dgm:styleLbl>
+  <dgm:styleLbl name="callout">
+    <dgm:scene3d>
+      <a:camera prst="orthographicFront"/>
+      <a:lightRig rig="threePt" dir="t">
+        <a:rot lat="0" lon="0" rev="7500000"/>
+      </a:lightRig>
+    </dgm:scene3d>
+    <dgm:sp3d z="127000" prstMaterial="matte"/>
+    <dgm:txPr/>
+    <dgm:style>
+      <a:lnRef idx="2">
+        <a:scrgbClr r="0" g="0" b="0"/>
+      </a:lnRef>
+      <a:fillRef idx="1">
+        <a:scrgbClr r="0" g="0" b="0"/>
+      </a:fillRef>
+      <a:effectRef idx="0">
+        <a:scrgbClr r="0" g="0" b="0"/>
+      </a:effectRef>
+      <a:fontRef idx="minor"/>
+    </dgm:style>
+  </dgm:styleLbl>
+  <dgm:styleLbl name="asst0">
+    <dgm:scene3d>
+      <a:camera prst="orthographicFront"/>
+      <a:lightRig rig="threePt" dir="t">
+        <a:rot lat="0" lon="0" rev="7500000"/>
+      </a:lightRig>
+    </dgm:scene3d>
+    <dgm:sp3d prstMaterial="plastic">
+      <a:bevelT w="127000" h="25400" prst="relaxedInset"/>
+    </dgm:sp3d>
+    <dgm:txPr/>
+    <dgm:style>
+      <a:lnRef idx="0">
+        <a:scrgbClr r="0" g="0" b="0"/>
+      </a:lnRef>
+      <a:fillRef idx="3">
+        <a:scrgbClr r="0" g="0" b="0"/>
+      </a:fillRef>
+      <a:effectRef idx="2">
+        <a:scrgbClr r="0" g="0" b="0"/>
+      </a:effectRef>
+      <a:fontRef idx="minor">
+        <a:schemeClr val="lt1"/>
+      </a:fontRef>
+    </dgm:style>
+  </dgm:styleLbl>
+  <dgm:styleLbl name="asst1">
+    <dgm:scene3d>
+      <a:camera prst="orthographicFront"/>
+      <a:lightRig rig="threePt" dir="t">
+        <a:rot lat="0" lon="0" rev="7500000"/>
+      </a:lightRig>
+    </dgm:scene3d>
+    <dgm:sp3d prstMaterial="plastic">
+      <a:bevelT w="127000" h="25400" prst="relaxedInset"/>
+    </dgm:sp3d>
+    <dgm:txPr/>
+    <dgm:style>
+      <a:lnRef idx="0">
+        <a:scrgbClr r="0" g="0" b="0"/>
+      </a:lnRef>
+      <a:fillRef idx="3">
+        <a:scrgbClr r="0" g="0" b="0"/>
+      </a:fillRef>
+      <a:effectRef idx="2">
+        <a:scrgbClr r="0" g="0" b="0"/>
+      </a:effectRef>
+      <a:fontRef idx="minor">
+        <a:schemeClr val="lt1"/>
+      </a:fontRef>
+    </dgm:style>
+  </dgm:styleLbl>
+  <dgm:styleLbl name="asst2">
+    <dgm:scene3d>
+      <a:camera prst="orthographicFront"/>
+      <a:lightRig rig="threePt" dir="t">
+        <a:rot lat="0" lon="0" rev="7500000"/>
+      </a:lightRig>
+    </dgm:scene3d>
+    <dgm:sp3d prstMaterial="plastic">
+      <a:bevelT w="127000" h="25400" prst="relaxedInset"/>
+    </dgm:sp3d>
+    <dgm:txPr/>
+    <dgm:style>
+      <a:lnRef idx="0">
+        <a:scrgbClr r="0" g="0" b="0"/>
+      </a:lnRef>
+      <a:fillRef idx="3">
+        <a:scrgbClr r="0" g="0" b="0"/>
+      </a:fillRef>
+      <a:effectRef idx="2">
+        <a:scrgbClr r="0" g="0" b="0"/>
+      </a:effectRef>
+      <a:fontRef idx="minor">
+        <a:schemeClr val="lt1"/>
+      </a:fontRef>
+    </dgm:style>
+  </dgm:styleLbl>
+  <dgm:styleLbl name="asst3">
+    <dgm:scene3d>
+      <a:camera prst="orthographicFront"/>
+      <a:lightRig rig="threePt" dir="t">
+        <a:rot lat="0" lon="0" rev="7500000"/>
+      </a:lightRig>
+    </dgm:scene3d>
+    <dgm:sp3d prstMaterial="plastic">
+      <a:bevelT w="127000" h="25400" prst="relaxedInset"/>
+    </dgm:sp3d>
+    <dgm:txPr/>
+    <dgm:style>
+      <a:lnRef idx="0">
+        <a:scrgbClr r="0" g="0" b="0"/>
+      </a:lnRef>
+      <a:fillRef idx="3">
+        <a:scrgbClr r="0" g="0" b="0"/>
+      </a:fillRef>
+      <a:effectRef idx="2">
+        <a:scrgbClr r="0" g="0" b="0"/>
+      </a:effectRef>
+      <a:fontRef idx="minor">
+        <a:schemeClr val="lt1"/>
+      </a:fontRef>
+    </dgm:style>
+  </dgm:styleLbl>
+  <dgm:styleLbl name="parChTrans2D1">
+    <dgm:scene3d>
+      <a:camera prst="orthographicFront"/>
+      <a:lightRig rig="threePt" dir="t">
+        <a:rot lat="0" lon="0" rev="7500000"/>
+      </a:lightRig>
+    </dgm:scene3d>
+    <dgm:sp3d extrusionH="63500" prstMaterial="matte">
+      <a:bevelT w="50800" h="19050" prst="relaxedInset"/>
+      <a:contourClr>
+        <a:schemeClr val="bg1"/>
+      </a:contourClr>
+    </dgm:sp3d>
+    <dgm:txPr/>
+    <dgm:style>
+      <a:lnRef idx="0">
+        <a:scrgbClr r="0" g="0" b="0"/>
+      </a:lnRef>
+      <a:fillRef idx="1">
+        <a:scrgbClr r="0" g="0" b="0"/>
+      </a:fillRef>
+      <a:effectRef idx="2">
+        <a:scrgbClr r="0" g="0" b="0"/>
+      </a:effectRef>
+      <a:fontRef idx="minor">
+        <a:schemeClr val="lt1"/>
+      </a:fontRef>
+    </dgm:style>
+  </dgm:styleLbl>
+  <dgm:styleLbl name="parChTrans2D2">
+    <dgm:scene3d>
+      <a:camera prst="orthographicFront"/>
+      <a:lightRig rig="threePt" dir="t">
+        <a:rot lat="0" lon="0" rev="7500000"/>
+      </a:lightRig>
+    </dgm:scene3d>
+    <dgm:sp3d extrusionH="63500" prstMaterial="matte">
+      <a:bevelT w="50800" h="19050" prst="relaxedInset"/>
+      <a:contourClr>
+        <a:schemeClr val="bg1"/>
+      </a:contourClr>
+    </dgm:sp3d>
+    <dgm:txPr/>
+    <dgm:style>
+      <a:lnRef idx="0">
+        <a:scrgbClr r="0" g="0" b="0"/>
+      </a:lnRef>
+      <a:fillRef idx="1">
+        <a:scrgbClr r="0" g="0" b="0"/>
+      </a:fillRef>
+      <a:effectRef idx="0">
+        <a:scrgbClr r="0" g="0" b="0"/>
+      </a:effectRef>
+      <a:fontRef idx="minor">
+        <a:schemeClr val="lt1"/>
+      </a:fontRef>
+    </dgm:style>
+  </dgm:styleLbl>
+  <dgm:styleLbl name="parChTrans2D3">
+    <dgm:scene3d>
+      <a:camera prst="orthographicFront"/>
+      <a:lightRig rig="threePt" dir="t">
+        <a:rot lat="0" lon="0" rev="7500000"/>
+      </a:lightRig>
+    </dgm:scene3d>
+    <dgm:sp3d z="60000" prstMaterial="flat">
+      <a:bevelT w="120900" h="88900"/>
+    </dgm:sp3d>
+    <dgm:txPr/>
+    <dgm:style>
+      <a:lnRef idx="0">
+        <a:scrgbClr r="0" g="0" b="0"/>
+      </a:lnRef>
+      <a:fillRef idx="3">
+        <a:scrgbClr r="0" g="0" b="0"/>
+      </a:fillRef>
+      <a:effectRef idx="1">
+        <a:scrgbClr r="0" g="0" b="0"/>
+      </a:effectRef>
+      <a:fontRef idx="minor">
+        <a:schemeClr val="lt1"/>
+      </a:fontRef>
+    </dgm:style>
+  </dgm:styleLbl>
+  <dgm:styleLbl name="parChTrans2D4">
+    <dgm:scene3d>
+      <a:camera prst="orthographicFront"/>
+      <a:lightRig rig="threePt" dir="t">
+        <a:rot lat="0" lon="0" rev="7500000"/>
+      </a:lightRig>
+    </dgm:scene3d>
+    <dgm:sp3d z="60000" prstMaterial="flat">
+      <a:bevelT w="120900" h="88900"/>
+    </dgm:sp3d>
+    <dgm:txPr/>
+    <dgm:style>
+      <a:lnRef idx="0">
+        <a:scrgbClr r="0" g="0" b="0"/>
+      </a:lnRef>
+      <a:fillRef idx="3">
+        <a:scrgbClr r="0" g="0" b="0"/>
+      </a:fillRef>
+      <a:effectRef idx="1">
+        <a:scrgbClr r="0" g="0" b="0"/>
+      </a:effectRef>
+      <a:fontRef idx="minor">
+        <a:schemeClr val="lt1"/>
+      </a:fontRef>
+    </dgm:style>
+  </dgm:styleLbl>
+  <dgm:styleLbl name="parChTrans1D1">
+    <dgm:scene3d>
+      <a:camera prst="orthographicFront"/>
+      <a:lightRig rig="threePt" dir="t">
+        <a:rot lat="0" lon="0" rev="7500000"/>
+      </a:lightRig>
+    </dgm:scene3d>
+    <dgm:sp3d z="-40000" prstMaterial="matte"/>
+    <dgm:txPr/>
+    <dgm:style>
+      <a:lnRef idx="2">
+        <a:scrgbClr r="0" g="0" b="0"/>
+      </a:lnRef>
+      <a:fillRef idx="0">
+        <a:scrgbClr r="0" g="0" b="0"/>
+      </a:fillRef>
+      <a:effectRef idx="0">
+        <a:scrgbClr r="0" g="0" b="0"/>
+      </a:effectRef>
+      <a:fontRef idx="minor"/>
+    </dgm:style>
+  </dgm:styleLbl>
+  <dgm:styleLbl name="parChTrans1D2">
+    <dgm:scene3d>
+      <a:camera prst="orthographicFront"/>
+      <a:lightRig rig="threePt" dir="t">
+        <a:rot lat="0" lon="0" rev="7500000"/>
+      </a:lightRig>
+    </dgm:scene3d>
+    <dgm:sp3d z="-40000" prstMaterial="matte"/>
+    <dgm:txPr/>
+    <dgm:style>
+      <a:lnRef idx="2">
+        <a:scrgbClr r="0" g="0" b="0"/>
+      </a:lnRef>
+      <a:fillRef idx="0">
+        <a:scrgbClr r="0" g="0" b="0"/>
+      </a:fillRef>
+      <a:effectRef idx="0">
+        <a:scrgbClr r="0" g="0" b="0"/>
+      </a:effectRef>
+      <a:fontRef idx="minor"/>
+    </dgm:style>
+  </dgm:styleLbl>
+  <dgm:styleLbl name="parChTrans1D3">
+    <dgm:scene3d>
+      <a:camera prst="orthographicFront"/>
+      <a:lightRig rig="threePt" dir="t">
+        <a:rot lat="0" lon="0" rev="7500000"/>
+      </a:lightRig>
+    </dgm:scene3d>
+    <dgm:sp3d z="-40000" prstMaterial="matte"/>
+    <dgm:txPr/>
+    <dgm:style>
+      <a:lnRef idx="2">
+        <a:scrgbClr r="0" g="0" b="0"/>
+      </a:lnRef>
+      <a:fillRef idx="0">
+        <a:scrgbClr r="0" g="0" b="0"/>
+      </a:fillRef>
+      <a:effectRef idx="0">
+        <a:scrgbClr r="0" g="0" b="0"/>
+      </a:effectRef>
+      <a:fontRef idx="minor"/>
+    </dgm:style>
+  </dgm:styleLbl>
+  <dgm:styleLbl name="parChTrans1D4">
+    <dgm:scene3d>
+      <a:camera prst="orthographicFront"/>
+      <a:lightRig rig="threePt" dir="t">
+        <a:rot lat="0" lon="0" rev="7500000"/>
+      </a:lightRig>
+    </dgm:scene3d>
+    <dgm:sp3d z="-40000" prstMaterial="matte"/>
+    <dgm:txPr/>
+    <dgm:style>
+      <a:lnRef idx="2">
+        <a:scrgbClr r="0" g="0" b="0"/>
+      </a:lnRef>
+      <a:fillRef idx="0">
+        <a:scrgbClr r="0" g="0" b="0"/>
+      </a:fillRef>
+      <a:effectRef idx="0">
+        <a:scrgbClr r="0" g="0" b="0"/>
+      </a:effectRef>
+      <a:fontRef idx="minor"/>
+    </dgm:style>
+  </dgm:styleLbl>
+  <dgm:styleLbl name="fgAcc1">
+    <dgm:scene3d>
+      <a:camera prst="orthographicFront"/>
+      <a:lightRig rig="threePt" dir="t">
+        <a:rot lat="0" lon="0" rev="7500000"/>
+      </a:lightRig>
+    </dgm:scene3d>
+    <dgm:sp3d z="152400" extrusionH="63500" prstMaterial="dkEdge">
+      <a:bevelT w="135400" h="16350" prst="relaxedInset"/>
+      <a:contourClr>
+        <a:schemeClr val="bg1"/>
+      </a:contourClr>
+    </dgm:sp3d>
+    <dgm:txPr/>
+    <dgm:style>
+      <a:lnRef idx="1">
+        <a:scrgbClr r="0" g="0" b="0"/>
+      </a:lnRef>
+      <a:fillRef idx="1">
+        <a:scrgbClr r="0" g="0" b="0"/>
+      </a:fillRef>
+      <a:effectRef idx="2">
+        <a:scrgbClr r="0" g="0" b="0"/>
+      </a:effectRef>
+      <a:fontRef idx="minor"/>
+    </dgm:style>
+  </dgm:styleLbl>
+  <dgm:styleLbl name="conFgAcc1">
+    <dgm:scene3d>
+      <a:camera prst="orthographicFront"/>
+      <a:lightRig rig="threePt" dir="t">
+        <a:rot lat="0" lon="0" rev="7500000"/>
+      </a:lightRig>
+    </dgm:scene3d>
+    <dgm:sp3d z="152400" extrusionH="63500" prstMaterial="dkEdge">
+      <a:bevelT w="135400" h="16350" prst="relaxedInset"/>
+      <a:contourClr>
+        <a:schemeClr val="bg1"/>
+      </a:contourClr>
+    </dgm:sp3d>
+    <dgm:txPr/>
+    <dgm:style>
+      <a:lnRef idx="1">
+        <a:scrgbClr r="0" g="0" b="0"/>
+      </a:lnRef>
+      <a:fillRef idx="1">
+        <a:scrgbClr r="0" g="0" b="0"/>
+      </a:fillRef>
+      <a:effectRef idx="2">
+        <a:scrgbClr r="0" g="0" b="0"/>
+      </a:effectRef>
+      <a:fontRef idx="minor"/>
+    </dgm:style>
+  </dgm:styleLbl>
+  <dgm:styleLbl name="alignAcc1">
+    <dgm:scene3d>
+      <a:camera prst="orthographicFront"/>
+      <a:lightRig rig="threePt" dir="t">
+        <a:rot lat="0" lon="0" rev="7500000"/>
+      </a:lightRig>
+    </dgm:scene3d>
+    <dgm:sp3d extrusionH="190500" prstMaterial="dkEdge">
+      <a:bevelT w="135400" h="16350" prst="relaxedInset"/>
+      <a:contourClr>
+        <a:schemeClr val="bg1"/>
+      </a:contourClr>
+    </dgm:sp3d>
+    <dgm:txPr/>
+    <dgm:style>
+      <a:lnRef idx="1">
+        <a:scrgbClr r="0" g="0" b="0"/>
+      </a:lnRef>
+      <a:fillRef idx="1">
+        <a:scrgbClr r="0" g="0" b="0"/>
+      </a:fillRef>
+      <a:effectRef idx="2">
+        <a:scrgbClr r="0" g="0" b="0"/>
+      </a:effectRef>
+      <a:fontRef idx="minor"/>
+    </dgm:style>
+  </dgm:styleLbl>
+  <dgm:styleLbl name="trAlignAcc1">
+    <dgm:scene3d>
+      <a:camera prst="orthographicFront"/>
+      <a:lightRig rig="threePt" dir="t">
+        <a:rot lat="0" lon="0" rev="7500000"/>
+      </a:lightRig>
+    </dgm:scene3d>
+    <dgm:sp3d prstMaterial="plastic">
+      <a:bevelT w="127000" h="35400"/>
+    </dgm:sp3d>
+    <dgm:txPr/>
+    <dgm:style>
+      <a:lnRef idx="1">
+        <a:scrgbClr r="0" g="0" b="0"/>
+      </a:lnRef>
+      <a:fillRef idx="1">
+        <a:scrgbClr r="0" g="0" b="0"/>
+      </a:fillRef>
+      <a:effectRef idx="2">
+        <a:scrgbClr r="0" g="0" b="0"/>
+      </a:effectRef>
+      <a:fontRef idx="minor">
+        <a:schemeClr val="lt1"/>
+      </a:fontRef>
+    </dgm:style>
+  </dgm:styleLbl>
+  <dgm:styleLbl name="bgAcc1">
+    <dgm:scene3d>
+      <a:camera prst="orthographicFront"/>
+      <a:lightRig rig="threePt" dir="t">
+        <a:rot lat="0" lon="0" rev="7500000"/>
+      </a:lightRig>
+    </dgm:scene3d>
+    <dgm:sp3d z="-152400" extrusionH="63500" prstMaterial="dkEdge">
+      <a:bevelT w="124450" h="16350" prst="relaxedInset"/>
+      <a:contourClr>
+        <a:schemeClr val="bg1"/>
+      </a:contourClr>
+    </dgm:sp3d>
+    <dgm:txPr/>
+    <dgm:style>
+      <a:lnRef idx="1">
+        <a:scrgbClr r="0" g="0" b="0"/>
+      </a:lnRef>
+      <a:fillRef idx="1">
+        <a:scrgbClr r="0" g="0" b="0"/>
+      </a:fillRef>
+      <a:effectRef idx="0">
+        <a:scrgbClr r="0" g="0" b="0"/>
+      </a:effectRef>
+      <a:fontRef idx="minor"/>
+    </dgm:style>
+  </dgm:styleLbl>
+  <dgm:styleLbl name="solidFgAcc1">
+    <dgm:scene3d>
+      <a:camera prst="orthographicFront"/>
+      <a:lightRig rig="threePt" dir="t">
+        <a:rot lat="0" lon="0" rev="7500000"/>
+      </a:lightRig>
+    </dgm:scene3d>
+    <dgm:sp3d z="152400" extrusionH="63500" prstMaterial="dkEdge">
+      <a:bevelT w="120800" h="19050" prst="relaxedInset"/>
+      <a:contourClr>
+        <a:schemeClr val="bg1"/>
+      </a:contourClr>
+    </dgm:sp3d>
+    <dgm:txPr/>
+    <dgm:style>
+      <a:lnRef idx="1">
+        <a:scrgbClr r="0" g="0" b="0"/>
+      </a:lnRef>
+      <a:fillRef idx="1">
+        <a:scrgbClr r="0" g="0" b="0"/>
+      </a:fillRef>
+      <a:effectRef idx="2">
+        <a:scrgbClr r="0" g="0" b="0"/>
+      </a:effectRef>
+      <a:fontRef idx="minor"/>
+    </dgm:style>
+  </dgm:styleLbl>
+  <dgm:styleLbl name="solidAlignAcc1">
+    <dgm:scene3d>
+      <a:camera prst="orthographicFront"/>
+      <a:lightRig rig="threePt" dir="t">
+        <a:rot lat="0" lon="0" rev="7500000"/>
+      </a:lightRig>
+    </dgm:scene3d>
+    <dgm:sp3d extrusionH="190500" prstMaterial="dkEdge">
+      <a:bevelT w="120650" h="38100" prst="relaxedInset"/>
+      <a:contourClr>
+        <a:schemeClr val="bg1"/>
+      </a:contourClr>
+    </dgm:sp3d>
+    <dgm:txPr/>
+    <dgm:style>
+      <a:lnRef idx="1">
+        <a:scrgbClr r="0" g="0" b="0"/>
+      </a:lnRef>
+      <a:fillRef idx="1">
+        <a:scrgbClr r="0" g="0" b="0"/>
+      </a:fillRef>
+      <a:effectRef idx="2">
+        <a:scrgbClr r="0" g="0" b="0"/>
+      </a:effectRef>
+      <a:fontRef idx="minor"/>
+    </dgm:style>
+  </dgm:styleLbl>
+  <dgm:styleLbl name="solidBgAcc1">
+    <dgm:scene3d>
+      <a:camera prst="orthographicFront"/>
+      <a:lightRig rig="threePt" dir="t">
+        <a:rot lat="0" lon="0" rev="7500000"/>
+      </a:lightRig>
+    </dgm:scene3d>
+    <dgm:sp3d z="-152400" extrusionH="63500" prstMaterial="dkEdge">
+      <a:bevelT w="144450" h="36350" prst="relaxedInset"/>
+      <a:contourClr>
+        <a:schemeClr val="bg1"/>
+      </a:contourClr>
+    </dgm:sp3d>
+    <dgm:txPr/>
+    <dgm:style>
+      <a:lnRef idx="1">
+        <a:scrgbClr r="0" g="0" b="0"/>
+      </a:lnRef>
+      <a:fillRef idx="1">
+        <a:scrgbClr r="0" g="0" b="0"/>
+      </a:fillRef>
+      <a:effectRef idx="0">
+        <a:scrgbClr r="0" g="0" b="0"/>
+      </a:effectRef>
+      <a:fontRef idx="minor"/>
+    </dgm:style>
+  </dgm:styleLbl>
+  <dgm:styleLbl name="fgAccFollowNode1">
+    <dgm:scene3d>
+      <a:camera prst="orthographicFront"/>
+      <a:lightRig rig="threePt" dir="t">
+        <a:rot lat="0" lon="0" rev="7500000"/>
+      </a:lightRig>
+    </dgm:scene3d>
+    <dgm:sp3d z="152400" extrusionH="63500" prstMaterial="dkEdge">
+      <a:bevelT w="125400" h="36350" prst="relaxedInset"/>
+      <a:contourClr>
+        <a:schemeClr val="bg1"/>
+      </a:contourClr>
+    </dgm:sp3d>
+    <dgm:txPr/>
+    <dgm:style>
+      <a:lnRef idx="1">
+        <a:scrgbClr r="0" g="0" b="0"/>
+      </a:lnRef>
+      <a:fillRef idx="1">
+        <a:scrgbClr r="0" g="0" b="0"/>
+      </a:fillRef>
+      <a:effectRef idx="0">
+        <a:scrgbClr r="0" g="0" b="0"/>
+      </a:effectRef>
+      <a:fontRef idx="minor"/>
+    </dgm:style>
+  </dgm:styleLbl>
+  <dgm:styleLbl name="alignAccFollowNode1">
+    <dgm:scene3d>
+      <a:camera prst="orthographicFront"/>
+      <a:lightRig rig="threePt" dir="t">
+        <a:rot lat="0" lon="0" rev="7500000"/>
+      </a:lightRig>
+    </dgm:scene3d>
+    <dgm:sp3d extrusionH="190500" prstMaterial="dkEdge">
+      <a:bevelT w="120650" h="38100" prst="relaxedInset"/>
+      <a:bevelB w="120650" h="57150" prst="relaxedInset"/>
+      <a:contourClr>
+        <a:schemeClr val="bg1"/>
+      </a:contourClr>
+    </dgm:sp3d>
+    <dgm:txPr/>
+    <dgm:style>
+      <a:lnRef idx="1">
+        <a:scrgbClr r="0" g="0" b="0"/>
+      </a:lnRef>
+      <a:fillRef idx="1">
+        <a:scrgbClr r="0" g="0" b="0"/>
+      </a:fillRef>
+      <a:effectRef idx="2">
+        <a:scrgbClr r="0" g="0" b="0"/>
+      </a:effectRef>
+      <a:fontRef idx="minor"/>
+    </dgm:style>
+  </dgm:styleLbl>
+  <dgm:styleLbl name="bgAccFollowNode1">
+    <dgm:scene3d>
+      <a:camera prst="orthographicFront"/>
+      <a:lightRig rig="threePt" dir="t">
+        <a:rot lat="0" lon="0" rev="7500000"/>
+      </a:lightRig>
+    </dgm:scene3d>
+    <dgm:sp3d z="-152400" extrusionH="63500" prstMaterial="dkEdge">
+      <a:bevelT w="144450" h="36350" prst="relaxedInset"/>
+      <a:contourClr>
+        <a:schemeClr val="bg1"/>
+      </a:contourClr>
+    </dgm:sp3d>
+    <dgm:txPr/>
+    <dgm:style>
+      <a:lnRef idx="1">
+        <a:scrgbClr r="0" g="0" b="0"/>
+      </a:lnRef>
+      <a:fillRef idx="1">
+        <a:scrgbClr r="0" g="0" b="0"/>
+      </a:fillRef>
+      <a:effectRef idx="2">
+        <a:scrgbClr r="0" g="0" b="0"/>
+      </a:effectRef>
+      <a:fontRef idx="minor"/>
+    </dgm:style>
+  </dgm:styleLbl>
+  <dgm:styleLbl name="fgAcc0">
+    <dgm:scene3d>
+      <a:camera prst="orthographicFront"/>
+      <a:lightRig rig="threePt" dir="t">
+        <a:rot lat="0" lon="0" rev="7500000"/>
+      </a:lightRig>
+    </dgm:scene3d>
+    <dgm:sp3d z="152400" extrusionH="63500" prstMaterial="dkEdge">
+      <a:bevelT w="125400" h="36350" prst="relaxedInset"/>
+      <a:contourClr>
+        <a:schemeClr val="bg1"/>
+      </a:contourClr>
+    </dgm:sp3d>
+    <dgm:txPr/>
+    <dgm:style>
+      <a:lnRef idx="1">
+        <a:scrgbClr r="0" g="0" b="0"/>
+      </a:lnRef>
+      <a:fillRef idx="1">
+        <a:scrgbClr r="0" g="0" b="0"/>
+      </a:fillRef>
+      <a:effectRef idx="2">
+        <a:scrgbClr r="0" g="0" b="0"/>
+      </a:effectRef>
+      <a:fontRef idx="minor"/>
+    </dgm:style>
+  </dgm:styleLbl>
+  <dgm:styleLbl name="fgAcc2">
+    <dgm:scene3d>
+      <a:camera prst="orthographicFront"/>
+      <a:lightRig rig="threePt" dir="t">
+        <a:rot lat="0" lon="0" rev="7500000"/>
+      </a:lightRig>
+    </dgm:scene3d>
+    <dgm:sp3d z="152400" extrusionH="63500" prstMaterial="dkEdge">
+      <a:bevelT w="125400" h="36350" prst="relaxedInset"/>
+      <a:contourClr>
+        <a:schemeClr val="bg1"/>
+      </a:contourClr>
+    </dgm:sp3d>
+    <dgm:txPr/>
+    <dgm:style>
+      <a:lnRef idx="1">
+        <a:scrgbClr r="0" g="0" b="0"/>
+      </a:lnRef>
+      <a:fillRef idx="1">
+        <a:scrgbClr r="0" g="0" b="0"/>
+      </a:fillRef>
+      <a:effectRef idx="2">
+        <a:scrgbClr r="0" g="0" b="0"/>
+      </a:effectRef>
+      <a:fontRef idx="minor"/>
+    </dgm:style>
+  </dgm:styleLbl>
+  <dgm:styleLbl name="fgAcc3">
+    <dgm:scene3d>
+      <a:camera prst="orthographicFront"/>
+      <a:lightRig rig="threePt" dir="t">
+        <a:rot lat="0" lon="0" rev="7500000"/>
+      </a:lightRig>
+    </dgm:scene3d>
+    <dgm:sp3d z="152400" extrusionH="63500" prstMaterial="dkEdge">
+      <a:bevelT w="125400" h="36350" prst="relaxedInset"/>
+      <a:contourClr>
+        <a:schemeClr val="bg1"/>
+      </a:contourClr>
+    </dgm:sp3d>
+    <dgm:txPr/>
+    <dgm:style>
+      <a:lnRef idx="1">
+        <a:scrgbClr r="0" g="0" b="0"/>
+      </a:lnRef>
+      <a:fillRef idx="1">
+        <a:scrgbClr r="0" g="0" b="0"/>
+      </a:fillRef>
+      <a:effectRef idx="2">
+        <a:scrgbClr r="0" g="0" b="0"/>
+      </a:effectRef>
+      <a:fontRef idx="minor"/>
+    </dgm:style>
+  </dgm:styleLbl>
+  <dgm:styleLbl name="fgAcc4">
+    <dgm:scene3d>
+      <a:camera prst="orthographicFront"/>
+      <a:lightRig rig="threePt" dir="t">
+        <a:rot lat="0" lon="0" rev="7500000"/>
+      </a:lightRig>
+    </dgm:scene3d>
+    <dgm:sp3d z="152400" extrusionH="63500" prstMaterial="dkEdge">
+      <a:bevelT w="125400" h="36350" prst="relaxedInset"/>
+      <a:contourClr>
+        <a:schemeClr val="bg1"/>
+      </a:contourClr>
+    </dgm:sp3d>
+    <dgm:txPr/>
+    <dgm:style>
+      <a:lnRef idx="1">
+        <a:scrgbClr r="0" g="0" b="0"/>
+      </a:lnRef>
+      <a:fillRef idx="1">
+        <a:scrgbClr r="0" g="0" b="0"/>
+      </a:fillRef>
+      <a:effectRef idx="2">
+        <a:scrgbClr r="0" g="0" b="0"/>
+      </a:effectRef>
+      <a:fontRef idx="minor"/>
+    </dgm:style>
+  </dgm:styleLbl>
+  <dgm:styleLbl name="bgShp">
+    <dgm:scene3d>
+      <a:camera prst="orthographicFront"/>
+      <a:lightRig rig="threePt" dir="t">
+        <a:rot lat="0" lon="0" rev="7500000"/>
+      </a:lightRig>
+    </dgm:scene3d>
+    <dgm:sp3d z="-152400" extrusionH="63500" prstMaterial="matte">
+      <a:bevelT w="144450" h="6350" prst="relaxedInset"/>
+      <a:contourClr>
+        <a:schemeClr val="bg1"/>
+      </a:contourClr>
+    </dgm:sp3d>
+    <dgm:txPr/>
+    <dgm:style>
+      <a:lnRef idx="0">
+        <a:scrgbClr r="0" g="0" b="0"/>
+      </a:lnRef>
+      <a:fillRef idx="3">
+        <a:scrgbClr r="0" g="0" b="0"/>
+      </a:fillRef>
+      <a:effectRef idx="0">
+        <a:scrgbClr r="0" g="0" b="0"/>
+      </a:effectRef>
+      <a:fontRef idx="minor"/>
+    </dgm:style>
+  </dgm:styleLbl>
+  <dgm:styleLbl name="dkBgShp">
+    <dgm:scene3d>
+      <a:camera prst="orthographicFront"/>
+      <a:lightRig rig="threePt" dir="t">
+        <a:rot lat="0" lon="0" rev="7500000"/>
+      </a:lightRig>
+    </dgm:scene3d>
+    <dgm:sp3d prstMaterial="plastic">
+      <a:bevelT w="127000" h="25400" prst="relaxedInset"/>
+      <a:bevelB w="88900" h="121750" prst="angle"/>
+    </dgm:sp3d>
+    <dgm:txPr/>
+    <dgm:style>
+      <a:lnRef idx="0">
+        <a:scrgbClr r="0" g="0" b="0"/>
+      </a:lnRef>
+      <a:fillRef idx="1">
+        <a:scrgbClr r="0" g="0" b="0"/>
+      </a:fillRef>
+      <a:effectRef idx="2">
+        <a:scrgbClr r="0" g="0" b="0"/>
+      </a:effectRef>
+      <a:fontRef idx="minor">
+        <a:schemeClr val="lt1"/>
+      </a:fontRef>
+    </dgm:style>
+  </dgm:styleLbl>
+  <dgm:styleLbl name="trBgShp">
+    <dgm:scene3d>
+      <a:camera prst="orthographicFront"/>
+      <a:lightRig rig="threePt" dir="t"/>
+    </dgm:scene3d>
+    <dgm:sp3d z="-152400" prstMaterial="matte"/>
+    <dgm:txPr/>
+    <dgm:style>
+      <a:lnRef idx="0">
+        <a:scrgbClr r="0" g="0" b="0"/>
+      </a:lnRef>
+      <a:fillRef idx="1">
+        <a:scrgbClr r="0" g="0" b="0"/>
+      </a:fillRef>
+      <a:effectRef idx="0">
+        <a:scrgbClr r="0" g="0" b="0"/>
+      </a:effectRef>
+      <a:fontRef idx="minor"/>
+    </dgm:style>
+  </dgm:styleLbl>
+  <dgm:styleLbl name="fgShp">
+    <dgm:scene3d>
+      <a:camera prst="orthographicFront"/>
+      <a:lightRig rig="threePt" dir="t">
+        <a:rot lat="0" lon="0" rev="7500000"/>
+      </a:lightRig>
+    </dgm:scene3d>
+    <dgm:sp3d z="152400" extrusionH="63500" prstMaterial="matte">
+      <a:bevelT w="50800" h="19050" prst="relaxedInset"/>
+      <a:contourClr>
+        <a:schemeClr val="bg1"/>
+      </a:contourClr>
+    </dgm:sp3d>
+    <dgm:txPr/>
+    <dgm:style>
+      <a:lnRef idx="0">
+        <a:scrgbClr r="0" g="0" b="0"/>
+      </a:lnRef>
+      <a:fillRef idx="1">
+        <a:scrgbClr r="0" g="0" b="0"/>
+      </a:fillRef>
+      <a:effectRef idx="2">
+        <a:scrgbClr r="0" g="0" b="0"/>
+      </a:effectRef>
+      <a:fontRef idx="minor">
+        <a:schemeClr val="lt1"/>
+      </a:fontRef>
+    </dgm:style>
+  </dgm:styleLbl>
+  <dgm:styleLbl name="revTx">
+    <dgm:scene3d>
+      <a:camera prst="orthographicFront"/>
+      <a:lightRig rig="threePt" dir="t"/>
+    </dgm:scene3d>
+    <dgm:sp3d/>
+    <dgm:txPr/>
+    <dgm:style>
+      <a:lnRef idx="0">
+        <a:scrgbClr r="0" g="0" b="0"/>
+      </a:lnRef>
+      <a:fillRef idx="0">
+        <a:scrgbClr r="0" g="0" b="0"/>
+      </a:fillRef>
+      <a:effectRef idx="0">
+        <a:scrgbClr r="0" g="0" b="0"/>
+      </a:effectRef>
+      <a:fontRef idx="minor"/>
+    </dgm:style>
+  </dgm:styleLbl>
+</dgm:styleDef>
+</file>
+
+<file path=ppt/diagrams/quickStyle4.xml><?xml version="1.0" encoding="utf-8"?>
 <dgm:styleDef xmlns:dgm="http://schemas.openxmlformats.org/drawingml/2006/diagram" xmlns:a="http://schemas.openxmlformats.org/drawingml/2006/main" uniqueId="urn:microsoft.com/office/officeart/2005/8/quickstyle/3d2">
   <dgm:title val=""/>
   <dgm:desc val=""/>
@@ -18261,7 +22407,7 @@
           </p:cNvPicPr>
           <p:nvPr/>
         </p:nvPicPr>
-        <p:blipFill>
+        <p:blipFill rotWithShape="1">
           <a:blip r:embed="rId2">
             <a:extLst>
               <a:ext uri="{28A0092B-C50C-407E-A947-70E740481C1C}">
@@ -18269,18 +22415,29 @@
               </a:ext>
             </a:extLst>
           </a:blip>
-          <a:stretch>
-            <a:fillRect/>
-          </a:stretch>
+          <a:srcRect l="3766"/>
+          <a:stretch/>
         </p:blipFill>
         <p:spPr>
           <a:xfrm>
-            <a:off x="767679" y="1675050"/>
-            <a:ext cx="8544641" cy="5470049"/>
+            <a:off x="360000" y="1675050"/>
+            <a:ext cx="9480189" cy="5470049"/>
           </a:xfrm>
           <a:prstGeom prst="rect">
             <a:avLst/>
           </a:prstGeom>
+          <a:ln w="228600" cap="sq" cmpd="thickThin">
+            <a:solidFill>
+              <a:srgbClr val="000000"/>
+            </a:solidFill>
+            <a:prstDash val="solid"/>
+            <a:miter lim="800000"/>
+          </a:ln>
+          <a:effectLst>
+            <a:innerShdw blurRad="76200">
+              <a:srgbClr val="000000"/>
+            </a:innerShdw>
+          </a:effectLst>
         </p:spPr>
       </p:pic>
     </p:spTree>
@@ -19186,10 +23343,10 @@
       </p:sp>
       <p:pic>
         <p:nvPicPr>
-          <p:cNvPr id="23" name="Picture 22">
+          <p:cNvPr id="7" name="Picture 6">
             <a:extLst>
               <a:ext uri="{FF2B5EF4-FFF2-40B4-BE49-F238E27FC236}">
-                <a16:creationId xmlns:a16="http://schemas.microsoft.com/office/drawing/2014/main" id="{5562E985-9CF1-4E9A-AFF5-1F063B2ED48B}"/>
+                <a16:creationId xmlns:a16="http://schemas.microsoft.com/office/drawing/2014/main" id="{B126504C-82FB-4786-888D-13F489C67113}"/>
               </a:ext>
             </a:extLst>
           </p:cNvPr>
@@ -19198,7 +23355,7 @@
           </p:cNvPicPr>
           <p:nvPr/>
         </p:nvPicPr>
-        <p:blipFill rotWithShape="1">
+        <p:blipFill>
           <a:blip r:embed="rId3">
             <a:extLst>
               <a:ext uri="{28A0092B-C50C-407E-A947-70E740481C1C}">
@@ -19206,13 +23363,14 @@
               </a:ext>
             </a:extLst>
           </a:blip>
-          <a:srcRect l="9118" t="1437" r="4856" b="5543"/>
-          <a:stretch/>
+          <a:stretch>
+            <a:fillRect/>
+          </a:stretch>
         </p:blipFill>
         <p:spPr>
           <a:xfrm>
-            <a:off x="226672" y="1899920"/>
-            <a:ext cx="9627280" cy="4714240"/>
+            <a:off x="178077" y="1793234"/>
+            <a:ext cx="9724470" cy="5247409"/>
           </a:xfrm>
           <a:prstGeom prst="rect">
             <a:avLst/>
@@ -19616,6 +23774,338 @@
 </file>
 
 <file path=ppt/slides/slide13.xml><?xml version="1.0" encoding="utf-8"?>
+<p:sld xmlns:a="http://schemas.openxmlformats.org/drawingml/2006/main" xmlns:r="http://schemas.openxmlformats.org/officeDocument/2006/relationships" xmlns:p="http://schemas.openxmlformats.org/presentationml/2006/main" show="0">
+  <p:cSld>
+    <p:spTree>
+      <p:nvGrpSpPr>
+        <p:cNvPr id="1" name=""/>
+        <p:cNvGrpSpPr/>
+        <p:nvPr/>
+      </p:nvGrpSpPr>
+      <p:grpSpPr>
+        <a:xfrm>
+          <a:off x="0" y="0"/>
+          <a:ext cx="0" cy="0"/>
+          <a:chOff x="0" y="0"/>
+          <a:chExt cx="0" cy="0"/>
+        </a:xfrm>
+      </p:grpSpPr>
+      <p:sp>
+        <p:nvSpPr>
+          <p:cNvPr id="137" name="TextShape 1"/>
+          <p:cNvSpPr txBox="1"/>
+          <p:nvPr/>
+        </p:nvSpPr>
+        <p:spPr>
+          <a:xfrm>
+            <a:off x="360000" y="228584"/>
+            <a:ext cx="9360000" cy="958680"/>
+          </a:xfrm>
+          <a:prstGeom prst="rect">
+            <a:avLst/>
+          </a:prstGeom>
+          <a:noFill/>
+          <a:ln>
+            <a:noFill/>
+          </a:ln>
+        </p:spPr>
+        <p:txBody>
+          <a:bodyPr lIns="0" tIns="0" rIns="0" bIns="0" anchor="ctr">
+            <a:noAutofit/>
+          </a:bodyPr>
+          <a:lstStyle/>
+          <a:p>
+            <a:r>
+              <a:rPr lang="en-US" sz="3600" b="1" strike="noStrike" spc="-1" dirty="0">
+                <a:solidFill>
+                  <a:srgbClr val="FFFFFF"/>
+                </a:solidFill>
+                <a:latin typeface="Noto Sans Black"/>
+              </a:rPr>
+              <a:t>Expected results </a:t>
+            </a:r>
+          </a:p>
+        </p:txBody>
+      </p:sp>
+      <p:graphicFrame>
+        <p:nvGraphicFramePr>
+          <p:cNvPr id="2" name="Diagram 1">
+            <a:extLst>
+              <a:ext uri="{FF2B5EF4-FFF2-40B4-BE49-F238E27FC236}">
+                <a16:creationId xmlns:a16="http://schemas.microsoft.com/office/drawing/2014/main" id="{9DCEEBBB-24B3-4B1E-BB38-D4E833AADA55}"/>
+              </a:ext>
+            </a:extLst>
+          </p:cNvPr>
+          <p:cNvGraphicFramePr/>
+          <p:nvPr>
+            <p:extLst>
+              <p:ext uri="{D42A27DB-BD31-4B8C-83A1-F6EECF244321}">
+                <p14:modId xmlns:p14="http://schemas.microsoft.com/office/powerpoint/2010/main" val="3446756876"/>
+              </p:ext>
+            </p:extLst>
+          </p:nvPr>
+        </p:nvGraphicFramePr>
+        <p:xfrm>
+          <a:off x="0" y="1741009"/>
+          <a:ext cx="9360000" cy="5040000"/>
+        </p:xfrm>
+        <a:graphic>
+          <a:graphicData uri="http://schemas.openxmlformats.org/drawingml/2006/diagram">
+            <dgm:relIds xmlns:dgm="http://schemas.openxmlformats.org/drawingml/2006/diagram" xmlns:r="http://schemas.openxmlformats.org/officeDocument/2006/relationships" r:dm="rId2" r:lo="rId3" r:qs="rId4" r:cs="rId5"/>
+          </a:graphicData>
+        </a:graphic>
+      </p:graphicFrame>
+      <p:sp>
+        <p:nvSpPr>
+          <p:cNvPr id="5" name="Oval 4">
+            <a:extLst>
+              <a:ext uri="{FF2B5EF4-FFF2-40B4-BE49-F238E27FC236}">
+                <a16:creationId xmlns:a16="http://schemas.microsoft.com/office/drawing/2014/main" id="{C3B7AC0D-190D-47FD-BE30-0FD7AD9209B4}"/>
+              </a:ext>
+            </a:extLst>
+          </p:cNvPr>
+          <p:cNvSpPr/>
+          <p:nvPr/>
+        </p:nvSpPr>
+        <p:spPr>
+          <a:xfrm>
+            <a:off x="9133608" y="6829527"/>
+            <a:ext cx="706582" cy="631144"/>
+          </a:xfrm>
+          <a:prstGeom prst="ellipse">
+            <a:avLst/>
+          </a:prstGeom>
+          <a:solidFill>
+            <a:schemeClr val="bg1"/>
+          </a:solidFill>
+          <a:ln>
+            <a:solidFill>
+              <a:schemeClr val="bg1"/>
+            </a:solidFill>
+          </a:ln>
+        </p:spPr>
+        <p:style>
+          <a:lnRef idx="2">
+            <a:schemeClr val="accent1">
+              <a:shade val="50000"/>
+            </a:schemeClr>
+          </a:lnRef>
+          <a:fillRef idx="1">
+            <a:schemeClr val="accent1"/>
+          </a:fillRef>
+          <a:effectRef idx="0">
+            <a:schemeClr val="accent1"/>
+          </a:effectRef>
+          <a:fontRef idx="minor">
+            <a:schemeClr val="lt1"/>
+          </a:fontRef>
+        </p:style>
+        <p:txBody>
+          <a:bodyPr rtlCol="0" anchor="ctr"/>
+          <a:lstStyle/>
+          <a:p>
+            <a:pPr algn="ctr"/>
+            <a:endParaRPr lang="en-US"/>
+          </a:p>
+        </p:txBody>
+      </p:sp>
+      <p:sp>
+        <p:nvSpPr>
+          <p:cNvPr id="6" name="Oval 5">
+            <a:extLst>
+              <a:ext uri="{FF2B5EF4-FFF2-40B4-BE49-F238E27FC236}">
+                <a16:creationId xmlns:a16="http://schemas.microsoft.com/office/drawing/2014/main" id="{F463A768-79B6-4907-91A5-4DFC99A0562F}"/>
+              </a:ext>
+            </a:extLst>
+          </p:cNvPr>
+          <p:cNvSpPr/>
+          <p:nvPr/>
+        </p:nvSpPr>
+        <p:spPr>
+          <a:xfrm>
+            <a:off x="131345" y="2143023"/>
+            <a:ext cx="1178560" cy="1156393"/>
+          </a:xfrm>
+          <a:prstGeom prst="ellipse">
+            <a:avLst/>
+          </a:prstGeom>
+          <a:solidFill>
+            <a:schemeClr val="bg1"/>
+          </a:solidFill>
+          <a:ln>
+            <a:solidFill>
+              <a:schemeClr val="bg1"/>
+            </a:solidFill>
+          </a:ln>
+        </p:spPr>
+        <p:style>
+          <a:lnRef idx="2">
+            <a:schemeClr val="accent1">
+              <a:shade val="50000"/>
+            </a:schemeClr>
+          </a:lnRef>
+          <a:fillRef idx="1">
+            <a:schemeClr val="accent1"/>
+          </a:fillRef>
+          <a:effectRef idx="0">
+            <a:schemeClr val="accent1"/>
+          </a:effectRef>
+          <a:fontRef idx="minor">
+            <a:schemeClr val="lt1"/>
+          </a:fontRef>
+        </p:style>
+        <p:txBody>
+          <a:bodyPr rtlCol="0" anchor="ctr"/>
+          <a:lstStyle/>
+          <a:p>
+            <a:pPr algn="ctr"/>
+            <a:r>
+              <a:rPr lang="en-US" sz="3000" b="1" dirty="0">
+                <a:solidFill>
+                  <a:srgbClr val="2C3E50"/>
+                </a:solidFill>
+              </a:rPr>
+              <a:t>1</a:t>
+            </a:r>
+          </a:p>
+        </p:txBody>
+      </p:sp>
+      <p:sp>
+        <p:nvSpPr>
+          <p:cNvPr id="7" name="Oval 6">
+            <a:extLst>
+              <a:ext uri="{FF2B5EF4-FFF2-40B4-BE49-F238E27FC236}">
+                <a16:creationId xmlns:a16="http://schemas.microsoft.com/office/drawing/2014/main" id="{8B8CE60A-9365-4AB1-B624-9582CE403E80}"/>
+              </a:ext>
+            </a:extLst>
+          </p:cNvPr>
+          <p:cNvSpPr/>
+          <p:nvPr/>
+        </p:nvSpPr>
+        <p:spPr>
+          <a:xfrm>
+            <a:off x="476785" y="3682062"/>
+            <a:ext cx="1178560" cy="1156393"/>
+          </a:xfrm>
+          <a:prstGeom prst="ellipse">
+            <a:avLst/>
+          </a:prstGeom>
+          <a:solidFill>
+            <a:schemeClr val="bg1"/>
+          </a:solidFill>
+          <a:ln>
+            <a:solidFill>
+              <a:schemeClr val="bg1"/>
+            </a:solidFill>
+          </a:ln>
+        </p:spPr>
+        <p:style>
+          <a:lnRef idx="2">
+            <a:schemeClr val="accent1">
+              <a:shade val="50000"/>
+            </a:schemeClr>
+          </a:lnRef>
+          <a:fillRef idx="1">
+            <a:schemeClr val="accent1"/>
+          </a:fillRef>
+          <a:effectRef idx="0">
+            <a:schemeClr val="accent1"/>
+          </a:effectRef>
+          <a:fontRef idx="minor">
+            <a:schemeClr val="lt1"/>
+          </a:fontRef>
+        </p:style>
+        <p:txBody>
+          <a:bodyPr rtlCol="0" anchor="ctr"/>
+          <a:lstStyle/>
+          <a:p>
+            <a:pPr algn="ctr"/>
+            <a:r>
+              <a:rPr lang="en-US" sz="3000" b="1" dirty="0">
+                <a:solidFill>
+                  <a:srgbClr val="2C3E50"/>
+                </a:solidFill>
+              </a:rPr>
+              <a:t>2</a:t>
+            </a:r>
+          </a:p>
+        </p:txBody>
+      </p:sp>
+      <p:sp>
+        <p:nvSpPr>
+          <p:cNvPr id="8" name="Oval 7">
+            <a:extLst>
+              <a:ext uri="{FF2B5EF4-FFF2-40B4-BE49-F238E27FC236}">
+                <a16:creationId xmlns:a16="http://schemas.microsoft.com/office/drawing/2014/main" id="{214126BA-683D-4F49-BCCA-6A8FEABA62A1}"/>
+              </a:ext>
+            </a:extLst>
+          </p:cNvPr>
+          <p:cNvSpPr/>
+          <p:nvPr/>
+        </p:nvSpPr>
+        <p:spPr>
+          <a:xfrm>
+            <a:off x="89970" y="5221101"/>
+            <a:ext cx="1178560" cy="1156393"/>
+          </a:xfrm>
+          <a:prstGeom prst="ellipse">
+            <a:avLst/>
+          </a:prstGeom>
+          <a:solidFill>
+            <a:schemeClr val="bg1"/>
+          </a:solidFill>
+          <a:ln>
+            <a:solidFill>
+              <a:schemeClr val="bg1"/>
+            </a:solidFill>
+          </a:ln>
+        </p:spPr>
+        <p:style>
+          <a:lnRef idx="2">
+            <a:schemeClr val="accent1">
+              <a:shade val="50000"/>
+            </a:schemeClr>
+          </a:lnRef>
+          <a:fillRef idx="1">
+            <a:schemeClr val="accent1"/>
+          </a:fillRef>
+          <a:effectRef idx="0">
+            <a:schemeClr val="accent1"/>
+          </a:effectRef>
+          <a:fontRef idx="minor">
+            <a:schemeClr val="lt1"/>
+          </a:fontRef>
+        </p:style>
+        <p:txBody>
+          <a:bodyPr rtlCol="0" anchor="ctr"/>
+          <a:lstStyle/>
+          <a:p>
+            <a:pPr algn="ctr"/>
+            <a:r>
+              <a:rPr lang="en-US" sz="3000" b="1" dirty="0">
+                <a:solidFill>
+                  <a:srgbClr val="2C3E50"/>
+                </a:solidFill>
+              </a:rPr>
+              <a:t>3</a:t>
+            </a:r>
+          </a:p>
+        </p:txBody>
+      </p:sp>
+    </p:spTree>
+    <p:extLst>
+      <p:ext uri="{BB962C8B-B14F-4D97-AF65-F5344CB8AC3E}">
+        <p14:creationId xmlns:p14="http://schemas.microsoft.com/office/powerpoint/2010/main" val="2303038737"/>
+      </p:ext>
+    </p:extLst>
+  </p:cSld>
+  <p:clrMapOvr>
+    <a:masterClrMapping/>
+  </p:clrMapOvr>
+</p:sld>
+</file>
+
+<file path=ppt/slides/slide14.xml><?xml version="1.0" encoding="utf-8"?>
 <p:sld xmlns:a="http://schemas.openxmlformats.org/drawingml/2006/main" xmlns:r="http://schemas.openxmlformats.org/officeDocument/2006/relationships" xmlns:p="http://schemas.openxmlformats.org/presentationml/2006/main">
   <p:cSld>
     <p:spTree>
@@ -21471,7 +25961,7 @@
           </p:cNvPicPr>
           <p:nvPr/>
         </p:nvPicPr>
-        <p:blipFill>
+        <p:blipFill rotWithShape="1">
           <a:blip r:embed="rId2">
             <a:extLst>
               <a:ext uri="{28A0092B-C50C-407E-A947-70E740481C1C}">
@@ -21479,14 +25969,13 @@
               </a:ext>
             </a:extLst>
           </a:blip>
-          <a:stretch>
-            <a:fillRect/>
-          </a:stretch>
+          <a:srcRect r="11901"/>
+          <a:stretch/>
         </p:blipFill>
         <p:spPr>
           <a:xfrm>
-            <a:off x="324475" y="1520471"/>
-            <a:ext cx="9215765" cy="5496537"/>
+            <a:off x="360000" y="1520471"/>
+            <a:ext cx="9359999" cy="5496537"/>
           </a:xfrm>
           <a:prstGeom prst="rect">
             <a:avLst/>

--- a/Presentation/Presentation.pptx
+++ b/Presentation/Presentation.pptx
@@ -7,7 +7,7 @@
     <p:sldMasterId id="2147483674" r:id="rId3"/>
   </p:sldMasterIdLst>
   <p:notesMasterIdLst>
-    <p:notesMasterId r:id="rId18"/>
+    <p:notesMasterId r:id="rId17"/>
   </p:notesMasterIdLst>
   <p:sldIdLst>
     <p:sldId id="256" r:id="rId4"/>
@@ -22,8 +22,7 @@
     <p:sldId id="270" r:id="rId13"/>
     <p:sldId id="265" r:id="rId14"/>
     <p:sldId id="268" r:id="rId15"/>
-    <p:sldId id="266" r:id="rId16"/>
-    <p:sldId id="264" r:id="rId17"/>
+    <p:sldId id="264" r:id="rId16"/>
   </p:sldIdLst>
   <p:sldSz cx="10080625" cy="7559675"/>
   <p:notesSz cx="7559675" cy="10691813"/>
@@ -1637,753 +1636,6 @@
 </file>
 
 <file path=ppt/diagrams/colors3.xml><?xml version="1.0" encoding="utf-8"?>
-<dgm:colorsDef xmlns:dgm="http://schemas.openxmlformats.org/drawingml/2006/diagram" xmlns:a="http://schemas.openxmlformats.org/drawingml/2006/main" uniqueId="urn:microsoft.com/office/officeart/2005/8/colors/accent5_2">
-  <dgm:title val=""/>
-  <dgm:desc val=""/>
-  <dgm:catLst>
-    <dgm:cat type="accent5" pri="11200"/>
-  </dgm:catLst>
-  <dgm:styleLbl name="node0">
-    <dgm:fillClrLst meth="repeat">
-      <a:schemeClr val="accent5"/>
-    </dgm:fillClrLst>
-    <dgm:linClrLst meth="repeat">
-      <a:schemeClr val="lt1"/>
-    </dgm:linClrLst>
-    <dgm:effectClrLst/>
-    <dgm:txLinClrLst/>
-    <dgm:txFillClrLst/>
-    <dgm:txEffectClrLst/>
-  </dgm:styleLbl>
-  <dgm:styleLbl name="node1">
-    <dgm:fillClrLst meth="repeat">
-      <a:schemeClr val="accent5"/>
-    </dgm:fillClrLst>
-    <dgm:linClrLst meth="repeat">
-      <a:schemeClr val="lt1"/>
-    </dgm:linClrLst>
-    <dgm:effectClrLst/>
-    <dgm:txLinClrLst/>
-    <dgm:txFillClrLst/>
-    <dgm:txEffectClrLst/>
-  </dgm:styleLbl>
-  <dgm:styleLbl name="alignNode1">
-    <dgm:fillClrLst meth="repeat">
-      <a:schemeClr val="accent5"/>
-    </dgm:fillClrLst>
-    <dgm:linClrLst meth="repeat">
-      <a:schemeClr val="accent5"/>
-    </dgm:linClrLst>
-    <dgm:effectClrLst/>
-    <dgm:txLinClrLst/>
-    <dgm:txFillClrLst/>
-    <dgm:txEffectClrLst/>
-  </dgm:styleLbl>
-  <dgm:styleLbl name="lnNode1">
-    <dgm:fillClrLst meth="repeat">
-      <a:schemeClr val="accent5"/>
-    </dgm:fillClrLst>
-    <dgm:linClrLst meth="repeat">
-      <a:schemeClr val="lt1"/>
-    </dgm:linClrLst>
-    <dgm:effectClrLst/>
-    <dgm:txLinClrLst/>
-    <dgm:txFillClrLst/>
-    <dgm:txEffectClrLst/>
-  </dgm:styleLbl>
-  <dgm:styleLbl name="vennNode1">
-    <dgm:fillClrLst meth="repeat">
-      <a:schemeClr val="accent5">
-        <a:alpha val="50000"/>
-      </a:schemeClr>
-    </dgm:fillClrLst>
-    <dgm:linClrLst meth="repeat">
-      <a:schemeClr val="lt1"/>
-    </dgm:linClrLst>
-    <dgm:effectClrLst/>
-    <dgm:txLinClrLst/>
-    <dgm:txFillClrLst/>
-    <dgm:txEffectClrLst/>
-  </dgm:styleLbl>
-  <dgm:styleLbl name="node2">
-    <dgm:fillClrLst meth="repeat">
-      <a:schemeClr val="accent5"/>
-    </dgm:fillClrLst>
-    <dgm:linClrLst meth="repeat">
-      <a:schemeClr val="lt1"/>
-    </dgm:linClrLst>
-    <dgm:effectClrLst/>
-    <dgm:txLinClrLst/>
-    <dgm:txFillClrLst/>
-    <dgm:txEffectClrLst/>
-  </dgm:styleLbl>
-  <dgm:styleLbl name="node3">
-    <dgm:fillClrLst meth="repeat">
-      <a:schemeClr val="accent5"/>
-    </dgm:fillClrLst>
-    <dgm:linClrLst meth="repeat">
-      <a:schemeClr val="lt1"/>
-    </dgm:linClrLst>
-    <dgm:effectClrLst/>
-    <dgm:txLinClrLst/>
-    <dgm:txFillClrLst/>
-    <dgm:txEffectClrLst/>
-  </dgm:styleLbl>
-  <dgm:styleLbl name="node4">
-    <dgm:fillClrLst meth="repeat">
-      <a:schemeClr val="accent5"/>
-    </dgm:fillClrLst>
-    <dgm:linClrLst meth="repeat">
-      <a:schemeClr val="lt1"/>
-    </dgm:linClrLst>
-    <dgm:effectClrLst/>
-    <dgm:txLinClrLst/>
-    <dgm:txFillClrLst/>
-    <dgm:txEffectClrLst/>
-  </dgm:styleLbl>
-  <dgm:styleLbl name="fgImgPlace1">
-    <dgm:fillClrLst meth="repeat">
-      <a:schemeClr val="accent5">
-        <a:tint val="50000"/>
-      </a:schemeClr>
-    </dgm:fillClrLst>
-    <dgm:linClrLst meth="repeat">
-      <a:schemeClr val="lt1"/>
-    </dgm:linClrLst>
-    <dgm:effectClrLst/>
-    <dgm:txLinClrLst/>
-    <dgm:txFillClrLst meth="repeat">
-      <a:schemeClr val="lt1"/>
-    </dgm:txFillClrLst>
-    <dgm:txEffectClrLst/>
-  </dgm:styleLbl>
-  <dgm:styleLbl name="alignImgPlace1">
-    <dgm:fillClrLst meth="repeat">
-      <a:schemeClr val="accent5">
-        <a:tint val="50000"/>
-      </a:schemeClr>
-    </dgm:fillClrLst>
-    <dgm:linClrLst meth="repeat">
-      <a:schemeClr val="lt1"/>
-    </dgm:linClrLst>
-    <dgm:effectClrLst/>
-    <dgm:txLinClrLst/>
-    <dgm:txFillClrLst meth="repeat">
-      <a:schemeClr val="lt1"/>
-    </dgm:txFillClrLst>
-    <dgm:txEffectClrLst/>
-  </dgm:styleLbl>
-  <dgm:styleLbl name="bgImgPlace1">
-    <dgm:fillClrLst meth="repeat">
-      <a:schemeClr val="accent5">
-        <a:tint val="50000"/>
-      </a:schemeClr>
-    </dgm:fillClrLst>
-    <dgm:linClrLst meth="repeat">
-      <a:schemeClr val="lt1"/>
-    </dgm:linClrLst>
-    <dgm:effectClrLst/>
-    <dgm:txLinClrLst/>
-    <dgm:txFillClrLst meth="repeat">
-      <a:schemeClr val="lt1"/>
-    </dgm:txFillClrLst>
-    <dgm:txEffectClrLst/>
-  </dgm:styleLbl>
-  <dgm:styleLbl name="sibTrans2D1">
-    <dgm:fillClrLst meth="repeat">
-      <a:schemeClr val="accent5">
-        <a:tint val="60000"/>
-      </a:schemeClr>
-    </dgm:fillClrLst>
-    <dgm:linClrLst meth="repeat">
-      <a:schemeClr val="accent5">
-        <a:tint val="60000"/>
-      </a:schemeClr>
-    </dgm:linClrLst>
-    <dgm:effectClrLst/>
-    <dgm:txLinClrLst/>
-    <dgm:txFillClrLst/>
-    <dgm:txEffectClrLst/>
-  </dgm:styleLbl>
-  <dgm:styleLbl name="fgSibTrans2D1">
-    <dgm:fillClrLst meth="repeat">
-      <a:schemeClr val="accent5">
-        <a:tint val="60000"/>
-      </a:schemeClr>
-    </dgm:fillClrLst>
-    <dgm:linClrLst meth="repeat">
-      <a:schemeClr val="accent5">
-        <a:tint val="60000"/>
-      </a:schemeClr>
-    </dgm:linClrLst>
-    <dgm:effectClrLst/>
-    <dgm:txLinClrLst/>
-    <dgm:txFillClrLst/>
-    <dgm:txEffectClrLst/>
-  </dgm:styleLbl>
-  <dgm:styleLbl name="bgSibTrans2D1">
-    <dgm:fillClrLst meth="repeat">
-      <a:schemeClr val="accent5">
-        <a:tint val="60000"/>
-      </a:schemeClr>
-    </dgm:fillClrLst>
-    <dgm:linClrLst meth="repeat">
-      <a:schemeClr val="accent5">
-        <a:tint val="60000"/>
-      </a:schemeClr>
-    </dgm:linClrLst>
-    <dgm:effectClrLst/>
-    <dgm:txLinClrLst/>
-    <dgm:txFillClrLst/>
-    <dgm:txEffectClrLst/>
-  </dgm:styleLbl>
-  <dgm:styleLbl name="sibTrans1D1">
-    <dgm:fillClrLst meth="repeat">
-      <a:schemeClr val="accent5"/>
-    </dgm:fillClrLst>
-    <dgm:linClrLst meth="repeat">
-      <a:schemeClr val="accent5"/>
-    </dgm:linClrLst>
-    <dgm:effectClrLst/>
-    <dgm:txLinClrLst/>
-    <dgm:txFillClrLst meth="repeat">
-      <a:schemeClr val="tx1"/>
-    </dgm:txFillClrLst>
-    <dgm:txEffectClrLst/>
-  </dgm:styleLbl>
-  <dgm:styleLbl name="callout">
-    <dgm:fillClrLst meth="repeat">
-      <a:schemeClr val="accent5"/>
-    </dgm:fillClrLst>
-    <dgm:linClrLst meth="repeat">
-      <a:schemeClr val="accent5">
-        <a:tint val="50000"/>
-      </a:schemeClr>
-    </dgm:linClrLst>
-    <dgm:effectClrLst/>
-    <dgm:txLinClrLst/>
-    <dgm:txFillClrLst meth="repeat">
-      <a:schemeClr val="tx1"/>
-    </dgm:txFillClrLst>
-    <dgm:txEffectClrLst/>
-  </dgm:styleLbl>
-  <dgm:styleLbl name="asst0">
-    <dgm:fillClrLst meth="repeat">
-      <a:schemeClr val="accent5"/>
-    </dgm:fillClrLst>
-    <dgm:linClrLst meth="repeat">
-      <a:schemeClr val="lt1"/>
-    </dgm:linClrLst>
-    <dgm:effectClrLst/>
-    <dgm:txLinClrLst/>
-    <dgm:txFillClrLst/>
-    <dgm:txEffectClrLst/>
-  </dgm:styleLbl>
-  <dgm:styleLbl name="asst1">
-    <dgm:fillClrLst meth="repeat">
-      <a:schemeClr val="accent5"/>
-    </dgm:fillClrLst>
-    <dgm:linClrLst meth="repeat">
-      <a:schemeClr val="lt1"/>
-    </dgm:linClrLst>
-    <dgm:effectClrLst/>
-    <dgm:txLinClrLst/>
-    <dgm:txFillClrLst/>
-    <dgm:txEffectClrLst/>
-  </dgm:styleLbl>
-  <dgm:styleLbl name="asst2">
-    <dgm:fillClrLst meth="repeat">
-      <a:schemeClr val="accent5"/>
-    </dgm:fillClrLst>
-    <dgm:linClrLst meth="repeat">
-      <a:schemeClr val="lt1"/>
-    </dgm:linClrLst>
-    <dgm:effectClrLst/>
-    <dgm:txLinClrLst/>
-    <dgm:txFillClrLst/>
-    <dgm:txEffectClrLst/>
-  </dgm:styleLbl>
-  <dgm:styleLbl name="asst3">
-    <dgm:fillClrLst meth="repeat">
-      <a:schemeClr val="accent5"/>
-    </dgm:fillClrLst>
-    <dgm:linClrLst meth="repeat">
-      <a:schemeClr val="lt1"/>
-    </dgm:linClrLst>
-    <dgm:effectClrLst/>
-    <dgm:txLinClrLst/>
-    <dgm:txFillClrLst/>
-    <dgm:txEffectClrLst/>
-  </dgm:styleLbl>
-  <dgm:styleLbl name="asst4">
-    <dgm:fillClrLst meth="repeat">
-      <a:schemeClr val="accent5"/>
-    </dgm:fillClrLst>
-    <dgm:linClrLst meth="repeat">
-      <a:schemeClr val="lt1"/>
-    </dgm:linClrLst>
-    <dgm:effectClrLst/>
-    <dgm:txLinClrLst/>
-    <dgm:txFillClrLst/>
-    <dgm:txEffectClrLst/>
-  </dgm:styleLbl>
-  <dgm:styleLbl name="parChTrans2D1">
-    <dgm:fillClrLst meth="repeat">
-      <a:schemeClr val="accent5">
-        <a:tint val="60000"/>
-      </a:schemeClr>
-    </dgm:fillClrLst>
-    <dgm:linClrLst meth="repeat">
-      <a:schemeClr val="accent5">
-        <a:tint val="60000"/>
-      </a:schemeClr>
-    </dgm:linClrLst>
-    <dgm:effectClrLst/>
-    <dgm:txLinClrLst/>
-    <dgm:txFillClrLst meth="repeat">
-      <a:schemeClr val="lt1"/>
-    </dgm:txFillClrLst>
-    <dgm:txEffectClrLst/>
-  </dgm:styleLbl>
-  <dgm:styleLbl name="parChTrans2D2">
-    <dgm:fillClrLst meth="repeat">
-      <a:schemeClr val="accent5"/>
-    </dgm:fillClrLst>
-    <dgm:linClrLst meth="repeat">
-      <a:schemeClr val="accent5"/>
-    </dgm:linClrLst>
-    <dgm:effectClrLst/>
-    <dgm:txLinClrLst/>
-    <dgm:txFillClrLst meth="repeat">
-      <a:schemeClr val="lt1"/>
-    </dgm:txFillClrLst>
-    <dgm:txEffectClrLst/>
-  </dgm:styleLbl>
-  <dgm:styleLbl name="parChTrans2D3">
-    <dgm:fillClrLst meth="repeat">
-      <a:schemeClr val="accent5"/>
-    </dgm:fillClrLst>
-    <dgm:linClrLst meth="repeat">
-      <a:schemeClr val="accent5"/>
-    </dgm:linClrLst>
-    <dgm:effectClrLst/>
-    <dgm:txLinClrLst/>
-    <dgm:txFillClrLst meth="repeat">
-      <a:schemeClr val="lt1"/>
-    </dgm:txFillClrLst>
-    <dgm:txEffectClrLst/>
-  </dgm:styleLbl>
-  <dgm:styleLbl name="parChTrans2D4">
-    <dgm:fillClrLst meth="repeat">
-      <a:schemeClr val="accent5"/>
-    </dgm:fillClrLst>
-    <dgm:linClrLst meth="repeat">
-      <a:schemeClr val="accent5"/>
-    </dgm:linClrLst>
-    <dgm:effectClrLst/>
-    <dgm:txLinClrLst/>
-    <dgm:txFillClrLst meth="repeat">
-      <a:schemeClr val="lt1"/>
-    </dgm:txFillClrLst>
-    <dgm:txEffectClrLst/>
-  </dgm:styleLbl>
-  <dgm:styleLbl name="parChTrans1D1">
-    <dgm:fillClrLst meth="repeat">
-      <a:schemeClr val="accent5"/>
-    </dgm:fillClrLst>
-    <dgm:linClrLst meth="repeat">
-      <a:schemeClr val="accent5">
-        <a:shade val="60000"/>
-      </a:schemeClr>
-    </dgm:linClrLst>
-    <dgm:effectClrLst/>
-    <dgm:txLinClrLst/>
-    <dgm:txFillClrLst meth="repeat">
-      <a:schemeClr val="tx1"/>
-    </dgm:txFillClrLst>
-    <dgm:txEffectClrLst/>
-  </dgm:styleLbl>
-  <dgm:styleLbl name="parChTrans1D2">
-    <dgm:fillClrLst meth="repeat">
-      <a:schemeClr val="accent5"/>
-    </dgm:fillClrLst>
-    <dgm:linClrLst meth="repeat">
-      <a:schemeClr val="accent5">
-        <a:shade val="60000"/>
-      </a:schemeClr>
-    </dgm:linClrLst>
-    <dgm:effectClrLst/>
-    <dgm:txLinClrLst/>
-    <dgm:txFillClrLst meth="repeat">
-      <a:schemeClr val="tx1"/>
-    </dgm:txFillClrLst>
-    <dgm:txEffectClrLst/>
-  </dgm:styleLbl>
-  <dgm:styleLbl name="parChTrans1D3">
-    <dgm:fillClrLst meth="repeat">
-      <a:schemeClr val="accent5"/>
-    </dgm:fillClrLst>
-    <dgm:linClrLst meth="repeat">
-      <a:schemeClr val="accent5">
-        <a:shade val="80000"/>
-      </a:schemeClr>
-    </dgm:linClrLst>
-    <dgm:effectClrLst/>
-    <dgm:txLinClrLst/>
-    <dgm:txFillClrLst meth="repeat">
-      <a:schemeClr val="tx1"/>
-    </dgm:txFillClrLst>
-    <dgm:txEffectClrLst/>
-  </dgm:styleLbl>
-  <dgm:styleLbl name="parChTrans1D4">
-    <dgm:fillClrLst meth="repeat">
-      <a:schemeClr val="accent5"/>
-    </dgm:fillClrLst>
-    <dgm:linClrLst meth="repeat">
-      <a:schemeClr val="accent5">
-        <a:shade val="80000"/>
-      </a:schemeClr>
-    </dgm:linClrLst>
-    <dgm:effectClrLst/>
-    <dgm:txLinClrLst/>
-    <dgm:txFillClrLst meth="repeat">
-      <a:schemeClr val="tx1"/>
-    </dgm:txFillClrLst>
-    <dgm:txEffectClrLst/>
-  </dgm:styleLbl>
-  <dgm:styleLbl name="fgAcc1">
-    <dgm:fillClrLst meth="repeat">
-      <a:schemeClr val="lt1">
-        <a:alpha val="90000"/>
-      </a:schemeClr>
-    </dgm:fillClrLst>
-    <dgm:linClrLst meth="repeat">
-      <a:schemeClr val="accent5"/>
-    </dgm:linClrLst>
-    <dgm:effectClrLst/>
-    <dgm:txLinClrLst/>
-    <dgm:txFillClrLst meth="repeat">
-      <a:schemeClr val="dk1"/>
-    </dgm:txFillClrLst>
-    <dgm:txEffectClrLst/>
-  </dgm:styleLbl>
-  <dgm:styleLbl name="conFgAcc1">
-    <dgm:fillClrLst meth="repeat">
-      <a:schemeClr val="lt1">
-        <a:alpha val="90000"/>
-      </a:schemeClr>
-    </dgm:fillClrLst>
-    <dgm:linClrLst meth="repeat">
-      <a:schemeClr val="accent5"/>
-    </dgm:linClrLst>
-    <dgm:effectClrLst/>
-    <dgm:txLinClrLst/>
-    <dgm:txFillClrLst meth="repeat">
-      <a:schemeClr val="dk1"/>
-    </dgm:txFillClrLst>
-    <dgm:txEffectClrLst/>
-  </dgm:styleLbl>
-  <dgm:styleLbl name="alignAcc1">
-    <dgm:fillClrLst meth="repeat">
-      <a:schemeClr val="lt1">
-        <a:alpha val="90000"/>
-      </a:schemeClr>
-    </dgm:fillClrLst>
-    <dgm:linClrLst meth="repeat">
-      <a:schemeClr val="accent5"/>
-    </dgm:linClrLst>
-    <dgm:effectClrLst/>
-    <dgm:txLinClrLst/>
-    <dgm:txFillClrLst meth="repeat">
-      <a:schemeClr val="dk1"/>
-    </dgm:txFillClrLst>
-    <dgm:txEffectClrLst/>
-  </dgm:styleLbl>
-  <dgm:styleLbl name="trAlignAcc1">
-    <dgm:fillClrLst meth="repeat">
-      <a:schemeClr val="lt1">
-        <a:alpha val="40000"/>
-      </a:schemeClr>
-    </dgm:fillClrLst>
-    <dgm:linClrLst meth="repeat">
-      <a:schemeClr val="accent5"/>
-    </dgm:linClrLst>
-    <dgm:effectClrLst/>
-    <dgm:txLinClrLst/>
-    <dgm:txFillClrLst meth="repeat">
-      <a:schemeClr val="dk1"/>
-    </dgm:txFillClrLst>
-    <dgm:txEffectClrLst/>
-  </dgm:styleLbl>
-  <dgm:styleLbl name="bgAcc1">
-    <dgm:fillClrLst meth="repeat">
-      <a:schemeClr val="lt1">
-        <a:alpha val="90000"/>
-      </a:schemeClr>
-    </dgm:fillClrLst>
-    <dgm:linClrLst meth="repeat">
-      <a:schemeClr val="accent5"/>
-    </dgm:linClrLst>
-    <dgm:effectClrLst/>
-    <dgm:txLinClrLst/>
-    <dgm:txFillClrLst meth="repeat">
-      <a:schemeClr val="dk1"/>
-    </dgm:txFillClrLst>
-    <dgm:txEffectClrLst/>
-  </dgm:styleLbl>
-  <dgm:styleLbl name="solidFgAcc1">
-    <dgm:fillClrLst meth="repeat">
-      <a:schemeClr val="lt1"/>
-    </dgm:fillClrLst>
-    <dgm:linClrLst meth="repeat">
-      <a:schemeClr val="accent5"/>
-    </dgm:linClrLst>
-    <dgm:effectClrLst/>
-    <dgm:txLinClrLst/>
-    <dgm:txFillClrLst meth="repeat">
-      <a:schemeClr val="dk1"/>
-    </dgm:txFillClrLst>
-    <dgm:txEffectClrLst/>
-  </dgm:styleLbl>
-  <dgm:styleLbl name="solidAlignAcc1">
-    <dgm:fillClrLst meth="repeat">
-      <a:schemeClr val="lt1"/>
-    </dgm:fillClrLst>
-    <dgm:linClrLst meth="repeat">
-      <a:schemeClr val="accent5"/>
-    </dgm:linClrLst>
-    <dgm:effectClrLst/>
-    <dgm:txLinClrLst/>
-    <dgm:txFillClrLst meth="repeat">
-      <a:schemeClr val="dk1"/>
-    </dgm:txFillClrLst>
-    <dgm:txEffectClrLst/>
-  </dgm:styleLbl>
-  <dgm:styleLbl name="solidBgAcc1">
-    <dgm:fillClrLst meth="repeat">
-      <a:schemeClr val="lt1"/>
-    </dgm:fillClrLst>
-    <dgm:linClrLst meth="repeat">
-      <a:schemeClr val="accent5"/>
-    </dgm:linClrLst>
-    <dgm:effectClrLst/>
-    <dgm:txLinClrLst/>
-    <dgm:txFillClrLst meth="repeat">
-      <a:schemeClr val="dk1"/>
-    </dgm:txFillClrLst>
-    <dgm:txEffectClrLst/>
-  </dgm:styleLbl>
-  <dgm:styleLbl name="fgAccFollowNode1">
-    <dgm:fillClrLst meth="repeat">
-      <a:schemeClr val="accent5">
-        <a:alpha val="90000"/>
-        <a:tint val="40000"/>
-      </a:schemeClr>
-    </dgm:fillClrLst>
-    <dgm:linClrLst meth="repeat">
-      <a:schemeClr val="accent5">
-        <a:alpha val="90000"/>
-        <a:tint val="40000"/>
-      </a:schemeClr>
-    </dgm:linClrLst>
-    <dgm:effectClrLst/>
-    <dgm:txLinClrLst/>
-    <dgm:txFillClrLst meth="repeat">
-      <a:schemeClr val="dk1"/>
-    </dgm:txFillClrLst>
-    <dgm:txEffectClrLst/>
-  </dgm:styleLbl>
-  <dgm:styleLbl name="alignAccFollowNode1">
-    <dgm:fillClrLst meth="repeat">
-      <a:schemeClr val="accent5">
-        <a:alpha val="90000"/>
-        <a:tint val="40000"/>
-      </a:schemeClr>
-    </dgm:fillClrLst>
-    <dgm:linClrLst meth="repeat">
-      <a:schemeClr val="accent5">
-        <a:alpha val="90000"/>
-        <a:tint val="40000"/>
-      </a:schemeClr>
-    </dgm:linClrLst>
-    <dgm:effectClrLst/>
-    <dgm:txLinClrLst/>
-    <dgm:txFillClrLst meth="repeat">
-      <a:schemeClr val="dk1"/>
-    </dgm:txFillClrLst>
-    <dgm:txEffectClrLst/>
-  </dgm:styleLbl>
-  <dgm:styleLbl name="bgAccFollowNode1">
-    <dgm:fillClrLst meth="repeat">
-      <a:schemeClr val="accent5">
-        <a:alpha val="90000"/>
-        <a:tint val="40000"/>
-      </a:schemeClr>
-    </dgm:fillClrLst>
-    <dgm:linClrLst meth="repeat">
-      <a:schemeClr val="accent5">
-        <a:alpha val="90000"/>
-        <a:tint val="40000"/>
-      </a:schemeClr>
-    </dgm:linClrLst>
-    <dgm:effectClrLst/>
-    <dgm:txLinClrLst/>
-    <dgm:txFillClrLst meth="repeat">
-      <a:schemeClr val="dk1"/>
-    </dgm:txFillClrLst>
-    <dgm:txEffectClrLst/>
-  </dgm:styleLbl>
-  <dgm:styleLbl name="fgAcc0">
-    <dgm:fillClrLst meth="repeat">
-      <a:schemeClr val="lt1">
-        <a:alpha val="90000"/>
-      </a:schemeClr>
-    </dgm:fillClrLst>
-    <dgm:linClrLst meth="repeat">
-      <a:schemeClr val="accent5"/>
-    </dgm:linClrLst>
-    <dgm:effectClrLst/>
-    <dgm:txLinClrLst/>
-    <dgm:txFillClrLst meth="repeat">
-      <a:schemeClr val="dk1"/>
-    </dgm:txFillClrLst>
-    <dgm:txEffectClrLst/>
-  </dgm:styleLbl>
-  <dgm:styleLbl name="fgAcc2">
-    <dgm:fillClrLst meth="repeat">
-      <a:schemeClr val="lt1">
-        <a:alpha val="90000"/>
-      </a:schemeClr>
-    </dgm:fillClrLst>
-    <dgm:linClrLst meth="repeat">
-      <a:schemeClr val="accent5"/>
-    </dgm:linClrLst>
-    <dgm:effectClrLst/>
-    <dgm:txLinClrLst/>
-    <dgm:txFillClrLst meth="repeat">
-      <a:schemeClr val="dk1"/>
-    </dgm:txFillClrLst>
-    <dgm:txEffectClrLst/>
-  </dgm:styleLbl>
-  <dgm:styleLbl name="fgAcc3">
-    <dgm:fillClrLst meth="repeat">
-      <a:schemeClr val="lt1">
-        <a:alpha val="90000"/>
-      </a:schemeClr>
-    </dgm:fillClrLst>
-    <dgm:linClrLst meth="repeat">
-      <a:schemeClr val="accent5"/>
-    </dgm:linClrLst>
-    <dgm:effectClrLst/>
-    <dgm:txLinClrLst/>
-    <dgm:txFillClrLst meth="repeat">
-      <a:schemeClr val="dk1"/>
-    </dgm:txFillClrLst>
-    <dgm:txEffectClrLst/>
-  </dgm:styleLbl>
-  <dgm:styleLbl name="fgAcc4">
-    <dgm:fillClrLst meth="repeat">
-      <a:schemeClr val="lt1">
-        <a:alpha val="90000"/>
-      </a:schemeClr>
-    </dgm:fillClrLst>
-    <dgm:linClrLst meth="repeat">
-      <a:schemeClr val="accent5"/>
-    </dgm:linClrLst>
-    <dgm:effectClrLst/>
-    <dgm:txLinClrLst/>
-    <dgm:txFillClrLst meth="repeat">
-      <a:schemeClr val="dk1"/>
-    </dgm:txFillClrLst>
-    <dgm:txEffectClrLst/>
-  </dgm:styleLbl>
-  <dgm:styleLbl name="bgShp">
-    <dgm:fillClrLst meth="repeat">
-      <a:schemeClr val="accent5">
-        <a:tint val="40000"/>
-      </a:schemeClr>
-    </dgm:fillClrLst>
-    <dgm:linClrLst meth="repeat">
-      <a:schemeClr val="accent5"/>
-    </dgm:linClrLst>
-    <dgm:effectClrLst/>
-    <dgm:txLinClrLst/>
-    <dgm:txFillClrLst meth="repeat">
-      <a:schemeClr val="dk1"/>
-    </dgm:txFillClrLst>
-    <dgm:txEffectClrLst/>
-  </dgm:styleLbl>
-  <dgm:styleLbl name="dkBgShp">
-    <dgm:fillClrLst meth="repeat">
-      <a:schemeClr val="accent5">
-        <a:shade val="80000"/>
-      </a:schemeClr>
-    </dgm:fillClrLst>
-    <dgm:linClrLst meth="repeat">
-      <a:schemeClr val="accent5"/>
-    </dgm:linClrLst>
-    <dgm:effectClrLst/>
-    <dgm:txLinClrLst/>
-    <dgm:txFillClrLst meth="repeat">
-      <a:schemeClr val="lt1"/>
-    </dgm:txFillClrLst>
-    <dgm:txEffectClrLst/>
-  </dgm:styleLbl>
-  <dgm:styleLbl name="trBgShp">
-    <dgm:fillClrLst meth="repeat">
-      <a:schemeClr val="accent5">
-        <a:tint val="50000"/>
-        <a:alpha val="40000"/>
-      </a:schemeClr>
-    </dgm:fillClrLst>
-    <dgm:linClrLst meth="repeat">
-      <a:schemeClr val="accent5"/>
-    </dgm:linClrLst>
-    <dgm:effectClrLst/>
-    <dgm:txLinClrLst/>
-    <dgm:txFillClrLst meth="repeat">
-      <a:schemeClr val="lt1"/>
-    </dgm:txFillClrLst>
-    <dgm:txEffectClrLst/>
-  </dgm:styleLbl>
-  <dgm:styleLbl name="fgShp">
-    <dgm:fillClrLst meth="repeat">
-      <a:schemeClr val="accent5">
-        <a:tint val="60000"/>
-      </a:schemeClr>
-    </dgm:fillClrLst>
-    <dgm:linClrLst meth="repeat">
-      <a:schemeClr val="lt1"/>
-    </dgm:linClrLst>
-    <dgm:effectClrLst/>
-    <dgm:txLinClrLst/>
-    <dgm:txFillClrLst meth="repeat">
-      <a:schemeClr val="dk1"/>
-    </dgm:txFillClrLst>
-    <dgm:txEffectClrLst/>
-  </dgm:styleLbl>
-  <dgm:styleLbl name="revTx">
-    <dgm:fillClrLst meth="repeat">
-      <a:schemeClr val="lt1">
-        <a:alpha val="0"/>
-      </a:schemeClr>
-    </dgm:fillClrLst>
-    <dgm:linClrLst meth="repeat">
-      <a:schemeClr val="dk1">
-        <a:alpha val="0"/>
-      </a:schemeClr>
-    </dgm:linClrLst>
-    <dgm:effectClrLst/>
-    <dgm:txLinClrLst/>
-    <dgm:txFillClrLst meth="repeat">
-      <a:schemeClr val="tx1"/>
-    </dgm:txFillClrLst>
-    <dgm:txEffectClrLst/>
-  </dgm:styleLbl>
-</dgm:colorsDef>
-</file>
-
-<file path=ppt/diagrams/colors4.xml><?xml version="1.0" encoding="utf-8"?>
 <dgm:colorsDef xmlns:dgm="http://schemas.openxmlformats.org/drawingml/2006/diagram" xmlns:a="http://schemas.openxmlformats.org/drawingml/2006/main" uniqueId="urn:microsoft.com/office/officeart/2005/8/colors/accent5_2">
   <dgm:title val=""/>
   <dgm:desc val=""/>
@@ -4050,251 +3302,6 @@
     <dgm:cxn modelId="{20C8BD41-1B22-4916-963F-63DAE1F51A36}" type="presParOf" srcId="{072093CA-5D1E-4B94-8AAB-FF1A85DF74C3}" destId="{7B1CA89A-4E2B-4647-8BF1-66F678720538}" srcOrd="1" destOrd="0" presId="urn:microsoft.com/office/officeart/2005/8/layout/list1"/>
     <dgm:cxn modelId="{02D40C6C-7C81-443A-8396-32DFE714B7CC}" type="presParOf" srcId="{8B3F9475-6282-469E-BEDA-116921A94B8E}" destId="{B278260F-E2D8-4B63-975E-D028CF824E27}" srcOrd="13" destOrd="0" presId="urn:microsoft.com/office/officeart/2005/8/layout/list1"/>
     <dgm:cxn modelId="{DE5C6FF8-563E-406C-92D3-1AD224FEED0D}" type="presParOf" srcId="{8B3F9475-6282-469E-BEDA-116921A94B8E}" destId="{4DD8C201-6214-47E0-92B8-D6FF64E3513C}" srcOrd="14" destOrd="0" presId="urn:microsoft.com/office/officeart/2005/8/layout/list1"/>
-  </dgm:cxnLst>
-  <dgm:bg/>
-  <dgm:whole/>
-  <dgm:extLst>
-    <a:ext uri="http://schemas.microsoft.com/office/drawing/2008/diagram">
-      <dsp:dataModelExt xmlns:dsp="http://schemas.microsoft.com/office/drawing/2008/diagram" relId="rId6" minVer="http://schemas.openxmlformats.org/drawingml/2006/diagram"/>
-    </a:ext>
-  </dgm:extLst>
-</dgm:dataModel>
-</file>
-
-<file path=ppt/diagrams/data4.xml><?xml version="1.0" encoding="utf-8"?>
-<dgm:dataModel xmlns:dgm="http://schemas.openxmlformats.org/drawingml/2006/diagram" xmlns:a="http://schemas.openxmlformats.org/drawingml/2006/main">
-  <dgm:ptLst>
-    <dgm:pt modelId="{4931F217-40CB-4BF6-8010-8DD9FDA5DCC3}" type="doc">
-      <dgm:prSet loTypeId="urn:microsoft.com/office/officeart/2008/layout/VerticalCurvedList" loCatId="list" qsTypeId="urn:microsoft.com/office/officeart/2005/8/quickstyle/3d2" qsCatId="3D" csTypeId="urn:microsoft.com/office/officeart/2005/8/colors/accent5_2" csCatId="accent5" phldr="1"/>
-      <dgm:spPr/>
-      <dgm:t>
-        <a:bodyPr/>
-        <a:lstStyle/>
-        <a:p>
-          <a:endParaRPr lang="en-US"/>
-        </a:p>
-      </dgm:t>
-    </dgm:pt>
-    <dgm:pt modelId="{0855DB69-0FC4-4564-B924-06704F819632}">
-      <dgm:prSet/>
-      <dgm:spPr/>
-      <dgm:t>
-        <a:bodyPr/>
-        <a:lstStyle/>
-        <a:p>
-          <a:r>
-            <a:rPr lang="en-US" b="1" dirty="0"/>
-            <a:t>Mobile/web application.</a:t>
-          </a:r>
-        </a:p>
-        <a:p>
-          <a:endParaRPr lang="en-US" dirty="0"/>
-        </a:p>
-      </dgm:t>
-    </dgm:pt>
-    <dgm:pt modelId="{1E05B3B6-9C71-40F1-9D4F-BE20EFF2C0A8}" type="parTrans" cxnId="{D3B58A46-F7D5-470D-A09A-FEE89BBCC95E}">
-      <dgm:prSet/>
-      <dgm:spPr/>
-      <dgm:t>
-        <a:bodyPr/>
-        <a:lstStyle/>
-        <a:p>
-          <a:endParaRPr lang="en-US"/>
-        </a:p>
-      </dgm:t>
-    </dgm:pt>
-    <dgm:pt modelId="{18E6F4B5-FA80-47D1-86FD-7717400A823F}" type="sibTrans" cxnId="{D3B58A46-F7D5-470D-A09A-FEE89BBCC95E}">
-      <dgm:prSet/>
-      <dgm:spPr/>
-      <dgm:t>
-        <a:bodyPr/>
-        <a:lstStyle/>
-        <a:p>
-          <a:endParaRPr lang="en-US"/>
-        </a:p>
-      </dgm:t>
-    </dgm:pt>
-    <dgm:pt modelId="{EC2CA2E2-C2D7-4F9A-ADD3-E6FF01734418}">
-      <dgm:prSet/>
-      <dgm:spPr/>
-      <dgm:t>
-        <a:bodyPr/>
-        <a:lstStyle/>
-        <a:p>
-          <a:r>
-            <a:rPr lang="en-US" b="1"/>
-            <a:t>Transferring money easily.</a:t>
-          </a:r>
-          <a:endParaRPr lang="en-US"/>
-        </a:p>
-      </dgm:t>
-    </dgm:pt>
-    <dgm:pt modelId="{423E0B5B-13A3-45F9-9190-574047DF30D9}" type="parTrans" cxnId="{16AEDE48-0A76-4B4C-9C91-71E485F25DB4}">
-      <dgm:prSet/>
-      <dgm:spPr/>
-      <dgm:t>
-        <a:bodyPr/>
-        <a:lstStyle/>
-        <a:p>
-          <a:endParaRPr lang="en-US"/>
-        </a:p>
-      </dgm:t>
-    </dgm:pt>
-    <dgm:pt modelId="{214AC8F8-563C-4C49-A3CB-2EFCE18FFF2B}" type="sibTrans" cxnId="{16AEDE48-0A76-4B4C-9C91-71E485F25DB4}">
-      <dgm:prSet/>
-      <dgm:spPr/>
-      <dgm:t>
-        <a:bodyPr/>
-        <a:lstStyle/>
-        <a:p>
-          <a:endParaRPr lang="en-US"/>
-        </a:p>
-      </dgm:t>
-    </dgm:pt>
-    <dgm:pt modelId="{7D10D501-F560-447E-B5E0-8F6332D47932}">
-      <dgm:prSet/>
-      <dgm:spPr/>
-      <dgm:t>
-        <a:bodyPr/>
-        <a:lstStyle/>
-        <a:p>
-          <a:r>
-            <a:rPr lang="en-US" b="1" dirty="0"/>
-            <a:t>Making sure if user A and user C transferred money to user B at the same time, User be must revive the transferred amount correctly. This will be done by provider and consumer. </a:t>
-          </a:r>
-          <a:endParaRPr lang="en-US" dirty="0"/>
-        </a:p>
-      </dgm:t>
-    </dgm:pt>
-    <dgm:pt modelId="{BB13FE6A-F6BB-4846-AC0F-C55E84C8B6D9}" type="parTrans" cxnId="{AC15A39A-4CE8-4229-B622-38A317A1C888}">
-      <dgm:prSet/>
-      <dgm:spPr/>
-      <dgm:t>
-        <a:bodyPr/>
-        <a:lstStyle/>
-        <a:p>
-          <a:endParaRPr lang="en-US"/>
-        </a:p>
-      </dgm:t>
-    </dgm:pt>
-    <dgm:pt modelId="{7CB72829-DD73-415E-89F1-8BE50592F7B7}" type="sibTrans" cxnId="{AC15A39A-4CE8-4229-B622-38A317A1C888}">
-      <dgm:prSet/>
-      <dgm:spPr/>
-      <dgm:t>
-        <a:bodyPr/>
-        <a:lstStyle/>
-        <a:p>
-          <a:endParaRPr lang="en-US"/>
-        </a:p>
-      </dgm:t>
-    </dgm:pt>
-    <dgm:pt modelId="{E4C95E0D-9305-4E72-9FCF-BB2C54962C04}" type="pres">
-      <dgm:prSet presAssocID="{4931F217-40CB-4BF6-8010-8DD9FDA5DCC3}" presName="Name0" presStyleCnt="0">
-        <dgm:presLayoutVars>
-          <dgm:chMax val="7"/>
-          <dgm:chPref val="7"/>
-          <dgm:dir/>
-        </dgm:presLayoutVars>
-      </dgm:prSet>
-      <dgm:spPr/>
-    </dgm:pt>
-    <dgm:pt modelId="{92CE816A-8F9F-4269-A370-686D9B3EF1B4}" type="pres">
-      <dgm:prSet presAssocID="{4931F217-40CB-4BF6-8010-8DD9FDA5DCC3}" presName="Name1" presStyleCnt="0"/>
-      <dgm:spPr/>
-    </dgm:pt>
-    <dgm:pt modelId="{0961B9A3-738E-4570-BB5B-AE7ED608A2AE}" type="pres">
-      <dgm:prSet presAssocID="{4931F217-40CB-4BF6-8010-8DD9FDA5DCC3}" presName="cycle" presStyleCnt="0"/>
-      <dgm:spPr/>
-    </dgm:pt>
-    <dgm:pt modelId="{D854D04D-D3A4-4DF1-A9D3-D197D55B0FDC}" type="pres">
-      <dgm:prSet presAssocID="{4931F217-40CB-4BF6-8010-8DD9FDA5DCC3}" presName="srcNode" presStyleLbl="node1" presStyleIdx="0" presStyleCnt="3"/>
-      <dgm:spPr/>
-    </dgm:pt>
-    <dgm:pt modelId="{088CF301-09D6-4A16-B32D-91F11EB7C62E}" type="pres">
-      <dgm:prSet presAssocID="{4931F217-40CB-4BF6-8010-8DD9FDA5DCC3}" presName="conn" presStyleLbl="parChTrans1D2" presStyleIdx="0" presStyleCnt="1"/>
-      <dgm:spPr/>
-    </dgm:pt>
-    <dgm:pt modelId="{DFB003D9-E3E7-47EA-AB14-0CCE09B0801E}" type="pres">
-      <dgm:prSet presAssocID="{4931F217-40CB-4BF6-8010-8DD9FDA5DCC3}" presName="extraNode" presStyleLbl="node1" presStyleIdx="0" presStyleCnt="3"/>
-      <dgm:spPr/>
-    </dgm:pt>
-    <dgm:pt modelId="{7DBEB0CB-6B4B-4058-BB62-367836C342EA}" type="pres">
-      <dgm:prSet presAssocID="{4931F217-40CB-4BF6-8010-8DD9FDA5DCC3}" presName="dstNode" presStyleLbl="node1" presStyleIdx="0" presStyleCnt="3"/>
-      <dgm:spPr/>
-    </dgm:pt>
-    <dgm:pt modelId="{7099B0B8-7C9E-4767-A00A-681A7F58FFC1}" type="pres">
-      <dgm:prSet presAssocID="{0855DB69-0FC4-4564-B924-06704F819632}" presName="text_1" presStyleLbl="node1" presStyleIdx="0" presStyleCnt="3" custLinFactNeighborX="527">
-        <dgm:presLayoutVars>
-          <dgm:bulletEnabled val="1"/>
-        </dgm:presLayoutVars>
-      </dgm:prSet>
-      <dgm:spPr/>
-    </dgm:pt>
-    <dgm:pt modelId="{135900D0-221A-45BA-A506-FD0A3779B05A}" type="pres">
-      <dgm:prSet presAssocID="{0855DB69-0FC4-4564-B924-06704F819632}" presName="accent_1" presStyleCnt="0"/>
-      <dgm:spPr/>
-    </dgm:pt>
-    <dgm:pt modelId="{6C794A1B-1AFD-4DE2-9578-15A8D475010D}" type="pres">
-      <dgm:prSet presAssocID="{0855DB69-0FC4-4564-B924-06704F819632}" presName="accentRepeatNode" presStyleLbl="solidFgAcc1" presStyleIdx="0" presStyleCnt="3"/>
-      <dgm:spPr/>
-    </dgm:pt>
-    <dgm:pt modelId="{FB5DA472-AD7A-4FB2-B136-E7A14D258EA8}" type="pres">
-      <dgm:prSet presAssocID="{EC2CA2E2-C2D7-4F9A-ADD3-E6FF01734418}" presName="text_2" presStyleLbl="node1" presStyleIdx="1" presStyleCnt="3">
-        <dgm:presLayoutVars>
-          <dgm:bulletEnabled val="1"/>
-        </dgm:presLayoutVars>
-      </dgm:prSet>
-      <dgm:spPr/>
-    </dgm:pt>
-    <dgm:pt modelId="{B3D98978-26EC-4498-898D-8F3BB7A290E9}" type="pres">
-      <dgm:prSet presAssocID="{EC2CA2E2-C2D7-4F9A-ADD3-E6FF01734418}" presName="accent_2" presStyleCnt="0"/>
-      <dgm:spPr/>
-    </dgm:pt>
-    <dgm:pt modelId="{244E4A11-E9CB-415A-BBD4-50DBE4F193C3}" type="pres">
-      <dgm:prSet presAssocID="{EC2CA2E2-C2D7-4F9A-ADD3-E6FF01734418}" presName="accentRepeatNode" presStyleLbl="solidFgAcc1" presStyleIdx="1" presStyleCnt="3"/>
-      <dgm:spPr/>
-    </dgm:pt>
-    <dgm:pt modelId="{1B679761-16F9-4F95-B739-C7C4989B1A87}" type="pres">
-      <dgm:prSet presAssocID="{7D10D501-F560-447E-B5E0-8F6332D47932}" presName="text_3" presStyleLbl="node1" presStyleIdx="2" presStyleCnt="3" custLinFactNeighborX="2287" custLinFactNeighborY="0">
-        <dgm:presLayoutVars>
-          <dgm:bulletEnabled val="1"/>
-        </dgm:presLayoutVars>
-      </dgm:prSet>
-      <dgm:spPr/>
-    </dgm:pt>
-    <dgm:pt modelId="{0C0EFDD9-0B2E-40F8-94AA-974053A4E9FD}" type="pres">
-      <dgm:prSet presAssocID="{7D10D501-F560-447E-B5E0-8F6332D47932}" presName="accent_3" presStyleCnt="0"/>
-      <dgm:spPr/>
-    </dgm:pt>
-    <dgm:pt modelId="{649FBD9E-2486-47A7-9FC4-48B945AE165A}" type="pres">
-      <dgm:prSet presAssocID="{7D10D501-F560-447E-B5E0-8F6332D47932}" presName="accentRepeatNode" presStyleLbl="solidFgAcc1" presStyleIdx="2" presStyleCnt="3"/>
-      <dgm:spPr/>
-    </dgm:pt>
-  </dgm:ptLst>
-  <dgm:cxnLst>
-    <dgm:cxn modelId="{08CCDA12-5DD1-40C0-B480-AF57DAEB1DA5}" type="presOf" srcId="{EC2CA2E2-C2D7-4F9A-ADD3-E6FF01734418}" destId="{FB5DA472-AD7A-4FB2-B136-E7A14D258EA8}" srcOrd="0" destOrd="0" presId="urn:microsoft.com/office/officeart/2008/layout/VerticalCurvedList"/>
-    <dgm:cxn modelId="{EDB06916-3389-4CB6-9502-74D9AFAEBFDB}" type="presOf" srcId="{0855DB69-0FC4-4564-B924-06704F819632}" destId="{7099B0B8-7C9E-4767-A00A-681A7F58FFC1}" srcOrd="0" destOrd="0" presId="urn:microsoft.com/office/officeart/2008/layout/VerticalCurvedList"/>
-    <dgm:cxn modelId="{D3B58A46-F7D5-470D-A09A-FEE89BBCC95E}" srcId="{4931F217-40CB-4BF6-8010-8DD9FDA5DCC3}" destId="{0855DB69-0FC4-4564-B924-06704F819632}" srcOrd="0" destOrd="0" parTransId="{1E05B3B6-9C71-40F1-9D4F-BE20EFF2C0A8}" sibTransId="{18E6F4B5-FA80-47D1-86FD-7717400A823F}"/>
-    <dgm:cxn modelId="{16AEDE48-0A76-4B4C-9C91-71E485F25DB4}" srcId="{4931F217-40CB-4BF6-8010-8DD9FDA5DCC3}" destId="{EC2CA2E2-C2D7-4F9A-ADD3-E6FF01734418}" srcOrd="1" destOrd="0" parTransId="{423E0B5B-13A3-45F9-9190-574047DF30D9}" sibTransId="{214AC8F8-563C-4C49-A3CB-2EFCE18FFF2B}"/>
-    <dgm:cxn modelId="{304A7E6D-56C4-4615-9242-041AA3331425}" type="presOf" srcId="{7D10D501-F560-447E-B5E0-8F6332D47932}" destId="{1B679761-16F9-4F95-B739-C7C4989B1A87}" srcOrd="0" destOrd="0" presId="urn:microsoft.com/office/officeart/2008/layout/VerticalCurvedList"/>
-    <dgm:cxn modelId="{CA90037C-FB18-4D54-8BAC-5978D983B1A6}" type="presOf" srcId="{18E6F4B5-FA80-47D1-86FD-7717400A823F}" destId="{088CF301-09D6-4A16-B32D-91F11EB7C62E}" srcOrd="0" destOrd="0" presId="urn:microsoft.com/office/officeart/2008/layout/VerticalCurvedList"/>
-    <dgm:cxn modelId="{262AF995-7C87-44F3-AEFA-2E537C5B03E3}" type="presOf" srcId="{4931F217-40CB-4BF6-8010-8DD9FDA5DCC3}" destId="{E4C95E0D-9305-4E72-9FCF-BB2C54962C04}" srcOrd="0" destOrd="0" presId="urn:microsoft.com/office/officeart/2008/layout/VerticalCurvedList"/>
-    <dgm:cxn modelId="{AC15A39A-4CE8-4229-B622-38A317A1C888}" srcId="{4931F217-40CB-4BF6-8010-8DD9FDA5DCC3}" destId="{7D10D501-F560-447E-B5E0-8F6332D47932}" srcOrd="2" destOrd="0" parTransId="{BB13FE6A-F6BB-4846-AC0F-C55E84C8B6D9}" sibTransId="{7CB72829-DD73-415E-89F1-8BE50592F7B7}"/>
-    <dgm:cxn modelId="{AD97C22B-6213-4B6F-8EB2-1A7FADFBF713}" type="presParOf" srcId="{E4C95E0D-9305-4E72-9FCF-BB2C54962C04}" destId="{92CE816A-8F9F-4269-A370-686D9B3EF1B4}" srcOrd="0" destOrd="0" presId="urn:microsoft.com/office/officeart/2008/layout/VerticalCurvedList"/>
-    <dgm:cxn modelId="{602BE288-9000-4CD8-BB6E-FB672B8B9245}" type="presParOf" srcId="{92CE816A-8F9F-4269-A370-686D9B3EF1B4}" destId="{0961B9A3-738E-4570-BB5B-AE7ED608A2AE}" srcOrd="0" destOrd="0" presId="urn:microsoft.com/office/officeart/2008/layout/VerticalCurvedList"/>
-    <dgm:cxn modelId="{BEEEE5B6-5B0D-41BD-95B9-DDE0BA8C5F04}" type="presParOf" srcId="{0961B9A3-738E-4570-BB5B-AE7ED608A2AE}" destId="{D854D04D-D3A4-4DF1-A9D3-D197D55B0FDC}" srcOrd="0" destOrd="0" presId="urn:microsoft.com/office/officeart/2008/layout/VerticalCurvedList"/>
-    <dgm:cxn modelId="{AFC599CD-F770-4A65-8D9B-042E41E802C3}" type="presParOf" srcId="{0961B9A3-738E-4570-BB5B-AE7ED608A2AE}" destId="{088CF301-09D6-4A16-B32D-91F11EB7C62E}" srcOrd="1" destOrd="0" presId="urn:microsoft.com/office/officeart/2008/layout/VerticalCurvedList"/>
-    <dgm:cxn modelId="{20E3985D-B611-4975-8974-DECB729E3A70}" type="presParOf" srcId="{0961B9A3-738E-4570-BB5B-AE7ED608A2AE}" destId="{DFB003D9-E3E7-47EA-AB14-0CCE09B0801E}" srcOrd="2" destOrd="0" presId="urn:microsoft.com/office/officeart/2008/layout/VerticalCurvedList"/>
-    <dgm:cxn modelId="{F6AA6F4C-3617-44FC-9B82-5F93B8B7DFF2}" type="presParOf" srcId="{0961B9A3-738E-4570-BB5B-AE7ED608A2AE}" destId="{7DBEB0CB-6B4B-4058-BB62-367836C342EA}" srcOrd="3" destOrd="0" presId="urn:microsoft.com/office/officeart/2008/layout/VerticalCurvedList"/>
-    <dgm:cxn modelId="{62BA1B1B-DDA1-4BA4-8160-AFA001A55072}" type="presParOf" srcId="{92CE816A-8F9F-4269-A370-686D9B3EF1B4}" destId="{7099B0B8-7C9E-4767-A00A-681A7F58FFC1}" srcOrd="1" destOrd="0" presId="urn:microsoft.com/office/officeart/2008/layout/VerticalCurvedList"/>
-    <dgm:cxn modelId="{B3057D8A-5E29-4DFF-8B80-8919C62C53A1}" type="presParOf" srcId="{92CE816A-8F9F-4269-A370-686D9B3EF1B4}" destId="{135900D0-221A-45BA-A506-FD0A3779B05A}" srcOrd="2" destOrd="0" presId="urn:microsoft.com/office/officeart/2008/layout/VerticalCurvedList"/>
-    <dgm:cxn modelId="{1147FB96-6C7A-4EF4-96F5-452747FFADC2}" type="presParOf" srcId="{135900D0-221A-45BA-A506-FD0A3779B05A}" destId="{6C794A1B-1AFD-4DE2-9578-15A8D475010D}" srcOrd="0" destOrd="0" presId="urn:microsoft.com/office/officeart/2008/layout/VerticalCurvedList"/>
-    <dgm:cxn modelId="{FE2AFCF4-69B7-4923-88D3-4239AAE45F08}" type="presParOf" srcId="{92CE816A-8F9F-4269-A370-686D9B3EF1B4}" destId="{FB5DA472-AD7A-4FB2-B136-E7A14D258EA8}" srcOrd="3" destOrd="0" presId="urn:microsoft.com/office/officeart/2008/layout/VerticalCurvedList"/>
-    <dgm:cxn modelId="{4EA8173A-EB44-430D-B26A-0ABCC1040E83}" type="presParOf" srcId="{92CE816A-8F9F-4269-A370-686D9B3EF1B4}" destId="{B3D98978-26EC-4498-898D-8F3BB7A290E9}" srcOrd="4" destOrd="0" presId="urn:microsoft.com/office/officeart/2008/layout/VerticalCurvedList"/>
-    <dgm:cxn modelId="{9B79B61B-076F-4716-B5F3-023806156705}" type="presParOf" srcId="{B3D98978-26EC-4498-898D-8F3BB7A290E9}" destId="{244E4A11-E9CB-415A-BBD4-50DBE4F193C3}" srcOrd="0" destOrd="0" presId="urn:microsoft.com/office/officeart/2008/layout/VerticalCurvedList"/>
-    <dgm:cxn modelId="{78E57838-022E-4B72-BC4F-A8B585C20D2D}" type="presParOf" srcId="{92CE816A-8F9F-4269-A370-686D9B3EF1B4}" destId="{1B679761-16F9-4F95-B739-C7C4989B1A87}" srcOrd="5" destOrd="0" presId="urn:microsoft.com/office/officeart/2008/layout/VerticalCurvedList"/>
-    <dgm:cxn modelId="{6C43E19F-51A8-4172-AB22-95261D79FC95}" type="presParOf" srcId="{92CE816A-8F9F-4269-A370-686D9B3EF1B4}" destId="{0C0EFDD9-0B2E-40F8-94AA-974053A4E9FD}" srcOrd="6" destOrd="0" presId="urn:microsoft.com/office/officeart/2008/layout/VerticalCurvedList"/>
-    <dgm:cxn modelId="{B5411685-FA67-419E-B5E8-649B64B65964}" type="presParOf" srcId="{0C0EFDD9-0B2E-40F8-94AA-974053A4E9FD}" destId="{649FBD9E-2486-47A7-9FC4-48B945AE165A}" srcOrd="0" destOrd="0" presId="urn:microsoft.com/office/officeart/2008/layout/VerticalCurvedList"/>
   </dgm:cxnLst>
   <dgm:bg/>
   <dgm:whole/>
@@ -6195,619 +5202,6 @@
 </dsp:drawing>
 </file>
 
-<file path=ppt/diagrams/drawing4.xml><?xml version="1.0" encoding="utf-8"?>
-<dsp:drawing xmlns:dgm="http://schemas.openxmlformats.org/drawingml/2006/diagram" xmlns:dsp="http://schemas.microsoft.com/office/drawing/2008/diagram" xmlns:a="http://schemas.openxmlformats.org/drawingml/2006/main">
-  <dsp:spTree>
-    <dsp:nvGrpSpPr>
-      <dsp:cNvPr id="0" name=""/>
-      <dsp:cNvGrpSpPr/>
-    </dsp:nvGrpSpPr>
-    <dsp:grpSpPr/>
-    <dsp:sp modelId="{088CF301-09D6-4A16-B32D-91F11EB7C62E}">
-      <dsp:nvSpPr>
-        <dsp:cNvPr id="0" name=""/>
-        <dsp:cNvSpPr/>
-      </dsp:nvSpPr>
-      <dsp:spPr>
-        <a:xfrm>
-          <a:off x="-5697514" y="-872280"/>
-          <a:ext cx="6784560" cy="6784560"/>
-        </a:xfrm>
-        <a:prstGeom prst="blockArc">
-          <a:avLst>
-            <a:gd name="adj1" fmla="val 18900000"/>
-            <a:gd name="adj2" fmla="val 2700000"/>
-            <a:gd name="adj3" fmla="val 318"/>
-          </a:avLst>
-        </a:prstGeom>
-        <a:noFill/>
-        <a:ln w="25400" cap="flat" cmpd="sng" algn="ctr">
-          <a:solidFill>
-            <a:schemeClr val="accent5">
-              <a:shade val="60000"/>
-              <a:hueOff val="0"/>
-              <a:satOff val="0"/>
-              <a:lumOff val="0"/>
-              <a:alphaOff val="0"/>
-            </a:schemeClr>
-          </a:solidFill>
-          <a:prstDash val="solid"/>
-          <a:miter/>
-        </a:ln>
-        <a:effectLst/>
-        <a:scene3d>
-          <a:camera prst="orthographicFront"/>
-          <a:lightRig rig="threePt" dir="t">
-            <a:rot lat="0" lon="0" rev="7500000"/>
-          </a:lightRig>
-        </a:scene3d>
-        <a:sp3d z="-40000" prstMaterial="matte"/>
-      </dsp:spPr>
-      <dsp:style>
-        <a:lnRef idx="2">
-          <a:scrgbClr r="0" g="0" b="0"/>
-        </a:lnRef>
-        <a:fillRef idx="0">
-          <a:scrgbClr r="0" g="0" b="0"/>
-        </a:fillRef>
-        <a:effectRef idx="0">
-          <a:scrgbClr r="0" g="0" b="0"/>
-        </a:effectRef>
-        <a:fontRef idx="minor"/>
-      </dsp:style>
-    </dsp:sp>
-    <dsp:sp modelId="{7099B0B8-7C9E-4767-A00A-681A7F58FFC1}">
-      <dsp:nvSpPr>
-        <dsp:cNvPr id="0" name=""/>
-        <dsp:cNvSpPr/>
-      </dsp:nvSpPr>
-      <dsp:spPr>
-        <a:xfrm>
-          <a:off x="744826" y="504000"/>
-          <a:ext cx="8590896" cy="1008000"/>
-        </a:xfrm>
-        <a:prstGeom prst="rect">
-          <a:avLst/>
-        </a:prstGeom>
-        <a:gradFill rotWithShape="0">
-          <a:gsLst>
-            <a:gs pos="0">
-              <a:schemeClr val="accent5">
-                <a:hueOff val="0"/>
-                <a:satOff val="0"/>
-                <a:lumOff val="0"/>
-                <a:alphaOff val="0"/>
-                <a:shade val="51000"/>
-                <a:satMod val="130000"/>
-              </a:schemeClr>
-            </a:gs>
-            <a:gs pos="80000">
-              <a:schemeClr val="accent5">
-                <a:hueOff val="0"/>
-                <a:satOff val="0"/>
-                <a:lumOff val="0"/>
-                <a:alphaOff val="0"/>
-                <a:shade val="93000"/>
-                <a:satMod val="130000"/>
-              </a:schemeClr>
-            </a:gs>
-            <a:gs pos="100000">
-              <a:schemeClr val="accent5">
-                <a:hueOff val="0"/>
-                <a:satOff val="0"/>
-                <a:lumOff val="0"/>
-                <a:alphaOff val="0"/>
-                <a:shade val="94000"/>
-                <a:satMod val="135000"/>
-              </a:schemeClr>
-            </a:gs>
-          </a:gsLst>
-          <a:lin ang="16200000" scaled="0"/>
-        </a:gradFill>
-        <a:ln>
-          <a:noFill/>
-        </a:ln>
-        <a:effectLst>
-          <a:outerShdw blurRad="40000" dist="23000" dir="5400000" rotWithShape="0">
-            <a:srgbClr val="000000">
-              <a:alpha val="35000"/>
-            </a:srgbClr>
-          </a:outerShdw>
-        </a:effectLst>
-        <a:scene3d>
-          <a:camera prst="orthographicFront"/>
-          <a:lightRig rig="threePt" dir="t">
-            <a:rot lat="0" lon="0" rev="7500000"/>
-          </a:lightRig>
-        </a:scene3d>
-        <a:sp3d prstMaterial="plastic">
-          <a:bevelT w="127000" h="25400" prst="relaxedInset"/>
-        </a:sp3d>
-      </dsp:spPr>
-      <dsp:style>
-        <a:lnRef idx="0">
-          <a:scrgbClr r="0" g="0" b="0"/>
-        </a:lnRef>
-        <a:fillRef idx="3">
-          <a:scrgbClr r="0" g="0" b="0"/>
-        </a:fillRef>
-        <a:effectRef idx="2">
-          <a:scrgbClr r="0" g="0" b="0"/>
-        </a:effectRef>
-        <a:fontRef idx="minor">
-          <a:schemeClr val="lt1"/>
-        </a:fontRef>
-      </dsp:style>
-      <dsp:txBody>
-        <a:bodyPr spcFirstLastPara="0" vert="horz" wrap="square" lIns="800100" tIns="50800" rIns="50800" bIns="50800" numCol="1" spcCol="1270" anchor="ctr" anchorCtr="0">
-          <a:noAutofit/>
-        </a:bodyPr>
-        <a:lstStyle/>
-        <a:p>
-          <a:pPr marL="0" lvl="0" indent="0" algn="l" defTabSz="889000">
-            <a:lnSpc>
-              <a:spcPct val="90000"/>
-            </a:lnSpc>
-            <a:spcBef>
-              <a:spcPct val="0"/>
-            </a:spcBef>
-            <a:spcAft>
-              <a:spcPct val="35000"/>
-            </a:spcAft>
-            <a:buNone/>
-          </a:pPr>
-          <a:r>
-            <a:rPr lang="en-US" sz="2000" b="1" kern="1200" dirty="0"/>
-            <a:t>Mobile/web application.</a:t>
-          </a:r>
-        </a:p>
-        <a:p>
-          <a:pPr marL="0" lvl="0" indent="0" algn="l" defTabSz="889000">
-            <a:lnSpc>
-              <a:spcPct val="90000"/>
-            </a:lnSpc>
-            <a:spcBef>
-              <a:spcPct val="0"/>
-            </a:spcBef>
-            <a:spcAft>
-              <a:spcPct val="35000"/>
-            </a:spcAft>
-            <a:buNone/>
-          </a:pPr>
-          <a:endParaRPr lang="en-US" sz="2000" kern="1200" dirty="0"/>
-        </a:p>
-      </dsp:txBody>
-      <dsp:txXfrm>
-        <a:off x="744826" y="504000"/>
-        <a:ext cx="8590896" cy="1008000"/>
-      </dsp:txXfrm>
-    </dsp:sp>
-    <dsp:sp modelId="{6C794A1B-1AFD-4DE2-9578-15A8D475010D}">
-      <dsp:nvSpPr>
-        <dsp:cNvPr id="0" name=""/>
-        <dsp:cNvSpPr/>
-      </dsp:nvSpPr>
-      <dsp:spPr>
-        <a:xfrm>
-          <a:off x="69551" y="378000"/>
-          <a:ext cx="1260000" cy="1260000"/>
-        </a:xfrm>
-        <a:prstGeom prst="ellipse">
-          <a:avLst/>
-        </a:prstGeom>
-        <a:solidFill>
-          <a:schemeClr val="lt1">
-            <a:hueOff val="0"/>
-            <a:satOff val="0"/>
-            <a:lumOff val="0"/>
-            <a:alphaOff val="0"/>
-          </a:schemeClr>
-        </a:solidFill>
-        <a:ln w="9525" cap="flat" cmpd="sng" algn="ctr">
-          <a:solidFill>
-            <a:schemeClr val="accent5">
-              <a:hueOff val="0"/>
-              <a:satOff val="0"/>
-              <a:lumOff val="0"/>
-              <a:alphaOff val="0"/>
-            </a:schemeClr>
-          </a:solidFill>
-          <a:prstDash val="solid"/>
-          <a:miter/>
-        </a:ln>
-        <a:effectLst>
-          <a:outerShdw blurRad="40000" dist="23000" dir="5400000" rotWithShape="0">
-            <a:srgbClr val="000000">
-              <a:alpha val="35000"/>
-            </a:srgbClr>
-          </a:outerShdw>
-        </a:effectLst>
-        <a:scene3d>
-          <a:camera prst="orthographicFront"/>
-          <a:lightRig rig="threePt" dir="t">
-            <a:rot lat="0" lon="0" rev="7500000"/>
-          </a:lightRig>
-        </a:scene3d>
-        <a:sp3d z="152400" extrusionH="63500" prstMaterial="dkEdge">
-          <a:bevelT w="120800" h="19050" prst="relaxedInset"/>
-          <a:contourClr>
-            <a:schemeClr val="bg1"/>
-          </a:contourClr>
-        </a:sp3d>
-      </dsp:spPr>
-      <dsp:style>
-        <a:lnRef idx="1">
-          <a:scrgbClr r="0" g="0" b="0"/>
-        </a:lnRef>
-        <a:fillRef idx="1">
-          <a:scrgbClr r="0" g="0" b="0"/>
-        </a:fillRef>
-        <a:effectRef idx="2">
-          <a:scrgbClr r="0" g="0" b="0"/>
-        </a:effectRef>
-        <a:fontRef idx="minor"/>
-      </dsp:style>
-    </dsp:sp>
-    <dsp:sp modelId="{FB5DA472-AD7A-4FB2-B136-E7A14D258EA8}">
-      <dsp:nvSpPr>
-        <dsp:cNvPr id="0" name=""/>
-        <dsp:cNvSpPr/>
-      </dsp:nvSpPr>
-      <dsp:spPr>
-        <a:xfrm>
-          <a:off x="1065959" y="2016000"/>
-          <a:ext cx="8224488" cy="1008000"/>
-        </a:xfrm>
-        <a:prstGeom prst="rect">
-          <a:avLst/>
-        </a:prstGeom>
-        <a:gradFill rotWithShape="0">
-          <a:gsLst>
-            <a:gs pos="0">
-              <a:schemeClr val="accent5">
-                <a:hueOff val="0"/>
-                <a:satOff val="0"/>
-                <a:lumOff val="0"/>
-                <a:alphaOff val="0"/>
-                <a:shade val="51000"/>
-                <a:satMod val="130000"/>
-              </a:schemeClr>
-            </a:gs>
-            <a:gs pos="80000">
-              <a:schemeClr val="accent5">
-                <a:hueOff val="0"/>
-                <a:satOff val="0"/>
-                <a:lumOff val="0"/>
-                <a:alphaOff val="0"/>
-                <a:shade val="93000"/>
-                <a:satMod val="130000"/>
-              </a:schemeClr>
-            </a:gs>
-            <a:gs pos="100000">
-              <a:schemeClr val="accent5">
-                <a:hueOff val="0"/>
-                <a:satOff val="0"/>
-                <a:lumOff val="0"/>
-                <a:alphaOff val="0"/>
-                <a:shade val="94000"/>
-                <a:satMod val="135000"/>
-              </a:schemeClr>
-            </a:gs>
-          </a:gsLst>
-          <a:lin ang="16200000" scaled="0"/>
-        </a:gradFill>
-        <a:ln>
-          <a:noFill/>
-        </a:ln>
-        <a:effectLst>
-          <a:outerShdw blurRad="40000" dist="23000" dir="5400000" rotWithShape="0">
-            <a:srgbClr val="000000">
-              <a:alpha val="35000"/>
-            </a:srgbClr>
-          </a:outerShdw>
-        </a:effectLst>
-        <a:scene3d>
-          <a:camera prst="orthographicFront"/>
-          <a:lightRig rig="threePt" dir="t">
-            <a:rot lat="0" lon="0" rev="7500000"/>
-          </a:lightRig>
-        </a:scene3d>
-        <a:sp3d prstMaterial="plastic">
-          <a:bevelT w="127000" h="25400" prst="relaxedInset"/>
-        </a:sp3d>
-      </dsp:spPr>
-      <dsp:style>
-        <a:lnRef idx="0">
-          <a:scrgbClr r="0" g="0" b="0"/>
-        </a:lnRef>
-        <a:fillRef idx="3">
-          <a:scrgbClr r="0" g="0" b="0"/>
-        </a:fillRef>
-        <a:effectRef idx="2">
-          <a:scrgbClr r="0" g="0" b="0"/>
-        </a:effectRef>
-        <a:fontRef idx="minor">
-          <a:schemeClr val="lt1"/>
-        </a:fontRef>
-      </dsp:style>
-      <dsp:txBody>
-        <a:bodyPr spcFirstLastPara="0" vert="horz" wrap="square" lIns="800100" tIns="50800" rIns="50800" bIns="50800" numCol="1" spcCol="1270" anchor="ctr" anchorCtr="0">
-          <a:noAutofit/>
-        </a:bodyPr>
-        <a:lstStyle/>
-        <a:p>
-          <a:pPr marL="0" lvl="0" indent="0" algn="l" defTabSz="889000">
-            <a:lnSpc>
-              <a:spcPct val="90000"/>
-            </a:lnSpc>
-            <a:spcBef>
-              <a:spcPct val="0"/>
-            </a:spcBef>
-            <a:spcAft>
-              <a:spcPct val="35000"/>
-            </a:spcAft>
-            <a:buNone/>
-          </a:pPr>
-          <a:r>
-            <a:rPr lang="en-US" sz="2000" b="1" kern="1200"/>
-            <a:t>Transferring money easily.</a:t>
-          </a:r>
-          <a:endParaRPr lang="en-US" sz="2000" kern="1200"/>
-        </a:p>
-      </dsp:txBody>
-      <dsp:txXfrm>
-        <a:off x="1065959" y="2016000"/>
-        <a:ext cx="8224488" cy="1008000"/>
-      </dsp:txXfrm>
-    </dsp:sp>
-    <dsp:sp modelId="{244E4A11-E9CB-415A-BBD4-50DBE4F193C3}">
-      <dsp:nvSpPr>
-        <dsp:cNvPr id="0" name=""/>
-        <dsp:cNvSpPr/>
-      </dsp:nvSpPr>
-      <dsp:spPr>
-        <a:xfrm>
-          <a:off x="435959" y="1890000"/>
-          <a:ext cx="1260000" cy="1260000"/>
-        </a:xfrm>
-        <a:prstGeom prst="ellipse">
-          <a:avLst/>
-        </a:prstGeom>
-        <a:solidFill>
-          <a:schemeClr val="lt1">
-            <a:hueOff val="0"/>
-            <a:satOff val="0"/>
-            <a:lumOff val="0"/>
-            <a:alphaOff val="0"/>
-          </a:schemeClr>
-        </a:solidFill>
-        <a:ln w="9525" cap="flat" cmpd="sng" algn="ctr">
-          <a:solidFill>
-            <a:schemeClr val="accent5">
-              <a:hueOff val="0"/>
-              <a:satOff val="0"/>
-              <a:lumOff val="0"/>
-              <a:alphaOff val="0"/>
-            </a:schemeClr>
-          </a:solidFill>
-          <a:prstDash val="solid"/>
-          <a:miter/>
-        </a:ln>
-        <a:effectLst>
-          <a:outerShdw blurRad="40000" dist="23000" dir="5400000" rotWithShape="0">
-            <a:srgbClr val="000000">
-              <a:alpha val="35000"/>
-            </a:srgbClr>
-          </a:outerShdw>
-        </a:effectLst>
-        <a:scene3d>
-          <a:camera prst="orthographicFront"/>
-          <a:lightRig rig="threePt" dir="t">
-            <a:rot lat="0" lon="0" rev="7500000"/>
-          </a:lightRig>
-        </a:scene3d>
-        <a:sp3d z="152400" extrusionH="63500" prstMaterial="dkEdge">
-          <a:bevelT w="120800" h="19050" prst="relaxedInset"/>
-          <a:contourClr>
-            <a:schemeClr val="bg1"/>
-          </a:contourClr>
-        </a:sp3d>
-      </dsp:spPr>
-      <dsp:style>
-        <a:lnRef idx="1">
-          <a:scrgbClr r="0" g="0" b="0"/>
-        </a:lnRef>
-        <a:fillRef idx="1">
-          <a:scrgbClr r="0" g="0" b="0"/>
-        </a:fillRef>
-        <a:effectRef idx="2">
-          <a:scrgbClr r="0" g="0" b="0"/>
-        </a:effectRef>
-        <a:fontRef idx="minor"/>
-      </dsp:style>
-    </dsp:sp>
-    <dsp:sp modelId="{1B679761-16F9-4F95-B739-C7C4989B1A87}">
-      <dsp:nvSpPr>
-        <dsp:cNvPr id="0" name=""/>
-        <dsp:cNvSpPr/>
-      </dsp:nvSpPr>
-      <dsp:spPr>
-        <a:xfrm>
-          <a:off x="769104" y="3528000"/>
-          <a:ext cx="8590896" cy="1008000"/>
-        </a:xfrm>
-        <a:prstGeom prst="rect">
-          <a:avLst/>
-        </a:prstGeom>
-        <a:gradFill rotWithShape="0">
-          <a:gsLst>
-            <a:gs pos="0">
-              <a:schemeClr val="accent5">
-                <a:hueOff val="0"/>
-                <a:satOff val="0"/>
-                <a:lumOff val="0"/>
-                <a:alphaOff val="0"/>
-                <a:shade val="51000"/>
-                <a:satMod val="130000"/>
-              </a:schemeClr>
-            </a:gs>
-            <a:gs pos="80000">
-              <a:schemeClr val="accent5">
-                <a:hueOff val="0"/>
-                <a:satOff val="0"/>
-                <a:lumOff val="0"/>
-                <a:alphaOff val="0"/>
-                <a:shade val="93000"/>
-                <a:satMod val="130000"/>
-              </a:schemeClr>
-            </a:gs>
-            <a:gs pos="100000">
-              <a:schemeClr val="accent5">
-                <a:hueOff val="0"/>
-                <a:satOff val="0"/>
-                <a:lumOff val="0"/>
-                <a:alphaOff val="0"/>
-                <a:shade val="94000"/>
-                <a:satMod val="135000"/>
-              </a:schemeClr>
-            </a:gs>
-          </a:gsLst>
-          <a:lin ang="16200000" scaled="0"/>
-        </a:gradFill>
-        <a:ln>
-          <a:noFill/>
-        </a:ln>
-        <a:effectLst>
-          <a:outerShdw blurRad="40000" dist="23000" dir="5400000" rotWithShape="0">
-            <a:srgbClr val="000000">
-              <a:alpha val="35000"/>
-            </a:srgbClr>
-          </a:outerShdw>
-        </a:effectLst>
-        <a:scene3d>
-          <a:camera prst="orthographicFront"/>
-          <a:lightRig rig="threePt" dir="t">
-            <a:rot lat="0" lon="0" rev="7500000"/>
-          </a:lightRig>
-        </a:scene3d>
-        <a:sp3d prstMaterial="plastic">
-          <a:bevelT w="127000" h="25400" prst="relaxedInset"/>
-        </a:sp3d>
-      </dsp:spPr>
-      <dsp:style>
-        <a:lnRef idx="0">
-          <a:scrgbClr r="0" g="0" b="0"/>
-        </a:lnRef>
-        <a:fillRef idx="3">
-          <a:scrgbClr r="0" g="0" b="0"/>
-        </a:fillRef>
-        <a:effectRef idx="2">
-          <a:scrgbClr r="0" g="0" b="0"/>
-        </a:effectRef>
-        <a:fontRef idx="minor">
-          <a:schemeClr val="lt1"/>
-        </a:fontRef>
-      </dsp:style>
-      <dsp:txBody>
-        <a:bodyPr spcFirstLastPara="0" vert="horz" wrap="square" lIns="800100" tIns="50800" rIns="50800" bIns="50800" numCol="1" spcCol="1270" anchor="ctr" anchorCtr="0">
-          <a:noAutofit/>
-        </a:bodyPr>
-        <a:lstStyle/>
-        <a:p>
-          <a:pPr marL="0" lvl="0" indent="0" algn="l" defTabSz="889000">
-            <a:lnSpc>
-              <a:spcPct val="90000"/>
-            </a:lnSpc>
-            <a:spcBef>
-              <a:spcPct val="0"/>
-            </a:spcBef>
-            <a:spcAft>
-              <a:spcPct val="35000"/>
-            </a:spcAft>
-            <a:buNone/>
-          </a:pPr>
-          <a:r>
-            <a:rPr lang="en-US" sz="2000" b="1" kern="1200" dirty="0"/>
-            <a:t>Making sure if user A and user C transferred money to user B at the same time, User be must revive the transferred amount correctly. This will be done by provider and consumer. </a:t>
-          </a:r>
-          <a:endParaRPr lang="en-US" sz="2000" kern="1200" dirty="0"/>
-        </a:p>
-      </dsp:txBody>
-      <dsp:txXfrm>
-        <a:off x="769104" y="3528000"/>
-        <a:ext cx="8590896" cy="1008000"/>
-      </dsp:txXfrm>
-    </dsp:sp>
-    <dsp:sp modelId="{649FBD9E-2486-47A7-9FC4-48B945AE165A}">
-      <dsp:nvSpPr>
-        <dsp:cNvPr id="0" name=""/>
-        <dsp:cNvSpPr/>
-      </dsp:nvSpPr>
-      <dsp:spPr>
-        <a:xfrm>
-          <a:off x="69551" y="3402000"/>
-          <a:ext cx="1260000" cy="1260000"/>
-        </a:xfrm>
-        <a:prstGeom prst="ellipse">
-          <a:avLst/>
-        </a:prstGeom>
-        <a:solidFill>
-          <a:schemeClr val="lt1">
-            <a:hueOff val="0"/>
-            <a:satOff val="0"/>
-            <a:lumOff val="0"/>
-            <a:alphaOff val="0"/>
-          </a:schemeClr>
-        </a:solidFill>
-        <a:ln w="9525" cap="flat" cmpd="sng" algn="ctr">
-          <a:solidFill>
-            <a:schemeClr val="accent5">
-              <a:hueOff val="0"/>
-              <a:satOff val="0"/>
-              <a:lumOff val="0"/>
-              <a:alphaOff val="0"/>
-            </a:schemeClr>
-          </a:solidFill>
-          <a:prstDash val="solid"/>
-          <a:miter/>
-        </a:ln>
-        <a:effectLst>
-          <a:outerShdw blurRad="40000" dist="23000" dir="5400000" rotWithShape="0">
-            <a:srgbClr val="000000">
-              <a:alpha val="35000"/>
-            </a:srgbClr>
-          </a:outerShdw>
-        </a:effectLst>
-        <a:scene3d>
-          <a:camera prst="orthographicFront"/>
-          <a:lightRig rig="threePt" dir="t">
-            <a:rot lat="0" lon="0" rev="7500000"/>
-          </a:lightRig>
-        </a:scene3d>
-        <a:sp3d z="152400" extrusionH="63500" prstMaterial="dkEdge">
-          <a:bevelT w="120800" h="19050" prst="relaxedInset"/>
-          <a:contourClr>
-            <a:schemeClr val="bg1"/>
-          </a:contourClr>
-        </a:sp3d>
-      </dsp:spPr>
-      <dsp:style>
-        <a:lnRef idx="1">
-          <a:scrgbClr r="0" g="0" b="0"/>
-        </a:lnRef>
-        <a:fillRef idx="1">
-          <a:scrgbClr r="0" g="0" b="0"/>
-        </a:fillRef>
-        <a:effectRef idx="2">
-          <a:scrgbClr r="0" g="0" b="0"/>
-        </a:effectRef>
-        <a:fontRef idx="minor"/>
-      </dsp:style>
-    </dsp:sp>
-  </dsp:spTree>
-</dsp:drawing>
-</file>
-
 <file path=ppt/diagrams/layout1.xml><?xml version="1.0" encoding="utf-8"?>
 <dgm:layoutDef xmlns:dgm="http://schemas.openxmlformats.org/drawingml/2006/diagram" xmlns:a="http://schemas.openxmlformats.org/drawingml/2006/main" uniqueId="urn:microsoft.com/office/officeart/2008/layout/VerticalCurvedList">
   <dgm:title val=""/>
@@ -8536,1284 +6930,6 @@
 </dgm:layoutDef>
 </file>
 
-<file path=ppt/diagrams/layout4.xml><?xml version="1.0" encoding="utf-8"?>
-<dgm:layoutDef xmlns:dgm="http://schemas.openxmlformats.org/drawingml/2006/diagram" xmlns:a="http://schemas.openxmlformats.org/drawingml/2006/main" uniqueId="urn:microsoft.com/office/officeart/2008/layout/VerticalCurvedList">
-  <dgm:title val=""/>
-  <dgm:desc val=""/>
-  <dgm:catLst>
-    <dgm:cat type="list" pri="20000"/>
-  </dgm:catLst>
-  <dgm:sampData>
-    <dgm:dataModel>
-      <dgm:ptLst>
-        <dgm:pt modelId="0" type="doc"/>
-        <dgm:pt modelId="1">
-          <dgm:prSet phldr="1"/>
-        </dgm:pt>
-        <dgm:pt modelId="2">
-          <dgm:prSet phldr="1"/>
-        </dgm:pt>
-        <dgm:pt modelId="3">
-          <dgm:prSet phldr="1"/>
-        </dgm:pt>
-      </dgm:ptLst>
-      <dgm:cxnLst>
-        <dgm:cxn modelId="4" srcId="0" destId="1" srcOrd="0" destOrd="0"/>
-        <dgm:cxn modelId="5" srcId="0" destId="2" srcOrd="1" destOrd="0"/>
-        <dgm:cxn modelId="6" srcId="0" destId="3" srcOrd="2" destOrd="0"/>
-      </dgm:cxnLst>
-      <dgm:bg/>
-      <dgm:whole/>
-    </dgm:dataModel>
-  </dgm:sampData>
-  <dgm:styleData>
-    <dgm:dataModel>
-      <dgm:ptLst>
-        <dgm:pt modelId="0" type="doc"/>
-        <dgm:pt modelId="1">
-          <dgm:prSet phldr="1"/>
-        </dgm:pt>
-        <dgm:pt modelId="2">
-          <dgm:prSet phldr="1"/>
-        </dgm:pt>
-      </dgm:ptLst>
-      <dgm:cxnLst>
-        <dgm:cxn modelId="3" srcId="0" destId="1" srcOrd="0" destOrd="0"/>
-        <dgm:cxn modelId="4" srcId="0" destId="2" srcOrd="1" destOrd="0"/>
-      </dgm:cxnLst>
-      <dgm:bg/>
-      <dgm:whole/>
-    </dgm:dataModel>
-  </dgm:styleData>
-  <dgm:clrData>
-    <dgm:dataModel>
-      <dgm:ptLst>
-        <dgm:pt modelId="0" type="doc"/>
-        <dgm:pt modelId="1">
-          <dgm:prSet phldr="1"/>
-        </dgm:pt>
-        <dgm:pt modelId="2">
-          <dgm:prSet phldr="1"/>
-        </dgm:pt>
-        <dgm:pt modelId="3">
-          <dgm:prSet phldr="1"/>
-        </dgm:pt>
-        <dgm:pt modelId="4">
-          <dgm:prSet phldr="1"/>
-        </dgm:pt>
-      </dgm:ptLst>
-      <dgm:cxnLst>
-        <dgm:cxn modelId="5" srcId="0" destId="1" srcOrd="0" destOrd="0"/>
-        <dgm:cxn modelId="6" srcId="0" destId="2" srcOrd="1" destOrd="0"/>
-        <dgm:cxn modelId="7" srcId="0" destId="3" srcOrd="2" destOrd="0"/>
-        <dgm:cxn modelId="8" srcId="0" destId="4" srcOrd="3" destOrd="0"/>
-      </dgm:cxnLst>
-      <dgm:bg/>
-      <dgm:whole/>
-    </dgm:dataModel>
-  </dgm:clrData>
-  <dgm:layoutNode name="Name0">
-    <dgm:varLst>
-      <dgm:chMax val="7"/>
-      <dgm:chPref val="7"/>
-      <dgm:dir/>
-    </dgm:varLst>
-    <dgm:alg type="composite"/>
-    <dgm:shape xmlns:r="http://schemas.openxmlformats.org/officeDocument/2006/relationships" r:blip="">
-      <dgm:adjLst/>
-    </dgm:shape>
-    <dgm:constrLst>
-      <dgm:constr type="w" for="ch" refType="h" refFor="ch" op="gte" fact="0.8"/>
-    </dgm:constrLst>
-    <dgm:layoutNode name="Name1">
-      <dgm:alg type="composite"/>
-      <dgm:shape xmlns:r="http://schemas.openxmlformats.org/officeDocument/2006/relationships" r:blip="">
-        <dgm:adjLst/>
-      </dgm:shape>
-      <dgm:choose name="Name2">
-        <dgm:if name="Name3" func="var" arg="dir" op="equ" val="norm">
-          <dgm:choose name="Name4">
-            <dgm:if name="Name5" axis="ch" ptType="node" func="cnt" op="equ" val="1">
-              <dgm:constrLst>
-                <dgm:constr type="h" for="ch" forName="cycle" refType="h"/>
-                <dgm:constr type="w" for="ch" forName="cycle" refType="h" refFor="ch" refForName="cycle" fact="0.26"/>
-                <dgm:constr type="l" for="ch" forName="cycle"/>
-                <dgm:constr type="ctrY" for="ch" forName="cycle" refType="h" fact="0.5"/>
-                <dgm:constr type="diam" for="ch" forName="cycle" refType="h" fact="1.344"/>
-                <dgm:constr type="h" for="ch" forName="accent_1" refType="h" fact="0.625"/>
-                <dgm:constr type="w" for="ch" forName="accent_1" refType="h" refFor="ch" refForName="accent_1" op="equ"/>
-                <dgm:constr type="ctrY" for="ch" forName="accent_1" refType="h" fact="0.5"/>
-                <dgm:constr type="ctrX" for="ch" forName="accent_1" refType="h" fact="0.2253"/>
-                <dgm:constr type="l" for="ch" forName="text_1" refType="ctrX" refFor="ch" refForName="accent_1"/>
-                <dgm:constr type="r" for="ch" forName="text_1" refType="w"/>
-                <dgm:constr type="w" for="ch" forName="text_1" refType="h" refFor="ch" refForName="text_1" op="gte"/>
-                <dgm:constr type="h" for="ch" forName="text_1" refType="h" refFor="ch" refForName="accent_1" fact="0.8"/>
-                <dgm:constr type="ctrY" for="ch" forName="text_1" refType="ctrY" refFor="ch" refForName="accent_1"/>
-                <dgm:constr type="lMarg" for="ch" forName="text_1" refType="w" refFor="ch" refForName="accent_1" fact="1.8"/>
-                <dgm:constr type="primFontSz" for="ch" ptType="node" op="equ" val="65"/>
-              </dgm:constrLst>
-            </dgm:if>
-            <dgm:if name="Name6" axis="ch" ptType="node" func="cnt" op="equ" val="2">
-              <dgm:constrLst>
-                <dgm:constr type="h" for="ch" forName="cycle" refType="h"/>
-                <dgm:constr type="w" for="ch" forName="cycle" refType="h" refFor="ch" refForName="cycle" fact="0.26"/>
-                <dgm:constr type="l" for="ch" forName="cycle"/>
-                <dgm:constr type="ctrY" for="ch" forName="cycle" refType="h" fact="0.5"/>
-                <dgm:constr type="diam" for="ch" forName="cycle" refType="h" fact="1.344"/>
-                <dgm:constr type="h" for="ch" forName="accent_1" refType="h" fact="0.3571"/>
-                <dgm:constr type="w" for="ch" forName="accent_1" refType="h" refFor="ch" refForName="accent_1" op="equ"/>
-                <dgm:constr type="ctrY" for="ch" forName="accent_1" refType="h" fact="0.2857"/>
-                <dgm:constr type="ctrX" for="ch" forName="accent_1" refType="h" fact="0.1891"/>
-                <dgm:constr type="l" for="ch" forName="text_1" refType="ctrX" refFor="ch" refForName="accent_1"/>
-                <dgm:constr type="r" for="ch" forName="text_1" refType="w"/>
-                <dgm:constr type="w" for="ch" forName="text_1" refType="h" refFor="ch" refForName="text_1" op="gte"/>
-                <dgm:constr type="h" for="ch" forName="text_1" refType="h" refFor="ch" refForName="accent_1" fact="0.8"/>
-                <dgm:constr type="ctrY" for="ch" forName="text_1" refType="ctrY" refFor="ch" refForName="accent_1"/>
-                <dgm:constr type="lMarg" for="ch" forName="text_1" refType="w" refFor="ch" refForName="accent_1" fact="1.8"/>
-                <dgm:constr type="h" for="ch" forName="accent_2" refType="h" fact="0.3571"/>
-                <dgm:constr type="w" for="ch" forName="accent_2" refType="h" refFor="ch" refForName="accent_2" op="equ"/>
-                <dgm:constr type="ctrY" for="ch" forName="accent_2" refType="h" fact="0.7143"/>
-                <dgm:constr type="ctrX" for="ch" forName="accent_2" refType="h" fact="0.1891"/>
-                <dgm:constr type="l" for="ch" forName="text_2" refType="ctrX" refFor="ch" refForName="accent_2"/>
-                <dgm:constr type="r" for="ch" forName="text_2" refType="w"/>
-                <dgm:constr type="w" for="ch" forName="text_2" refType="h" refFor="ch" refForName="text_2" op="gte"/>
-                <dgm:constr type="h" for="ch" forName="text_2" refType="h" refFor="ch" refForName="accent_2" fact="0.8"/>
-                <dgm:constr type="ctrY" for="ch" forName="text_2" refType="ctrY" refFor="ch" refForName="accent_2"/>
-                <dgm:constr type="lMarg" for="ch" forName="text_2" refType="w" refFor="ch" refForName="accent_2" fact="1.8"/>
-                <dgm:constr type="primFontSz" for="ch" ptType="node" op="equ" val="65"/>
-              </dgm:constrLst>
-            </dgm:if>
-            <dgm:if name="Name7" axis="ch" ptType="node" func="cnt" op="equ" val="3">
-              <dgm:constrLst>
-                <dgm:constr type="h" for="ch" forName="cycle" refType="h"/>
-                <dgm:constr type="w" for="ch" forName="cycle" refType="h" refFor="ch" refForName="cycle" fact="0.26"/>
-                <dgm:constr type="l" for="ch" forName="cycle"/>
-                <dgm:constr type="ctrY" for="ch" forName="cycle" refType="h" fact="0.5"/>
-                <dgm:constr type="diam" for="ch" forName="cycle" refType="h" fact="1.344"/>
-                <dgm:constr type="h" for="ch" forName="accent_1" refType="h" fact="0.25"/>
-                <dgm:constr type="w" for="ch" forName="accent_1" refType="h" refFor="ch" refForName="accent_1" op="equ"/>
-                <dgm:constr type="ctrY" for="ch" forName="accent_1" refType="h" fact="0.2"/>
-                <dgm:constr type="ctrX" for="ch" forName="accent_1" refType="h" fact="0.1526"/>
-                <dgm:constr type="l" for="ch" forName="text_1" refType="ctrX" refFor="ch" refForName="accent_1"/>
-                <dgm:constr type="r" for="ch" forName="text_1" refType="w"/>
-                <dgm:constr type="w" for="ch" forName="text_1" refType="h" refFor="ch" refForName="text_1" op="gte"/>
-                <dgm:constr type="h" for="ch" forName="text_1" refType="h" refFor="ch" refForName="accent_1" fact="0.8"/>
-                <dgm:constr type="ctrY" for="ch" forName="text_1" refType="ctrY" refFor="ch" refForName="accent_1"/>
-                <dgm:constr type="lMarg" for="ch" forName="text_1" refType="w" refFor="ch" refForName="accent_1" fact="1.8"/>
-                <dgm:constr type="h" for="ch" forName="accent_2" refType="h" fact="0.25"/>
-                <dgm:constr type="w" for="ch" forName="accent_2" refType="h" refFor="ch" refForName="accent_2" op="equ"/>
-                <dgm:constr type="ctrY" for="ch" forName="accent_2" refType="h" fact="0.5"/>
-                <dgm:constr type="ctrX" for="ch" forName="accent_2" refType="h" fact="0.2253"/>
-                <dgm:constr type="l" for="ch" forName="text_2" refType="ctrX" refFor="ch" refForName="accent_2"/>
-                <dgm:constr type="r" for="ch" forName="text_2" refType="w"/>
-                <dgm:constr type="w" for="ch" forName="text_2" refType="h" refFor="ch" refForName="text_2" op="gte"/>
-                <dgm:constr type="h" for="ch" forName="text_2" refType="h" refFor="ch" refForName="accent_2" fact="0.8"/>
-                <dgm:constr type="ctrY" for="ch" forName="text_2" refType="ctrY" refFor="ch" refForName="accent_2"/>
-                <dgm:constr type="lMarg" for="ch" forName="text_2" refType="w" refFor="ch" refForName="accent_2" fact="1.8"/>
-                <dgm:constr type="h" for="ch" forName="accent_3" refType="h" fact="0.25"/>
-                <dgm:constr type="w" for="ch" forName="accent_3" refType="h" refFor="ch" refForName="accent_3" op="equ"/>
-                <dgm:constr type="ctrY" for="ch" forName="accent_3" refType="h" fact="0.8"/>
-                <dgm:constr type="ctrX" for="ch" forName="accent_3" refType="h" fact="0.1526"/>
-                <dgm:constr type="l" for="ch" forName="text_3" refType="ctrX" refFor="ch" refForName="accent_3"/>
-                <dgm:constr type="r" for="ch" forName="text_3" refType="w"/>
-                <dgm:constr type="w" for="ch" forName="text_3" refType="h" refFor="ch" refForName="text_3" op="gte"/>
-                <dgm:constr type="h" for="ch" forName="text_3" refType="h" refFor="ch" refForName="accent_3" fact="0.8"/>
-                <dgm:constr type="ctrY" for="ch" forName="text_3" refType="ctrY" refFor="ch" refForName="accent_3"/>
-                <dgm:constr type="lMarg" for="ch" forName="text_3" refType="w" refFor="ch" refForName="accent_3" fact="1.8"/>
-                <dgm:constr type="primFontSz" for="ch" ptType="node" op="equ" val="65"/>
-              </dgm:constrLst>
-            </dgm:if>
-            <dgm:if name="Name8" axis="ch" ptType="node" func="cnt" op="equ" val="4">
-              <dgm:constrLst>
-                <dgm:constr type="h" for="ch" forName="cycle" refType="h"/>
-                <dgm:constr type="w" for="ch" forName="cycle" refType="h" refFor="ch" refForName="cycle" fact="0.26"/>
-                <dgm:constr type="l" for="ch" forName="cycle"/>
-                <dgm:constr type="ctrY" for="ch" forName="cycle" refType="h" fact="0.5"/>
-                <dgm:constr type="diam" for="ch" forName="cycle" refType="h" fact="1.344"/>
-                <dgm:constr type="h" for="ch" forName="accent_1" refType="h" fact="0.1923"/>
-                <dgm:constr type="w" for="ch" forName="accent_1" refType="h" refFor="ch" refForName="accent_1" op="equ"/>
-                <dgm:constr type="ctrY" for="ch" forName="accent_1" refType="h" fact="0.1538"/>
-                <dgm:constr type="ctrX" for="ch" forName="accent_1" refType="h" fact="0.1268"/>
-                <dgm:constr type="l" for="ch" forName="text_1" refType="ctrX" refFor="ch" refForName="accent_1"/>
-                <dgm:constr type="r" for="ch" forName="text_1" refType="w"/>
-                <dgm:constr type="w" for="ch" forName="text_1" refType="h" refFor="ch" refForName="text_1" op="gte"/>
-                <dgm:constr type="h" for="ch" forName="text_1" refType="h" refFor="ch" refForName="accent_1" fact="0.8"/>
-                <dgm:constr type="ctrY" for="ch" forName="text_1" refType="ctrY" refFor="ch" refForName="accent_1"/>
-                <dgm:constr type="lMarg" for="ch" forName="text_1" refType="w" refFor="ch" refForName="accent_1" fact="1.8"/>
-                <dgm:constr type="h" for="ch" forName="accent_2" refType="h" fact="0.1923"/>
-                <dgm:constr type="w" for="ch" forName="accent_2" refType="h" refFor="ch" refForName="accent_2" op="equ"/>
-                <dgm:constr type="ctrY" for="ch" forName="accent_2" refType="h" fact="0.3846"/>
-                <dgm:constr type="ctrX" for="ch" forName="accent_2" refType="h" fact="0.215"/>
-                <dgm:constr type="l" for="ch" forName="text_2" refType="ctrX" refFor="ch" refForName="accent_2"/>
-                <dgm:constr type="r" for="ch" forName="text_2" refType="w"/>
-                <dgm:constr type="w" for="ch" forName="text_2" refType="h" refFor="ch" refForName="text_2" op="gte"/>
-                <dgm:constr type="h" for="ch" forName="text_2" refType="h" refFor="ch" refForName="accent_2" fact="0.8"/>
-                <dgm:constr type="ctrY" for="ch" forName="text_2" refType="ctrY" refFor="ch" refForName="accent_2"/>
-                <dgm:constr type="lMarg" for="ch" forName="text_2" refType="w" refFor="ch" refForName="accent_2" fact="1.8"/>
-                <dgm:constr type="h" for="ch" forName="accent_3" refType="h" fact="0.1923"/>
-                <dgm:constr type="w" for="ch" forName="accent_3" refType="h" refFor="ch" refForName="accent_3" op="equ"/>
-                <dgm:constr type="ctrY" for="ch" forName="accent_3" refType="h" fact="0.6154"/>
-                <dgm:constr type="ctrX" for="ch" forName="accent_3" refType="h" fact="0.215"/>
-                <dgm:constr type="l" for="ch" forName="text_3" refType="ctrX" refFor="ch" refForName="accent_3"/>
-                <dgm:constr type="r" for="ch" forName="text_3" refType="w"/>
-                <dgm:constr type="w" for="ch" forName="text_3" refType="h" refFor="ch" refForName="text_3" op="gte"/>
-                <dgm:constr type="h" for="ch" forName="text_3" refType="h" refFor="ch" refForName="accent_3" fact="0.8"/>
-                <dgm:constr type="ctrY" for="ch" forName="text_3" refType="ctrY" refFor="ch" refForName="accent_3"/>
-                <dgm:constr type="lMarg" for="ch" forName="text_3" refType="w" refFor="ch" refForName="accent_3" fact="1.8"/>
-                <dgm:constr type="h" for="ch" forName="accent_4" refType="h" fact="0.1923"/>
-                <dgm:constr type="w" for="ch" forName="accent_4" refType="h" refFor="ch" refForName="accent_4" op="equ"/>
-                <dgm:constr type="ctrY" for="ch" forName="accent_4" refType="h" fact="0.8462"/>
-                <dgm:constr type="ctrX" for="ch" forName="accent_4" refType="h" fact="0.1268"/>
-                <dgm:constr type="l" for="ch" forName="text_4" refType="ctrX" refFor="ch" refForName="accent_4"/>
-                <dgm:constr type="r" for="ch" forName="text_4" refType="w"/>
-                <dgm:constr type="w" for="ch" forName="text_4" refType="h" refFor="ch" refForName="text_4" op="gte"/>
-                <dgm:constr type="h" for="ch" forName="text_4" refType="h" refFor="ch" refForName="accent_4" fact="0.8"/>
-                <dgm:constr type="ctrY" for="ch" forName="text_4" refType="ctrY" refFor="ch" refForName="accent_4"/>
-                <dgm:constr type="lMarg" for="ch" forName="text_4" refType="w" refFor="ch" refForName="accent_4" fact="1.8"/>
-                <dgm:constr type="primFontSz" for="ch" ptType="node" op="equ" val="65"/>
-              </dgm:constrLst>
-            </dgm:if>
-            <dgm:if name="Name9" axis="ch" ptType="node" func="cnt" op="equ" val="5">
-              <dgm:constrLst>
-                <dgm:constr type="h" for="ch" forName="cycle" refType="h"/>
-                <dgm:constr type="w" for="ch" forName="cycle" refType="h" refFor="ch" refForName="cycle" fact="0.26"/>
-                <dgm:constr type="l" for="ch" forName="cycle"/>
-                <dgm:constr type="ctrY" for="ch" forName="cycle" refType="h" fact="0.5"/>
-                <dgm:constr type="diam" for="ch" forName="cycle" refType="h" fact="1.344"/>
-                <dgm:constr type="h" for="ch" forName="accent_1" refType="h" fact="0.1563"/>
-                <dgm:constr type="w" for="ch" forName="accent_1" refType="h" refFor="ch" refForName="accent_1" op="equ"/>
-                <dgm:constr type="ctrY" for="ch" forName="accent_1" refType="h" fact="0.125"/>
-                <dgm:constr type="ctrX" for="ch" forName="accent_1" refType="h" fact="0.1082"/>
-                <dgm:constr type="l" for="ch" forName="text_1" refType="ctrX" refFor="ch" refForName="accent_1"/>
-                <dgm:constr type="r" for="ch" forName="text_1" refType="w"/>
-                <dgm:constr type="w" for="ch" forName="text_1" refType="h" refFor="ch" refForName="text_1" op="gte"/>
-                <dgm:constr type="h" for="ch" forName="text_1" refType="h" refFor="ch" refForName="accent_1" fact="0.8"/>
-                <dgm:constr type="ctrY" for="ch" forName="text_1" refType="ctrY" refFor="ch" refForName="accent_1"/>
-                <dgm:constr type="lMarg" for="ch" forName="text_1" refType="w" refFor="ch" refForName="accent_1" fact="1.8"/>
-                <dgm:constr type="h" for="ch" forName="accent_2" refType="h" fact="0.1563"/>
-                <dgm:constr type="w" for="ch" forName="accent_2" refType="h" refFor="ch" refForName="accent_2" op="equ"/>
-                <dgm:constr type="ctrY" for="ch" forName="accent_2" refType="h" fact="0.3125"/>
-                <dgm:constr type="ctrX" for="ch" forName="accent_2" refType="h" fact="0.1978"/>
-                <dgm:constr type="l" for="ch" forName="text_2" refType="ctrX" refFor="ch" refForName="accent_2"/>
-                <dgm:constr type="r" for="ch" forName="text_2" refType="w"/>
-                <dgm:constr type="w" for="ch" forName="text_2" refType="h" refFor="ch" refForName="text_2" op="gte"/>
-                <dgm:constr type="h" for="ch" forName="text_2" refType="h" refFor="ch" refForName="accent_2" fact="0.8"/>
-                <dgm:constr type="ctrY" for="ch" forName="text_2" refType="ctrY" refFor="ch" refForName="accent_2"/>
-                <dgm:constr type="lMarg" for="ch" forName="text_2" refType="w" refFor="ch" refForName="accent_2" fact="1.8"/>
-                <dgm:constr type="h" for="ch" forName="accent_3" refType="h" fact="0.1563"/>
-                <dgm:constr type="w" for="ch" forName="accent_3" refType="h" refFor="ch" refForName="accent_3" op="equ"/>
-                <dgm:constr type="ctrY" for="ch" forName="accent_3" refType="h" fact="0.5"/>
-                <dgm:constr type="ctrX" for="ch" forName="accent_3" refType="h" fact="0.2253"/>
-                <dgm:constr type="l" for="ch" forName="text_3" refType="ctrX" refFor="ch" refForName="accent_3"/>
-                <dgm:constr type="r" for="ch" forName="text_3" refType="w"/>
-                <dgm:constr type="w" for="ch" forName="text_3" refType="h" refFor="ch" refForName="text_3" op="gte"/>
-                <dgm:constr type="h" for="ch" forName="text_3" refType="h" refFor="ch" refForName="accent_3" fact="0.8"/>
-                <dgm:constr type="ctrY" for="ch" forName="text_3" refType="ctrY" refFor="ch" refForName="accent_3"/>
-                <dgm:constr type="lMarg" for="ch" forName="text_3" refType="w" refFor="ch" refForName="accent_3" fact="1.8"/>
-                <dgm:constr type="h" for="ch" forName="accent_4" refType="h" fact="0.1563"/>
-                <dgm:constr type="w" for="ch" forName="accent_4" refType="h" refFor="ch" refForName="accent_4" op="equ"/>
-                <dgm:constr type="ctrY" for="ch" forName="accent_4" refType="h" fact="0.6875"/>
-                <dgm:constr type="ctrX" for="ch" forName="accent_4" refType="h" fact="0.1978"/>
-                <dgm:constr type="l" for="ch" forName="text_4" refType="ctrX" refFor="ch" refForName="accent_4"/>
-                <dgm:constr type="r" for="ch" forName="text_4" refType="w"/>
-                <dgm:constr type="w" for="ch" forName="text_4" refType="h" refFor="ch" refForName="text_4" op="gte"/>
-                <dgm:constr type="h" for="ch" forName="text_4" refType="h" refFor="ch" refForName="accent_4" fact="0.8"/>
-                <dgm:constr type="ctrY" for="ch" forName="text_4" refType="ctrY" refFor="ch" refForName="accent_4"/>
-                <dgm:constr type="lMarg" for="ch" forName="text_4" refType="w" refFor="ch" refForName="accent_4" fact="1.8"/>
-                <dgm:constr type="h" for="ch" forName="accent_5" refType="h" fact="0.1563"/>
-                <dgm:constr type="w" for="ch" forName="accent_5" refType="h" refFor="ch" refForName="accent_5" op="equ"/>
-                <dgm:constr type="ctrY" for="ch" forName="accent_5" refType="h" fact="0.875"/>
-                <dgm:constr type="ctrX" for="ch" forName="accent_5" refType="h" fact="0.1082"/>
-                <dgm:constr type="l" for="ch" forName="text_5" refType="ctrX" refFor="ch" refForName="accent_5"/>
-                <dgm:constr type="r" for="ch" forName="text_5" refType="w"/>
-                <dgm:constr type="w" for="ch" forName="text_5" refType="h" refFor="ch" refForName="text_5" op="gte"/>
-                <dgm:constr type="h" for="ch" forName="text_5" refType="h" refFor="ch" refForName="accent_5" fact="0.8"/>
-                <dgm:constr type="ctrY" for="ch" forName="text_5" refType="ctrY" refFor="ch" refForName="accent_5"/>
-                <dgm:constr type="lMarg" for="ch" forName="text_5" refType="w" refFor="ch" refForName="accent_5" fact="1.8"/>
-                <dgm:constr type="primFontSz" for="ch" ptType="node" op="equ" val="65"/>
-              </dgm:constrLst>
-            </dgm:if>
-            <dgm:if name="Name10" axis="ch" ptType="node" func="cnt" op="equ" val="6">
-              <dgm:constrLst>
-                <dgm:constr type="h" for="ch" forName="cycle" refType="h"/>
-                <dgm:constr type="w" for="ch" forName="cycle" refType="h" refFor="ch" refForName="cycle" fact="0.26"/>
-                <dgm:constr type="l" for="ch" forName="cycle"/>
-                <dgm:constr type="ctrY" for="ch" forName="cycle" refType="h" fact="0.5"/>
-                <dgm:constr type="diam" for="ch" forName="cycle" refType="h" fact="1.344"/>
-                <dgm:constr type="h" for="ch" forName="accent_1" refType="h" fact="0.1316"/>
-                <dgm:constr type="w" for="ch" forName="accent_1" refType="h" refFor="ch" refForName="accent_1" op="equ"/>
-                <dgm:constr type="ctrY" for="ch" forName="accent_1" refType="h" fact="0.1053"/>
-                <dgm:constr type="ctrX" for="ch" forName="accent_1" refType="h" fact="0.0943"/>
-                <dgm:constr type="l" for="ch" forName="text_1" refType="ctrX" refFor="ch" refForName="accent_1"/>
-                <dgm:constr type="r" for="ch" forName="text_1" refType="w"/>
-                <dgm:constr type="w" for="ch" forName="text_1" refType="h" refFor="ch" refForName="text_1" op="gte"/>
-                <dgm:constr type="h" for="ch" forName="text_1" refType="h" refFor="ch" refForName="accent_1" fact="0.8"/>
-                <dgm:constr type="ctrY" for="ch" forName="text_1" refType="ctrY" refFor="ch" refForName="accent_1"/>
-                <dgm:constr type="lMarg" for="ch" forName="text_1" refType="w" refFor="ch" refForName="accent_1" fact="1.8"/>
-                <dgm:constr type="h" for="ch" forName="accent_2" refType="h" fact="0.1316"/>
-                <dgm:constr type="w" for="ch" forName="accent_2" refType="h" refFor="ch" refForName="accent_2" op="equ"/>
-                <dgm:constr type="ctrY" for="ch" forName="accent_2" refType="h" fact="0.2632"/>
-                <dgm:constr type="ctrX" for="ch" forName="accent_2" refType="h" fact="0.1809"/>
-                <dgm:constr type="l" for="ch" forName="text_2" refType="ctrX" refFor="ch" refForName="accent_2"/>
-                <dgm:constr type="r" for="ch" forName="text_2" refType="w"/>
-                <dgm:constr type="w" for="ch" forName="text_2" refType="h" refFor="ch" refForName="text_2" op="gte"/>
-                <dgm:constr type="h" for="ch" forName="text_2" refType="h" refFor="ch" refForName="accent_2" fact="0.8"/>
-                <dgm:constr type="ctrY" for="ch" forName="text_2" refType="ctrY" refFor="ch" refForName="accent_2"/>
-                <dgm:constr type="lMarg" for="ch" forName="text_2" refType="w" refFor="ch" refForName="accent_2" fact="1.8"/>
-                <dgm:constr type="h" for="ch" forName="accent_3" refType="h" fact="0.1316"/>
-                <dgm:constr type="w" for="ch" forName="accent_3" refType="h" refFor="ch" refForName="accent_3" op="equ"/>
-                <dgm:constr type="ctrY" for="ch" forName="accent_3" refType="h" fact="0.4211"/>
-                <dgm:constr type="ctrX" for="ch" forName="accent_3" refType="h" fact="0.2205"/>
-                <dgm:constr type="l" for="ch" forName="text_3" refType="ctrX" refFor="ch" refForName="accent_3"/>
-                <dgm:constr type="r" for="ch" forName="text_3" refType="w"/>
-                <dgm:constr type="w" for="ch" forName="text_3" refType="h" refFor="ch" refForName="text_3" op="gte"/>
-                <dgm:constr type="h" for="ch" forName="text_3" refType="h" refFor="ch" refForName="accent_3" fact="0.8"/>
-                <dgm:constr type="ctrY" for="ch" forName="text_3" refType="ctrY" refFor="ch" refForName="accent_3"/>
-                <dgm:constr type="lMarg" for="ch" forName="text_3" refType="w" refFor="ch" refForName="accent_3" fact="1.8"/>
-                <dgm:constr type="h" for="ch" forName="accent_4" refType="h" fact="0.1316"/>
-                <dgm:constr type="w" for="ch" forName="accent_4" refType="h" refFor="ch" refForName="accent_4" op="equ"/>
-                <dgm:constr type="ctrY" for="ch" forName="accent_4" refType="h" fact="0.5789"/>
-                <dgm:constr type="ctrX" for="ch" forName="accent_4" refType="h" fact="0.2205"/>
-                <dgm:constr type="l" for="ch" forName="text_4" refType="ctrX" refFor="ch" refForName="accent_4"/>
-                <dgm:constr type="r" for="ch" forName="text_4" refType="w"/>
-                <dgm:constr type="w" for="ch" forName="text_4" refType="h" refFor="ch" refForName="text_4" op="gte"/>
-                <dgm:constr type="h" for="ch" forName="text_4" refType="h" refFor="ch" refForName="accent_4" fact="0.8"/>
-                <dgm:constr type="ctrY" for="ch" forName="text_4" refType="ctrY" refFor="ch" refForName="accent_4"/>
-                <dgm:constr type="lMarg" for="ch" forName="text_4" refType="w" refFor="ch" refForName="accent_4" fact="1.8"/>
-                <dgm:constr type="h" for="ch" forName="accent_5" refType="h" fact="0.1316"/>
-                <dgm:constr type="w" for="ch" forName="accent_5" refType="h" refFor="ch" refForName="accent_5" op="equ"/>
-                <dgm:constr type="ctrY" for="ch" forName="accent_5" refType="h" fact="0.7368"/>
-                <dgm:constr type="ctrX" for="ch" forName="accent_5" refType="h" fact="0.1809"/>
-                <dgm:constr type="l" for="ch" forName="text_5" refType="ctrX" refFor="ch" refForName="accent_5"/>
-                <dgm:constr type="r" for="ch" forName="text_5" refType="w"/>
-                <dgm:constr type="w" for="ch" forName="text_5" refType="h" refFor="ch" refForName="text_5" op="gte"/>
-                <dgm:constr type="h" for="ch" forName="text_5" refType="h" refFor="ch" refForName="accent_5" fact="0.8"/>
-                <dgm:constr type="ctrY" for="ch" forName="text_5" refType="ctrY" refFor="ch" refForName="accent_5"/>
-                <dgm:constr type="lMarg" for="ch" forName="text_5" refType="w" refFor="ch" refForName="accent_5" fact="1.8"/>
-                <dgm:constr type="h" for="ch" forName="accent_6" refType="h" fact="0.1316"/>
-                <dgm:constr type="w" for="ch" forName="accent_6" refType="h" refFor="ch" refForName="accent_6" op="equ"/>
-                <dgm:constr type="ctrY" for="ch" forName="accent_6" refType="h" fact="0.8947"/>
-                <dgm:constr type="ctrX" for="ch" forName="accent_6" refType="h" fact="0.0943"/>
-                <dgm:constr type="l" for="ch" forName="text_6" refType="ctrX" refFor="ch" refForName="accent_6"/>
-                <dgm:constr type="r" for="ch" forName="text_6" refType="w"/>
-                <dgm:constr type="w" for="ch" forName="text_6" refType="h" refFor="ch" refForName="text_6" op="gte"/>
-                <dgm:constr type="h" for="ch" forName="text_6" refType="h" refFor="ch" refForName="accent_6" fact="0.8"/>
-                <dgm:constr type="ctrY" for="ch" forName="text_6" refType="ctrY" refFor="ch" refForName="accent_6"/>
-                <dgm:constr type="lMarg" for="ch" forName="text_6" refType="w" refFor="ch" refForName="accent_6" fact="1.8"/>
-                <dgm:constr type="primFontSz" for="ch" ptType="node" op="equ" val="65"/>
-              </dgm:constrLst>
-            </dgm:if>
-            <dgm:else name="Name11">
-              <dgm:constrLst>
-                <dgm:constr type="h" for="ch" forName="cycle" refType="h"/>
-                <dgm:constr type="w" for="ch" forName="cycle" refType="h" refFor="ch" refForName="cycle" fact="0.26"/>
-                <dgm:constr type="l" for="ch" forName="cycle"/>
-                <dgm:constr type="ctrY" for="ch" forName="cycle" refType="h" fact="0.5"/>
-                <dgm:constr type="diam" for="ch" forName="cycle" refType="h" fact="1.344"/>
-                <dgm:constr type="h" for="ch" forName="accent_1" refType="h" fact="0.1136"/>
-                <dgm:constr type="w" for="ch" forName="accent_1" refType="h" refFor="ch" refForName="accent_1" op="equ"/>
-                <dgm:constr type="ctrY" for="ch" forName="accent_1" refType="h" fact="0.0909"/>
-                <dgm:constr type="ctrX" for="ch" forName="accent_1" refType="h" fact="0.0835"/>
-                <dgm:constr type="l" for="ch" forName="text_1" refType="ctrX" refFor="ch" refForName="accent_1"/>
-                <dgm:constr type="r" for="ch" forName="text_1" refType="w"/>
-                <dgm:constr type="w" for="ch" forName="text_1" refType="h" refFor="ch" refForName="text_1" op="gte"/>
-                <dgm:constr type="h" for="ch" forName="text_1" refType="h" refFor="ch" refForName="accent_1" fact="0.8"/>
-                <dgm:constr type="ctrY" for="ch" forName="text_1" refType="ctrY" refFor="ch" refForName="accent_1"/>
-                <dgm:constr type="lMarg" for="ch" forName="text_1" refType="w" refFor="ch" refForName="accent_1" fact="1.8"/>
-                <dgm:constr type="h" for="ch" forName="accent_2" refType="h" fact="0.1136"/>
-                <dgm:constr type="w" for="ch" forName="accent_2" refType="h" refFor="ch" refForName="accent_2" op="equ"/>
-                <dgm:constr type="ctrY" for="ch" forName="accent_2" refType="h" fact="0.2273"/>
-                <dgm:constr type="ctrX" for="ch" forName="accent_2" refType="h" fact="0.1658"/>
-                <dgm:constr type="l" for="ch" forName="text_2" refType="ctrX" refFor="ch" refForName="accent_2"/>
-                <dgm:constr type="r" for="ch" forName="text_2" refType="w"/>
-                <dgm:constr type="w" for="ch" forName="text_2" refType="h" refFor="ch" refForName="text_2" op="gte"/>
-                <dgm:constr type="h" for="ch" forName="text_2" refType="h" refFor="ch" refForName="accent_2" fact="0.8"/>
-                <dgm:constr type="ctrY" for="ch" forName="text_2" refType="ctrY" refFor="ch" refForName="accent_2"/>
-                <dgm:constr type="lMarg" for="ch" forName="text_2" refType="w" refFor="ch" refForName="accent_2" fact="1.8"/>
-                <dgm:constr type="h" for="ch" forName="accent_3" refType="h" fact="0.1136"/>
-                <dgm:constr type="w" for="ch" forName="accent_3" refType="h" refFor="ch" refForName="accent_3" op="equ"/>
-                <dgm:constr type="ctrY" for="ch" forName="accent_3" refType="h" fact="0.3636"/>
-                <dgm:constr type="ctrX" for="ch" forName="accent_3" refType="h" fact="0.2109"/>
-                <dgm:constr type="l" for="ch" forName="text_3" refType="ctrX" refFor="ch" refForName="accent_3"/>
-                <dgm:constr type="r" for="ch" forName="text_3" refType="w"/>
-                <dgm:constr type="w" for="ch" forName="text_3" refType="h" refFor="ch" refForName="text_3" op="gte"/>
-                <dgm:constr type="h" for="ch" forName="text_3" refType="h" refFor="ch" refForName="accent_3" fact="0.8"/>
-                <dgm:constr type="ctrY" for="ch" forName="text_3" refType="ctrY" refFor="ch" refForName="accent_3"/>
-                <dgm:constr type="lMarg" for="ch" forName="text_3" refType="w" refFor="ch" refForName="accent_3" fact="1.8"/>
-                <dgm:constr type="h" for="ch" forName="accent_4" refType="h" fact="0.1136"/>
-                <dgm:constr type="w" for="ch" forName="accent_4" refType="h" refFor="ch" refForName="accent_4" op="equ"/>
-                <dgm:constr type="ctrY" for="ch" forName="accent_4" refType="h" fact="0.5"/>
-                <dgm:constr type="ctrX" for="ch" forName="accent_4" refType="h" fact="0.2253"/>
-                <dgm:constr type="l" for="ch" forName="text_4" refType="ctrX" refFor="ch" refForName="accent_4"/>
-                <dgm:constr type="r" for="ch" forName="text_4" refType="w"/>
-                <dgm:constr type="w" for="ch" forName="text_4" refType="h" refFor="ch" refForName="text_4" op="gte"/>
-                <dgm:constr type="h" for="ch" forName="text_4" refType="h" refFor="ch" refForName="accent_4" fact="0.8"/>
-                <dgm:constr type="ctrY" for="ch" forName="text_4" refType="ctrY" refFor="ch" refForName="accent_4"/>
-                <dgm:constr type="lMarg" for="ch" forName="text_4" refType="w" refFor="ch" refForName="accent_4" fact="1.8"/>
-                <dgm:constr type="h" for="ch" forName="accent_5" refType="h" fact="0.1136"/>
-                <dgm:constr type="w" for="ch" forName="accent_5" refType="h" refFor="ch" refForName="accent_5" op="equ"/>
-                <dgm:constr type="ctrY" for="ch" forName="accent_5" refType="h" fact="0.6364"/>
-                <dgm:constr type="ctrX" for="ch" forName="accent_5" refType="h" fact="0.2109"/>
-                <dgm:constr type="l" for="ch" forName="text_5" refType="ctrX" refFor="ch" refForName="accent_5"/>
-                <dgm:constr type="r" for="ch" forName="text_5" refType="w"/>
-                <dgm:constr type="w" for="ch" forName="text_5" refType="h" refFor="ch" refForName="text_5" op="gte"/>
-                <dgm:constr type="h" for="ch" forName="text_5" refType="h" refFor="ch" refForName="accent_5" fact="0.8"/>
-                <dgm:constr type="ctrY" for="ch" forName="text_5" refType="ctrY" refFor="ch" refForName="accent_5"/>
-                <dgm:constr type="lMarg" for="ch" forName="text_5" refType="w" refFor="ch" refForName="accent_5" fact="1.8"/>
-                <dgm:constr type="h" for="ch" forName="accent_6" refType="h" fact="0.1136"/>
-                <dgm:constr type="w" for="ch" forName="accent_6" refType="h" refFor="ch" refForName="accent_6" op="equ"/>
-                <dgm:constr type="ctrY" for="ch" forName="accent_6" refType="h" fact="0.7727"/>
-                <dgm:constr type="ctrX" for="ch" forName="accent_6" refType="h" fact="0.1658"/>
-                <dgm:constr type="l" for="ch" forName="text_6" refType="ctrX" refFor="ch" refForName="accent_6"/>
-                <dgm:constr type="r" for="ch" forName="text_6" refType="w"/>
-                <dgm:constr type="w" for="ch" forName="text_6" refType="h" refFor="ch" refForName="text_6" op="gte"/>
-                <dgm:constr type="h" for="ch" forName="text_6" refType="h" refFor="ch" refForName="accent_6" fact="0.8"/>
-                <dgm:constr type="ctrY" for="ch" forName="text_6" refType="ctrY" refFor="ch" refForName="accent_6"/>
-                <dgm:constr type="lMarg" for="ch" forName="text_6" refType="w" refFor="ch" refForName="accent_6" fact="1.8"/>
-                <dgm:constr type="h" for="ch" forName="accent_7" refType="h" fact="0.1136"/>
-                <dgm:constr type="w" for="ch" forName="accent_7" refType="h" refFor="ch" refForName="accent_7" op="equ"/>
-                <dgm:constr type="ctrY" for="ch" forName="accent_7" refType="h" fact="0.9091"/>
-                <dgm:constr type="ctrX" for="ch" forName="accent_7" refType="h" fact="0.0835"/>
-                <dgm:constr type="l" for="ch" forName="text_7" refType="ctrX" refFor="ch" refForName="accent_7"/>
-                <dgm:constr type="r" for="ch" forName="text_7" refType="w"/>
-                <dgm:constr type="w" for="ch" forName="text_7" refType="h" refFor="ch" refForName="text_7" op="gte"/>
-                <dgm:constr type="h" for="ch" forName="text_7" refType="h" refFor="ch" refForName="accent_7" fact="0.8"/>
-                <dgm:constr type="ctrY" for="ch" forName="text_7" refType="ctrY" refFor="ch" refForName="accent_7"/>
-                <dgm:constr type="lMarg" for="ch" forName="text_7" refType="w" refFor="ch" refForName="accent_7" fact="1.8"/>
-                <dgm:constr type="primFontSz" for="ch" ptType="node" op="equ" val="65"/>
-              </dgm:constrLst>
-            </dgm:else>
-          </dgm:choose>
-        </dgm:if>
-        <dgm:else name="Name12">
-          <dgm:choose name="Name13">
-            <dgm:if name="Name14" axis="ch" ptType="node" func="cnt" op="equ" val="1">
-              <dgm:constrLst>
-                <dgm:constr type="h" for="ch" forName="cycle" refType="h"/>
-                <dgm:constr type="w" for="ch" forName="cycle" refType="h" refFor="ch" refForName="cycle" fact="0.26"/>
-                <dgm:constr type="r" for="ch" forName="cycle" refType="w"/>
-                <dgm:constr type="ctrY" for="ch" forName="cycle" refType="h" fact="0.5"/>
-                <dgm:constr type="diam" for="ch" forName="cycle" refType="h" fact="1.344"/>
-                <dgm:constr type="h" for="ch" forName="accent_1" refType="h" fact="0.625"/>
-                <dgm:constr type="w" for="ch" forName="accent_1" refType="h" refFor="ch" refForName="accent_1" op="equ"/>
-                <dgm:constr type="ctrY" for="ch" forName="accent_1" refType="h" fact="0.5"/>
-                <dgm:constr type="ctrX" for="ch" forName="accent_1" refType="w"/>
-                <dgm:constr type="ctrXOff" for="ch" forName="accent_1" refType="h" fact="-0.2253"/>
-                <dgm:constr type="r" for="ch" forName="text_1" refType="ctrX" refFor="ch" refForName="accent_1"/>
-                <dgm:constr type="rOff" for="ch" forName="text_1" refType="ctrXOff" refFor="ch" refForName="accent_1"/>
-                <dgm:constr type="l" for="ch" forName="text_1"/>
-                <dgm:constr type="w" for="ch" forName="text_1" refType="h" refFor="ch" refForName="text_1" op="gte"/>
-                <dgm:constr type="h" for="ch" forName="text_1" refType="h" refFor="ch" refForName="accent_1" fact="0.8"/>
-                <dgm:constr type="ctrY" for="ch" forName="text_1" refType="ctrY" refFor="ch" refForName="accent_1"/>
-                <dgm:constr type="rMarg" for="ch" forName="text_1" refType="w" refFor="ch" refForName="accent_1" fact="1.8"/>
-                <dgm:constr type="primFontSz" for="ch" ptType="node" op="equ" val="65"/>
-              </dgm:constrLst>
-            </dgm:if>
-            <dgm:if name="Name15" axis="ch" ptType="node" func="cnt" op="equ" val="2">
-              <dgm:constrLst>
-                <dgm:constr type="h" for="ch" forName="cycle" refType="h"/>
-                <dgm:constr type="w" for="ch" forName="cycle" refType="h" refFor="ch" refForName="cycle" fact="0.26"/>
-                <dgm:constr type="r" for="ch" forName="cycle" refType="w"/>
-                <dgm:constr type="ctrY" for="ch" forName="cycle" refType="h" fact="0.5"/>
-                <dgm:constr type="diam" for="ch" forName="cycle" refType="h" fact="1.344"/>
-                <dgm:constr type="h" for="ch" forName="accent_1" refType="h" fact="0.3571"/>
-                <dgm:constr type="w" for="ch" forName="accent_1" refType="h" refFor="ch" refForName="accent_1" op="equ"/>
-                <dgm:constr type="ctrY" for="ch" forName="accent_1" refType="h" fact="0.2857"/>
-                <dgm:constr type="ctrX" for="ch" forName="accent_1" refType="w"/>
-                <dgm:constr type="ctrXOff" for="ch" forName="accent_1" refType="h" fact="-0.1891"/>
-                <dgm:constr type="r" for="ch" forName="text_1" refType="ctrX" refFor="ch" refForName="accent_1"/>
-                <dgm:constr type="rOff" for="ch" forName="text_1" refType="ctrXOff" refFor="ch" refForName="accent_1"/>
-                <dgm:constr type="l" for="ch" forName="text_1"/>
-                <dgm:constr type="w" for="ch" forName="text_1" refType="h" refFor="ch" refForName="text_1" op="gte"/>
-                <dgm:constr type="h" for="ch" forName="text_1" refType="h" refFor="ch" refForName="accent_1" fact="0.8"/>
-                <dgm:constr type="ctrY" for="ch" forName="text_1" refType="ctrY" refFor="ch" refForName="accent_1"/>
-                <dgm:constr type="rMarg" for="ch" forName="text_1" refType="w" refFor="ch" refForName="accent_1" fact="1.8"/>
-                <dgm:constr type="h" for="ch" forName="accent_2" refType="h" fact="0.3571"/>
-                <dgm:constr type="w" for="ch" forName="accent_2" refType="h" refFor="ch" refForName="accent_2" op="equ"/>
-                <dgm:constr type="ctrY" for="ch" forName="accent_2" refType="h" fact="0.7143"/>
-                <dgm:constr type="ctrX" for="ch" forName="accent_2" refType="w"/>
-                <dgm:constr type="ctrXOff" for="ch" forName="accent_2" refType="h" fact="-0.1891"/>
-                <dgm:constr type="r" for="ch" forName="text_2" refType="ctrX" refFor="ch" refForName="accent_2"/>
-                <dgm:constr type="rOff" for="ch" forName="text_2" refType="ctrXOff" refFor="ch" refForName="accent_2"/>
-                <dgm:constr type="l" for="ch" forName="text_2"/>
-                <dgm:constr type="w" for="ch" forName="text_2" refType="h" refFor="ch" refForName="text_2" op="gte"/>
-                <dgm:constr type="h" for="ch" forName="text_2" refType="h" refFor="ch" refForName="accent_2" fact="0.8"/>
-                <dgm:constr type="ctrY" for="ch" forName="text_2" refType="ctrY" refFor="ch" refForName="accent_2"/>
-                <dgm:constr type="rMarg" for="ch" forName="text_2" refType="w" refFor="ch" refForName="accent_2" fact="1.8"/>
-                <dgm:constr type="primFontSz" for="ch" ptType="node" op="equ" val="65"/>
-              </dgm:constrLst>
-            </dgm:if>
-            <dgm:if name="Name16" axis="ch" ptType="node" func="cnt" op="equ" val="3">
-              <dgm:constrLst>
-                <dgm:constr type="h" for="ch" forName="cycle" refType="h"/>
-                <dgm:constr type="w" for="ch" forName="cycle" refType="h" refFor="ch" refForName="cycle" fact="0.26"/>
-                <dgm:constr type="r" for="ch" forName="cycle" refType="w"/>
-                <dgm:constr type="ctrY" for="ch" forName="cycle" refType="h" fact="0.5"/>
-                <dgm:constr type="diam" for="ch" forName="cycle" refType="h" fact="1.344"/>
-                <dgm:constr type="h" for="ch" forName="accent_1" refType="h" fact="0.25"/>
-                <dgm:constr type="w" for="ch" forName="accent_1" refType="h" refFor="ch" refForName="accent_1" op="equ"/>
-                <dgm:constr type="ctrY" for="ch" forName="accent_1" refType="h" fact="0.2"/>
-                <dgm:constr type="ctrX" for="ch" forName="accent_1" refType="w"/>
-                <dgm:constr type="ctrXOff" for="ch" forName="accent_1" refType="h" fact="-0.1526"/>
-                <dgm:constr type="r" for="ch" forName="text_1" refType="ctrX" refFor="ch" refForName="accent_1"/>
-                <dgm:constr type="rOff" for="ch" forName="text_1" refType="ctrXOff" refFor="ch" refForName="accent_1"/>
-                <dgm:constr type="l" for="ch" forName="text_1"/>
-                <dgm:constr type="w" for="ch" forName="text_1" refType="h" refFor="ch" refForName="text_1" op="gte"/>
-                <dgm:constr type="h" for="ch" forName="text_1" refType="h" refFor="ch" refForName="accent_1" fact="0.8"/>
-                <dgm:constr type="ctrY" for="ch" forName="text_1" refType="ctrY" refFor="ch" refForName="accent_1"/>
-                <dgm:constr type="rMarg" for="ch" forName="text_1" refType="w" refFor="ch" refForName="accent_1" fact="1.8"/>
-                <dgm:constr type="h" for="ch" forName="accent_2" refType="h" fact="0.25"/>
-                <dgm:constr type="w" for="ch" forName="accent_2" refType="h" refFor="ch" refForName="accent_2" op="equ"/>
-                <dgm:constr type="ctrY" for="ch" forName="accent_2" refType="h" fact="0.5"/>
-                <dgm:constr type="ctrX" for="ch" forName="accent_2" refType="w"/>
-                <dgm:constr type="ctrXOff" for="ch" forName="accent_2" refType="h" fact="-0.2253"/>
-                <dgm:constr type="r" for="ch" forName="text_2" refType="ctrX" refFor="ch" refForName="accent_2"/>
-                <dgm:constr type="rOff" for="ch" forName="text_2" refType="ctrXOff" refFor="ch" refForName="accent_2"/>
-                <dgm:constr type="l" for="ch" forName="text_2"/>
-                <dgm:constr type="w" for="ch" forName="text_2" refType="h" refFor="ch" refForName="text_2" op="gte"/>
-                <dgm:constr type="h" for="ch" forName="text_2" refType="h" refFor="ch" refForName="accent_2" fact="0.8"/>
-                <dgm:constr type="ctrY" for="ch" forName="text_2" refType="ctrY" refFor="ch" refForName="accent_2"/>
-                <dgm:constr type="rMarg" for="ch" forName="text_2" refType="w" refFor="ch" refForName="accent_2" fact="1.8"/>
-                <dgm:constr type="h" for="ch" forName="accent_3" refType="h" fact="0.25"/>
-                <dgm:constr type="w" for="ch" forName="accent_3" refType="h" refFor="ch" refForName="accent_3" op="equ"/>
-                <dgm:constr type="ctrY" for="ch" forName="accent_3" refType="h" fact="0.8"/>
-                <dgm:constr type="ctrX" for="ch" forName="accent_3" refType="w"/>
-                <dgm:constr type="ctrXOff" for="ch" forName="accent_3" refType="h" fact="-0.1526"/>
-                <dgm:constr type="r" for="ch" forName="text_3" refType="ctrX" refFor="ch" refForName="accent_3"/>
-                <dgm:constr type="rOff" for="ch" forName="text_3" refType="ctrXOff" refFor="ch" refForName="accent_3"/>
-                <dgm:constr type="l" for="ch" forName="text_3"/>
-                <dgm:constr type="w" for="ch" forName="text_3" refType="h" refFor="ch" refForName="text_3" op="gte"/>
-                <dgm:constr type="h" for="ch" forName="text_3" refType="h" refFor="ch" refForName="accent_3" fact="0.8"/>
-                <dgm:constr type="ctrY" for="ch" forName="text_3" refType="ctrY" refFor="ch" refForName="accent_3"/>
-                <dgm:constr type="rMarg" for="ch" forName="text_3" refType="w" refFor="ch" refForName="accent_3" fact="1.8"/>
-                <dgm:constr type="primFontSz" for="ch" ptType="node" op="equ" val="65"/>
-              </dgm:constrLst>
-            </dgm:if>
-            <dgm:if name="Name17" axis="ch" ptType="node" func="cnt" op="equ" val="4">
-              <dgm:constrLst>
-                <dgm:constr type="h" for="ch" forName="cycle" refType="h"/>
-                <dgm:constr type="w" for="ch" forName="cycle" refType="h" refFor="ch" refForName="cycle" fact="0.26"/>
-                <dgm:constr type="r" for="ch" forName="cycle" refType="w"/>
-                <dgm:constr type="ctrY" for="ch" forName="cycle" refType="h" fact="0.5"/>
-                <dgm:constr type="diam" for="ch" forName="cycle" refType="h" fact="1.344"/>
-                <dgm:constr type="h" for="ch" forName="accent_1" refType="h" fact="0.1923"/>
-                <dgm:constr type="w" for="ch" forName="accent_1" refType="h" refFor="ch" refForName="accent_1" op="equ"/>
-                <dgm:constr type="ctrY" for="ch" forName="accent_1" refType="h" fact="0.1538"/>
-                <dgm:constr type="ctrX" for="ch" forName="accent_1" refType="w"/>
-                <dgm:constr type="ctrXOff" for="ch" forName="accent_1" refType="h" fact="-0.1268"/>
-                <dgm:constr type="r" for="ch" forName="text_1" refType="ctrX" refFor="ch" refForName="accent_1"/>
-                <dgm:constr type="rOff" for="ch" forName="text_1" refType="ctrXOff" refFor="ch" refForName="accent_1"/>
-                <dgm:constr type="l" for="ch" forName="text_1"/>
-                <dgm:constr type="w" for="ch" forName="text_1" refType="h" refFor="ch" refForName="text_1" op="gte"/>
-                <dgm:constr type="h" for="ch" forName="text_1" refType="h" refFor="ch" refForName="accent_1" fact="0.8"/>
-                <dgm:constr type="ctrY" for="ch" forName="text_1" refType="ctrY" refFor="ch" refForName="accent_1"/>
-                <dgm:constr type="rMarg" for="ch" forName="text_1" refType="w" refFor="ch" refForName="accent_1" fact="1.8"/>
-                <dgm:constr type="h" for="ch" forName="accent_2" refType="h" fact="0.1923"/>
-                <dgm:constr type="w" for="ch" forName="accent_2" refType="h" refFor="ch" refForName="accent_2" op="equ"/>
-                <dgm:constr type="ctrY" for="ch" forName="accent_2" refType="h" fact="0.3846"/>
-                <dgm:constr type="ctrX" for="ch" forName="accent_2" refType="w"/>
-                <dgm:constr type="ctrXOff" for="ch" forName="accent_2" refType="h" fact="-0.215"/>
-                <dgm:constr type="r" for="ch" forName="text_2" refType="ctrX" refFor="ch" refForName="accent_2"/>
-                <dgm:constr type="rOff" for="ch" forName="text_2" refType="ctrXOff" refFor="ch" refForName="accent_2"/>
-                <dgm:constr type="l" for="ch" forName="text_2"/>
-                <dgm:constr type="w" for="ch" forName="text_2" refType="h" refFor="ch" refForName="text_2" op="gte"/>
-                <dgm:constr type="h" for="ch" forName="text_2" refType="h" refFor="ch" refForName="accent_2" fact="0.8"/>
-                <dgm:constr type="ctrY" for="ch" forName="text_2" refType="ctrY" refFor="ch" refForName="accent_2"/>
-                <dgm:constr type="rMarg" for="ch" forName="text_2" refType="w" refFor="ch" refForName="accent_2" fact="1.8"/>
-                <dgm:constr type="h" for="ch" forName="accent_3" refType="h" fact="0.1923"/>
-                <dgm:constr type="w" for="ch" forName="accent_3" refType="h" refFor="ch" refForName="accent_3" op="equ"/>
-                <dgm:constr type="ctrY" for="ch" forName="accent_3" refType="h" fact="0.6154"/>
-                <dgm:constr type="ctrX" for="ch" forName="accent_3" refType="w"/>
-                <dgm:constr type="ctrXOff" for="ch" forName="accent_3" refType="h" fact="-0.215"/>
-                <dgm:constr type="r" for="ch" forName="text_3" refType="ctrX" refFor="ch" refForName="accent_3"/>
-                <dgm:constr type="rOff" for="ch" forName="text_3" refType="ctrXOff" refFor="ch" refForName="accent_3"/>
-                <dgm:constr type="l" for="ch" forName="text_3"/>
-                <dgm:constr type="w" for="ch" forName="text_3" refType="h" refFor="ch" refForName="text_3" op="gte"/>
-                <dgm:constr type="h" for="ch" forName="text_3" refType="h" refFor="ch" refForName="accent_3" fact="0.8"/>
-                <dgm:constr type="ctrY" for="ch" forName="text_3" refType="ctrY" refFor="ch" refForName="accent_3"/>
-                <dgm:constr type="rMarg" for="ch" forName="text_3" refType="w" refFor="ch" refForName="accent_3" fact="1.8"/>
-                <dgm:constr type="h" for="ch" forName="accent_4" refType="h" fact="0.1923"/>
-                <dgm:constr type="w" for="ch" forName="accent_4" refType="h" refFor="ch" refForName="accent_4" op="equ"/>
-                <dgm:constr type="ctrY" for="ch" forName="accent_4" refType="h" fact="0.8462"/>
-                <dgm:constr type="ctrX" for="ch" forName="accent_4" refType="w"/>
-                <dgm:constr type="ctrXOff" for="ch" forName="accent_4" refType="h" fact="-0.1268"/>
-                <dgm:constr type="r" for="ch" forName="text_4" refType="ctrX" refFor="ch" refForName="accent_4"/>
-                <dgm:constr type="rOff" for="ch" forName="text_4" refType="ctrXOff" refFor="ch" refForName="accent_4"/>
-                <dgm:constr type="l" for="ch" forName="text_4"/>
-                <dgm:constr type="w" for="ch" forName="text_4" refType="h" refFor="ch" refForName="text_4" op="gte"/>
-                <dgm:constr type="h" for="ch" forName="text_4" refType="h" refFor="ch" refForName="accent_4" fact="0.8"/>
-                <dgm:constr type="ctrY" for="ch" forName="text_4" refType="ctrY" refFor="ch" refForName="accent_4"/>
-                <dgm:constr type="rMarg" for="ch" forName="text_4" refType="w" refFor="ch" refForName="accent_4" fact="1.8"/>
-                <dgm:constr type="primFontSz" for="ch" ptType="node" op="equ" val="65"/>
-              </dgm:constrLst>
-            </dgm:if>
-            <dgm:if name="Name18" axis="ch" ptType="node" func="cnt" op="equ" val="5">
-              <dgm:constrLst>
-                <dgm:constr type="h" for="ch" forName="cycle" refType="h"/>
-                <dgm:constr type="w" for="ch" forName="cycle" refType="h" refFor="ch" refForName="cycle" fact="0.26"/>
-                <dgm:constr type="r" for="ch" forName="cycle" refType="w"/>
-                <dgm:constr type="ctrY" for="ch" forName="cycle" refType="h" fact="0.5"/>
-                <dgm:constr type="diam" for="ch" forName="cycle" refType="h" fact="1.344"/>
-                <dgm:constr type="h" for="ch" forName="accent_1" refType="h" fact="0.1563"/>
-                <dgm:constr type="w" for="ch" forName="accent_1" refType="h" refFor="ch" refForName="accent_1" op="equ"/>
-                <dgm:constr type="ctrY" for="ch" forName="accent_1" refType="h" fact="0.125"/>
-                <dgm:constr type="ctrX" for="ch" forName="accent_1" refType="w"/>
-                <dgm:constr type="ctrXOff" for="ch" forName="accent_1" refType="h" fact="-0.1082"/>
-                <dgm:constr type="r" for="ch" forName="text_1" refType="ctrX" refFor="ch" refForName="accent_1"/>
-                <dgm:constr type="rOff" for="ch" forName="text_1" refType="ctrXOff" refFor="ch" refForName="accent_1"/>
-                <dgm:constr type="l" for="ch" forName="text_1"/>
-                <dgm:constr type="w" for="ch" forName="text_1" refType="h" refFor="ch" refForName="text_1" op="gte"/>
-                <dgm:constr type="h" for="ch" forName="text_1" refType="h" refFor="ch" refForName="accent_1" fact="0.8"/>
-                <dgm:constr type="ctrY" for="ch" forName="text_1" refType="ctrY" refFor="ch" refForName="accent_1"/>
-                <dgm:constr type="rMarg" for="ch" forName="text_1" refType="w" refFor="ch" refForName="accent_1" fact="1.8"/>
-                <dgm:constr type="h" for="ch" forName="accent_2" refType="h" fact="0.1563"/>
-                <dgm:constr type="w" for="ch" forName="accent_2" refType="h" refFor="ch" refForName="accent_2" op="equ"/>
-                <dgm:constr type="ctrY" for="ch" forName="accent_2" refType="h" fact="0.3125"/>
-                <dgm:constr type="ctrX" for="ch" forName="accent_2" refType="w"/>
-                <dgm:constr type="ctrXOff" for="ch" forName="accent_2" refType="h" fact="-0.1978"/>
-                <dgm:constr type="r" for="ch" forName="text_2" refType="ctrX" refFor="ch" refForName="accent_2"/>
-                <dgm:constr type="rOff" for="ch" forName="text_2" refType="ctrXOff" refFor="ch" refForName="accent_2"/>
-                <dgm:constr type="l" for="ch" forName="text_2"/>
-                <dgm:constr type="w" for="ch" forName="text_2" refType="h" refFor="ch" refForName="text_2" op="gte"/>
-                <dgm:constr type="h" for="ch" forName="text_2" refType="h" refFor="ch" refForName="accent_2" fact="0.8"/>
-                <dgm:constr type="ctrY" for="ch" forName="text_2" refType="ctrY" refFor="ch" refForName="accent_2"/>
-                <dgm:constr type="rMarg" for="ch" forName="text_2" refType="w" refFor="ch" refForName="accent_2" fact="1.8"/>
-                <dgm:constr type="h" for="ch" forName="accent_3" refType="h" fact="0.1563"/>
-                <dgm:constr type="w" for="ch" forName="accent_3" refType="h" refFor="ch" refForName="accent_3" op="equ"/>
-                <dgm:constr type="ctrY" for="ch" forName="accent_3" refType="h" fact="0.5"/>
-                <dgm:constr type="ctrX" for="ch" forName="accent_3" refType="w"/>
-                <dgm:constr type="ctrXOff" for="ch" forName="accent_3" refType="h" fact="-0.2253"/>
-                <dgm:constr type="r" for="ch" forName="text_3" refType="ctrX" refFor="ch" refForName="accent_3"/>
-                <dgm:constr type="rOff" for="ch" forName="text_3" refType="ctrXOff" refFor="ch" refForName="accent_3"/>
-                <dgm:constr type="l" for="ch" forName="text_3"/>
-                <dgm:constr type="w" for="ch" forName="text_3" refType="h" refFor="ch" refForName="text_3" op="gte"/>
-                <dgm:constr type="h" for="ch" forName="text_3" refType="h" refFor="ch" refForName="accent_3" fact="0.8"/>
-                <dgm:constr type="ctrY" for="ch" forName="text_3" refType="ctrY" refFor="ch" refForName="accent_3"/>
-                <dgm:constr type="rMarg" for="ch" forName="text_3" refType="w" refFor="ch" refForName="accent_3" fact="1.8"/>
-                <dgm:constr type="h" for="ch" forName="accent_4" refType="h" fact="0.1563"/>
-                <dgm:constr type="w" for="ch" forName="accent_4" refType="h" refFor="ch" refForName="accent_4" op="equ"/>
-                <dgm:constr type="ctrY" for="ch" forName="accent_4" refType="h" fact="0.6875"/>
-                <dgm:constr type="ctrX" for="ch" forName="accent_4" refType="w"/>
-                <dgm:constr type="ctrXOff" for="ch" forName="accent_4" refType="h" fact="-0.1978"/>
-                <dgm:constr type="r" for="ch" forName="text_4" refType="ctrX" refFor="ch" refForName="accent_4"/>
-                <dgm:constr type="rOff" for="ch" forName="text_4" refType="ctrXOff" refFor="ch" refForName="accent_4"/>
-                <dgm:constr type="l" for="ch" forName="text_4"/>
-                <dgm:constr type="w" for="ch" forName="text_4" refType="h" refFor="ch" refForName="text_4" op="gte"/>
-                <dgm:constr type="h" for="ch" forName="text_4" refType="h" refFor="ch" refForName="accent_4" fact="0.8"/>
-                <dgm:constr type="ctrY" for="ch" forName="text_4" refType="ctrY" refFor="ch" refForName="accent_4"/>
-                <dgm:constr type="rMarg" for="ch" forName="text_4" refType="w" refFor="ch" refForName="accent_4" fact="1.8"/>
-                <dgm:constr type="h" for="ch" forName="accent_5" refType="h" fact="0.1563"/>
-                <dgm:constr type="w" for="ch" forName="accent_5" refType="h" refFor="ch" refForName="accent_5" op="equ"/>
-                <dgm:constr type="ctrY" for="ch" forName="accent_5" refType="h" fact="0.875"/>
-                <dgm:constr type="ctrX" for="ch" forName="accent_5" refType="w"/>
-                <dgm:constr type="ctrXOff" for="ch" forName="accent_5" refType="h" fact="-0.1082"/>
-                <dgm:constr type="r" for="ch" forName="text_5" refType="ctrX" refFor="ch" refForName="accent_5"/>
-                <dgm:constr type="rOff" for="ch" forName="text_5" refType="ctrXOff" refFor="ch" refForName="accent_5"/>
-                <dgm:constr type="l" for="ch" forName="text_5"/>
-                <dgm:constr type="w" for="ch" forName="text_5" refType="h" refFor="ch" refForName="text_5" op="gte"/>
-                <dgm:constr type="h" for="ch" forName="text_5" refType="h" refFor="ch" refForName="accent_5" fact="0.8"/>
-                <dgm:constr type="ctrY" for="ch" forName="text_5" refType="ctrY" refFor="ch" refForName="accent_5"/>
-                <dgm:constr type="rMarg" for="ch" forName="text_5" refType="w" refFor="ch" refForName="accent_5" fact="1.8"/>
-                <dgm:constr type="primFontSz" for="ch" ptType="node" op="equ" val="65"/>
-              </dgm:constrLst>
-            </dgm:if>
-            <dgm:if name="Name19" axis="ch" ptType="node" func="cnt" op="equ" val="6">
-              <dgm:constrLst>
-                <dgm:constr type="h" for="ch" forName="cycle" refType="h"/>
-                <dgm:constr type="w" for="ch" forName="cycle" refType="h" refFor="ch" refForName="cycle" fact="0.26"/>
-                <dgm:constr type="r" for="ch" forName="cycle" refType="w"/>
-                <dgm:constr type="ctrY" for="ch" forName="cycle" refType="h" fact="0.5"/>
-                <dgm:constr type="diam" for="ch" forName="cycle" refType="h" fact="1.344"/>
-                <dgm:constr type="h" for="ch" forName="accent_1" refType="h" fact="0.1316"/>
-                <dgm:constr type="w" for="ch" forName="accent_1" refType="h" refFor="ch" refForName="accent_1" op="equ"/>
-                <dgm:constr type="ctrY" for="ch" forName="accent_1" refType="h" fact="0.1053"/>
-                <dgm:constr type="ctrX" for="ch" forName="accent_1" refType="w"/>
-                <dgm:constr type="ctrXOff" for="ch" forName="accent_1" refType="h" fact="-0.0943"/>
-                <dgm:constr type="r" for="ch" forName="text_1" refType="ctrX" refFor="ch" refForName="accent_1"/>
-                <dgm:constr type="rOff" for="ch" forName="text_1" refType="ctrXOff" refFor="ch" refForName="accent_1"/>
-                <dgm:constr type="l" for="ch" forName="text_1"/>
-                <dgm:constr type="w" for="ch" forName="text_1" refType="h" refFor="ch" refForName="text_1" op="gte"/>
-                <dgm:constr type="h" for="ch" forName="text_1" refType="h" refFor="ch" refForName="accent_1" fact="0.8"/>
-                <dgm:constr type="ctrY" for="ch" forName="text_1" refType="ctrY" refFor="ch" refForName="accent_1"/>
-                <dgm:constr type="rMarg" for="ch" forName="text_1" refType="w" refFor="ch" refForName="accent_1" fact="1.8"/>
-                <dgm:constr type="h" for="ch" forName="accent_2" refType="h" fact="0.1316"/>
-                <dgm:constr type="w" for="ch" forName="accent_2" refType="h" refFor="ch" refForName="accent_2" op="equ"/>
-                <dgm:constr type="ctrY" for="ch" forName="accent_2" refType="h" fact="0.2632"/>
-                <dgm:constr type="ctrX" for="ch" forName="accent_2" refType="w"/>
-                <dgm:constr type="ctrXOff" for="ch" forName="accent_2" refType="h" fact="-0.1809"/>
-                <dgm:constr type="r" for="ch" forName="text_2" refType="ctrX" refFor="ch" refForName="accent_2"/>
-                <dgm:constr type="rOff" for="ch" forName="text_2" refType="ctrXOff" refFor="ch" refForName="accent_2"/>
-                <dgm:constr type="l" for="ch" forName="text_2"/>
-                <dgm:constr type="w" for="ch" forName="text_2" refType="h" refFor="ch" refForName="text_2" op="gte"/>
-                <dgm:constr type="h" for="ch" forName="text_2" refType="h" refFor="ch" refForName="accent_2" fact="0.8"/>
-                <dgm:constr type="ctrY" for="ch" forName="text_2" refType="ctrY" refFor="ch" refForName="accent_2"/>
-                <dgm:constr type="rMarg" for="ch" forName="text_2" refType="w" refFor="ch" refForName="accent_2" fact="1.8"/>
-                <dgm:constr type="h" for="ch" forName="accent_3" refType="h" fact="0.1316"/>
-                <dgm:constr type="w" for="ch" forName="accent_3" refType="h" refFor="ch" refForName="accent_3" op="equ"/>
-                <dgm:constr type="ctrY" for="ch" forName="accent_3" refType="h" fact="0.4211"/>
-                <dgm:constr type="ctrX" for="ch" forName="accent_3" refType="w"/>
-                <dgm:constr type="ctrXOff" for="ch" forName="accent_3" refType="h" fact="-0.2205"/>
-                <dgm:constr type="r" for="ch" forName="text_3" refType="ctrX" refFor="ch" refForName="accent_3"/>
-                <dgm:constr type="rOff" for="ch" forName="text_3" refType="ctrXOff" refFor="ch" refForName="accent_3"/>
-                <dgm:constr type="l" for="ch" forName="text_3"/>
-                <dgm:constr type="w" for="ch" forName="text_3" refType="h" refFor="ch" refForName="text_3" op="gte"/>
-                <dgm:constr type="h" for="ch" forName="text_3" refType="h" refFor="ch" refForName="accent_3" fact="0.8"/>
-                <dgm:constr type="ctrY" for="ch" forName="text_3" refType="ctrY" refFor="ch" refForName="accent_3"/>
-                <dgm:constr type="rMarg" for="ch" forName="text_3" refType="w" refFor="ch" refForName="accent_3" fact="1.8"/>
-                <dgm:constr type="h" for="ch" forName="accent_4" refType="h" fact="0.1316"/>
-                <dgm:constr type="w" for="ch" forName="accent_4" refType="h" refFor="ch" refForName="accent_4" op="equ"/>
-                <dgm:constr type="ctrY" for="ch" forName="accent_4" refType="h" fact="0.5789"/>
-                <dgm:constr type="ctrX" for="ch" forName="accent_4" refType="w"/>
-                <dgm:constr type="ctrXOff" for="ch" forName="accent_4" refType="h" fact="-0.2205"/>
-                <dgm:constr type="r" for="ch" forName="text_4" refType="ctrX" refFor="ch" refForName="accent_4"/>
-                <dgm:constr type="rOff" for="ch" forName="text_4" refType="ctrXOff" refFor="ch" refForName="accent_4"/>
-                <dgm:constr type="l" for="ch" forName="text_4"/>
-                <dgm:constr type="w" for="ch" forName="text_4" refType="h" refFor="ch" refForName="text_4" op="gte"/>
-                <dgm:constr type="h" for="ch" forName="text_4" refType="h" refFor="ch" refForName="accent_4" fact="0.8"/>
-                <dgm:constr type="ctrY" for="ch" forName="text_4" refType="ctrY" refFor="ch" refForName="accent_4"/>
-                <dgm:constr type="rMarg" for="ch" forName="text_4" refType="w" refFor="ch" refForName="accent_4" fact="1.8"/>
-                <dgm:constr type="h" for="ch" forName="accent_5" refType="h" fact="0.1316"/>
-                <dgm:constr type="w" for="ch" forName="accent_5" refType="h" refFor="ch" refForName="accent_5" op="equ"/>
-                <dgm:constr type="ctrY" for="ch" forName="accent_5" refType="h" fact="0.7368"/>
-                <dgm:constr type="ctrX" for="ch" forName="accent_5" refType="w"/>
-                <dgm:constr type="ctrXOff" for="ch" forName="accent_5" refType="h" fact="-0.1809"/>
-                <dgm:constr type="r" for="ch" forName="text_5" refType="ctrX" refFor="ch" refForName="accent_5"/>
-                <dgm:constr type="rOff" for="ch" forName="text_5" refType="ctrXOff" refFor="ch" refForName="accent_5"/>
-                <dgm:constr type="l" for="ch" forName="text_5"/>
-                <dgm:constr type="w" for="ch" forName="text_5" refType="h" refFor="ch" refForName="text_5" op="gte"/>
-                <dgm:constr type="h" for="ch" forName="text_5" refType="h" refFor="ch" refForName="accent_5" fact="0.8"/>
-                <dgm:constr type="ctrY" for="ch" forName="text_5" refType="ctrY" refFor="ch" refForName="accent_5"/>
-                <dgm:constr type="rMarg" for="ch" forName="text_5" refType="w" refFor="ch" refForName="accent_5" fact="1.8"/>
-                <dgm:constr type="h" for="ch" forName="accent_6" refType="h" fact="0.1316"/>
-                <dgm:constr type="w" for="ch" forName="accent_6" refType="h" refFor="ch" refForName="accent_6" op="equ"/>
-                <dgm:constr type="ctrY" for="ch" forName="accent_6" refType="h" fact="0.8947"/>
-                <dgm:constr type="ctrX" for="ch" forName="accent_6" refType="w"/>
-                <dgm:constr type="ctrXOff" for="ch" forName="accent_6" refType="h" fact="-0.0943"/>
-                <dgm:constr type="r" for="ch" forName="text_6" refType="ctrX" refFor="ch" refForName="accent_6"/>
-                <dgm:constr type="rOff" for="ch" forName="text_6" refType="ctrXOff" refFor="ch" refForName="accent_6"/>
-                <dgm:constr type="l" for="ch" forName="text_6"/>
-                <dgm:constr type="w" for="ch" forName="text_6" refType="h" refFor="ch" refForName="text_6" op="gte"/>
-                <dgm:constr type="h" for="ch" forName="text_6" refType="h" refFor="ch" refForName="accent_6" fact="0.8"/>
-                <dgm:constr type="ctrY" for="ch" forName="text_6" refType="ctrY" refFor="ch" refForName="accent_6"/>
-                <dgm:constr type="rMarg" for="ch" forName="text_6" refType="w" refFor="ch" refForName="accent_6" fact="1.8"/>
-                <dgm:constr type="primFontSz" for="ch" ptType="node" op="equ" val="65"/>
-              </dgm:constrLst>
-            </dgm:if>
-            <dgm:else name="Name20">
-              <dgm:constrLst>
-                <dgm:constr type="h" for="ch" forName="cycle" refType="h"/>
-                <dgm:constr type="w" for="ch" forName="cycle" refType="h" refFor="ch" refForName="cycle" fact="0.26"/>
-                <dgm:constr type="r" for="ch" forName="cycle" refType="w"/>
-                <dgm:constr type="ctrY" for="ch" forName="cycle" refType="h" fact="0.5"/>
-                <dgm:constr type="diam" for="ch" forName="cycle" refType="h" fact="1.344"/>
-                <dgm:constr type="h" for="ch" forName="accent_1" refType="h" fact="0.1136"/>
-                <dgm:constr type="w" for="ch" forName="accent_1" refType="h" refFor="ch" refForName="accent_1" op="equ"/>
-                <dgm:constr type="ctrY" for="ch" forName="accent_1" refType="h" fact="0.0909"/>
-                <dgm:constr type="ctrX" for="ch" forName="accent_1" refType="w"/>
-                <dgm:constr type="ctrXOff" for="ch" forName="accent_1" refType="h" fact="-0.0835"/>
-                <dgm:constr type="r" for="ch" forName="text_1" refType="ctrX" refFor="ch" refForName="accent_1"/>
-                <dgm:constr type="rOff" for="ch" forName="text_1" refType="ctrXOff" refFor="ch" refForName="accent_1"/>
-                <dgm:constr type="l" for="ch" forName="text_1"/>
-                <dgm:constr type="w" for="ch" forName="text_1" refType="h" refFor="ch" refForName="text_1" op="gte"/>
-                <dgm:constr type="h" for="ch" forName="text_1" refType="h" refFor="ch" refForName="accent_1" fact="0.8"/>
-                <dgm:constr type="ctrY" for="ch" forName="text_1" refType="ctrY" refFor="ch" refForName="accent_1"/>
-                <dgm:constr type="rMarg" for="ch" forName="text_1" refType="w" refFor="ch" refForName="accent_1" fact="1.8"/>
-                <dgm:constr type="h" for="ch" forName="accent_2" refType="h" fact="0.1136"/>
-                <dgm:constr type="w" for="ch" forName="accent_2" refType="h" refFor="ch" refForName="accent_2" op="equ"/>
-                <dgm:constr type="ctrY" for="ch" forName="accent_2" refType="h" fact="0.2273"/>
-                <dgm:constr type="ctrX" for="ch" forName="accent_2" refType="w"/>
-                <dgm:constr type="ctrXOff" for="ch" forName="accent_2" refType="h" fact="-0.1658"/>
-                <dgm:constr type="r" for="ch" forName="text_2" refType="ctrX" refFor="ch" refForName="accent_2"/>
-                <dgm:constr type="rOff" for="ch" forName="text_2" refType="ctrXOff" refFor="ch" refForName="accent_2"/>
-                <dgm:constr type="l" for="ch" forName="text_2"/>
-                <dgm:constr type="w" for="ch" forName="text_2" refType="h" refFor="ch" refForName="text_2" op="gte"/>
-                <dgm:constr type="h" for="ch" forName="text_2" refType="h" refFor="ch" refForName="accent_2" fact="0.8"/>
-                <dgm:constr type="ctrY" for="ch" forName="text_2" refType="ctrY" refFor="ch" refForName="accent_2"/>
-                <dgm:constr type="rMarg" for="ch" forName="text_2" refType="w" refFor="ch" refForName="accent_2" fact="1.8"/>
-                <dgm:constr type="h" for="ch" forName="accent_3" refType="h" fact="0.1136"/>
-                <dgm:constr type="w" for="ch" forName="accent_3" refType="h" refFor="ch" refForName="accent_3" op="equ"/>
-                <dgm:constr type="ctrY" for="ch" forName="accent_3" refType="h" fact="0.3636"/>
-                <dgm:constr type="ctrX" for="ch" forName="accent_3" refType="w"/>
-                <dgm:constr type="ctrXOff" for="ch" forName="accent_3" refType="h" fact="-0.2109"/>
-                <dgm:constr type="r" for="ch" forName="text_3" refType="ctrX" refFor="ch" refForName="accent_3"/>
-                <dgm:constr type="rOff" for="ch" forName="text_3" refType="ctrXOff" refFor="ch" refForName="accent_3"/>
-                <dgm:constr type="l" for="ch" forName="text_3"/>
-                <dgm:constr type="w" for="ch" forName="text_3" refType="h" refFor="ch" refForName="text_3" op="gte"/>
-                <dgm:constr type="h" for="ch" forName="text_3" refType="h" refFor="ch" refForName="accent_3" fact="0.8"/>
-                <dgm:constr type="ctrY" for="ch" forName="text_3" refType="ctrY" refFor="ch" refForName="accent_3"/>
-                <dgm:constr type="rMarg" for="ch" forName="text_3" refType="w" refFor="ch" refForName="accent_3" fact="1.8"/>
-                <dgm:constr type="h" for="ch" forName="accent_4" refType="h" fact="0.1136"/>
-                <dgm:constr type="w" for="ch" forName="accent_4" refType="h" refFor="ch" refForName="accent_4" op="equ"/>
-                <dgm:constr type="ctrY" for="ch" forName="accent_4" refType="h" fact="0.5"/>
-                <dgm:constr type="ctrX" for="ch" forName="accent_4" refType="w"/>
-                <dgm:constr type="ctrXOff" for="ch" forName="accent_4" refType="h" fact="-0.2253"/>
-                <dgm:constr type="r" for="ch" forName="text_4" refType="ctrX" refFor="ch" refForName="accent_4"/>
-                <dgm:constr type="rOff" for="ch" forName="text_4" refType="ctrXOff" refFor="ch" refForName="accent_4"/>
-                <dgm:constr type="l" for="ch" forName="text_4"/>
-                <dgm:constr type="w" for="ch" forName="text_4" refType="h" refFor="ch" refForName="text_4" op="gte"/>
-                <dgm:constr type="h" for="ch" forName="text_4" refType="h" refFor="ch" refForName="accent_4" fact="0.8"/>
-                <dgm:constr type="ctrY" for="ch" forName="text_4" refType="ctrY" refFor="ch" refForName="accent_4"/>
-                <dgm:constr type="rMarg" for="ch" forName="text_4" refType="w" refFor="ch" refForName="accent_4" fact="1.8"/>
-                <dgm:constr type="h" for="ch" forName="accent_5" refType="h" fact="0.1136"/>
-                <dgm:constr type="w" for="ch" forName="accent_5" refType="h" refFor="ch" refForName="accent_5" op="equ"/>
-                <dgm:constr type="ctrY" for="ch" forName="accent_5" refType="h" fact="0.6364"/>
-                <dgm:constr type="ctrX" for="ch" forName="accent_5" refType="w"/>
-                <dgm:constr type="ctrXOff" for="ch" forName="accent_5" refType="h" fact="-0.2109"/>
-                <dgm:constr type="r" for="ch" forName="text_5" refType="ctrX" refFor="ch" refForName="accent_5"/>
-                <dgm:constr type="rOff" for="ch" forName="text_5" refType="ctrXOff" refFor="ch" refForName="accent_5"/>
-                <dgm:constr type="l" for="ch" forName="text_5"/>
-                <dgm:constr type="w" for="ch" forName="text_5" refType="h" refFor="ch" refForName="text_5" op="gte"/>
-                <dgm:constr type="h" for="ch" forName="text_5" refType="h" refFor="ch" refForName="accent_5" fact="0.8"/>
-                <dgm:constr type="ctrY" for="ch" forName="text_5" refType="ctrY" refFor="ch" refForName="accent_5"/>
-                <dgm:constr type="rMarg" for="ch" forName="text_5" refType="w" refFor="ch" refForName="accent_5" fact="1.8"/>
-                <dgm:constr type="h" for="ch" forName="accent_6" refType="h" fact="0.1136"/>
-                <dgm:constr type="w" for="ch" forName="accent_6" refType="h" refFor="ch" refForName="accent_6" op="equ"/>
-                <dgm:constr type="ctrY" for="ch" forName="accent_6" refType="h" fact="0.7727"/>
-                <dgm:constr type="ctrX" for="ch" forName="accent_6" refType="w"/>
-                <dgm:constr type="ctrXOff" for="ch" forName="accent_6" refType="h" fact="-0.1658"/>
-                <dgm:constr type="r" for="ch" forName="text_6" refType="ctrX" refFor="ch" refForName="accent_6"/>
-                <dgm:constr type="rOff" for="ch" forName="text_6" refType="ctrXOff" refFor="ch" refForName="accent_6"/>
-                <dgm:constr type="l" for="ch" forName="text_6"/>
-                <dgm:constr type="w" for="ch" forName="text_6" refType="h" refFor="ch" refForName="text_6" op="gte"/>
-                <dgm:constr type="h" for="ch" forName="text_6" refType="h" refFor="ch" refForName="accent_6" fact="0.8"/>
-                <dgm:constr type="ctrY" for="ch" forName="text_6" refType="ctrY" refFor="ch" refForName="accent_6"/>
-                <dgm:constr type="rMarg" for="ch" forName="text_6" refType="w" refFor="ch" refForName="accent_6" fact="1.8"/>
-                <dgm:constr type="h" for="ch" forName="accent_7" refType="h" fact="0.1136"/>
-                <dgm:constr type="w" for="ch" forName="accent_7" refType="h" refFor="ch" refForName="accent_7" op="equ"/>
-                <dgm:constr type="ctrY" for="ch" forName="accent_7" refType="h" fact="0.9091"/>
-                <dgm:constr type="ctrX" for="ch" forName="accent_7" refType="w"/>
-                <dgm:constr type="ctrXOff" for="ch" forName="accent_7" refType="h" fact="-0.0835"/>
-                <dgm:constr type="r" for="ch" forName="text_7" refType="ctrX" refFor="ch" refForName="accent_7"/>
-                <dgm:constr type="rOff" for="ch" forName="text_7" refType="ctrXOff" refFor="ch" refForName="accent_7"/>
-                <dgm:constr type="l" for="ch" forName="text_7"/>
-                <dgm:constr type="w" for="ch" forName="text_7" refType="h" refFor="ch" refForName="text_7" op="gte"/>
-                <dgm:constr type="h" for="ch" forName="text_7" refType="h" refFor="ch" refForName="accent_7" fact="0.8"/>
-                <dgm:constr type="ctrY" for="ch" forName="text_7" refType="ctrY" refFor="ch" refForName="accent_7"/>
-                <dgm:constr type="rMarg" for="ch" forName="text_7" refType="w" refFor="ch" refForName="accent_7" fact="1.8"/>
-                <dgm:constr type="primFontSz" for="ch" ptType="node" op="equ" val="65"/>
-              </dgm:constrLst>
-            </dgm:else>
-          </dgm:choose>
-        </dgm:else>
-      </dgm:choose>
-      <dgm:layoutNode name="cycle">
-        <dgm:choose name="Name21">
-          <dgm:if name="Name22" func="var" arg="dir" op="equ" val="norm">
-            <dgm:alg type="cycle">
-              <dgm:param type="stAng" val="45"/>
-              <dgm:param type="spanAng" val="90"/>
-            </dgm:alg>
-          </dgm:if>
-          <dgm:else name="Name23">
-            <dgm:alg type="cycle">
-              <dgm:param type="stAng" val="225"/>
-              <dgm:param type="spanAng" val="90"/>
-            </dgm:alg>
-          </dgm:else>
-        </dgm:choose>
-        <dgm:shape xmlns:r="http://schemas.openxmlformats.org/officeDocument/2006/relationships" r:blip="">
-          <dgm:adjLst/>
-        </dgm:shape>
-        <dgm:presOf/>
-        <dgm:constrLst>
-          <dgm:constr type="w" for="ch" val="1"/>
-          <dgm:constr type="h" for="ch" val="1"/>
-          <dgm:constr type="diam" for="ch" forName="conn" refType="diam"/>
-        </dgm:constrLst>
-        <dgm:layoutNode name="srcNode">
-          <dgm:alg type="sp"/>
-          <dgm:shape xmlns:r="http://schemas.openxmlformats.org/officeDocument/2006/relationships" type="rect" r:blip="" hideGeom="1">
-            <dgm:adjLst/>
-          </dgm:shape>
-          <dgm:presOf/>
-        </dgm:layoutNode>
-        <dgm:layoutNode name="conn" styleLbl="parChTrans1D2">
-          <dgm:alg type="conn">
-            <dgm:param type="connRout" val="curve"/>
-            <dgm:param type="srcNode" val="srcNode"/>
-            <dgm:param type="dstNode" val="dstNode"/>
-            <dgm:param type="begPts" val="ctr"/>
-            <dgm:param type="endPts" val="ctr"/>
-            <dgm:param type="endSty" val="noArr"/>
-          </dgm:alg>
-          <dgm:shape xmlns:r="http://schemas.openxmlformats.org/officeDocument/2006/relationships" type="conn" r:blip="">
-            <dgm:adjLst/>
-          </dgm:shape>
-          <dgm:presOf axis="desOrSelf" ptType="sibTrans" hideLastTrans="0" st="0" cnt="1"/>
-          <dgm:constrLst>
-            <dgm:constr type="begPad"/>
-            <dgm:constr type="endPad"/>
-          </dgm:constrLst>
-        </dgm:layoutNode>
-        <dgm:layoutNode name="extraNode">
-          <dgm:alg type="sp"/>
-          <dgm:shape xmlns:r="http://schemas.openxmlformats.org/officeDocument/2006/relationships" type="rect" r:blip="" hideGeom="1">
-            <dgm:adjLst/>
-          </dgm:shape>
-          <dgm:presOf/>
-        </dgm:layoutNode>
-        <dgm:layoutNode name="dstNode">
-          <dgm:alg type="sp"/>
-          <dgm:shape xmlns:r="http://schemas.openxmlformats.org/officeDocument/2006/relationships" type="rect" r:blip="" hideGeom="1">
-            <dgm:adjLst/>
-          </dgm:shape>
-          <dgm:presOf/>
-        </dgm:layoutNode>
-      </dgm:layoutNode>
-      <dgm:forEach name="wrapper" axis="self" ptType="parTrans">
-        <dgm:forEach name="wrapper2" axis="self" ptType="sibTrans" st="2">
-          <dgm:forEach name="accentRepeat" axis="self">
-            <dgm:layoutNode name="accentRepeatNode" styleLbl="solidFgAcc1">
-              <dgm:alg type="sp"/>
-              <dgm:shape xmlns:r="http://schemas.openxmlformats.org/officeDocument/2006/relationships" type="ellipse" r:blip="">
-                <dgm:adjLst/>
-              </dgm:shape>
-              <dgm:presOf/>
-            </dgm:layoutNode>
-          </dgm:forEach>
-        </dgm:forEach>
-      </dgm:forEach>
-      <dgm:forEach name="Name24" axis="ch" ptType="node" cnt="1">
-        <dgm:layoutNode name="text_1" styleLbl="node1">
-          <dgm:varLst>
-            <dgm:bulletEnabled val="1"/>
-          </dgm:varLst>
-          <dgm:choose name="Name25">
-            <dgm:if name="Name26" func="var" arg="dir" op="equ" val="norm">
-              <dgm:alg type="tx">
-                <dgm:param type="parTxLTRAlign" val="l"/>
-                <dgm:param type="shpTxLTRAlignCh" val="l"/>
-                <dgm:param type="parTxRTLAlign" val="l"/>
-                <dgm:param type="shpTxRTLAlignCh" val="l"/>
-              </dgm:alg>
-            </dgm:if>
-            <dgm:else name="Name27">
-              <dgm:alg type="tx">
-                <dgm:param type="parTxLTRAlign" val="r"/>
-                <dgm:param type="shpTxLTRAlignCh" val="r"/>
-                <dgm:param type="parTxRTLAlign" val="r"/>
-                <dgm:param type="shpTxRTLAlignCh" val="r"/>
-              </dgm:alg>
-            </dgm:else>
-          </dgm:choose>
-          <dgm:shape xmlns:r="http://schemas.openxmlformats.org/officeDocument/2006/relationships" type="rect" r:blip="">
-            <dgm:adjLst/>
-          </dgm:shape>
-          <dgm:presOf axis="desOrSelf" ptType="node"/>
-          <dgm:constrLst>
-            <dgm:constr type="primFontSz" val="65"/>
-            <dgm:constr type="lMarg" refType="primFontSz" fact="0.2"/>
-            <dgm:constr type="rMarg" refType="primFontSz" fact="0.2"/>
-            <dgm:constr type="tMarg" refType="primFontSz" fact="0.2"/>
-            <dgm:constr type="bMarg" refType="primFontSz" fact="0.2"/>
-          </dgm:constrLst>
-          <dgm:ruleLst>
-            <dgm:rule type="primFontSz" val="5" fact="NaN" max="NaN"/>
-          </dgm:ruleLst>
-        </dgm:layoutNode>
-        <dgm:layoutNode name="accent_1">
-          <dgm:alg type="sp"/>
-          <dgm:shape xmlns:r="http://schemas.openxmlformats.org/officeDocument/2006/relationships" r:blip="">
-            <dgm:adjLst/>
-          </dgm:shape>
-          <dgm:presOf/>
-          <dgm:constrLst/>
-          <dgm:forEach name="Name28" ref="accentRepeat"/>
-        </dgm:layoutNode>
-      </dgm:forEach>
-      <dgm:forEach name="Name29" axis="ch" ptType="node" st="2" cnt="1">
-        <dgm:layoutNode name="text_2" styleLbl="node1">
-          <dgm:varLst>
-            <dgm:bulletEnabled val="1"/>
-          </dgm:varLst>
-          <dgm:choose name="Name30">
-            <dgm:if name="Name31" func="var" arg="dir" op="equ" val="norm">
-              <dgm:alg type="tx">
-                <dgm:param type="parTxLTRAlign" val="l"/>
-                <dgm:param type="shpTxLTRAlignCh" val="l"/>
-                <dgm:param type="parTxRTLAlign" val="l"/>
-                <dgm:param type="shpTxRTLAlignCh" val="l"/>
-              </dgm:alg>
-            </dgm:if>
-            <dgm:else name="Name32">
-              <dgm:alg type="tx">
-                <dgm:param type="parTxLTRAlign" val="r"/>
-                <dgm:param type="shpTxLTRAlignCh" val="r"/>
-                <dgm:param type="parTxRTLAlign" val="r"/>
-                <dgm:param type="shpTxRTLAlignCh" val="r"/>
-              </dgm:alg>
-            </dgm:else>
-          </dgm:choose>
-          <dgm:shape xmlns:r="http://schemas.openxmlformats.org/officeDocument/2006/relationships" type="rect" r:blip="">
-            <dgm:adjLst/>
-          </dgm:shape>
-          <dgm:presOf axis="desOrSelf" ptType="node"/>
-          <dgm:constrLst>
-            <dgm:constr type="primFontSz" val="65"/>
-            <dgm:constr type="lMarg" refType="primFontSz" fact="0.2"/>
-            <dgm:constr type="rMarg" refType="primFontSz" fact="0.2"/>
-            <dgm:constr type="tMarg" refType="primFontSz" fact="0.2"/>
-            <dgm:constr type="bMarg" refType="primFontSz" fact="0.2"/>
-          </dgm:constrLst>
-          <dgm:ruleLst>
-            <dgm:rule type="primFontSz" val="5" fact="NaN" max="NaN"/>
-          </dgm:ruleLst>
-        </dgm:layoutNode>
-        <dgm:layoutNode name="accent_2">
-          <dgm:alg type="sp"/>
-          <dgm:shape xmlns:r="http://schemas.openxmlformats.org/officeDocument/2006/relationships" r:blip="">
-            <dgm:adjLst/>
-          </dgm:shape>
-          <dgm:presOf/>
-          <dgm:constrLst/>
-          <dgm:forEach name="Name33" ref="accentRepeat"/>
-        </dgm:layoutNode>
-      </dgm:forEach>
-      <dgm:forEach name="Name34" axis="ch" ptType="node" st="3" cnt="1">
-        <dgm:layoutNode name="text_3" styleLbl="node1">
-          <dgm:varLst>
-            <dgm:bulletEnabled val="1"/>
-          </dgm:varLst>
-          <dgm:choose name="Name35">
-            <dgm:if name="Name36" func="var" arg="dir" op="equ" val="norm">
-              <dgm:alg type="tx">
-                <dgm:param type="parTxLTRAlign" val="l"/>
-                <dgm:param type="shpTxLTRAlignCh" val="l"/>
-                <dgm:param type="parTxRTLAlign" val="l"/>
-                <dgm:param type="shpTxRTLAlignCh" val="l"/>
-              </dgm:alg>
-            </dgm:if>
-            <dgm:else name="Name37">
-              <dgm:alg type="tx">
-                <dgm:param type="parTxLTRAlign" val="r"/>
-                <dgm:param type="shpTxLTRAlignCh" val="r"/>
-                <dgm:param type="parTxRTLAlign" val="r"/>
-                <dgm:param type="shpTxRTLAlignCh" val="r"/>
-              </dgm:alg>
-            </dgm:else>
-          </dgm:choose>
-          <dgm:shape xmlns:r="http://schemas.openxmlformats.org/officeDocument/2006/relationships" type="rect" r:blip="">
-            <dgm:adjLst/>
-          </dgm:shape>
-          <dgm:presOf axis="desOrSelf" ptType="node"/>
-          <dgm:constrLst>
-            <dgm:constr type="primFontSz" val="65"/>
-            <dgm:constr type="lMarg" refType="primFontSz" fact="0.2"/>
-            <dgm:constr type="rMarg" refType="primFontSz" fact="0.2"/>
-            <dgm:constr type="tMarg" refType="primFontSz" fact="0.2"/>
-            <dgm:constr type="bMarg" refType="primFontSz" fact="0.2"/>
-          </dgm:constrLst>
-          <dgm:ruleLst>
-            <dgm:rule type="primFontSz" val="5" fact="NaN" max="NaN"/>
-          </dgm:ruleLst>
-        </dgm:layoutNode>
-        <dgm:layoutNode name="accent_3">
-          <dgm:alg type="sp"/>
-          <dgm:shape xmlns:r="http://schemas.openxmlformats.org/officeDocument/2006/relationships" r:blip="">
-            <dgm:adjLst/>
-          </dgm:shape>
-          <dgm:presOf/>
-          <dgm:constrLst/>
-          <dgm:forEach name="Name38" ref="accentRepeat"/>
-        </dgm:layoutNode>
-      </dgm:forEach>
-      <dgm:forEach name="Name39" axis="ch" ptType="node" st="4" cnt="1">
-        <dgm:layoutNode name="text_4" styleLbl="node1">
-          <dgm:varLst>
-            <dgm:bulletEnabled val="1"/>
-          </dgm:varLst>
-          <dgm:choose name="Name40">
-            <dgm:if name="Name41" func="var" arg="dir" op="equ" val="norm">
-              <dgm:alg type="tx">
-                <dgm:param type="parTxLTRAlign" val="l"/>
-                <dgm:param type="shpTxLTRAlignCh" val="l"/>
-                <dgm:param type="parTxRTLAlign" val="l"/>
-                <dgm:param type="shpTxRTLAlignCh" val="l"/>
-              </dgm:alg>
-            </dgm:if>
-            <dgm:else name="Name42">
-              <dgm:alg type="tx">
-                <dgm:param type="parTxLTRAlign" val="r"/>
-                <dgm:param type="shpTxLTRAlignCh" val="r"/>
-                <dgm:param type="parTxRTLAlign" val="r"/>
-                <dgm:param type="shpTxRTLAlignCh" val="r"/>
-              </dgm:alg>
-            </dgm:else>
-          </dgm:choose>
-          <dgm:shape xmlns:r="http://schemas.openxmlformats.org/officeDocument/2006/relationships" type="rect" r:blip="">
-            <dgm:adjLst/>
-          </dgm:shape>
-          <dgm:presOf axis="desOrSelf" ptType="node"/>
-          <dgm:constrLst>
-            <dgm:constr type="primFontSz" val="65"/>
-            <dgm:constr type="lMarg" refType="primFontSz" fact="0.2"/>
-            <dgm:constr type="rMarg" refType="primFontSz" fact="0.2"/>
-            <dgm:constr type="tMarg" refType="primFontSz" fact="0.2"/>
-            <dgm:constr type="bMarg" refType="primFontSz" fact="0.2"/>
-          </dgm:constrLst>
-          <dgm:ruleLst>
-            <dgm:rule type="primFontSz" val="5" fact="NaN" max="NaN"/>
-          </dgm:ruleLst>
-        </dgm:layoutNode>
-        <dgm:layoutNode name="accent_4">
-          <dgm:alg type="sp"/>
-          <dgm:shape xmlns:r="http://schemas.openxmlformats.org/officeDocument/2006/relationships" r:blip="">
-            <dgm:adjLst/>
-          </dgm:shape>
-          <dgm:presOf/>
-          <dgm:constrLst/>
-          <dgm:forEach name="Name43" ref="accentRepeat"/>
-        </dgm:layoutNode>
-      </dgm:forEach>
-      <dgm:forEach name="Name44" axis="ch" ptType="node" st="5" cnt="1">
-        <dgm:layoutNode name="text_5" styleLbl="node1">
-          <dgm:varLst>
-            <dgm:bulletEnabled val="1"/>
-          </dgm:varLst>
-          <dgm:choose name="Name45">
-            <dgm:if name="Name46" func="var" arg="dir" op="equ" val="norm">
-              <dgm:alg type="tx">
-                <dgm:param type="parTxLTRAlign" val="l"/>
-                <dgm:param type="shpTxLTRAlignCh" val="l"/>
-                <dgm:param type="parTxRTLAlign" val="l"/>
-                <dgm:param type="shpTxRTLAlignCh" val="l"/>
-              </dgm:alg>
-            </dgm:if>
-            <dgm:else name="Name47">
-              <dgm:alg type="tx">
-                <dgm:param type="parTxLTRAlign" val="r"/>
-                <dgm:param type="shpTxLTRAlignCh" val="r"/>
-                <dgm:param type="parTxRTLAlign" val="r"/>
-                <dgm:param type="shpTxRTLAlignCh" val="r"/>
-              </dgm:alg>
-            </dgm:else>
-          </dgm:choose>
-          <dgm:shape xmlns:r="http://schemas.openxmlformats.org/officeDocument/2006/relationships" type="rect" r:blip="">
-            <dgm:adjLst/>
-          </dgm:shape>
-          <dgm:presOf axis="desOrSelf" ptType="node"/>
-          <dgm:constrLst>
-            <dgm:constr type="primFontSz" val="65"/>
-            <dgm:constr type="lMarg" refType="primFontSz" fact="0.2"/>
-            <dgm:constr type="rMarg" refType="primFontSz" fact="0.2"/>
-            <dgm:constr type="tMarg" refType="primFontSz" fact="0.2"/>
-            <dgm:constr type="bMarg" refType="primFontSz" fact="0.2"/>
-          </dgm:constrLst>
-          <dgm:ruleLst>
-            <dgm:rule type="primFontSz" val="5" fact="NaN" max="NaN"/>
-          </dgm:ruleLst>
-        </dgm:layoutNode>
-        <dgm:layoutNode name="accent_5">
-          <dgm:alg type="sp"/>
-          <dgm:shape xmlns:r="http://schemas.openxmlformats.org/officeDocument/2006/relationships" r:blip="">
-            <dgm:adjLst/>
-          </dgm:shape>
-          <dgm:presOf/>
-          <dgm:constrLst/>
-          <dgm:forEach name="Name48" ref="accentRepeat"/>
-        </dgm:layoutNode>
-      </dgm:forEach>
-      <dgm:forEach name="Name49" axis="ch" ptType="node" st="6" cnt="1">
-        <dgm:layoutNode name="text_6" styleLbl="node1">
-          <dgm:varLst>
-            <dgm:bulletEnabled val="1"/>
-          </dgm:varLst>
-          <dgm:choose name="Name50">
-            <dgm:if name="Name51" func="var" arg="dir" op="equ" val="norm">
-              <dgm:alg type="tx">
-                <dgm:param type="parTxLTRAlign" val="l"/>
-                <dgm:param type="shpTxLTRAlignCh" val="l"/>
-                <dgm:param type="parTxRTLAlign" val="l"/>
-                <dgm:param type="shpTxRTLAlignCh" val="l"/>
-              </dgm:alg>
-            </dgm:if>
-            <dgm:else name="Name52">
-              <dgm:alg type="tx">
-                <dgm:param type="parTxLTRAlign" val="r"/>
-                <dgm:param type="shpTxLTRAlignCh" val="r"/>
-                <dgm:param type="parTxRTLAlign" val="r"/>
-                <dgm:param type="shpTxRTLAlignCh" val="r"/>
-              </dgm:alg>
-            </dgm:else>
-          </dgm:choose>
-          <dgm:shape xmlns:r="http://schemas.openxmlformats.org/officeDocument/2006/relationships" type="rect" r:blip="">
-            <dgm:adjLst/>
-          </dgm:shape>
-          <dgm:presOf axis="desOrSelf" ptType="node"/>
-          <dgm:constrLst>
-            <dgm:constr type="primFontSz" val="65"/>
-            <dgm:constr type="lMarg" refType="primFontSz" fact="0.2"/>
-            <dgm:constr type="rMarg" refType="primFontSz" fact="0.2"/>
-            <dgm:constr type="tMarg" refType="primFontSz" fact="0.2"/>
-            <dgm:constr type="bMarg" refType="primFontSz" fact="0.2"/>
-          </dgm:constrLst>
-          <dgm:ruleLst>
-            <dgm:rule type="primFontSz" val="5" fact="NaN" max="NaN"/>
-          </dgm:ruleLst>
-        </dgm:layoutNode>
-        <dgm:layoutNode name="accent_6">
-          <dgm:alg type="sp"/>
-          <dgm:shape xmlns:r="http://schemas.openxmlformats.org/officeDocument/2006/relationships" r:blip="">
-            <dgm:adjLst/>
-          </dgm:shape>
-          <dgm:presOf/>
-          <dgm:constrLst/>
-          <dgm:forEach name="Name53" ref="accentRepeat"/>
-        </dgm:layoutNode>
-      </dgm:forEach>
-      <dgm:forEach name="Name54" axis="ch" ptType="node" st="7" cnt="1">
-        <dgm:layoutNode name="text_7" styleLbl="node1">
-          <dgm:varLst>
-            <dgm:bulletEnabled val="1"/>
-          </dgm:varLst>
-          <dgm:choose name="Name55">
-            <dgm:if name="Name56" func="var" arg="dir" op="equ" val="norm">
-              <dgm:alg type="tx">
-                <dgm:param type="parTxLTRAlign" val="l"/>
-                <dgm:param type="shpTxLTRAlignCh" val="l"/>
-                <dgm:param type="parTxRTLAlign" val="l"/>
-                <dgm:param type="shpTxRTLAlignCh" val="l"/>
-              </dgm:alg>
-            </dgm:if>
-            <dgm:else name="Name57">
-              <dgm:alg type="tx">
-                <dgm:param type="parTxLTRAlign" val="r"/>
-                <dgm:param type="shpTxLTRAlignCh" val="r"/>
-                <dgm:param type="parTxRTLAlign" val="r"/>
-                <dgm:param type="shpTxRTLAlignCh" val="r"/>
-              </dgm:alg>
-            </dgm:else>
-          </dgm:choose>
-          <dgm:shape xmlns:r="http://schemas.openxmlformats.org/officeDocument/2006/relationships" type="rect" r:blip="">
-            <dgm:adjLst/>
-          </dgm:shape>
-          <dgm:presOf axis="desOrSelf" ptType="node"/>
-          <dgm:constrLst>
-            <dgm:constr type="primFontSz" val="65"/>
-            <dgm:constr type="lMarg" refType="primFontSz" fact="0.2"/>
-            <dgm:constr type="rMarg" refType="primFontSz" fact="0.2"/>
-            <dgm:constr type="tMarg" refType="primFontSz" fact="0.2"/>
-            <dgm:constr type="bMarg" refType="primFontSz" fact="0.2"/>
-          </dgm:constrLst>
-          <dgm:ruleLst>
-            <dgm:rule type="primFontSz" val="5" fact="NaN" max="NaN"/>
-          </dgm:ruleLst>
-        </dgm:layoutNode>
-        <dgm:layoutNode name="accent_7">
-          <dgm:alg type="sp"/>
-          <dgm:shape xmlns:r="http://schemas.openxmlformats.org/officeDocument/2006/relationships" r:blip="">
-            <dgm:adjLst/>
-          </dgm:shape>
-          <dgm:presOf/>
-          <dgm:constrLst/>
-          <dgm:forEach name="Name58" ref="accentRepeat"/>
-        </dgm:layoutNode>
-      </dgm:forEach>
-    </dgm:layoutNode>
-  </dgm:layoutNode>
-</dgm:layoutDef>
-</file>
-
 <file path=ppt/diagrams/quickStyle1.xml><?xml version="1.0" encoding="utf-8"?>
 <dgm:styleDef xmlns:dgm="http://schemas.openxmlformats.org/drawingml/2006/diagram" xmlns:a="http://schemas.openxmlformats.org/drawingml/2006/main" uniqueId="urn:microsoft.com/office/officeart/2005/8/quickstyle/3d2">
   <dgm:title val=""/>
@@ -12407,1268 +9523,6 @@
 </file>
 
 <file path=ppt/diagrams/quickStyle3.xml><?xml version="1.0" encoding="utf-8"?>
-<dgm:styleDef xmlns:dgm="http://schemas.openxmlformats.org/drawingml/2006/diagram" xmlns:a="http://schemas.openxmlformats.org/drawingml/2006/main" uniqueId="urn:microsoft.com/office/officeart/2005/8/quickstyle/3d2">
-  <dgm:title val=""/>
-  <dgm:desc val=""/>
-  <dgm:catLst>
-    <dgm:cat type="3D" pri="11200"/>
-  </dgm:catLst>
-  <dgm:scene3d>
-    <a:camera prst="orthographicFront"/>
-    <a:lightRig rig="threePt" dir="t"/>
-  </dgm:scene3d>
-  <dgm:styleLbl name="node0">
-    <dgm:scene3d>
-      <a:camera prst="orthographicFront"/>
-      <a:lightRig rig="threePt" dir="t">
-        <a:rot lat="0" lon="0" rev="7500000"/>
-      </a:lightRig>
-    </dgm:scene3d>
-    <dgm:sp3d prstMaterial="plastic">
-      <a:bevelT w="127000" h="25400" prst="relaxedInset"/>
-    </dgm:sp3d>
-    <dgm:txPr/>
-    <dgm:style>
-      <a:lnRef idx="0">
-        <a:scrgbClr r="0" g="0" b="0"/>
-      </a:lnRef>
-      <a:fillRef idx="3">
-        <a:scrgbClr r="0" g="0" b="0"/>
-      </a:fillRef>
-      <a:effectRef idx="2">
-        <a:scrgbClr r="0" g="0" b="0"/>
-      </a:effectRef>
-      <a:fontRef idx="minor">
-        <a:schemeClr val="lt1"/>
-      </a:fontRef>
-    </dgm:style>
-  </dgm:styleLbl>
-  <dgm:styleLbl name="lnNode1">
-    <dgm:scene3d>
-      <a:camera prst="orthographicFront"/>
-      <a:lightRig rig="threePt" dir="t">
-        <a:rot lat="0" lon="0" rev="7500000"/>
-      </a:lightRig>
-    </dgm:scene3d>
-    <dgm:sp3d prstMaterial="plastic">
-      <a:bevelT w="127000" h="25400" prst="relaxedInset"/>
-    </dgm:sp3d>
-    <dgm:txPr/>
-    <dgm:style>
-      <a:lnRef idx="1">
-        <a:scrgbClr r="0" g="0" b="0"/>
-      </a:lnRef>
-      <a:fillRef idx="3">
-        <a:scrgbClr r="0" g="0" b="0"/>
-      </a:fillRef>
-      <a:effectRef idx="2">
-        <a:scrgbClr r="0" g="0" b="0"/>
-      </a:effectRef>
-      <a:fontRef idx="minor">
-        <a:schemeClr val="lt1"/>
-      </a:fontRef>
-    </dgm:style>
-  </dgm:styleLbl>
-  <dgm:styleLbl name="vennNode1">
-    <dgm:scene3d>
-      <a:camera prst="orthographicFront"/>
-      <a:lightRig rig="threePt" dir="t">
-        <a:rot lat="0" lon="0" rev="7500000"/>
-      </a:lightRig>
-    </dgm:scene3d>
-    <dgm:sp3d prstMaterial="plastic">
-      <a:bevelT w="127000" h="25400" prst="relaxedInset"/>
-    </dgm:sp3d>
-    <dgm:txPr/>
-    <dgm:style>
-      <a:lnRef idx="0">
-        <a:scrgbClr r="0" g="0" b="0"/>
-      </a:lnRef>
-      <a:fillRef idx="3">
-        <a:scrgbClr r="0" g="0" b="0"/>
-      </a:fillRef>
-      <a:effectRef idx="2">
-        <a:scrgbClr r="0" g="0" b="0"/>
-      </a:effectRef>
-      <a:fontRef idx="minor">
-        <a:schemeClr val="tx1"/>
-      </a:fontRef>
-    </dgm:style>
-  </dgm:styleLbl>
-  <dgm:styleLbl name="alingNode1">
-    <dgm:scene3d>
-      <a:camera prst="orthographicFront"/>
-      <a:lightRig rig="threePt" dir="t">
-        <a:rot lat="0" lon="0" rev="7500000"/>
-      </a:lightRig>
-    </dgm:scene3d>
-    <dgm:sp3d prstMaterial="plastic">
-      <a:bevelT w="127000" h="25400" prst="relaxedInset"/>
-    </dgm:sp3d>
-    <dgm:txPr/>
-    <dgm:style>
-      <a:lnRef idx="0">
-        <a:scrgbClr r="0" g="0" b="0"/>
-      </a:lnRef>
-      <a:fillRef idx="3">
-        <a:scrgbClr r="0" g="0" b="0"/>
-      </a:fillRef>
-      <a:effectRef idx="2">
-        <a:scrgbClr r="0" g="0" b="0"/>
-      </a:effectRef>
-      <a:fontRef idx="minor">
-        <a:schemeClr val="lt1"/>
-      </a:fontRef>
-    </dgm:style>
-  </dgm:styleLbl>
-  <dgm:styleLbl name="node1">
-    <dgm:scene3d>
-      <a:camera prst="orthographicFront"/>
-      <a:lightRig rig="threePt" dir="t">
-        <a:rot lat="0" lon="0" rev="7500000"/>
-      </a:lightRig>
-    </dgm:scene3d>
-    <dgm:sp3d prstMaterial="plastic">
-      <a:bevelT w="127000" h="25400" prst="relaxedInset"/>
-    </dgm:sp3d>
-    <dgm:txPr/>
-    <dgm:style>
-      <a:lnRef idx="0">
-        <a:scrgbClr r="0" g="0" b="0"/>
-      </a:lnRef>
-      <a:fillRef idx="3">
-        <a:scrgbClr r="0" g="0" b="0"/>
-      </a:fillRef>
-      <a:effectRef idx="2">
-        <a:scrgbClr r="0" g="0" b="0"/>
-      </a:effectRef>
-      <a:fontRef idx="minor">
-        <a:schemeClr val="lt1"/>
-      </a:fontRef>
-    </dgm:style>
-  </dgm:styleLbl>
-  <dgm:styleLbl name="node2">
-    <dgm:scene3d>
-      <a:camera prst="orthographicFront"/>
-      <a:lightRig rig="threePt" dir="t">
-        <a:rot lat="0" lon="0" rev="7500000"/>
-      </a:lightRig>
-    </dgm:scene3d>
-    <dgm:sp3d prstMaterial="plastic">
-      <a:bevelT w="127000" h="25400" prst="relaxedInset"/>
-    </dgm:sp3d>
-    <dgm:txPr/>
-    <dgm:style>
-      <a:lnRef idx="0">
-        <a:scrgbClr r="0" g="0" b="0"/>
-      </a:lnRef>
-      <a:fillRef idx="3">
-        <a:scrgbClr r="0" g="0" b="0"/>
-      </a:fillRef>
-      <a:effectRef idx="2">
-        <a:scrgbClr r="0" g="0" b="0"/>
-      </a:effectRef>
-      <a:fontRef idx="minor">
-        <a:schemeClr val="lt1"/>
-      </a:fontRef>
-    </dgm:style>
-  </dgm:styleLbl>
-  <dgm:styleLbl name="node3">
-    <dgm:scene3d>
-      <a:camera prst="orthographicFront"/>
-      <a:lightRig rig="threePt" dir="t">
-        <a:rot lat="0" lon="0" rev="7500000"/>
-      </a:lightRig>
-    </dgm:scene3d>
-    <dgm:sp3d prstMaterial="plastic">
-      <a:bevelT w="127000" h="25400" prst="relaxedInset"/>
-    </dgm:sp3d>
-    <dgm:txPr/>
-    <dgm:style>
-      <a:lnRef idx="0">
-        <a:scrgbClr r="0" g="0" b="0"/>
-      </a:lnRef>
-      <a:fillRef idx="3">
-        <a:scrgbClr r="0" g="0" b="0"/>
-      </a:fillRef>
-      <a:effectRef idx="2">
-        <a:scrgbClr r="0" g="0" b="0"/>
-      </a:effectRef>
-      <a:fontRef idx="minor">
-        <a:schemeClr val="lt1"/>
-      </a:fontRef>
-    </dgm:style>
-  </dgm:styleLbl>
-  <dgm:styleLbl name="node4">
-    <dgm:scene3d>
-      <a:camera prst="orthographicFront"/>
-      <a:lightRig rig="threePt" dir="t">
-        <a:rot lat="0" lon="0" rev="7500000"/>
-      </a:lightRig>
-    </dgm:scene3d>
-    <dgm:sp3d prstMaterial="plastic">
-      <a:bevelT w="127000" h="25400" prst="relaxedInset"/>
-    </dgm:sp3d>
-    <dgm:txPr/>
-    <dgm:style>
-      <a:lnRef idx="0">
-        <a:scrgbClr r="0" g="0" b="0"/>
-      </a:lnRef>
-      <a:fillRef idx="3">
-        <a:scrgbClr r="0" g="0" b="0"/>
-      </a:fillRef>
-      <a:effectRef idx="2">
-        <a:scrgbClr r="0" g="0" b="0"/>
-      </a:effectRef>
-      <a:fontRef idx="minor">
-        <a:schemeClr val="lt1"/>
-      </a:fontRef>
-    </dgm:style>
-  </dgm:styleLbl>
-  <dgm:styleLbl name="fgImgPlace1">
-    <dgm:scene3d>
-      <a:camera prst="orthographicFront"/>
-      <a:lightRig rig="threePt" dir="t">
-        <a:rot lat="0" lon="0" rev="7500000"/>
-      </a:lightRig>
-    </dgm:scene3d>
-    <dgm:sp3d z="152400" extrusionH="63500" prstMaterial="matte">
-      <a:bevelT w="50800" h="19050" prst="relaxedInset"/>
-      <a:contourClr>
-        <a:schemeClr val="bg1"/>
-      </a:contourClr>
-    </dgm:sp3d>
-    <dgm:txPr/>
-    <dgm:style>
-      <a:lnRef idx="0">
-        <a:scrgbClr r="0" g="0" b="0"/>
-      </a:lnRef>
-      <a:fillRef idx="1">
-        <a:scrgbClr r="0" g="0" b="0"/>
-      </a:fillRef>
-      <a:effectRef idx="0">
-        <a:scrgbClr r="0" g="0" b="0"/>
-      </a:effectRef>
-      <a:fontRef idx="minor"/>
-    </dgm:style>
-  </dgm:styleLbl>
-  <dgm:styleLbl name="alignImgPlace1">
-    <dgm:scene3d>
-      <a:camera prst="orthographicFront"/>
-      <a:lightRig rig="threePt" dir="t">
-        <a:rot lat="0" lon="0" rev="7500000"/>
-      </a:lightRig>
-    </dgm:scene3d>
-    <dgm:sp3d z="254000" extrusionH="63500" contourW="12700" prstMaterial="matte">
-      <a:contourClr>
-        <a:schemeClr val="lt1"/>
-      </a:contourClr>
-    </dgm:sp3d>
-    <dgm:txPr/>
-    <dgm:style>
-      <a:lnRef idx="0">
-        <a:scrgbClr r="0" g="0" b="0"/>
-      </a:lnRef>
-      <a:fillRef idx="1">
-        <a:scrgbClr r="0" g="0" b="0"/>
-      </a:fillRef>
-      <a:effectRef idx="0">
-        <a:scrgbClr r="0" g="0" b="0"/>
-      </a:effectRef>
-      <a:fontRef idx="minor"/>
-    </dgm:style>
-  </dgm:styleLbl>
-  <dgm:styleLbl name="bgImgPlace1">
-    <dgm:scene3d>
-      <a:camera prst="orthographicFront"/>
-      <a:lightRig rig="threePt" dir="t">
-        <a:rot lat="0" lon="0" rev="7500000"/>
-      </a:lightRig>
-    </dgm:scene3d>
-    <dgm:sp3d z="-152400" extrusionH="63500" contourW="12700" prstMaterial="matte">
-      <a:contourClr>
-        <a:schemeClr val="lt1"/>
-      </a:contourClr>
-    </dgm:sp3d>
-    <dgm:txPr/>
-    <dgm:style>
-      <a:lnRef idx="0">
-        <a:scrgbClr r="0" g="0" b="0"/>
-      </a:lnRef>
-      <a:fillRef idx="1">
-        <a:scrgbClr r="0" g="0" b="0"/>
-      </a:fillRef>
-      <a:effectRef idx="0">
-        <a:scrgbClr r="0" g="0" b="0"/>
-      </a:effectRef>
-      <a:fontRef idx="minor"/>
-    </dgm:style>
-  </dgm:styleLbl>
-  <dgm:styleLbl name="sibTrans2D1">
-    <dgm:scene3d>
-      <a:camera prst="orthographicFront"/>
-      <a:lightRig rig="threePt" dir="t">
-        <a:rot lat="0" lon="0" rev="7500000"/>
-      </a:lightRig>
-    </dgm:scene3d>
-    <dgm:sp3d z="-70000" extrusionH="63500" prstMaterial="matte">
-      <a:bevelT w="25400" h="6350" prst="relaxedInset"/>
-      <a:contourClr>
-        <a:schemeClr val="bg1"/>
-      </a:contourClr>
-    </dgm:sp3d>
-    <dgm:txPr/>
-    <dgm:style>
-      <a:lnRef idx="0">
-        <a:scrgbClr r="0" g="0" b="0"/>
-      </a:lnRef>
-      <a:fillRef idx="1">
-        <a:scrgbClr r="0" g="0" b="0"/>
-      </a:fillRef>
-      <a:effectRef idx="2">
-        <a:scrgbClr r="0" g="0" b="0"/>
-      </a:effectRef>
-      <a:fontRef idx="minor">
-        <a:schemeClr val="lt1"/>
-      </a:fontRef>
-    </dgm:style>
-  </dgm:styleLbl>
-  <dgm:styleLbl name="fgSibTrans2D1">
-    <dgm:scene3d>
-      <a:camera prst="orthographicFront"/>
-      <a:lightRig rig="threePt" dir="t">
-        <a:rot lat="0" lon="0" rev="7500000"/>
-      </a:lightRig>
-    </dgm:scene3d>
-    <dgm:sp3d z="152400" extrusionH="63500" prstMaterial="matte">
-      <a:bevelT w="25400" h="6350" prst="relaxedInset"/>
-      <a:contourClr>
-        <a:schemeClr val="bg1"/>
-      </a:contourClr>
-    </dgm:sp3d>
-    <dgm:txPr/>
-    <dgm:style>
-      <a:lnRef idx="0">
-        <a:scrgbClr r="0" g="0" b="0"/>
-      </a:lnRef>
-      <a:fillRef idx="1">
-        <a:scrgbClr r="0" g="0" b="0"/>
-      </a:fillRef>
-      <a:effectRef idx="2">
-        <a:scrgbClr r="0" g="0" b="0"/>
-      </a:effectRef>
-      <a:fontRef idx="minor">
-        <a:schemeClr val="lt1"/>
-      </a:fontRef>
-    </dgm:style>
-  </dgm:styleLbl>
-  <dgm:styleLbl name="bgSibTrans2D1">
-    <dgm:scene3d>
-      <a:camera prst="orthographicFront"/>
-      <a:lightRig rig="threePt" dir="t">
-        <a:rot lat="0" lon="0" rev="7500000"/>
-      </a:lightRig>
-    </dgm:scene3d>
-    <dgm:sp3d z="-152400" extrusionH="63500" prstMaterial="matte">
-      <a:bevelT w="25400" h="6350" prst="relaxedInset"/>
-      <a:contourClr>
-        <a:schemeClr val="bg1"/>
-      </a:contourClr>
-    </dgm:sp3d>
-    <dgm:txPr/>
-    <dgm:style>
-      <a:lnRef idx="0">
-        <a:scrgbClr r="0" g="0" b="0"/>
-      </a:lnRef>
-      <a:fillRef idx="1">
-        <a:scrgbClr r="0" g="0" b="0"/>
-      </a:fillRef>
-      <a:effectRef idx="2">
-        <a:scrgbClr r="0" g="0" b="0"/>
-      </a:effectRef>
-      <a:fontRef idx="minor">
-        <a:schemeClr val="lt1"/>
-      </a:fontRef>
-    </dgm:style>
-  </dgm:styleLbl>
-  <dgm:styleLbl name="sibTrans1D1">
-    <dgm:scene3d>
-      <a:camera prst="orthographicFront"/>
-      <a:lightRig rig="threePt" dir="t">
-        <a:rot lat="0" lon="0" rev="7500000"/>
-      </a:lightRig>
-    </dgm:scene3d>
-    <dgm:sp3d z="-40000" prstMaterial="matte"/>
-    <dgm:txPr/>
-    <dgm:style>
-      <a:lnRef idx="1">
-        <a:scrgbClr r="0" g="0" b="0"/>
-      </a:lnRef>
-      <a:fillRef idx="0">
-        <a:scrgbClr r="0" g="0" b="0"/>
-      </a:fillRef>
-      <a:effectRef idx="0">
-        <a:scrgbClr r="0" g="0" b="0"/>
-      </a:effectRef>
-      <a:fontRef idx="minor"/>
-    </dgm:style>
-  </dgm:styleLbl>
-  <dgm:styleLbl name="callout">
-    <dgm:scene3d>
-      <a:camera prst="orthographicFront"/>
-      <a:lightRig rig="threePt" dir="t">
-        <a:rot lat="0" lon="0" rev="7500000"/>
-      </a:lightRig>
-    </dgm:scene3d>
-    <dgm:sp3d z="127000" prstMaterial="matte"/>
-    <dgm:txPr/>
-    <dgm:style>
-      <a:lnRef idx="2">
-        <a:scrgbClr r="0" g="0" b="0"/>
-      </a:lnRef>
-      <a:fillRef idx="1">
-        <a:scrgbClr r="0" g="0" b="0"/>
-      </a:fillRef>
-      <a:effectRef idx="0">
-        <a:scrgbClr r="0" g="0" b="0"/>
-      </a:effectRef>
-      <a:fontRef idx="minor"/>
-    </dgm:style>
-  </dgm:styleLbl>
-  <dgm:styleLbl name="asst0">
-    <dgm:scene3d>
-      <a:camera prst="orthographicFront"/>
-      <a:lightRig rig="threePt" dir="t">
-        <a:rot lat="0" lon="0" rev="7500000"/>
-      </a:lightRig>
-    </dgm:scene3d>
-    <dgm:sp3d prstMaterial="plastic">
-      <a:bevelT w="127000" h="25400" prst="relaxedInset"/>
-    </dgm:sp3d>
-    <dgm:txPr/>
-    <dgm:style>
-      <a:lnRef idx="0">
-        <a:scrgbClr r="0" g="0" b="0"/>
-      </a:lnRef>
-      <a:fillRef idx="3">
-        <a:scrgbClr r="0" g="0" b="0"/>
-      </a:fillRef>
-      <a:effectRef idx="2">
-        <a:scrgbClr r="0" g="0" b="0"/>
-      </a:effectRef>
-      <a:fontRef idx="minor">
-        <a:schemeClr val="lt1"/>
-      </a:fontRef>
-    </dgm:style>
-  </dgm:styleLbl>
-  <dgm:styleLbl name="asst1">
-    <dgm:scene3d>
-      <a:camera prst="orthographicFront"/>
-      <a:lightRig rig="threePt" dir="t">
-        <a:rot lat="0" lon="0" rev="7500000"/>
-      </a:lightRig>
-    </dgm:scene3d>
-    <dgm:sp3d prstMaterial="plastic">
-      <a:bevelT w="127000" h="25400" prst="relaxedInset"/>
-    </dgm:sp3d>
-    <dgm:txPr/>
-    <dgm:style>
-      <a:lnRef idx="0">
-        <a:scrgbClr r="0" g="0" b="0"/>
-      </a:lnRef>
-      <a:fillRef idx="3">
-        <a:scrgbClr r="0" g="0" b="0"/>
-      </a:fillRef>
-      <a:effectRef idx="2">
-        <a:scrgbClr r="0" g="0" b="0"/>
-      </a:effectRef>
-      <a:fontRef idx="minor">
-        <a:schemeClr val="lt1"/>
-      </a:fontRef>
-    </dgm:style>
-  </dgm:styleLbl>
-  <dgm:styleLbl name="asst2">
-    <dgm:scene3d>
-      <a:camera prst="orthographicFront"/>
-      <a:lightRig rig="threePt" dir="t">
-        <a:rot lat="0" lon="0" rev="7500000"/>
-      </a:lightRig>
-    </dgm:scene3d>
-    <dgm:sp3d prstMaterial="plastic">
-      <a:bevelT w="127000" h="25400" prst="relaxedInset"/>
-    </dgm:sp3d>
-    <dgm:txPr/>
-    <dgm:style>
-      <a:lnRef idx="0">
-        <a:scrgbClr r="0" g="0" b="0"/>
-      </a:lnRef>
-      <a:fillRef idx="3">
-        <a:scrgbClr r="0" g="0" b="0"/>
-      </a:fillRef>
-      <a:effectRef idx="2">
-        <a:scrgbClr r="0" g="0" b="0"/>
-      </a:effectRef>
-      <a:fontRef idx="minor">
-        <a:schemeClr val="lt1"/>
-      </a:fontRef>
-    </dgm:style>
-  </dgm:styleLbl>
-  <dgm:styleLbl name="asst3">
-    <dgm:scene3d>
-      <a:camera prst="orthographicFront"/>
-      <a:lightRig rig="threePt" dir="t">
-        <a:rot lat="0" lon="0" rev="7500000"/>
-      </a:lightRig>
-    </dgm:scene3d>
-    <dgm:sp3d prstMaterial="plastic">
-      <a:bevelT w="127000" h="25400" prst="relaxedInset"/>
-    </dgm:sp3d>
-    <dgm:txPr/>
-    <dgm:style>
-      <a:lnRef idx="0">
-        <a:scrgbClr r="0" g="0" b="0"/>
-      </a:lnRef>
-      <a:fillRef idx="3">
-        <a:scrgbClr r="0" g="0" b="0"/>
-      </a:fillRef>
-      <a:effectRef idx="2">
-        <a:scrgbClr r="0" g="0" b="0"/>
-      </a:effectRef>
-      <a:fontRef idx="minor">
-        <a:schemeClr val="lt1"/>
-      </a:fontRef>
-    </dgm:style>
-  </dgm:styleLbl>
-  <dgm:styleLbl name="parChTrans2D1">
-    <dgm:scene3d>
-      <a:camera prst="orthographicFront"/>
-      <a:lightRig rig="threePt" dir="t">
-        <a:rot lat="0" lon="0" rev="7500000"/>
-      </a:lightRig>
-    </dgm:scene3d>
-    <dgm:sp3d extrusionH="63500" prstMaterial="matte">
-      <a:bevelT w="50800" h="19050" prst="relaxedInset"/>
-      <a:contourClr>
-        <a:schemeClr val="bg1"/>
-      </a:contourClr>
-    </dgm:sp3d>
-    <dgm:txPr/>
-    <dgm:style>
-      <a:lnRef idx="0">
-        <a:scrgbClr r="0" g="0" b="0"/>
-      </a:lnRef>
-      <a:fillRef idx="1">
-        <a:scrgbClr r="0" g="0" b="0"/>
-      </a:fillRef>
-      <a:effectRef idx="2">
-        <a:scrgbClr r="0" g="0" b="0"/>
-      </a:effectRef>
-      <a:fontRef idx="minor">
-        <a:schemeClr val="lt1"/>
-      </a:fontRef>
-    </dgm:style>
-  </dgm:styleLbl>
-  <dgm:styleLbl name="parChTrans2D2">
-    <dgm:scene3d>
-      <a:camera prst="orthographicFront"/>
-      <a:lightRig rig="threePt" dir="t">
-        <a:rot lat="0" lon="0" rev="7500000"/>
-      </a:lightRig>
-    </dgm:scene3d>
-    <dgm:sp3d extrusionH="63500" prstMaterial="matte">
-      <a:bevelT w="50800" h="19050" prst="relaxedInset"/>
-      <a:contourClr>
-        <a:schemeClr val="bg1"/>
-      </a:contourClr>
-    </dgm:sp3d>
-    <dgm:txPr/>
-    <dgm:style>
-      <a:lnRef idx="0">
-        <a:scrgbClr r="0" g="0" b="0"/>
-      </a:lnRef>
-      <a:fillRef idx="1">
-        <a:scrgbClr r="0" g="0" b="0"/>
-      </a:fillRef>
-      <a:effectRef idx="0">
-        <a:scrgbClr r="0" g="0" b="0"/>
-      </a:effectRef>
-      <a:fontRef idx="minor">
-        <a:schemeClr val="lt1"/>
-      </a:fontRef>
-    </dgm:style>
-  </dgm:styleLbl>
-  <dgm:styleLbl name="parChTrans2D3">
-    <dgm:scene3d>
-      <a:camera prst="orthographicFront"/>
-      <a:lightRig rig="threePt" dir="t">
-        <a:rot lat="0" lon="0" rev="7500000"/>
-      </a:lightRig>
-    </dgm:scene3d>
-    <dgm:sp3d z="60000" prstMaterial="flat">
-      <a:bevelT w="120900" h="88900"/>
-    </dgm:sp3d>
-    <dgm:txPr/>
-    <dgm:style>
-      <a:lnRef idx="0">
-        <a:scrgbClr r="0" g="0" b="0"/>
-      </a:lnRef>
-      <a:fillRef idx="3">
-        <a:scrgbClr r="0" g="0" b="0"/>
-      </a:fillRef>
-      <a:effectRef idx="1">
-        <a:scrgbClr r="0" g="0" b="0"/>
-      </a:effectRef>
-      <a:fontRef idx="minor">
-        <a:schemeClr val="lt1"/>
-      </a:fontRef>
-    </dgm:style>
-  </dgm:styleLbl>
-  <dgm:styleLbl name="parChTrans2D4">
-    <dgm:scene3d>
-      <a:camera prst="orthographicFront"/>
-      <a:lightRig rig="threePt" dir="t">
-        <a:rot lat="0" lon="0" rev="7500000"/>
-      </a:lightRig>
-    </dgm:scene3d>
-    <dgm:sp3d z="60000" prstMaterial="flat">
-      <a:bevelT w="120900" h="88900"/>
-    </dgm:sp3d>
-    <dgm:txPr/>
-    <dgm:style>
-      <a:lnRef idx="0">
-        <a:scrgbClr r="0" g="0" b="0"/>
-      </a:lnRef>
-      <a:fillRef idx="3">
-        <a:scrgbClr r="0" g="0" b="0"/>
-      </a:fillRef>
-      <a:effectRef idx="1">
-        <a:scrgbClr r="0" g="0" b="0"/>
-      </a:effectRef>
-      <a:fontRef idx="minor">
-        <a:schemeClr val="lt1"/>
-      </a:fontRef>
-    </dgm:style>
-  </dgm:styleLbl>
-  <dgm:styleLbl name="parChTrans1D1">
-    <dgm:scene3d>
-      <a:camera prst="orthographicFront"/>
-      <a:lightRig rig="threePt" dir="t">
-        <a:rot lat="0" lon="0" rev="7500000"/>
-      </a:lightRig>
-    </dgm:scene3d>
-    <dgm:sp3d z="-40000" prstMaterial="matte"/>
-    <dgm:txPr/>
-    <dgm:style>
-      <a:lnRef idx="2">
-        <a:scrgbClr r="0" g="0" b="0"/>
-      </a:lnRef>
-      <a:fillRef idx="0">
-        <a:scrgbClr r="0" g="0" b="0"/>
-      </a:fillRef>
-      <a:effectRef idx="0">
-        <a:scrgbClr r="0" g="0" b="0"/>
-      </a:effectRef>
-      <a:fontRef idx="minor"/>
-    </dgm:style>
-  </dgm:styleLbl>
-  <dgm:styleLbl name="parChTrans1D2">
-    <dgm:scene3d>
-      <a:camera prst="orthographicFront"/>
-      <a:lightRig rig="threePt" dir="t">
-        <a:rot lat="0" lon="0" rev="7500000"/>
-      </a:lightRig>
-    </dgm:scene3d>
-    <dgm:sp3d z="-40000" prstMaterial="matte"/>
-    <dgm:txPr/>
-    <dgm:style>
-      <a:lnRef idx="2">
-        <a:scrgbClr r="0" g="0" b="0"/>
-      </a:lnRef>
-      <a:fillRef idx="0">
-        <a:scrgbClr r="0" g="0" b="0"/>
-      </a:fillRef>
-      <a:effectRef idx="0">
-        <a:scrgbClr r="0" g="0" b="0"/>
-      </a:effectRef>
-      <a:fontRef idx="minor"/>
-    </dgm:style>
-  </dgm:styleLbl>
-  <dgm:styleLbl name="parChTrans1D3">
-    <dgm:scene3d>
-      <a:camera prst="orthographicFront"/>
-      <a:lightRig rig="threePt" dir="t">
-        <a:rot lat="0" lon="0" rev="7500000"/>
-      </a:lightRig>
-    </dgm:scene3d>
-    <dgm:sp3d z="-40000" prstMaterial="matte"/>
-    <dgm:txPr/>
-    <dgm:style>
-      <a:lnRef idx="2">
-        <a:scrgbClr r="0" g="0" b="0"/>
-      </a:lnRef>
-      <a:fillRef idx="0">
-        <a:scrgbClr r="0" g="0" b="0"/>
-      </a:fillRef>
-      <a:effectRef idx="0">
-        <a:scrgbClr r="0" g="0" b="0"/>
-      </a:effectRef>
-      <a:fontRef idx="minor"/>
-    </dgm:style>
-  </dgm:styleLbl>
-  <dgm:styleLbl name="parChTrans1D4">
-    <dgm:scene3d>
-      <a:camera prst="orthographicFront"/>
-      <a:lightRig rig="threePt" dir="t">
-        <a:rot lat="0" lon="0" rev="7500000"/>
-      </a:lightRig>
-    </dgm:scene3d>
-    <dgm:sp3d z="-40000" prstMaterial="matte"/>
-    <dgm:txPr/>
-    <dgm:style>
-      <a:lnRef idx="2">
-        <a:scrgbClr r="0" g="0" b="0"/>
-      </a:lnRef>
-      <a:fillRef idx="0">
-        <a:scrgbClr r="0" g="0" b="0"/>
-      </a:fillRef>
-      <a:effectRef idx="0">
-        <a:scrgbClr r="0" g="0" b="0"/>
-      </a:effectRef>
-      <a:fontRef idx="minor"/>
-    </dgm:style>
-  </dgm:styleLbl>
-  <dgm:styleLbl name="fgAcc1">
-    <dgm:scene3d>
-      <a:camera prst="orthographicFront"/>
-      <a:lightRig rig="threePt" dir="t">
-        <a:rot lat="0" lon="0" rev="7500000"/>
-      </a:lightRig>
-    </dgm:scene3d>
-    <dgm:sp3d z="152400" extrusionH="63500" prstMaterial="dkEdge">
-      <a:bevelT w="135400" h="16350" prst="relaxedInset"/>
-      <a:contourClr>
-        <a:schemeClr val="bg1"/>
-      </a:contourClr>
-    </dgm:sp3d>
-    <dgm:txPr/>
-    <dgm:style>
-      <a:lnRef idx="1">
-        <a:scrgbClr r="0" g="0" b="0"/>
-      </a:lnRef>
-      <a:fillRef idx="1">
-        <a:scrgbClr r="0" g="0" b="0"/>
-      </a:fillRef>
-      <a:effectRef idx="2">
-        <a:scrgbClr r="0" g="0" b="0"/>
-      </a:effectRef>
-      <a:fontRef idx="minor"/>
-    </dgm:style>
-  </dgm:styleLbl>
-  <dgm:styleLbl name="conFgAcc1">
-    <dgm:scene3d>
-      <a:camera prst="orthographicFront"/>
-      <a:lightRig rig="threePt" dir="t">
-        <a:rot lat="0" lon="0" rev="7500000"/>
-      </a:lightRig>
-    </dgm:scene3d>
-    <dgm:sp3d z="152400" extrusionH="63500" prstMaterial="dkEdge">
-      <a:bevelT w="135400" h="16350" prst="relaxedInset"/>
-      <a:contourClr>
-        <a:schemeClr val="bg1"/>
-      </a:contourClr>
-    </dgm:sp3d>
-    <dgm:txPr/>
-    <dgm:style>
-      <a:lnRef idx="1">
-        <a:scrgbClr r="0" g="0" b="0"/>
-      </a:lnRef>
-      <a:fillRef idx="1">
-        <a:scrgbClr r="0" g="0" b="0"/>
-      </a:fillRef>
-      <a:effectRef idx="2">
-        <a:scrgbClr r="0" g="0" b="0"/>
-      </a:effectRef>
-      <a:fontRef idx="minor"/>
-    </dgm:style>
-  </dgm:styleLbl>
-  <dgm:styleLbl name="alignAcc1">
-    <dgm:scene3d>
-      <a:camera prst="orthographicFront"/>
-      <a:lightRig rig="threePt" dir="t">
-        <a:rot lat="0" lon="0" rev="7500000"/>
-      </a:lightRig>
-    </dgm:scene3d>
-    <dgm:sp3d extrusionH="190500" prstMaterial="dkEdge">
-      <a:bevelT w="135400" h="16350" prst="relaxedInset"/>
-      <a:contourClr>
-        <a:schemeClr val="bg1"/>
-      </a:contourClr>
-    </dgm:sp3d>
-    <dgm:txPr/>
-    <dgm:style>
-      <a:lnRef idx="1">
-        <a:scrgbClr r="0" g="0" b="0"/>
-      </a:lnRef>
-      <a:fillRef idx="1">
-        <a:scrgbClr r="0" g="0" b="0"/>
-      </a:fillRef>
-      <a:effectRef idx="2">
-        <a:scrgbClr r="0" g="0" b="0"/>
-      </a:effectRef>
-      <a:fontRef idx="minor"/>
-    </dgm:style>
-  </dgm:styleLbl>
-  <dgm:styleLbl name="trAlignAcc1">
-    <dgm:scene3d>
-      <a:camera prst="orthographicFront"/>
-      <a:lightRig rig="threePt" dir="t">
-        <a:rot lat="0" lon="0" rev="7500000"/>
-      </a:lightRig>
-    </dgm:scene3d>
-    <dgm:sp3d prstMaterial="plastic">
-      <a:bevelT w="127000" h="35400"/>
-    </dgm:sp3d>
-    <dgm:txPr/>
-    <dgm:style>
-      <a:lnRef idx="1">
-        <a:scrgbClr r="0" g="0" b="0"/>
-      </a:lnRef>
-      <a:fillRef idx="1">
-        <a:scrgbClr r="0" g="0" b="0"/>
-      </a:fillRef>
-      <a:effectRef idx="2">
-        <a:scrgbClr r="0" g="0" b="0"/>
-      </a:effectRef>
-      <a:fontRef idx="minor">
-        <a:schemeClr val="lt1"/>
-      </a:fontRef>
-    </dgm:style>
-  </dgm:styleLbl>
-  <dgm:styleLbl name="bgAcc1">
-    <dgm:scene3d>
-      <a:camera prst="orthographicFront"/>
-      <a:lightRig rig="threePt" dir="t">
-        <a:rot lat="0" lon="0" rev="7500000"/>
-      </a:lightRig>
-    </dgm:scene3d>
-    <dgm:sp3d z="-152400" extrusionH="63500" prstMaterial="dkEdge">
-      <a:bevelT w="124450" h="16350" prst="relaxedInset"/>
-      <a:contourClr>
-        <a:schemeClr val="bg1"/>
-      </a:contourClr>
-    </dgm:sp3d>
-    <dgm:txPr/>
-    <dgm:style>
-      <a:lnRef idx="1">
-        <a:scrgbClr r="0" g="0" b="0"/>
-      </a:lnRef>
-      <a:fillRef idx="1">
-        <a:scrgbClr r="0" g="0" b="0"/>
-      </a:fillRef>
-      <a:effectRef idx="0">
-        <a:scrgbClr r="0" g="0" b="0"/>
-      </a:effectRef>
-      <a:fontRef idx="minor"/>
-    </dgm:style>
-  </dgm:styleLbl>
-  <dgm:styleLbl name="solidFgAcc1">
-    <dgm:scene3d>
-      <a:camera prst="orthographicFront"/>
-      <a:lightRig rig="threePt" dir="t">
-        <a:rot lat="0" lon="0" rev="7500000"/>
-      </a:lightRig>
-    </dgm:scene3d>
-    <dgm:sp3d z="152400" extrusionH="63500" prstMaterial="dkEdge">
-      <a:bevelT w="120800" h="19050" prst="relaxedInset"/>
-      <a:contourClr>
-        <a:schemeClr val="bg1"/>
-      </a:contourClr>
-    </dgm:sp3d>
-    <dgm:txPr/>
-    <dgm:style>
-      <a:lnRef idx="1">
-        <a:scrgbClr r="0" g="0" b="0"/>
-      </a:lnRef>
-      <a:fillRef idx="1">
-        <a:scrgbClr r="0" g="0" b="0"/>
-      </a:fillRef>
-      <a:effectRef idx="2">
-        <a:scrgbClr r="0" g="0" b="0"/>
-      </a:effectRef>
-      <a:fontRef idx="minor"/>
-    </dgm:style>
-  </dgm:styleLbl>
-  <dgm:styleLbl name="solidAlignAcc1">
-    <dgm:scene3d>
-      <a:camera prst="orthographicFront"/>
-      <a:lightRig rig="threePt" dir="t">
-        <a:rot lat="0" lon="0" rev="7500000"/>
-      </a:lightRig>
-    </dgm:scene3d>
-    <dgm:sp3d extrusionH="190500" prstMaterial="dkEdge">
-      <a:bevelT w="120650" h="38100" prst="relaxedInset"/>
-      <a:contourClr>
-        <a:schemeClr val="bg1"/>
-      </a:contourClr>
-    </dgm:sp3d>
-    <dgm:txPr/>
-    <dgm:style>
-      <a:lnRef idx="1">
-        <a:scrgbClr r="0" g="0" b="0"/>
-      </a:lnRef>
-      <a:fillRef idx="1">
-        <a:scrgbClr r="0" g="0" b="0"/>
-      </a:fillRef>
-      <a:effectRef idx="2">
-        <a:scrgbClr r="0" g="0" b="0"/>
-      </a:effectRef>
-      <a:fontRef idx="minor"/>
-    </dgm:style>
-  </dgm:styleLbl>
-  <dgm:styleLbl name="solidBgAcc1">
-    <dgm:scene3d>
-      <a:camera prst="orthographicFront"/>
-      <a:lightRig rig="threePt" dir="t">
-        <a:rot lat="0" lon="0" rev="7500000"/>
-      </a:lightRig>
-    </dgm:scene3d>
-    <dgm:sp3d z="-152400" extrusionH="63500" prstMaterial="dkEdge">
-      <a:bevelT w="144450" h="36350" prst="relaxedInset"/>
-      <a:contourClr>
-        <a:schemeClr val="bg1"/>
-      </a:contourClr>
-    </dgm:sp3d>
-    <dgm:txPr/>
-    <dgm:style>
-      <a:lnRef idx="1">
-        <a:scrgbClr r="0" g="0" b="0"/>
-      </a:lnRef>
-      <a:fillRef idx="1">
-        <a:scrgbClr r="0" g="0" b="0"/>
-      </a:fillRef>
-      <a:effectRef idx="0">
-        <a:scrgbClr r="0" g="0" b="0"/>
-      </a:effectRef>
-      <a:fontRef idx="minor"/>
-    </dgm:style>
-  </dgm:styleLbl>
-  <dgm:styleLbl name="fgAccFollowNode1">
-    <dgm:scene3d>
-      <a:camera prst="orthographicFront"/>
-      <a:lightRig rig="threePt" dir="t">
-        <a:rot lat="0" lon="0" rev="7500000"/>
-      </a:lightRig>
-    </dgm:scene3d>
-    <dgm:sp3d z="152400" extrusionH="63500" prstMaterial="dkEdge">
-      <a:bevelT w="125400" h="36350" prst="relaxedInset"/>
-      <a:contourClr>
-        <a:schemeClr val="bg1"/>
-      </a:contourClr>
-    </dgm:sp3d>
-    <dgm:txPr/>
-    <dgm:style>
-      <a:lnRef idx="1">
-        <a:scrgbClr r="0" g="0" b="0"/>
-      </a:lnRef>
-      <a:fillRef idx="1">
-        <a:scrgbClr r="0" g="0" b="0"/>
-      </a:fillRef>
-      <a:effectRef idx="0">
-        <a:scrgbClr r="0" g="0" b="0"/>
-      </a:effectRef>
-      <a:fontRef idx="minor"/>
-    </dgm:style>
-  </dgm:styleLbl>
-  <dgm:styleLbl name="alignAccFollowNode1">
-    <dgm:scene3d>
-      <a:camera prst="orthographicFront"/>
-      <a:lightRig rig="threePt" dir="t">
-        <a:rot lat="0" lon="0" rev="7500000"/>
-      </a:lightRig>
-    </dgm:scene3d>
-    <dgm:sp3d extrusionH="190500" prstMaterial="dkEdge">
-      <a:bevelT w="120650" h="38100" prst="relaxedInset"/>
-      <a:bevelB w="120650" h="57150" prst="relaxedInset"/>
-      <a:contourClr>
-        <a:schemeClr val="bg1"/>
-      </a:contourClr>
-    </dgm:sp3d>
-    <dgm:txPr/>
-    <dgm:style>
-      <a:lnRef idx="1">
-        <a:scrgbClr r="0" g="0" b="0"/>
-      </a:lnRef>
-      <a:fillRef idx="1">
-        <a:scrgbClr r="0" g="0" b="0"/>
-      </a:fillRef>
-      <a:effectRef idx="2">
-        <a:scrgbClr r="0" g="0" b="0"/>
-      </a:effectRef>
-      <a:fontRef idx="minor"/>
-    </dgm:style>
-  </dgm:styleLbl>
-  <dgm:styleLbl name="bgAccFollowNode1">
-    <dgm:scene3d>
-      <a:camera prst="orthographicFront"/>
-      <a:lightRig rig="threePt" dir="t">
-        <a:rot lat="0" lon="0" rev="7500000"/>
-      </a:lightRig>
-    </dgm:scene3d>
-    <dgm:sp3d z="-152400" extrusionH="63500" prstMaterial="dkEdge">
-      <a:bevelT w="144450" h="36350" prst="relaxedInset"/>
-      <a:contourClr>
-        <a:schemeClr val="bg1"/>
-      </a:contourClr>
-    </dgm:sp3d>
-    <dgm:txPr/>
-    <dgm:style>
-      <a:lnRef idx="1">
-        <a:scrgbClr r="0" g="0" b="0"/>
-      </a:lnRef>
-      <a:fillRef idx="1">
-        <a:scrgbClr r="0" g="0" b="0"/>
-      </a:fillRef>
-      <a:effectRef idx="2">
-        <a:scrgbClr r="0" g="0" b="0"/>
-      </a:effectRef>
-      <a:fontRef idx="minor"/>
-    </dgm:style>
-  </dgm:styleLbl>
-  <dgm:styleLbl name="fgAcc0">
-    <dgm:scene3d>
-      <a:camera prst="orthographicFront"/>
-      <a:lightRig rig="threePt" dir="t">
-        <a:rot lat="0" lon="0" rev="7500000"/>
-      </a:lightRig>
-    </dgm:scene3d>
-    <dgm:sp3d z="152400" extrusionH="63500" prstMaterial="dkEdge">
-      <a:bevelT w="125400" h="36350" prst="relaxedInset"/>
-      <a:contourClr>
-        <a:schemeClr val="bg1"/>
-      </a:contourClr>
-    </dgm:sp3d>
-    <dgm:txPr/>
-    <dgm:style>
-      <a:lnRef idx="1">
-        <a:scrgbClr r="0" g="0" b="0"/>
-      </a:lnRef>
-      <a:fillRef idx="1">
-        <a:scrgbClr r="0" g="0" b="0"/>
-      </a:fillRef>
-      <a:effectRef idx="2">
-        <a:scrgbClr r="0" g="0" b="0"/>
-      </a:effectRef>
-      <a:fontRef idx="minor"/>
-    </dgm:style>
-  </dgm:styleLbl>
-  <dgm:styleLbl name="fgAcc2">
-    <dgm:scene3d>
-      <a:camera prst="orthographicFront"/>
-      <a:lightRig rig="threePt" dir="t">
-        <a:rot lat="0" lon="0" rev="7500000"/>
-      </a:lightRig>
-    </dgm:scene3d>
-    <dgm:sp3d z="152400" extrusionH="63500" prstMaterial="dkEdge">
-      <a:bevelT w="125400" h="36350" prst="relaxedInset"/>
-      <a:contourClr>
-        <a:schemeClr val="bg1"/>
-      </a:contourClr>
-    </dgm:sp3d>
-    <dgm:txPr/>
-    <dgm:style>
-      <a:lnRef idx="1">
-        <a:scrgbClr r="0" g="0" b="0"/>
-      </a:lnRef>
-      <a:fillRef idx="1">
-        <a:scrgbClr r="0" g="0" b="0"/>
-      </a:fillRef>
-      <a:effectRef idx="2">
-        <a:scrgbClr r="0" g="0" b="0"/>
-      </a:effectRef>
-      <a:fontRef idx="minor"/>
-    </dgm:style>
-  </dgm:styleLbl>
-  <dgm:styleLbl name="fgAcc3">
-    <dgm:scene3d>
-      <a:camera prst="orthographicFront"/>
-      <a:lightRig rig="threePt" dir="t">
-        <a:rot lat="0" lon="0" rev="7500000"/>
-      </a:lightRig>
-    </dgm:scene3d>
-    <dgm:sp3d z="152400" extrusionH="63500" prstMaterial="dkEdge">
-      <a:bevelT w="125400" h="36350" prst="relaxedInset"/>
-      <a:contourClr>
-        <a:schemeClr val="bg1"/>
-      </a:contourClr>
-    </dgm:sp3d>
-    <dgm:txPr/>
-    <dgm:style>
-      <a:lnRef idx="1">
-        <a:scrgbClr r="0" g="0" b="0"/>
-      </a:lnRef>
-      <a:fillRef idx="1">
-        <a:scrgbClr r="0" g="0" b="0"/>
-      </a:fillRef>
-      <a:effectRef idx="2">
-        <a:scrgbClr r="0" g="0" b="0"/>
-      </a:effectRef>
-      <a:fontRef idx="minor"/>
-    </dgm:style>
-  </dgm:styleLbl>
-  <dgm:styleLbl name="fgAcc4">
-    <dgm:scene3d>
-      <a:camera prst="orthographicFront"/>
-      <a:lightRig rig="threePt" dir="t">
-        <a:rot lat="0" lon="0" rev="7500000"/>
-      </a:lightRig>
-    </dgm:scene3d>
-    <dgm:sp3d z="152400" extrusionH="63500" prstMaterial="dkEdge">
-      <a:bevelT w="125400" h="36350" prst="relaxedInset"/>
-      <a:contourClr>
-        <a:schemeClr val="bg1"/>
-      </a:contourClr>
-    </dgm:sp3d>
-    <dgm:txPr/>
-    <dgm:style>
-      <a:lnRef idx="1">
-        <a:scrgbClr r="0" g="0" b="0"/>
-      </a:lnRef>
-      <a:fillRef idx="1">
-        <a:scrgbClr r="0" g="0" b="0"/>
-      </a:fillRef>
-      <a:effectRef idx="2">
-        <a:scrgbClr r="0" g="0" b="0"/>
-      </a:effectRef>
-      <a:fontRef idx="minor"/>
-    </dgm:style>
-  </dgm:styleLbl>
-  <dgm:styleLbl name="bgShp">
-    <dgm:scene3d>
-      <a:camera prst="orthographicFront"/>
-      <a:lightRig rig="threePt" dir="t">
-        <a:rot lat="0" lon="0" rev="7500000"/>
-      </a:lightRig>
-    </dgm:scene3d>
-    <dgm:sp3d z="-152400" extrusionH="63500" prstMaterial="matte">
-      <a:bevelT w="144450" h="6350" prst="relaxedInset"/>
-      <a:contourClr>
-        <a:schemeClr val="bg1"/>
-      </a:contourClr>
-    </dgm:sp3d>
-    <dgm:txPr/>
-    <dgm:style>
-      <a:lnRef idx="0">
-        <a:scrgbClr r="0" g="0" b="0"/>
-      </a:lnRef>
-      <a:fillRef idx="3">
-        <a:scrgbClr r="0" g="0" b="0"/>
-      </a:fillRef>
-      <a:effectRef idx="0">
-        <a:scrgbClr r="0" g="0" b="0"/>
-      </a:effectRef>
-      <a:fontRef idx="minor"/>
-    </dgm:style>
-  </dgm:styleLbl>
-  <dgm:styleLbl name="dkBgShp">
-    <dgm:scene3d>
-      <a:camera prst="orthographicFront"/>
-      <a:lightRig rig="threePt" dir="t">
-        <a:rot lat="0" lon="0" rev="7500000"/>
-      </a:lightRig>
-    </dgm:scene3d>
-    <dgm:sp3d prstMaterial="plastic">
-      <a:bevelT w="127000" h="25400" prst="relaxedInset"/>
-      <a:bevelB w="88900" h="121750" prst="angle"/>
-    </dgm:sp3d>
-    <dgm:txPr/>
-    <dgm:style>
-      <a:lnRef idx="0">
-        <a:scrgbClr r="0" g="0" b="0"/>
-      </a:lnRef>
-      <a:fillRef idx="1">
-        <a:scrgbClr r="0" g="0" b="0"/>
-      </a:fillRef>
-      <a:effectRef idx="2">
-        <a:scrgbClr r="0" g="0" b="0"/>
-      </a:effectRef>
-      <a:fontRef idx="minor">
-        <a:schemeClr val="lt1"/>
-      </a:fontRef>
-    </dgm:style>
-  </dgm:styleLbl>
-  <dgm:styleLbl name="trBgShp">
-    <dgm:scene3d>
-      <a:camera prst="orthographicFront"/>
-      <a:lightRig rig="threePt" dir="t"/>
-    </dgm:scene3d>
-    <dgm:sp3d z="-152400" prstMaterial="matte"/>
-    <dgm:txPr/>
-    <dgm:style>
-      <a:lnRef idx="0">
-        <a:scrgbClr r="0" g="0" b="0"/>
-      </a:lnRef>
-      <a:fillRef idx="1">
-        <a:scrgbClr r="0" g="0" b="0"/>
-      </a:fillRef>
-      <a:effectRef idx="0">
-        <a:scrgbClr r="0" g="0" b="0"/>
-      </a:effectRef>
-      <a:fontRef idx="minor"/>
-    </dgm:style>
-  </dgm:styleLbl>
-  <dgm:styleLbl name="fgShp">
-    <dgm:scene3d>
-      <a:camera prst="orthographicFront"/>
-      <a:lightRig rig="threePt" dir="t">
-        <a:rot lat="0" lon="0" rev="7500000"/>
-      </a:lightRig>
-    </dgm:scene3d>
-    <dgm:sp3d z="152400" extrusionH="63500" prstMaterial="matte">
-      <a:bevelT w="50800" h="19050" prst="relaxedInset"/>
-      <a:contourClr>
-        <a:schemeClr val="bg1"/>
-      </a:contourClr>
-    </dgm:sp3d>
-    <dgm:txPr/>
-    <dgm:style>
-      <a:lnRef idx="0">
-        <a:scrgbClr r="0" g="0" b="0"/>
-      </a:lnRef>
-      <a:fillRef idx="1">
-        <a:scrgbClr r="0" g="0" b="0"/>
-      </a:fillRef>
-      <a:effectRef idx="2">
-        <a:scrgbClr r="0" g="0" b="0"/>
-      </a:effectRef>
-      <a:fontRef idx="minor">
-        <a:schemeClr val="lt1"/>
-      </a:fontRef>
-    </dgm:style>
-  </dgm:styleLbl>
-  <dgm:styleLbl name="revTx">
-    <dgm:scene3d>
-      <a:camera prst="orthographicFront"/>
-      <a:lightRig rig="threePt" dir="t"/>
-    </dgm:scene3d>
-    <dgm:sp3d/>
-    <dgm:txPr/>
-    <dgm:style>
-      <a:lnRef idx="0">
-        <a:scrgbClr r="0" g="0" b="0"/>
-      </a:lnRef>
-      <a:fillRef idx="0">
-        <a:scrgbClr r="0" g="0" b="0"/>
-      </a:fillRef>
-      <a:effectRef idx="0">
-        <a:scrgbClr r="0" g="0" b="0"/>
-      </a:effectRef>
-      <a:fontRef idx="minor"/>
-    </dgm:style>
-  </dgm:styleLbl>
-</dgm:styleDef>
-</file>
-
-<file path=ppt/diagrams/quickStyle4.xml><?xml version="1.0" encoding="utf-8"?>
 <dgm:styleDef xmlns:dgm="http://schemas.openxmlformats.org/drawingml/2006/diagram" xmlns:a="http://schemas.openxmlformats.org/drawingml/2006/main" uniqueId="urn:microsoft.com/office/officeart/2005/8/quickstyle/3d2">
   <dgm:title val=""/>
   <dgm:desc val=""/>
@@ -23774,338 +19628,6 @@
 </file>
 
 <file path=ppt/slides/slide13.xml><?xml version="1.0" encoding="utf-8"?>
-<p:sld xmlns:a="http://schemas.openxmlformats.org/drawingml/2006/main" xmlns:r="http://schemas.openxmlformats.org/officeDocument/2006/relationships" xmlns:p="http://schemas.openxmlformats.org/presentationml/2006/main" show="0">
-  <p:cSld>
-    <p:spTree>
-      <p:nvGrpSpPr>
-        <p:cNvPr id="1" name=""/>
-        <p:cNvGrpSpPr/>
-        <p:nvPr/>
-      </p:nvGrpSpPr>
-      <p:grpSpPr>
-        <a:xfrm>
-          <a:off x="0" y="0"/>
-          <a:ext cx="0" cy="0"/>
-          <a:chOff x="0" y="0"/>
-          <a:chExt cx="0" cy="0"/>
-        </a:xfrm>
-      </p:grpSpPr>
-      <p:sp>
-        <p:nvSpPr>
-          <p:cNvPr id="137" name="TextShape 1"/>
-          <p:cNvSpPr txBox="1"/>
-          <p:nvPr/>
-        </p:nvSpPr>
-        <p:spPr>
-          <a:xfrm>
-            <a:off x="360000" y="228584"/>
-            <a:ext cx="9360000" cy="958680"/>
-          </a:xfrm>
-          <a:prstGeom prst="rect">
-            <a:avLst/>
-          </a:prstGeom>
-          <a:noFill/>
-          <a:ln>
-            <a:noFill/>
-          </a:ln>
-        </p:spPr>
-        <p:txBody>
-          <a:bodyPr lIns="0" tIns="0" rIns="0" bIns="0" anchor="ctr">
-            <a:noAutofit/>
-          </a:bodyPr>
-          <a:lstStyle/>
-          <a:p>
-            <a:r>
-              <a:rPr lang="en-US" sz="3600" b="1" strike="noStrike" spc="-1" dirty="0">
-                <a:solidFill>
-                  <a:srgbClr val="FFFFFF"/>
-                </a:solidFill>
-                <a:latin typeface="Noto Sans Black"/>
-              </a:rPr>
-              <a:t>Expected results </a:t>
-            </a:r>
-          </a:p>
-        </p:txBody>
-      </p:sp>
-      <p:graphicFrame>
-        <p:nvGraphicFramePr>
-          <p:cNvPr id="2" name="Diagram 1">
-            <a:extLst>
-              <a:ext uri="{FF2B5EF4-FFF2-40B4-BE49-F238E27FC236}">
-                <a16:creationId xmlns:a16="http://schemas.microsoft.com/office/drawing/2014/main" id="{9DCEEBBB-24B3-4B1E-BB38-D4E833AADA55}"/>
-              </a:ext>
-            </a:extLst>
-          </p:cNvPr>
-          <p:cNvGraphicFramePr/>
-          <p:nvPr>
-            <p:extLst>
-              <p:ext uri="{D42A27DB-BD31-4B8C-83A1-F6EECF244321}">
-                <p14:modId xmlns:p14="http://schemas.microsoft.com/office/powerpoint/2010/main" val="3446756876"/>
-              </p:ext>
-            </p:extLst>
-          </p:nvPr>
-        </p:nvGraphicFramePr>
-        <p:xfrm>
-          <a:off x="0" y="1741009"/>
-          <a:ext cx="9360000" cy="5040000"/>
-        </p:xfrm>
-        <a:graphic>
-          <a:graphicData uri="http://schemas.openxmlformats.org/drawingml/2006/diagram">
-            <dgm:relIds xmlns:dgm="http://schemas.openxmlformats.org/drawingml/2006/diagram" xmlns:r="http://schemas.openxmlformats.org/officeDocument/2006/relationships" r:dm="rId2" r:lo="rId3" r:qs="rId4" r:cs="rId5"/>
-          </a:graphicData>
-        </a:graphic>
-      </p:graphicFrame>
-      <p:sp>
-        <p:nvSpPr>
-          <p:cNvPr id="5" name="Oval 4">
-            <a:extLst>
-              <a:ext uri="{FF2B5EF4-FFF2-40B4-BE49-F238E27FC236}">
-                <a16:creationId xmlns:a16="http://schemas.microsoft.com/office/drawing/2014/main" id="{C3B7AC0D-190D-47FD-BE30-0FD7AD9209B4}"/>
-              </a:ext>
-            </a:extLst>
-          </p:cNvPr>
-          <p:cNvSpPr/>
-          <p:nvPr/>
-        </p:nvSpPr>
-        <p:spPr>
-          <a:xfrm>
-            <a:off x="9133608" y="6829527"/>
-            <a:ext cx="706582" cy="631144"/>
-          </a:xfrm>
-          <a:prstGeom prst="ellipse">
-            <a:avLst/>
-          </a:prstGeom>
-          <a:solidFill>
-            <a:schemeClr val="bg1"/>
-          </a:solidFill>
-          <a:ln>
-            <a:solidFill>
-              <a:schemeClr val="bg1"/>
-            </a:solidFill>
-          </a:ln>
-        </p:spPr>
-        <p:style>
-          <a:lnRef idx="2">
-            <a:schemeClr val="accent1">
-              <a:shade val="50000"/>
-            </a:schemeClr>
-          </a:lnRef>
-          <a:fillRef idx="1">
-            <a:schemeClr val="accent1"/>
-          </a:fillRef>
-          <a:effectRef idx="0">
-            <a:schemeClr val="accent1"/>
-          </a:effectRef>
-          <a:fontRef idx="minor">
-            <a:schemeClr val="lt1"/>
-          </a:fontRef>
-        </p:style>
-        <p:txBody>
-          <a:bodyPr rtlCol="0" anchor="ctr"/>
-          <a:lstStyle/>
-          <a:p>
-            <a:pPr algn="ctr"/>
-            <a:endParaRPr lang="en-US"/>
-          </a:p>
-        </p:txBody>
-      </p:sp>
-      <p:sp>
-        <p:nvSpPr>
-          <p:cNvPr id="6" name="Oval 5">
-            <a:extLst>
-              <a:ext uri="{FF2B5EF4-FFF2-40B4-BE49-F238E27FC236}">
-                <a16:creationId xmlns:a16="http://schemas.microsoft.com/office/drawing/2014/main" id="{F463A768-79B6-4907-91A5-4DFC99A0562F}"/>
-              </a:ext>
-            </a:extLst>
-          </p:cNvPr>
-          <p:cNvSpPr/>
-          <p:nvPr/>
-        </p:nvSpPr>
-        <p:spPr>
-          <a:xfrm>
-            <a:off x="131345" y="2143023"/>
-            <a:ext cx="1178560" cy="1156393"/>
-          </a:xfrm>
-          <a:prstGeom prst="ellipse">
-            <a:avLst/>
-          </a:prstGeom>
-          <a:solidFill>
-            <a:schemeClr val="bg1"/>
-          </a:solidFill>
-          <a:ln>
-            <a:solidFill>
-              <a:schemeClr val="bg1"/>
-            </a:solidFill>
-          </a:ln>
-        </p:spPr>
-        <p:style>
-          <a:lnRef idx="2">
-            <a:schemeClr val="accent1">
-              <a:shade val="50000"/>
-            </a:schemeClr>
-          </a:lnRef>
-          <a:fillRef idx="1">
-            <a:schemeClr val="accent1"/>
-          </a:fillRef>
-          <a:effectRef idx="0">
-            <a:schemeClr val="accent1"/>
-          </a:effectRef>
-          <a:fontRef idx="minor">
-            <a:schemeClr val="lt1"/>
-          </a:fontRef>
-        </p:style>
-        <p:txBody>
-          <a:bodyPr rtlCol="0" anchor="ctr"/>
-          <a:lstStyle/>
-          <a:p>
-            <a:pPr algn="ctr"/>
-            <a:r>
-              <a:rPr lang="en-US" sz="3000" b="1" dirty="0">
-                <a:solidFill>
-                  <a:srgbClr val="2C3E50"/>
-                </a:solidFill>
-              </a:rPr>
-              <a:t>1</a:t>
-            </a:r>
-          </a:p>
-        </p:txBody>
-      </p:sp>
-      <p:sp>
-        <p:nvSpPr>
-          <p:cNvPr id="7" name="Oval 6">
-            <a:extLst>
-              <a:ext uri="{FF2B5EF4-FFF2-40B4-BE49-F238E27FC236}">
-                <a16:creationId xmlns:a16="http://schemas.microsoft.com/office/drawing/2014/main" id="{8B8CE60A-9365-4AB1-B624-9582CE403E80}"/>
-              </a:ext>
-            </a:extLst>
-          </p:cNvPr>
-          <p:cNvSpPr/>
-          <p:nvPr/>
-        </p:nvSpPr>
-        <p:spPr>
-          <a:xfrm>
-            <a:off x="476785" y="3682062"/>
-            <a:ext cx="1178560" cy="1156393"/>
-          </a:xfrm>
-          <a:prstGeom prst="ellipse">
-            <a:avLst/>
-          </a:prstGeom>
-          <a:solidFill>
-            <a:schemeClr val="bg1"/>
-          </a:solidFill>
-          <a:ln>
-            <a:solidFill>
-              <a:schemeClr val="bg1"/>
-            </a:solidFill>
-          </a:ln>
-        </p:spPr>
-        <p:style>
-          <a:lnRef idx="2">
-            <a:schemeClr val="accent1">
-              <a:shade val="50000"/>
-            </a:schemeClr>
-          </a:lnRef>
-          <a:fillRef idx="1">
-            <a:schemeClr val="accent1"/>
-          </a:fillRef>
-          <a:effectRef idx="0">
-            <a:schemeClr val="accent1"/>
-          </a:effectRef>
-          <a:fontRef idx="minor">
-            <a:schemeClr val="lt1"/>
-          </a:fontRef>
-        </p:style>
-        <p:txBody>
-          <a:bodyPr rtlCol="0" anchor="ctr"/>
-          <a:lstStyle/>
-          <a:p>
-            <a:pPr algn="ctr"/>
-            <a:r>
-              <a:rPr lang="en-US" sz="3000" b="1" dirty="0">
-                <a:solidFill>
-                  <a:srgbClr val="2C3E50"/>
-                </a:solidFill>
-              </a:rPr>
-              <a:t>2</a:t>
-            </a:r>
-          </a:p>
-        </p:txBody>
-      </p:sp>
-      <p:sp>
-        <p:nvSpPr>
-          <p:cNvPr id="8" name="Oval 7">
-            <a:extLst>
-              <a:ext uri="{FF2B5EF4-FFF2-40B4-BE49-F238E27FC236}">
-                <a16:creationId xmlns:a16="http://schemas.microsoft.com/office/drawing/2014/main" id="{214126BA-683D-4F49-BCCA-6A8FEABA62A1}"/>
-              </a:ext>
-            </a:extLst>
-          </p:cNvPr>
-          <p:cNvSpPr/>
-          <p:nvPr/>
-        </p:nvSpPr>
-        <p:spPr>
-          <a:xfrm>
-            <a:off x="89970" y="5221101"/>
-            <a:ext cx="1178560" cy="1156393"/>
-          </a:xfrm>
-          <a:prstGeom prst="ellipse">
-            <a:avLst/>
-          </a:prstGeom>
-          <a:solidFill>
-            <a:schemeClr val="bg1"/>
-          </a:solidFill>
-          <a:ln>
-            <a:solidFill>
-              <a:schemeClr val="bg1"/>
-            </a:solidFill>
-          </a:ln>
-        </p:spPr>
-        <p:style>
-          <a:lnRef idx="2">
-            <a:schemeClr val="accent1">
-              <a:shade val="50000"/>
-            </a:schemeClr>
-          </a:lnRef>
-          <a:fillRef idx="1">
-            <a:schemeClr val="accent1"/>
-          </a:fillRef>
-          <a:effectRef idx="0">
-            <a:schemeClr val="accent1"/>
-          </a:effectRef>
-          <a:fontRef idx="minor">
-            <a:schemeClr val="lt1"/>
-          </a:fontRef>
-        </p:style>
-        <p:txBody>
-          <a:bodyPr rtlCol="0" anchor="ctr"/>
-          <a:lstStyle/>
-          <a:p>
-            <a:pPr algn="ctr"/>
-            <a:r>
-              <a:rPr lang="en-US" sz="3000" b="1" dirty="0">
-                <a:solidFill>
-                  <a:srgbClr val="2C3E50"/>
-                </a:solidFill>
-              </a:rPr>
-              <a:t>3</a:t>
-            </a:r>
-          </a:p>
-        </p:txBody>
-      </p:sp>
-    </p:spTree>
-    <p:extLst>
-      <p:ext uri="{BB962C8B-B14F-4D97-AF65-F5344CB8AC3E}">
-        <p14:creationId xmlns:p14="http://schemas.microsoft.com/office/powerpoint/2010/main" val="2303038737"/>
-      </p:ext>
-    </p:extLst>
-  </p:cSld>
-  <p:clrMapOvr>
-    <a:masterClrMapping/>
-  </p:clrMapOvr>
-</p:sld>
-</file>
-
-<file path=ppt/slides/slide14.xml><?xml version="1.0" encoding="utf-8"?>
 <p:sld xmlns:a="http://schemas.openxmlformats.org/drawingml/2006/main" xmlns:r="http://schemas.openxmlformats.org/officeDocument/2006/relationships" xmlns:p="http://schemas.openxmlformats.org/presentationml/2006/main">
   <p:cSld>
     <p:spTree>
